--- a/FluidOperations.pptx
+++ b/FluidOperations.pptx
@@ -2,18 +2,22 @@
 <file path=ppt/presentation.xml><?xml version="1.0" encoding="utf-8"?>
 <p:presentation xmlns:a="http://schemas.openxmlformats.org/drawingml/2006/main" xmlns:r="http://schemas.openxmlformats.org/officeDocument/2006/relationships" xmlns:p="http://schemas.openxmlformats.org/presentationml/2006/main" saveSubsetFonts="1">
   <p:sldMasterIdLst>
-    <p:sldMasterId id="2147483648" r:id="rId1"/>
+    <p:sldMasterId id="2147483660" r:id="rId1"/>
   </p:sldMasterIdLst>
   <p:sldIdLst>
     <p:sldId id="256" r:id="rId2"/>
+    <p:sldId id="257" r:id="rId3"/>
+    <p:sldId id="258" r:id="rId4"/>
+    <p:sldId id="259" r:id="rId5"/>
+    <p:sldId id="260" r:id="rId6"/>
   </p:sldIdLst>
-  <p:sldSz cx="12192000" cy="6858000"/>
+  <p:sldSz cx="8686800" cy="12192000"/>
   <p:notesSz cx="6858000" cy="9144000"/>
   <p:defaultTextStyle>
     <a:defPPr>
       <a:defRPr lang="en-US"/>
     </a:defPPr>
-    <a:lvl1pPr marL="0" algn="l" defTabSz="914400" rtl="0" eaLnBrk="1" latinLnBrk="0" hangingPunct="1">
+    <a:lvl1pPr marL="0" algn="l" defTabSz="457200" rtl="0" eaLnBrk="1" latinLnBrk="0" hangingPunct="1">
       <a:defRPr sz="1800" kern="1200">
         <a:solidFill>
           <a:schemeClr val="tx1"/>
@@ -23,7 +27,7 @@
         <a:cs typeface="+mn-cs"/>
       </a:defRPr>
     </a:lvl1pPr>
-    <a:lvl2pPr marL="457200" algn="l" defTabSz="914400" rtl="0" eaLnBrk="1" latinLnBrk="0" hangingPunct="1">
+    <a:lvl2pPr marL="457200" algn="l" defTabSz="457200" rtl="0" eaLnBrk="1" latinLnBrk="0" hangingPunct="1">
       <a:defRPr sz="1800" kern="1200">
         <a:solidFill>
           <a:schemeClr val="tx1"/>
@@ -33,7 +37,7 @@
         <a:cs typeface="+mn-cs"/>
       </a:defRPr>
     </a:lvl2pPr>
-    <a:lvl3pPr marL="914400" algn="l" defTabSz="914400" rtl="0" eaLnBrk="1" latinLnBrk="0" hangingPunct="1">
+    <a:lvl3pPr marL="914400" algn="l" defTabSz="457200" rtl="0" eaLnBrk="1" latinLnBrk="0" hangingPunct="1">
       <a:defRPr sz="1800" kern="1200">
         <a:solidFill>
           <a:schemeClr val="tx1"/>
@@ -43,7 +47,7 @@
         <a:cs typeface="+mn-cs"/>
       </a:defRPr>
     </a:lvl3pPr>
-    <a:lvl4pPr marL="1371600" algn="l" defTabSz="914400" rtl="0" eaLnBrk="1" latinLnBrk="0" hangingPunct="1">
+    <a:lvl4pPr marL="1371600" algn="l" defTabSz="457200" rtl="0" eaLnBrk="1" latinLnBrk="0" hangingPunct="1">
       <a:defRPr sz="1800" kern="1200">
         <a:solidFill>
           <a:schemeClr val="tx1"/>
@@ -53,7 +57,7 @@
         <a:cs typeface="+mn-cs"/>
       </a:defRPr>
     </a:lvl4pPr>
-    <a:lvl5pPr marL="1828800" algn="l" defTabSz="914400" rtl="0" eaLnBrk="1" latinLnBrk="0" hangingPunct="1">
+    <a:lvl5pPr marL="1828800" algn="l" defTabSz="457200" rtl="0" eaLnBrk="1" latinLnBrk="0" hangingPunct="1">
       <a:defRPr sz="1800" kern="1200">
         <a:solidFill>
           <a:schemeClr val="tx1"/>
@@ -63,7 +67,7 @@
         <a:cs typeface="+mn-cs"/>
       </a:defRPr>
     </a:lvl5pPr>
-    <a:lvl6pPr marL="2286000" algn="l" defTabSz="914400" rtl="0" eaLnBrk="1" latinLnBrk="0" hangingPunct="1">
+    <a:lvl6pPr marL="2286000" algn="l" defTabSz="457200" rtl="0" eaLnBrk="1" latinLnBrk="0" hangingPunct="1">
       <a:defRPr sz="1800" kern="1200">
         <a:solidFill>
           <a:schemeClr val="tx1"/>
@@ -73,7 +77,7 @@
         <a:cs typeface="+mn-cs"/>
       </a:defRPr>
     </a:lvl6pPr>
-    <a:lvl7pPr marL="2743200" algn="l" defTabSz="914400" rtl="0" eaLnBrk="1" latinLnBrk="0" hangingPunct="1">
+    <a:lvl7pPr marL="2743200" algn="l" defTabSz="457200" rtl="0" eaLnBrk="1" latinLnBrk="0" hangingPunct="1">
       <a:defRPr sz="1800" kern="1200">
         <a:solidFill>
           <a:schemeClr val="tx1"/>
@@ -83,7 +87,7 @@
         <a:cs typeface="+mn-cs"/>
       </a:defRPr>
     </a:lvl7pPr>
-    <a:lvl8pPr marL="3200400" algn="l" defTabSz="914400" rtl="0" eaLnBrk="1" latinLnBrk="0" hangingPunct="1">
+    <a:lvl8pPr marL="3200400" algn="l" defTabSz="457200" rtl="0" eaLnBrk="1" latinLnBrk="0" hangingPunct="1">
       <a:defRPr sz="1800" kern="1200">
         <a:solidFill>
           <a:schemeClr val="tx1"/>
@@ -93,7 +97,7 @@
         <a:cs typeface="+mn-cs"/>
       </a:defRPr>
     </a:lvl8pPr>
-    <a:lvl9pPr marL="3657600" algn="l" defTabSz="914400" rtl="0" eaLnBrk="1" latinLnBrk="0" hangingPunct="1">
+    <a:lvl9pPr marL="3657600" algn="l" defTabSz="457200" rtl="0" eaLnBrk="1" latinLnBrk="0" hangingPunct="1">
       <a:defRPr sz="1800" kern="1200">
         <a:solidFill>
           <a:schemeClr val="tx1"/>
@@ -104,6 +108,28 @@
       </a:defRPr>
     </a:lvl9pPr>
   </p:defaultTextStyle>
+  <p:extLst>
+    <p:ext uri="{521415D9-36F7-43E2-AB2F-B90AF26B5E84}">
+      <p14:sectionLst xmlns:p14="http://schemas.microsoft.com/office/powerpoint/2010/main">
+        <p14:section name="Course Info" id="{287224A8-332E-413E-8629-BFA2A2D25D7B}">
+          <p14:sldIdLst>
+            <p14:sldId id="256"/>
+            <p14:sldId id="257"/>
+          </p14:sldIdLst>
+        </p14:section>
+        <p14:section name="Review and Introduction" id="{A29AC772-BF5C-4039-B59C-FF9AA59B2063}">
+          <p14:sldIdLst>
+            <p14:sldId id="258"/>
+            <p14:sldId id="259"/>
+            <p14:sldId id="260"/>
+          </p14:sldIdLst>
+        </p14:section>
+      </p14:sectionLst>
+    </p:ext>
+    <p:ext uri="{EFAFB233-063F-42B5-8137-9DF3F51BA10A}">
+      <p15:sldGuideLst xmlns:p15="http://schemas.microsoft.com/office/powerpoint/2012/main"/>
+    </p:ext>
+  </p:extLst>
 </p:presentation>
 </file>
 
@@ -155,13 +181,7 @@
       </p:grpSpPr>
       <p:sp>
         <p:nvSpPr>
-          <p:cNvPr id="2" name="Title 1">
-            <a:extLst>
-              <a:ext uri="{FF2B5EF4-FFF2-40B4-BE49-F238E27FC236}">
-                <a16:creationId xmlns:a16="http://schemas.microsoft.com/office/drawing/2014/main" id="{177FBA68-9658-BCB2-8529-FFA4FD59546E}"/>
-              </a:ext>
-            </a:extLst>
-          </p:cNvPr>
+          <p:cNvPr id="2" name="Title 1"/>
           <p:cNvSpPr>
             <a:spLocks noGrp="1"/>
           </p:cNvSpPr>
@@ -171,15 +191,15 @@
         </p:nvSpPr>
         <p:spPr>
           <a:xfrm>
-            <a:off x="1524000" y="1122363"/>
-            <a:ext cx="9144000" cy="2387600"/>
+            <a:off x="651510" y="1995312"/>
+            <a:ext cx="7383780" cy="4244622"/>
           </a:xfrm>
         </p:spPr>
         <p:txBody>
           <a:bodyPr anchor="b"/>
           <a:lstStyle>
             <a:lvl1pPr algn="ctr">
-              <a:defRPr sz="6000"/>
+              <a:defRPr sz="5700"/>
             </a:lvl1pPr>
           </a:lstStyle>
           <a:p>
@@ -187,18 +207,13 @@
               <a:rPr lang="en-US"/>
               <a:t>Click to edit Master title style</a:t>
             </a:r>
+            <a:endParaRPr lang="en-US" dirty="0"/>
           </a:p>
         </p:txBody>
       </p:sp>
       <p:sp>
         <p:nvSpPr>
-          <p:cNvPr id="3" name="Subtitle 2">
-            <a:extLst>
-              <a:ext uri="{FF2B5EF4-FFF2-40B4-BE49-F238E27FC236}">
-                <a16:creationId xmlns:a16="http://schemas.microsoft.com/office/drawing/2014/main" id="{82A49A3E-3F49-2BC3-78D1-9B9BBC58A147}"/>
-              </a:ext>
-            </a:extLst>
-          </p:cNvPr>
+          <p:cNvPr id="3" name="Subtitle 2"/>
           <p:cNvSpPr>
             <a:spLocks noGrp="1"/>
           </p:cNvSpPr>
@@ -208,8 +223,8 @@
         </p:nvSpPr>
         <p:spPr>
           <a:xfrm>
-            <a:off x="1524000" y="3602038"/>
-            <a:ext cx="9144000" cy="1655762"/>
+            <a:off x="1085850" y="6403623"/>
+            <a:ext cx="6515100" cy="2943577"/>
           </a:xfrm>
         </p:spPr>
         <p:txBody>
@@ -217,39 +232,39 @@
           <a:lstStyle>
             <a:lvl1pPr marL="0" indent="0" algn="ctr">
               <a:buNone/>
-              <a:defRPr sz="2400"/>
+              <a:defRPr sz="2280"/>
             </a:lvl1pPr>
-            <a:lvl2pPr marL="457200" indent="0" algn="ctr">
+            <a:lvl2pPr marL="434340" indent="0" algn="ctr">
               <a:buNone/>
-              <a:defRPr sz="2000"/>
+              <a:defRPr sz="1900"/>
             </a:lvl2pPr>
-            <a:lvl3pPr marL="914400" indent="0" algn="ctr">
+            <a:lvl3pPr marL="868680" indent="0" algn="ctr">
               <a:buNone/>
-              <a:defRPr sz="1800"/>
+              <a:defRPr sz="1710"/>
             </a:lvl3pPr>
-            <a:lvl4pPr marL="1371600" indent="0" algn="ctr">
+            <a:lvl4pPr marL="1303020" indent="0" algn="ctr">
               <a:buNone/>
-              <a:defRPr sz="1600"/>
+              <a:defRPr sz="1520"/>
             </a:lvl4pPr>
-            <a:lvl5pPr marL="1828800" indent="0" algn="ctr">
+            <a:lvl5pPr marL="1737360" indent="0" algn="ctr">
               <a:buNone/>
-              <a:defRPr sz="1600"/>
+              <a:defRPr sz="1520"/>
             </a:lvl5pPr>
-            <a:lvl6pPr marL="2286000" indent="0" algn="ctr">
+            <a:lvl6pPr marL="2171700" indent="0" algn="ctr">
               <a:buNone/>
-              <a:defRPr sz="1600"/>
+              <a:defRPr sz="1520"/>
             </a:lvl6pPr>
-            <a:lvl7pPr marL="2743200" indent="0" algn="ctr">
+            <a:lvl7pPr marL="2606040" indent="0" algn="ctr">
               <a:buNone/>
-              <a:defRPr sz="1600"/>
+              <a:defRPr sz="1520"/>
             </a:lvl7pPr>
-            <a:lvl8pPr marL="3200400" indent="0" algn="ctr">
+            <a:lvl8pPr marL="3040380" indent="0" algn="ctr">
               <a:buNone/>
-              <a:defRPr sz="1600"/>
+              <a:defRPr sz="1520"/>
             </a:lvl8pPr>
-            <a:lvl9pPr marL="3657600" indent="0" algn="ctr">
+            <a:lvl9pPr marL="3474720" indent="0" algn="ctr">
               <a:buNone/>
-              <a:defRPr sz="1600"/>
+              <a:defRPr sz="1520"/>
             </a:lvl9pPr>
           </a:lstStyle>
           <a:p>
@@ -257,18 +272,13 @@
               <a:rPr lang="en-US"/>
               <a:t>Click to edit Master subtitle style</a:t>
             </a:r>
+            <a:endParaRPr lang="en-US" dirty="0"/>
           </a:p>
         </p:txBody>
       </p:sp>
       <p:sp>
         <p:nvSpPr>
-          <p:cNvPr id="4" name="Date Placeholder 3">
-            <a:extLst>
-              <a:ext uri="{FF2B5EF4-FFF2-40B4-BE49-F238E27FC236}">
-                <a16:creationId xmlns:a16="http://schemas.microsoft.com/office/drawing/2014/main" id="{914EF8C6-3BE6-04D7-0F30-7706E673800C}"/>
-              </a:ext>
-            </a:extLst>
-          </p:cNvPr>
+          <p:cNvPr id="4" name="Date Placeholder 3"/>
           <p:cNvSpPr>
             <a:spLocks noGrp="1"/>
           </p:cNvSpPr>
@@ -283,7 +293,7 @@
           <a:p>
             <a:fld id="{8C2BDFC8-6F8C-4A1A-A5EA-5DE0BFD390AC}" type="datetimeFigureOut">
               <a:rPr lang="en-US" smtClean="0"/>
-              <a:t>8/20/2024</a:t>
+              <a:t>8/21/2024</a:t>
             </a:fld>
             <a:endParaRPr lang="en-US"/>
           </a:p>
@@ -291,13 +301,7 @@
       </p:sp>
       <p:sp>
         <p:nvSpPr>
-          <p:cNvPr id="5" name="Footer Placeholder 4">
-            <a:extLst>
-              <a:ext uri="{FF2B5EF4-FFF2-40B4-BE49-F238E27FC236}">
-                <a16:creationId xmlns:a16="http://schemas.microsoft.com/office/drawing/2014/main" id="{82B318C7-9755-DF18-573D-EB4591AA3272}"/>
-              </a:ext>
-            </a:extLst>
-          </p:cNvPr>
+          <p:cNvPr id="5" name="Footer Placeholder 4"/>
           <p:cNvSpPr>
             <a:spLocks noGrp="1"/>
           </p:cNvSpPr>
@@ -316,13 +320,7 @@
       </p:sp>
       <p:sp>
         <p:nvSpPr>
-          <p:cNvPr id="6" name="Slide Number Placeholder 5">
-            <a:extLst>
-              <a:ext uri="{FF2B5EF4-FFF2-40B4-BE49-F238E27FC236}">
-                <a16:creationId xmlns:a16="http://schemas.microsoft.com/office/drawing/2014/main" id="{6C797D8D-2950-1A7D-E16C-1385F3EAD00D}"/>
-              </a:ext>
-            </a:extLst>
-          </p:cNvPr>
+          <p:cNvPr id="6" name="Slide Number Placeholder 5"/>
           <p:cNvSpPr>
             <a:spLocks noGrp="1"/>
           </p:cNvSpPr>
@@ -346,7 +344,7 @@
     </p:spTree>
     <p:extLst>
       <p:ext uri="{BB962C8B-B14F-4D97-AF65-F5344CB8AC3E}">
-        <p14:creationId xmlns:p14="http://schemas.microsoft.com/office/powerpoint/2010/main" val="368535822"/>
+        <p14:creationId xmlns:p14="http://schemas.microsoft.com/office/powerpoint/2010/main" val="1880804300"/>
       </p:ext>
     </p:extLst>
   </p:cSld>
@@ -375,13 +373,7 @@
       </p:grpSpPr>
       <p:sp>
         <p:nvSpPr>
-          <p:cNvPr id="2" name="Title 1">
-            <a:extLst>
-              <a:ext uri="{FF2B5EF4-FFF2-40B4-BE49-F238E27FC236}">
-                <a16:creationId xmlns:a16="http://schemas.microsoft.com/office/drawing/2014/main" id="{4F5D1903-E8B2-AA85-0399-FE4708A860D1}"/>
-              </a:ext>
-            </a:extLst>
-          </p:cNvPr>
+          <p:cNvPr id="2" name="Title 1"/>
           <p:cNvSpPr>
             <a:spLocks noGrp="1"/>
           </p:cNvSpPr>
@@ -398,18 +390,13 @@
               <a:rPr lang="en-US"/>
               <a:t>Click to edit Master title style</a:t>
             </a:r>
+            <a:endParaRPr lang="en-US" dirty="0"/>
           </a:p>
         </p:txBody>
       </p:sp>
       <p:sp>
         <p:nvSpPr>
-          <p:cNvPr id="3" name="Vertical Text Placeholder 2">
-            <a:extLst>
-              <a:ext uri="{FF2B5EF4-FFF2-40B4-BE49-F238E27FC236}">
-                <a16:creationId xmlns:a16="http://schemas.microsoft.com/office/drawing/2014/main" id="{AEFFF651-2884-6D80-24F1-A8E836C4F5AC}"/>
-              </a:ext>
-            </a:extLst>
-          </p:cNvPr>
+          <p:cNvPr id="3" name="Vertical Text Placeholder 2"/>
           <p:cNvSpPr>
             <a:spLocks noGrp="1"/>
           </p:cNvSpPr>
@@ -455,18 +442,13 @@
               <a:rPr lang="en-US"/>
               <a:t>Fifth level</a:t>
             </a:r>
+            <a:endParaRPr lang="en-US" dirty="0"/>
           </a:p>
         </p:txBody>
       </p:sp>
       <p:sp>
         <p:nvSpPr>
-          <p:cNvPr id="4" name="Date Placeholder 3">
-            <a:extLst>
-              <a:ext uri="{FF2B5EF4-FFF2-40B4-BE49-F238E27FC236}">
-                <a16:creationId xmlns:a16="http://schemas.microsoft.com/office/drawing/2014/main" id="{35A454EC-4535-DB06-A899-32D53FB01F9A}"/>
-              </a:ext>
-            </a:extLst>
-          </p:cNvPr>
+          <p:cNvPr id="4" name="Date Placeholder 3"/>
           <p:cNvSpPr>
             <a:spLocks noGrp="1"/>
           </p:cNvSpPr>
@@ -481,7 +463,7 @@
           <a:p>
             <a:fld id="{8C2BDFC8-6F8C-4A1A-A5EA-5DE0BFD390AC}" type="datetimeFigureOut">
               <a:rPr lang="en-US" smtClean="0"/>
-              <a:t>8/20/2024</a:t>
+              <a:t>8/21/2024</a:t>
             </a:fld>
             <a:endParaRPr lang="en-US"/>
           </a:p>
@@ -489,13 +471,7 @@
       </p:sp>
       <p:sp>
         <p:nvSpPr>
-          <p:cNvPr id="5" name="Footer Placeholder 4">
-            <a:extLst>
-              <a:ext uri="{FF2B5EF4-FFF2-40B4-BE49-F238E27FC236}">
-                <a16:creationId xmlns:a16="http://schemas.microsoft.com/office/drawing/2014/main" id="{50C452B7-C866-EECB-F0E9-BC59879701D2}"/>
-              </a:ext>
-            </a:extLst>
-          </p:cNvPr>
+          <p:cNvPr id="5" name="Footer Placeholder 4"/>
           <p:cNvSpPr>
             <a:spLocks noGrp="1"/>
           </p:cNvSpPr>
@@ -514,13 +490,7 @@
       </p:sp>
       <p:sp>
         <p:nvSpPr>
-          <p:cNvPr id="6" name="Slide Number Placeholder 5">
-            <a:extLst>
-              <a:ext uri="{FF2B5EF4-FFF2-40B4-BE49-F238E27FC236}">
-                <a16:creationId xmlns:a16="http://schemas.microsoft.com/office/drawing/2014/main" id="{E4C835CA-C61F-6ED1-6FB1-DCF23ED7AF86}"/>
-              </a:ext>
-            </a:extLst>
-          </p:cNvPr>
+          <p:cNvPr id="6" name="Slide Number Placeholder 5"/>
           <p:cNvSpPr>
             <a:spLocks noGrp="1"/>
           </p:cNvSpPr>
@@ -544,7 +514,7 @@
     </p:spTree>
     <p:extLst>
       <p:ext uri="{BB962C8B-B14F-4D97-AF65-F5344CB8AC3E}">
-        <p14:creationId xmlns:p14="http://schemas.microsoft.com/office/powerpoint/2010/main" val="509954600"/>
+        <p14:creationId xmlns:p14="http://schemas.microsoft.com/office/powerpoint/2010/main" val="4235200599"/>
       </p:ext>
     </p:extLst>
   </p:cSld>
@@ -573,13 +543,7 @@
       </p:grpSpPr>
       <p:sp>
         <p:nvSpPr>
-          <p:cNvPr id="2" name="Vertical Title 1">
-            <a:extLst>
-              <a:ext uri="{FF2B5EF4-FFF2-40B4-BE49-F238E27FC236}">
-                <a16:creationId xmlns:a16="http://schemas.microsoft.com/office/drawing/2014/main" id="{6ADA9E44-D475-01A6-822B-0C1930D288A3}"/>
-              </a:ext>
-            </a:extLst>
-          </p:cNvPr>
+          <p:cNvPr id="2" name="Vertical Title 1"/>
           <p:cNvSpPr>
             <a:spLocks noGrp="1"/>
           </p:cNvSpPr>
@@ -589,8 +553,8 @@
         </p:nvSpPr>
         <p:spPr>
           <a:xfrm>
-            <a:off x="8724900" y="365125"/>
-            <a:ext cx="2628900" cy="5811838"/>
+            <a:off x="6216492" y="649111"/>
+            <a:ext cx="1873091" cy="10332156"/>
           </a:xfrm>
         </p:spPr>
         <p:txBody>
@@ -601,18 +565,13 @@
               <a:rPr lang="en-US"/>
               <a:t>Click to edit Master title style</a:t>
             </a:r>
+            <a:endParaRPr lang="en-US" dirty="0"/>
           </a:p>
         </p:txBody>
       </p:sp>
       <p:sp>
         <p:nvSpPr>
-          <p:cNvPr id="3" name="Vertical Text Placeholder 2">
-            <a:extLst>
-              <a:ext uri="{FF2B5EF4-FFF2-40B4-BE49-F238E27FC236}">
-                <a16:creationId xmlns:a16="http://schemas.microsoft.com/office/drawing/2014/main" id="{C68849E4-D69B-99AF-27F6-45F4F97DE279}"/>
-              </a:ext>
-            </a:extLst>
-          </p:cNvPr>
+          <p:cNvPr id="3" name="Vertical Text Placeholder 2"/>
           <p:cNvSpPr>
             <a:spLocks noGrp="1"/>
           </p:cNvSpPr>
@@ -622,8 +581,8 @@
         </p:nvSpPr>
         <p:spPr>
           <a:xfrm>
-            <a:off x="838200" y="365125"/>
-            <a:ext cx="7734300" cy="5811838"/>
+            <a:off x="597218" y="649111"/>
+            <a:ext cx="5510689" cy="10332156"/>
           </a:xfrm>
         </p:spPr>
         <p:txBody>
@@ -663,18 +622,13 @@
               <a:rPr lang="en-US"/>
               <a:t>Fifth level</a:t>
             </a:r>
+            <a:endParaRPr lang="en-US" dirty="0"/>
           </a:p>
         </p:txBody>
       </p:sp>
       <p:sp>
         <p:nvSpPr>
-          <p:cNvPr id="4" name="Date Placeholder 3">
-            <a:extLst>
-              <a:ext uri="{FF2B5EF4-FFF2-40B4-BE49-F238E27FC236}">
-                <a16:creationId xmlns:a16="http://schemas.microsoft.com/office/drawing/2014/main" id="{59F5D305-2DD2-A0E4-D8B0-0BDCF616A679}"/>
-              </a:ext>
-            </a:extLst>
-          </p:cNvPr>
+          <p:cNvPr id="4" name="Date Placeholder 3"/>
           <p:cNvSpPr>
             <a:spLocks noGrp="1"/>
           </p:cNvSpPr>
@@ -689,7 +643,7 @@
           <a:p>
             <a:fld id="{8C2BDFC8-6F8C-4A1A-A5EA-5DE0BFD390AC}" type="datetimeFigureOut">
               <a:rPr lang="en-US" smtClean="0"/>
-              <a:t>8/20/2024</a:t>
+              <a:t>8/21/2024</a:t>
             </a:fld>
             <a:endParaRPr lang="en-US"/>
           </a:p>
@@ -697,13 +651,7 @@
       </p:sp>
       <p:sp>
         <p:nvSpPr>
-          <p:cNvPr id="5" name="Footer Placeholder 4">
-            <a:extLst>
-              <a:ext uri="{FF2B5EF4-FFF2-40B4-BE49-F238E27FC236}">
-                <a16:creationId xmlns:a16="http://schemas.microsoft.com/office/drawing/2014/main" id="{74835379-1AB1-C72D-7F37-7FAA67D043F4}"/>
-              </a:ext>
-            </a:extLst>
-          </p:cNvPr>
+          <p:cNvPr id="5" name="Footer Placeholder 4"/>
           <p:cNvSpPr>
             <a:spLocks noGrp="1"/>
           </p:cNvSpPr>
@@ -722,13 +670,7 @@
       </p:sp>
       <p:sp>
         <p:nvSpPr>
-          <p:cNvPr id="6" name="Slide Number Placeholder 5">
-            <a:extLst>
-              <a:ext uri="{FF2B5EF4-FFF2-40B4-BE49-F238E27FC236}">
-                <a16:creationId xmlns:a16="http://schemas.microsoft.com/office/drawing/2014/main" id="{5C0875CE-F001-E2D6-EEBE-E5E8A79736A2}"/>
-              </a:ext>
-            </a:extLst>
-          </p:cNvPr>
+          <p:cNvPr id="6" name="Slide Number Placeholder 5"/>
           <p:cNvSpPr>
             <a:spLocks noGrp="1"/>
           </p:cNvSpPr>
@@ -752,7 +694,7 @@
     </p:spTree>
     <p:extLst>
       <p:ext uri="{BB962C8B-B14F-4D97-AF65-F5344CB8AC3E}">
-        <p14:creationId xmlns:p14="http://schemas.microsoft.com/office/powerpoint/2010/main" val="1034854661"/>
+        <p14:creationId xmlns:p14="http://schemas.microsoft.com/office/powerpoint/2010/main" val="457524499"/>
       </p:ext>
     </p:extLst>
   </p:cSld>
@@ -781,13 +723,7 @@
       </p:grpSpPr>
       <p:sp>
         <p:nvSpPr>
-          <p:cNvPr id="2" name="Title 1">
-            <a:extLst>
-              <a:ext uri="{FF2B5EF4-FFF2-40B4-BE49-F238E27FC236}">
-                <a16:creationId xmlns:a16="http://schemas.microsoft.com/office/drawing/2014/main" id="{92FBA7EE-8163-164E-84D2-FF0618D07D32}"/>
-              </a:ext>
-            </a:extLst>
-          </p:cNvPr>
+          <p:cNvPr id="2" name="Title 1"/>
           <p:cNvSpPr>
             <a:spLocks noGrp="1"/>
           </p:cNvSpPr>
@@ -804,18 +740,13 @@
               <a:rPr lang="en-US"/>
               <a:t>Click to edit Master title style</a:t>
             </a:r>
+            <a:endParaRPr lang="en-US" dirty="0"/>
           </a:p>
         </p:txBody>
       </p:sp>
       <p:sp>
         <p:nvSpPr>
-          <p:cNvPr id="3" name="Content Placeholder 2">
-            <a:extLst>
-              <a:ext uri="{FF2B5EF4-FFF2-40B4-BE49-F238E27FC236}">
-                <a16:creationId xmlns:a16="http://schemas.microsoft.com/office/drawing/2014/main" id="{3B0BFC13-D5DC-FDFA-6E74-58FF82377604}"/>
-              </a:ext>
-            </a:extLst>
-          </p:cNvPr>
+          <p:cNvPr id="3" name="Content Placeholder 2"/>
           <p:cNvSpPr>
             <a:spLocks noGrp="1"/>
           </p:cNvSpPr>
@@ -861,18 +792,13 @@
               <a:rPr lang="en-US"/>
               <a:t>Fifth level</a:t>
             </a:r>
+            <a:endParaRPr lang="en-US" dirty="0"/>
           </a:p>
         </p:txBody>
       </p:sp>
       <p:sp>
         <p:nvSpPr>
-          <p:cNvPr id="4" name="Date Placeholder 3">
-            <a:extLst>
-              <a:ext uri="{FF2B5EF4-FFF2-40B4-BE49-F238E27FC236}">
-                <a16:creationId xmlns:a16="http://schemas.microsoft.com/office/drawing/2014/main" id="{EADA8EFB-9F74-6D28-EE98-AFE4E10F6C2D}"/>
-              </a:ext>
-            </a:extLst>
-          </p:cNvPr>
+          <p:cNvPr id="4" name="Date Placeholder 3"/>
           <p:cNvSpPr>
             <a:spLocks noGrp="1"/>
           </p:cNvSpPr>
@@ -887,7 +813,7 @@
           <a:p>
             <a:fld id="{8C2BDFC8-6F8C-4A1A-A5EA-5DE0BFD390AC}" type="datetimeFigureOut">
               <a:rPr lang="en-US" smtClean="0"/>
-              <a:t>8/20/2024</a:t>
+              <a:t>8/21/2024</a:t>
             </a:fld>
             <a:endParaRPr lang="en-US"/>
           </a:p>
@@ -895,13 +821,7 @@
       </p:sp>
       <p:sp>
         <p:nvSpPr>
-          <p:cNvPr id="5" name="Footer Placeholder 4">
-            <a:extLst>
-              <a:ext uri="{FF2B5EF4-FFF2-40B4-BE49-F238E27FC236}">
-                <a16:creationId xmlns:a16="http://schemas.microsoft.com/office/drawing/2014/main" id="{387DB903-080F-32C2-58D3-4A3BDED96FCC}"/>
-              </a:ext>
-            </a:extLst>
-          </p:cNvPr>
+          <p:cNvPr id="5" name="Footer Placeholder 4"/>
           <p:cNvSpPr>
             <a:spLocks noGrp="1"/>
           </p:cNvSpPr>
@@ -920,13 +840,7 @@
       </p:sp>
       <p:sp>
         <p:nvSpPr>
-          <p:cNvPr id="6" name="Slide Number Placeholder 5">
-            <a:extLst>
-              <a:ext uri="{FF2B5EF4-FFF2-40B4-BE49-F238E27FC236}">
-                <a16:creationId xmlns:a16="http://schemas.microsoft.com/office/drawing/2014/main" id="{5582B93E-E73B-C58E-EEB6-F8603DB616D9}"/>
-              </a:ext>
-            </a:extLst>
-          </p:cNvPr>
+          <p:cNvPr id="6" name="Slide Number Placeholder 5"/>
           <p:cNvSpPr>
             <a:spLocks noGrp="1"/>
           </p:cNvSpPr>
@@ -950,7 +864,7 @@
     </p:spTree>
     <p:extLst>
       <p:ext uri="{BB962C8B-B14F-4D97-AF65-F5344CB8AC3E}">
-        <p14:creationId xmlns:p14="http://schemas.microsoft.com/office/powerpoint/2010/main" val="444677514"/>
+        <p14:creationId xmlns:p14="http://schemas.microsoft.com/office/powerpoint/2010/main" val="2031418510"/>
       </p:ext>
     </p:extLst>
   </p:cSld>
@@ -979,13 +893,7 @@
       </p:grpSpPr>
       <p:sp>
         <p:nvSpPr>
-          <p:cNvPr id="2" name="Title 1">
-            <a:extLst>
-              <a:ext uri="{FF2B5EF4-FFF2-40B4-BE49-F238E27FC236}">
-                <a16:creationId xmlns:a16="http://schemas.microsoft.com/office/drawing/2014/main" id="{93360F2F-45D7-368F-0231-876F99027FA3}"/>
-              </a:ext>
-            </a:extLst>
-          </p:cNvPr>
+          <p:cNvPr id="2" name="Title 1"/>
           <p:cNvSpPr>
             <a:spLocks noGrp="1"/>
           </p:cNvSpPr>
@@ -995,15 +903,15 @@
         </p:nvSpPr>
         <p:spPr>
           <a:xfrm>
-            <a:off x="831850" y="1709738"/>
-            <a:ext cx="10515600" cy="2852737"/>
+            <a:off x="592694" y="3039537"/>
+            <a:ext cx="7492365" cy="5071532"/>
           </a:xfrm>
         </p:spPr>
         <p:txBody>
           <a:bodyPr anchor="b"/>
           <a:lstStyle>
             <a:lvl1pPr>
-              <a:defRPr sz="6000"/>
+              <a:defRPr sz="5700"/>
             </a:lvl1pPr>
           </a:lstStyle>
           <a:p>
@@ -1011,18 +919,13 @@
               <a:rPr lang="en-US"/>
               <a:t>Click to edit Master title style</a:t>
             </a:r>
+            <a:endParaRPr lang="en-US" dirty="0"/>
           </a:p>
         </p:txBody>
       </p:sp>
       <p:sp>
         <p:nvSpPr>
-          <p:cNvPr id="3" name="Text Placeholder 2">
-            <a:extLst>
-              <a:ext uri="{FF2B5EF4-FFF2-40B4-BE49-F238E27FC236}">
-                <a16:creationId xmlns:a16="http://schemas.microsoft.com/office/drawing/2014/main" id="{3FAE4DBC-D850-F327-9404-B860C22AD940}"/>
-              </a:ext>
-            </a:extLst>
-          </p:cNvPr>
+          <p:cNvPr id="3" name="Text Placeholder 2"/>
           <p:cNvSpPr>
             <a:spLocks noGrp="1"/>
           </p:cNvSpPr>
@@ -1032,8 +935,8 @@
         </p:nvSpPr>
         <p:spPr>
           <a:xfrm>
-            <a:off x="831850" y="4589463"/>
-            <a:ext cx="10515600" cy="1500187"/>
+            <a:off x="592694" y="8159048"/>
+            <a:ext cx="7492365" cy="2666999"/>
           </a:xfrm>
         </p:spPr>
         <p:txBody>
@@ -1041,7 +944,7 @@
           <a:lstStyle>
             <a:lvl1pPr marL="0" indent="0">
               <a:buNone/>
-              <a:defRPr sz="2400">
+              <a:defRPr sz="2280">
                 <a:solidFill>
                   <a:schemeClr val="tx1">
                     <a:tint val="82000"/>
@@ -1049,9 +952,9 @@
                 </a:solidFill>
               </a:defRPr>
             </a:lvl1pPr>
-            <a:lvl2pPr marL="457200" indent="0">
+            <a:lvl2pPr marL="434340" indent="0">
               <a:buNone/>
-              <a:defRPr sz="2000">
+              <a:defRPr sz="1900">
                 <a:solidFill>
                   <a:schemeClr val="tx1">
                     <a:tint val="82000"/>
@@ -1059,9 +962,9 @@
                 </a:solidFill>
               </a:defRPr>
             </a:lvl2pPr>
-            <a:lvl3pPr marL="914400" indent="0">
+            <a:lvl3pPr marL="868680" indent="0">
               <a:buNone/>
-              <a:defRPr sz="1800">
+              <a:defRPr sz="1710">
                 <a:solidFill>
                   <a:schemeClr val="tx1">
                     <a:tint val="82000"/>
@@ -1069,9 +972,9 @@
                 </a:solidFill>
               </a:defRPr>
             </a:lvl3pPr>
-            <a:lvl4pPr marL="1371600" indent="0">
+            <a:lvl4pPr marL="1303020" indent="0">
               <a:buNone/>
-              <a:defRPr sz="1600">
+              <a:defRPr sz="1520">
                 <a:solidFill>
                   <a:schemeClr val="tx1">
                     <a:tint val="82000"/>
@@ -1079,9 +982,9 @@
                 </a:solidFill>
               </a:defRPr>
             </a:lvl4pPr>
-            <a:lvl5pPr marL="1828800" indent="0">
+            <a:lvl5pPr marL="1737360" indent="0">
               <a:buNone/>
-              <a:defRPr sz="1600">
+              <a:defRPr sz="1520">
                 <a:solidFill>
                   <a:schemeClr val="tx1">
                     <a:tint val="82000"/>
@@ -1089,9 +992,9 @@
                 </a:solidFill>
               </a:defRPr>
             </a:lvl5pPr>
-            <a:lvl6pPr marL="2286000" indent="0">
+            <a:lvl6pPr marL="2171700" indent="0">
               <a:buNone/>
-              <a:defRPr sz="1600">
+              <a:defRPr sz="1520">
                 <a:solidFill>
                   <a:schemeClr val="tx1">
                     <a:tint val="82000"/>
@@ -1099,9 +1002,9 @@
                 </a:solidFill>
               </a:defRPr>
             </a:lvl6pPr>
-            <a:lvl7pPr marL="2743200" indent="0">
+            <a:lvl7pPr marL="2606040" indent="0">
               <a:buNone/>
-              <a:defRPr sz="1600">
+              <a:defRPr sz="1520">
                 <a:solidFill>
                   <a:schemeClr val="tx1">
                     <a:tint val="82000"/>
@@ -1109,9 +1012,9 @@
                 </a:solidFill>
               </a:defRPr>
             </a:lvl7pPr>
-            <a:lvl8pPr marL="3200400" indent="0">
+            <a:lvl8pPr marL="3040380" indent="0">
               <a:buNone/>
-              <a:defRPr sz="1600">
+              <a:defRPr sz="1520">
                 <a:solidFill>
                   <a:schemeClr val="tx1">
                     <a:tint val="82000"/>
@@ -1119,9 +1022,9 @@
                 </a:solidFill>
               </a:defRPr>
             </a:lvl8pPr>
-            <a:lvl9pPr marL="3657600" indent="0">
+            <a:lvl9pPr marL="3474720" indent="0">
               <a:buNone/>
-              <a:defRPr sz="1600">
+              <a:defRPr sz="1520">
                 <a:solidFill>
                   <a:schemeClr val="tx1">
                     <a:tint val="82000"/>
@@ -1141,13 +1044,7 @@
       </p:sp>
       <p:sp>
         <p:nvSpPr>
-          <p:cNvPr id="4" name="Date Placeholder 3">
-            <a:extLst>
-              <a:ext uri="{FF2B5EF4-FFF2-40B4-BE49-F238E27FC236}">
-                <a16:creationId xmlns:a16="http://schemas.microsoft.com/office/drawing/2014/main" id="{626E64FE-350C-0554-00D9-22C4D5049F0A}"/>
-              </a:ext>
-            </a:extLst>
-          </p:cNvPr>
+          <p:cNvPr id="4" name="Date Placeholder 3"/>
           <p:cNvSpPr>
             <a:spLocks noGrp="1"/>
           </p:cNvSpPr>
@@ -1162,7 +1059,7 @@
           <a:p>
             <a:fld id="{8C2BDFC8-6F8C-4A1A-A5EA-5DE0BFD390AC}" type="datetimeFigureOut">
               <a:rPr lang="en-US" smtClean="0"/>
-              <a:t>8/20/2024</a:t>
+              <a:t>8/21/2024</a:t>
             </a:fld>
             <a:endParaRPr lang="en-US"/>
           </a:p>
@@ -1170,13 +1067,7 @@
       </p:sp>
       <p:sp>
         <p:nvSpPr>
-          <p:cNvPr id="5" name="Footer Placeholder 4">
-            <a:extLst>
-              <a:ext uri="{FF2B5EF4-FFF2-40B4-BE49-F238E27FC236}">
-                <a16:creationId xmlns:a16="http://schemas.microsoft.com/office/drawing/2014/main" id="{330F656F-4C43-2B11-549C-919873DB9282}"/>
-              </a:ext>
-            </a:extLst>
-          </p:cNvPr>
+          <p:cNvPr id="5" name="Footer Placeholder 4"/>
           <p:cNvSpPr>
             <a:spLocks noGrp="1"/>
           </p:cNvSpPr>
@@ -1195,13 +1086,7 @@
       </p:sp>
       <p:sp>
         <p:nvSpPr>
-          <p:cNvPr id="6" name="Slide Number Placeholder 5">
-            <a:extLst>
-              <a:ext uri="{FF2B5EF4-FFF2-40B4-BE49-F238E27FC236}">
-                <a16:creationId xmlns:a16="http://schemas.microsoft.com/office/drawing/2014/main" id="{C36F20FC-93DB-27A8-C49E-E7913477DAD1}"/>
-              </a:ext>
-            </a:extLst>
-          </p:cNvPr>
+          <p:cNvPr id="6" name="Slide Number Placeholder 5"/>
           <p:cNvSpPr>
             <a:spLocks noGrp="1"/>
           </p:cNvSpPr>
@@ -1225,7 +1110,7 @@
     </p:spTree>
     <p:extLst>
       <p:ext uri="{BB962C8B-B14F-4D97-AF65-F5344CB8AC3E}">
-        <p14:creationId xmlns:p14="http://schemas.microsoft.com/office/powerpoint/2010/main" val="3682059027"/>
+        <p14:creationId xmlns:p14="http://schemas.microsoft.com/office/powerpoint/2010/main" val="4243017503"/>
       </p:ext>
     </p:extLst>
   </p:cSld>
@@ -1254,13 +1139,7 @@
       </p:grpSpPr>
       <p:sp>
         <p:nvSpPr>
-          <p:cNvPr id="2" name="Title 1">
-            <a:extLst>
-              <a:ext uri="{FF2B5EF4-FFF2-40B4-BE49-F238E27FC236}">
-                <a16:creationId xmlns:a16="http://schemas.microsoft.com/office/drawing/2014/main" id="{C6D4F5BB-C43D-D178-C4F1-C58A22F5B311}"/>
-              </a:ext>
-            </a:extLst>
-          </p:cNvPr>
+          <p:cNvPr id="2" name="Title 1"/>
           <p:cNvSpPr>
             <a:spLocks noGrp="1"/>
           </p:cNvSpPr>
@@ -1277,18 +1156,13 @@
               <a:rPr lang="en-US"/>
               <a:t>Click to edit Master title style</a:t>
             </a:r>
+            <a:endParaRPr lang="en-US" dirty="0"/>
           </a:p>
         </p:txBody>
       </p:sp>
       <p:sp>
         <p:nvSpPr>
-          <p:cNvPr id="3" name="Content Placeholder 2">
-            <a:extLst>
-              <a:ext uri="{FF2B5EF4-FFF2-40B4-BE49-F238E27FC236}">
-                <a16:creationId xmlns:a16="http://schemas.microsoft.com/office/drawing/2014/main" id="{9086A3C6-CF74-639A-754D-8D1B9354E7E0}"/>
-              </a:ext>
-            </a:extLst>
-          </p:cNvPr>
+          <p:cNvPr id="3" name="Content Placeholder 2"/>
           <p:cNvSpPr>
             <a:spLocks noGrp="1"/>
           </p:cNvSpPr>
@@ -1298,8 +1172,8 @@
         </p:nvSpPr>
         <p:spPr>
           <a:xfrm>
-            <a:off x="838200" y="1825625"/>
-            <a:ext cx="5181600" cy="4351338"/>
+            <a:off x="597218" y="3245556"/>
+            <a:ext cx="3691890" cy="7735712"/>
           </a:xfrm>
         </p:spPr>
         <p:txBody>
@@ -1339,18 +1213,13 @@
               <a:rPr lang="en-US"/>
               <a:t>Fifth level</a:t>
             </a:r>
+            <a:endParaRPr lang="en-US" dirty="0"/>
           </a:p>
         </p:txBody>
       </p:sp>
       <p:sp>
         <p:nvSpPr>
-          <p:cNvPr id="4" name="Content Placeholder 3">
-            <a:extLst>
-              <a:ext uri="{FF2B5EF4-FFF2-40B4-BE49-F238E27FC236}">
-                <a16:creationId xmlns:a16="http://schemas.microsoft.com/office/drawing/2014/main" id="{1499F559-CE2C-C02D-283C-F8E265ACA93A}"/>
-              </a:ext>
-            </a:extLst>
-          </p:cNvPr>
+          <p:cNvPr id="4" name="Content Placeholder 3"/>
           <p:cNvSpPr>
             <a:spLocks noGrp="1"/>
           </p:cNvSpPr>
@@ -1360,8 +1229,8 @@
         </p:nvSpPr>
         <p:spPr>
           <a:xfrm>
-            <a:off x="6172200" y="1825625"/>
-            <a:ext cx="5181600" cy="4351338"/>
+            <a:off x="4397693" y="3245556"/>
+            <a:ext cx="3691890" cy="7735712"/>
           </a:xfrm>
         </p:spPr>
         <p:txBody>
@@ -1401,18 +1270,13 @@
               <a:rPr lang="en-US"/>
               <a:t>Fifth level</a:t>
             </a:r>
+            <a:endParaRPr lang="en-US" dirty="0"/>
           </a:p>
         </p:txBody>
       </p:sp>
       <p:sp>
         <p:nvSpPr>
-          <p:cNvPr id="5" name="Date Placeholder 4">
-            <a:extLst>
-              <a:ext uri="{FF2B5EF4-FFF2-40B4-BE49-F238E27FC236}">
-                <a16:creationId xmlns:a16="http://schemas.microsoft.com/office/drawing/2014/main" id="{5CEEE721-5D24-D3F7-9982-DBBBEE2FBCF8}"/>
-              </a:ext>
-            </a:extLst>
-          </p:cNvPr>
+          <p:cNvPr id="5" name="Date Placeholder 4"/>
           <p:cNvSpPr>
             <a:spLocks noGrp="1"/>
           </p:cNvSpPr>
@@ -1427,7 +1291,7 @@
           <a:p>
             <a:fld id="{8C2BDFC8-6F8C-4A1A-A5EA-5DE0BFD390AC}" type="datetimeFigureOut">
               <a:rPr lang="en-US" smtClean="0"/>
-              <a:t>8/20/2024</a:t>
+              <a:t>8/21/2024</a:t>
             </a:fld>
             <a:endParaRPr lang="en-US"/>
           </a:p>
@@ -1435,13 +1299,7 @@
       </p:sp>
       <p:sp>
         <p:nvSpPr>
-          <p:cNvPr id="6" name="Footer Placeholder 5">
-            <a:extLst>
-              <a:ext uri="{FF2B5EF4-FFF2-40B4-BE49-F238E27FC236}">
-                <a16:creationId xmlns:a16="http://schemas.microsoft.com/office/drawing/2014/main" id="{228B6184-3C59-469C-ABD5-FB62A0AF1C32}"/>
-              </a:ext>
-            </a:extLst>
-          </p:cNvPr>
+          <p:cNvPr id="6" name="Footer Placeholder 5"/>
           <p:cNvSpPr>
             <a:spLocks noGrp="1"/>
           </p:cNvSpPr>
@@ -1460,13 +1318,7 @@
       </p:sp>
       <p:sp>
         <p:nvSpPr>
-          <p:cNvPr id="7" name="Slide Number Placeholder 6">
-            <a:extLst>
-              <a:ext uri="{FF2B5EF4-FFF2-40B4-BE49-F238E27FC236}">
-                <a16:creationId xmlns:a16="http://schemas.microsoft.com/office/drawing/2014/main" id="{DCC049C2-9E7D-1DA6-DD45-A2ECD8CC0757}"/>
-              </a:ext>
-            </a:extLst>
-          </p:cNvPr>
+          <p:cNvPr id="7" name="Slide Number Placeholder 6"/>
           <p:cNvSpPr>
             <a:spLocks noGrp="1"/>
           </p:cNvSpPr>
@@ -1490,7 +1342,7 @@
     </p:spTree>
     <p:extLst>
       <p:ext uri="{BB962C8B-B14F-4D97-AF65-F5344CB8AC3E}">
-        <p14:creationId xmlns:p14="http://schemas.microsoft.com/office/powerpoint/2010/main" val="4204408127"/>
+        <p14:creationId xmlns:p14="http://schemas.microsoft.com/office/powerpoint/2010/main" val="965101523"/>
       </p:ext>
     </p:extLst>
   </p:cSld>
@@ -1519,13 +1371,7 @@
       </p:grpSpPr>
       <p:sp>
         <p:nvSpPr>
-          <p:cNvPr id="2" name="Title 1">
-            <a:extLst>
-              <a:ext uri="{FF2B5EF4-FFF2-40B4-BE49-F238E27FC236}">
-                <a16:creationId xmlns:a16="http://schemas.microsoft.com/office/drawing/2014/main" id="{BB090AB4-2F49-6BDA-0CE8-F6D23B7D2C65}"/>
-              </a:ext>
-            </a:extLst>
-          </p:cNvPr>
+          <p:cNvPr id="2" name="Title 1"/>
           <p:cNvSpPr>
             <a:spLocks noGrp="1"/>
           </p:cNvSpPr>
@@ -1535,8 +1381,8 @@
         </p:nvSpPr>
         <p:spPr>
           <a:xfrm>
-            <a:off x="839788" y="365125"/>
-            <a:ext cx="10515600" cy="1325563"/>
+            <a:off x="598349" y="649114"/>
+            <a:ext cx="7492365" cy="2356556"/>
           </a:xfrm>
         </p:spPr>
         <p:txBody>
@@ -1547,18 +1393,13 @@
               <a:rPr lang="en-US"/>
               <a:t>Click to edit Master title style</a:t>
             </a:r>
+            <a:endParaRPr lang="en-US" dirty="0"/>
           </a:p>
         </p:txBody>
       </p:sp>
       <p:sp>
         <p:nvSpPr>
-          <p:cNvPr id="3" name="Text Placeholder 2">
-            <a:extLst>
-              <a:ext uri="{FF2B5EF4-FFF2-40B4-BE49-F238E27FC236}">
-                <a16:creationId xmlns:a16="http://schemas.microsoft.com/office/drawing/2014/main" id="{ACE4AB20-3098-75E4-7ABA-22BFCFA5C9B8}"/>
-              </a:ext>
-            </a:extLst>
-          </p:cNvPr>
+          <p:cNvPr id="3" name="Text Placeholder 2"/>
           <p:cNvSpPr>
             <a:spLocks noGrp="1"/>
           </p:cNvSpPr>
@@ -1568,8 +1409,8 @@
         </p:nvSpPr>
         <p:spPr>
           <a:xfrm>
-            <a:off x="839788" y="1681163"/>
-            <a:ext cx="5157787" cy="823912"/>
+            <a:off x="598350" y="2988734"/>
+            <a:ext cx="3674923" cy="1464732"/>
           </a:xfrm>
         </p:spPr>
         <p:txBody>
@@ -1577,39 +1418,39 @@
           <a:lstStyle>
             <a:lvl1pPr marL="0" indent="0">
               <a:buNone/>
-              <a:defRPr sz="2400" b="1"/>
+              <a:defRPr sz="2280" b="1"/>
             </a:lvl1pPr>
-            <a:lvl2pPr marL="457200" indent="0">
+            <a:lvl2pPr marL="434340" indent="0">
               <a:buNone/>
-              <a:defRPr sz="2000" b="1"/>
+              <a:defRPr sz="1900" b="1"/>
             </a:lvl2pPr>
-            <a:lvl3pPr marL="914400" indent="0">
+            <a:lvl3pPr marL="868680" indent="0">
               <a:buNone/>
-              <a:defRPr sz="1800" b="1"/>
+              <a:defRPr sz="1710" b="1"/>
             </a:lvl3pPr>
-            <a:lvl4pPr marL="1371600" indent="0">
+            <a:lvl4pPr marL="1303020" indent="0">
               <a:buNone/>
-              <a:defRPr sz="1600" b="1"/>
+              <a:defRPr sz="1520" b="1"/>
             </a:lvl4pPr>
-            <a:lvl5pPr marL="1828800" indent="0">
+            <a:lvl5pPr marL="1737360" indent="0">
               <a:buNone/>
-              <a:defRPr sz="1600" b="1"/>
+              <a:defRPr sz="1520" b="1"/>
             </a:lvl5pPr>
-            <a:lvl6pPr marL="2286000" indent="0">
+            <a:lvl6pPr marL="2171700" indent="0">
               <a:buNone/>
-              <a:defRPr sz="1600" b="1"/>
+              <a:defRPr sz="1520" b="1"/>
             </a:lvl6pPr>
-            <a:lvl7pPr marL="2743200" indent="0">
+            <a:lvl7pPr marL="2606040" indent="0">
               <a:buNone/>
-              <a:defRPr sz="1600" b="1"/>
+              <a:defRPr sz="1520" b="1"/>
             </a:lvl7pPr>
-            <a:lvl8pPr marL="3200400" indent="0">
+            <a:lvl8pPr marL="3040380" indent="0">
               <a:buNone/>
-              <a:defRPr sz="1600" b="1"/>
+              <a:defRPr sz="1520" b="1"/>
             </a:lvl8pPr>
-            <a:lvl9pPr marL="3657600" indent="0">
+            <a:lvl9pPr marL="3474720" indent="0">
               <a:buNone/>
-              <a:defRPr sz="1600" b="1"/>
+              <a:defRPr sz="1520" b="1"/>
             </a:lvl9pPr>
           </a:lstStyle>
           <a:p>
@@ -1623,13 +1464,7 @@
       </p:sp>
       <p:sp>
         <p:nvSpPr>
-          <p:cNvPr id="4" name="Content Placeholder 3">
-            <a:extLst>
-              <a:ext uri="{FF2B5EF4-FFF2-40B4-BE49-F238E27FC236}">
-                <a16:creationId xmlns:a16="http://schemas.microsoft.com/office/drawing/2014/main" id="{65A1331C-AD52-20BF-64E1-DD1C7ECA04BB}"/>
-              </a:ext>
-            </a:extLst>
-          </p:cNvPr>
+          <p:cNvPr id="4" name="Content Placeholder 3"/>
           <p:cNvSpPr>
             <a:spLocks noGrp="1"/>
           </p:cNvSpPr>
@@ -1639,8 +1474,8 @@
         </p:nvSpPr>
         <p:spPr>
           <a:xfrm>
-            <a:off x="839788" y="2505075"/>
-            <a:ext cx="5157787" cy="3684588"/>
+            <a:off x="598350" y="4453467"/>
+            <a:ext cx="3674923" cy="6550379"/>
           </a:xfrm>
         </p:spPr>
         <p:txBody>
@@ -1680,18 +1515,13 @@
               <a:rPr lang="en-US"/>
               <a:t>Fifth level</a:t>
             </a:r>
+            <a:endParaRPr lang="en-US" dirty="0"/>
           </a:p>
         </p:txBody>
       </p:sp>
       <p:sp>
         <p:nvSpPr>
-          <p:cNvPr id="5" name="Text Placeholder 4">
-            <a:extLst>
-              <a:ext uri="{FF2B5EF4-FFF2-40B4-BE49-F238E27FC236}">
-                <a16:creationId xmlns:a16="http://schemas.microsoft.com/office/drawing/2014/main" id="{C40EF80D-8569-94C1-017F-7627F09F65FD}"/>
-              </a:ext>
-            </a:extLst>
-          </p:cNvPr>
+          <p:cNvPr id="5" name="Text Placeholder 4"/>
           <p:cNvSpPr>
             <a:spLocks noGrp="1"/>
           </p:cNvSpPr>
@@ -1701,8 +1531,8 @@
         </p:nvSpPr>
         <p:spPr>
           <a:xfrm>
-            <a:off x="6172200" y="1681163"/>
-            <a:ext cx="5183188" cy="823912"/>
+            <a:off x="4397693" y="2988734"/>
+            <a:ext cx="3693021" cy="1464732"/>
           </a:xfrm>
         </p:spPr>
         <p:txBody>
@@ -1710,39 +1540,39 @@
           <a:lstStyle>
             <a:lvl1pPr marL="0" indent="0">
               <a:buNone/>
-              <a:defRPr sz="2400" b="1"/>
+              <a:defRPr sz="2280" b="1"/>
             </a:lvl1pPr>
-            <a:lvl2pPr marL="457200" indent="0">
+            <a:lvl2pPr marL="434340" indent="0">
               <a:buNone/>
-              <a:defRPr sz="2000" b="1"/>
+              <a:defRPr sz="1900" b="1"/>
             </a:lvl2pPr>
-            <a:lvl3pPr marL="914400" indent="0">
+            <a:lvl3pPr marL="868680" indent="0">
               <a:buNone/>
-              <a:defRPr sz="1800" b="1"/>
+              <a:defRPr sz="1710" b="1"/>
             </a:lvl3pPr>
-            <a:lvl4pPr marL="1371600" indent="0">
+            <a:lvl4pPr marL="1303020" indent="0">
               <a:buNone/>
-              <a:defRPr sz="1600" b="1"/>
+              <a:defRPr sz="1520" b="1"/>
             </a:lvl4pPr>
-            <a:lvl5pPr marL="1828800" indent="0">
+            <a:lvl5pPr marL="1737360" indent="0">
               <a:buNone/>
-              <a:defRPr sz="1600" b="1"/>
+              <a:defRPr sz="1520" b="1"/>
             </a:lvl5pPr>
-            <a:lvl6pPr marL="2286000" indent="0">
+            <a:lvl6pPr marL="2171700" indent="0">
               <a:buNone/>
-              <a:defRPr sz="1600" b="1"/>
+              <a:defRPr sz="1520" b="1"/>
             </a:lvl6pPr>
-            <a:lvl7pPr marL="2743200" indent="0">
+            <a:lvl7pPr marL="2606040" indent="0">
               <a:buNone/>
-              <a:defRPr sz="1600" b="1"/>
+              <a:defRPr sz="1520" b="1"/>
             </a:lvl7pPr>
-            <a:lvl8pPr marL="3200400" indent="0">
+            <a:lvl8pPr marL="3040380" indent="0">
               <a:buNone/>
-              <a:defRPr sz="1600" b="1"/>
+              <a:defRPr sz="1520" b="1"/>
             </a:lvl8pPr>
-            <a:lvl9pPr marL="3657600" indent="0">
+            <a:lvl9pPr marL="3474720" indent="0">
               <a:buNone/>
-              <a:defRPr sz="1600" b="1"/>
+              <a:defRPr sz="1520" b="1"/>
             </a:lvl9pPr>
           </a:lstStyle>
           <a:p>
@@ -1756,13 +1586,7 @@
       </p:sp>
       <p:sp>
         <p:nvSpPr>
-          <p:cNvPr id="6" name="Content Placeholder 5">
-            <a:extLst>
-              <a:ext uri="{FF2B5EF4-FFF2-40B4-BE49-F238E27FC236}">
-                <a16:creationId xmlns:a16="http://schemas.microsoft.com/office/drawing/2014/main" id="{C7D10CA3-4B33-5086-8C43-326ACD7F9702}"/>
-              </a:ext>
-            </a:extLst>
-          </p:cNvPr>
+          <p:cNvPr id="6" name="Content Placeholder 5"/>
           <p:cNvSpPr>
             <a:spLocks noGrp="1"/>
           </p:cNvSpPr>
@@ -1772,8 +1596,8 @@
         </p:nvSpPr>
         <p:spPr>
           <a:xfrm>
-            <a:off x="6172200" y="2505075"/>
-            <a:ext cx="5183188" cy="3684588"/>
+            <a:off x="4397693" y="4453467"/>
+            <a:ext cx="3693021" cy="6550379"/>
           </a:xfrm>
         </p:spPr>
         <p:txBody>
@@ -1813,18 +1637,13 @@
               <a:rPr lang="en-US"/>
               <a:t>Fifth level</a:t>
             </a:r>
+            <a:endParaRPr lang="en-US" dirty="0"/>
           </a:p>
         </p:txBody>
       </p:sp>
       <p:sp>
         <p:nvSpPr>
-          <p:cNvPr id="7" name="Date Placeholder 6">
-            <a:extLst>
-              <a:ext uri="{FF2B5EF4-FFF2-40B4-BE49-F238E27FC236}">
-                <a16:creationId xmlns:a16="http://schemas.microsoft.com/office/drawing/2014/main" id="{2610A788-224D-9F44-82C3-27416D4DC532}"/>
-              </a:ext>
-            </a:extLst>
-          </p:cNvPr>
+          <p:cNvPr id="7" name="Date Placeholder 6"/>
           <p:cNvSpPr>
             <a:spLocks noGrp="1"/>
           </p:cNvSpPr>
@@ -1839,7 +1658,7 @@
           <a:p>
             <a:fld id="{8C2BDFC8-6F8C-4A1A-A5EA-5DE0BFD390AC}" type="datetimeFigureOut">
               <a:rPr lang="en-US" smtClean="0"/>
-              <a:t>8/20/2024</a:t>
+              <a:t>8/21/2024</a:t>
             </a:fld>
             <a:endParaRPr lang="en-US"/>
           </a:p>
@@ -1847,13 +1666,7 @@
       </p:sp>
       <p:sp>
         <p:nvSpPr>
-          <p:cNvPr id="8" name="Footer Placeholder 7">
-            <a:extLst>
-              <a:ext uri="{FF2B5EF4-FFF2-40B4-BE49-F238E27FC236}">
-                <a16:creationId xmlns:a16="http://schemas.microsoft.com/office/drawing/2014/main" id="{FD6E6B98-8383-284E-04A6-AE27EA555402}"/>
-              </a:ext>
-            </a:extLst>
-          </p:cNvPr>
+          <p:cNvPr id="8" name="Footer Placeholder 7"/>
           <p:cNvSpPr>
             <a:spLocks noGrp="1"/>
           </p:cNvSpPr>
@@ -1872,13 +1685,7 @@
       </p:sp>
       <p:sp>
         <p:nvSpPr>
-          <p:cNvPr id="9" name="Slide Number Placeholder 8">
-            <a:extLst>
-              <a:ext uri="{FF2B5EF4-FFF2-40B4-BE49-F238E27FC236}">
-                <a16:creationId xmlns:a16="http://schemas.microsoft.com/office/drawing/2014/main" id="{BF51A6A7-FFE1-9E5D-E6B2-7454DEA592D4}"/>
-              </a:ext>
-            </a:extLst>
-          </p:cNvPr>
+          <p:cNvPr id="9" name="Slide Number Placeholder 8"/>
           <p:cNvSpPr>
             <a:spLocks noGrp="1"/>
           </p:cNvSpPr>
@@ -1902,7 +1709,7 @@
     </p:spTree>
     <p:extLst>
       <p:ext uri="{BB962C8B-B14F-4D97-AF65-F5344CB8AC3E}">
-        <p14:creationId xmlns:p14="http://schemas.microsoft.com/office/powerpoint/2010/main" val="1252416202"/>
+        <p14:creationId xmlns:p14="http://schemas.microsoft.com/office/powerpoint/2010/main" val="2479605899"/>
       </p:ext>
     </p:extLst>
   </p:cSld>
@@ -1931,13 +1738,7 @@
       </p:grpSpPr>
       <p:sp>
         <p:nvSpPr>
-          <p:cNvPr id="2" name="Title 1">
-            <a:extLst>
-              <a:ext uri="{FF2B5EF4-FFF2-40B4-BE49-F238E27FC236}">
-                <a16:creationId xmlns:a16="http://schemas.microsoft.com/office/drawing/2014/main" id="{AC288E59-9B08-B3AC-7AA1-2BB96C1DDCF5}"/>
-              </a:ext>
-            </a:extLst>
-          </p:cNvPr>
+          <p:cNvPr id="2" name="Title 1"/>
           <p:cNvSpPr>
             <a:spLocks noGrp="1"/>
           </p:cNvSpPr>
@@ -1954,18 +1755,13 @@
               <a:rPr lang="en-US"/>
               <a:t>Click to edit Master title style</a:t>
             </a:r>
+            <a:endParaRPr lang="en-US" dirty="0"/>
           </a:p>
         </p:txBody>
       </p:sp>
       <p:sp>
         <p:nvSpPr>
-          <p:cNvPr id="3" name="Date Placeholder 2">
-            <a:extLst>
-              <a:ext uri="{FF2B5EF4-FFF2-40B4-BE49-F238E27FC236}">
-                <a16:creationId xmlns:a16="http://schemas.microsoft.com/office/drawing/2014/main" id="{CFE84908-5F1D-29C4-67BF-A4D903735CBA}"/>
-              </a:ext>
-            </a:extLst>
-          </p:cNvPr>
+          <p:cNvPr id="3" name="Date Placeholder 2"/>
           <p:cNvSpPr>
             <a:spLocks noGrp="1"/>
           </p:cNvSpPr>
@@ -1980,7 +1776,7 @@
           <a:p>
             <a:fld id="{8C2BDFC8-6F8C-4A1A-A5EA-5DE0BFD390AC}" type="datetimeFigureOut">
               <a:rPr lang="en-US" smtClean="0"/>
-              <a:t>8/20/2024</a:t>
+              <a:t>8/21/2024</a:t>
             </a:fld>
             <a:endParaRPr lang="en-US"/>
           </a:p>
@@ -1988,13 +1784,7 @@
       </p:sp>
       <p:sp>
         <p:nvSpPr>
-          <p:cNvPr id="4" name="Footer Placeholder 3">
-            <a:extLst>
-              <a:ext uri="{FF2B5EF4-FFF2-40B4-BE49-F238E27FC236}">
-                <a16:creationId xmlns:a16="http://schemas.microsoft.com/office/drawing/2014/main" id="{50F78F28-0AB0-2572-5CF7-D68AF6BCD02A}"/>
-              </a:ext>
-            </a:extLst>
-          </p:cNvPr>
+          <p:cNvPr id="4" name="Footer Placeholder 3"/>
           <p:cNvSpPr>
             <a:spLocks noGrp="1"/>
           </p:cNvSpPr>
@@ -2013,13 +1803,7 @@
       </p:sp>
       <p:sp>
         <p:nvSpPr>
-          <p:cNvPr id="5" name="Slide Number Placeholder 4">
-            <a:extLst>
-              <a:ext uri="{FF2B5EF4-FFF2-40B4-BE49-F238E27FC236}">
-                <a16:creationId xmlns:a16="http://schemas.microsoft.com/office/drawing/2014/main" id="{464DF49D-4CF1-DDF9-E39A-72B51975ED66}"/>
-              </a:ext>
-            </a:extLst>
-          </p:cNvPr>
+          <p:cNvPr id="5" name="Slide Number Placeholder 4"/>
           <p:cNvSpPr>
             <a:spLocks noGrp="1"/>
           </p:cNvSpPr>
@@ -2043,7 +1827,7 @@
     </p:spTree>
     <p:extLst>
       <p:ext uri="{BB962C8B-B14F-4D97-AF65-F5344CB8AC3E}">
-        <p14:creationId xmlns:p14="http://schemas.microsoft.com/office/powerpoint/2010/main" val="437158428"/>
+        <p14:creationId xmlns:p14="http://schemas.microsoft.com/office/powerpoint/2010/main" val="1351813913"/>
       </p:ext>
     </p:extLst>
   </p:cSld>
@@ -2072,13 +1856,7 @@
       </p:grpSpPr>
       <p:sp>
         <p:nvSpPr>
-          <p:cNvPr id="2" name="Date Placeholder 1">
-            <a:extLst>
-              <a:ext uri="{FF2B5EF4-FFF2-40B4-BE49-F238E27FC236}">
-                <a16:creationId xmlns:a16="http://schemas.microsoft.com/office/drawing/2014/main" id="{AE22BA07-592B-EA69-BB78-54C63D7FC5CA}"/>
-              </a:ext>
-            </a:extLst>
-          </p:cNvPr>
+          <p:cNvPr id="2" name="Date Placeholder 1"/>
           <p:cNvSpPr>
             <a:spLocks noGrp="1"/>
           </p:cNvSpPr>
@@ -2093,7 +1871,7 @@
           <a:p>
             <a:fld id="{8C2BDFC8-6F8C-4A1A-A5EA-5DE0BFD390AC}" type="datetimeFigureOut">
               <a:rPr lang="en-US" smtClean="0"/>
-              <a:t>8/20/2024</a:t>
+              <a:t>8/21/2024</a:t>
             </a:fld>
             <a:endParaRPr lang="en-US"/>
           </a:p>
@@ -2101,13 +1879,7 @@
       </p:sp>
       <p:sp>
         <p:nvSpPr>
-          <p:cNvPr id="3" name="Footer Placeholder 2">
-            <a:extLst>
-              <a:ext uri="{FF2B5EF4-FFF2-40B4-BE49-F238E27FC236}">
-                <a16:creationId xmlns:a16="http://schemas.microsoft.com/office/drawing/2014/main" id="{737ACCE7-BE1F-D68A-140F-9DD7614F425D}"/>
-              </a:ext>
-            </a:extLst>
-          </p:cNvPr>
+          <p:cNvPr id="3" name="Footer Placeholder 2"/>
           <p:cNvSpPr>
             <a:spLocks noGrp="1"/>
           </p:cNvSpPr>
@@ -2126,13 +1898,7 @@
       </p:sp>
       <p:sp>
         <p:nvSpPr>
-          <p:cNvPr id="4" name="Slide Number Placeholder 3">
-            <a:extLst>
-              <a:ext uri="{FF2B5EF4-FFF2-40B4-BE49-F238E27FC236}">
-                <a16:creationId xmlns:a16="http://schemas.microsoft.com/office/drawing/2014/main" id="{E138C7A8-3182-E008-2601-F54FB01BEA81}"/>
-              </a:ext>
-            </a:extLst>
-          </p:cNvPr>
+          <p:cNvPr id="4" name="Slide Number Placeholder 3"/>
           <p:cNvSpPr>
             <a:spLocks noGrp="1"/>
           </p:cNvSpPr>
@@ -2156,7 +1922,7 @@
     </p:spTree>
     <p:extLst>
       <p:ext uri="{BB962C8B-B14F-4D97-AF65-F5344CB8AC3E}">
-        <p14:creationId xmlns:p14="http://schemas.microsoft.com/office/powerpoint/2010/main" val="3984425928"/>
+        <p14:creationId xmlns:p14="http://schemas.microsoft.com/office/powerpoint/2010/main" val="1272205150"/>
       </p:ext>
     </p:extLst>
   </p:cSld>
@@ -2185,13 +1951,7 @@
       </p:grpSpPr>
       <p:sp>
         <p:nvSpPr>
-          <p:cNvPr id="2" name="Title 1">
-            <a:extLst>
-              <a:ext uri="{FF2B5EF4-FFF2-40B4-BE49-F238E27FC236}">
-                <a16:creationId xmlns:a16="http://schemas.microsoft.com/office/drawing/2014/main" id="{8536B558-B890-8E23-9CAC-9F67FB9E632A}"/>
-              </a:ext>
-            </a:extLst>
-          </p:cNvPr>
+          <p:cNvPr id="2" name="Title 1"/>
           <p:cNvSpPr>
             <a:spLocks noGrp="1"/>
           </p:cNvSpPr>
@@ -2201,15 +1961,15 @@
         </p:nvSpPr>
         <p:spPr>
           <a:xfrm>
-            <a:off x="839788" y="457200"/>
-            <a:ext cx="3932237" cy="1600200"/>
+            <a:off x="598349" y="812800"/>
+            <a:ext cx="2801719" cy="2844800"/>
           </a:xfrm>
         </p:spPr>
         <p:txBody>
           <a:bodyPr anchor="b"/>
           <a:lstStyle>
             <a:lvl1pPr>
-              <a:defRPr sz="3200"/>
+              <a:defRPr sz="3040"/>
             </a:lvl1pPr>
           </a:lstStyle>
           <a:p>
@@ -2217,18 +1977,13 @@
               <a:rPr lang="en-US"/>
               <a:t>Click to edit Master title style</a:t>
             </a:r>
+            <a:endParaRPr lang="en-US" dirty="0"/>
           </a:p>
         </p:txBody>
       </p:sp>
       <p:sp>
         <p:nvSpPr>
-          <p:cNvPr id="3" name="Content Placeholder 2">
-            <a:extLst>
-              <a:ext uri="{FF2B5EF4-FFF2-40B4-BE49-F238E27FC236}">
-                <a16:creationId xmlns:a16="http://schemas.microsoft.com/office/drawing/2014/main" id="{76EF1B2E-92B4-E53F-E464-DD004C8FB310}"/>
-              </a:ext>
-            </a:extLst>
-          </p:cNvPr>
+          <p:cNvPr id="3" name="Content Placeholder 2"/>
           <p:cNvSpPr>
             <a:spLocks noGrp="1"/>
           </p:cNvSpPr>
@@ -2238,39 +1993,39 @@
         </p:nvSpPr>
         <p:spPr>
           <a:xfrm>
-            <a:off x="5183188" y="987425"/>
-            <a:ext cx="6172200" cy="4873625"/>
+            <a:off x="3693021" y="1755425"/>
+            <a:ext cx="4397693" cy="8664222"/>
           </a:xfrm>
         </p:spPr>
         <p:txBody>
           <a:bodyPr/>
           <a:lstStyle>
             <a:lvl1pPr>
-              <a:defRPr sz="3200"/>
+              <a:defRPr sz="3040"/>
             </a:lvl1pPr>
             <a:lvl2pPr>
-              <a:defRPr sz="2800"/>
+              <a:defRPr sz="2660"/>
             </a:lvl2pPr>
             <a:lvl3pPr>
-              <a:defRPr sz="2400"/>
+              <a:defRPr sz="2280"/>
             </a:lvl3pPr>
             <a:lvl4pPr>
-              <a:defRPr sz="2000"/>
+              <a:defRPr sz="1900"/>
             </a:lvl4pPr>
             <a:lvl5pPr>
-              <a:defRPr sz="2000"/>
+              <a:defRPr sz="1900"/>
             </a:lvl5pPr>
             <a:lvl6pPr>
-              <a:defRPr sz="2000"/>
+              <a:defRPr sz="1900"/>
             </a:lvl6pPr>
             <a:lvl7pPr>
-              <a:defRPr sz="2000"/>
+              <a:defRPr sz="1900"/>
             </a:lvl7pPr>
             <a:lvl8pPr>
-              <a:defRPr sz="2000"/>
+              <a:defRPr sz="1900"/>
             </a:lvl8pPr>
             <a:lvl9pPr>
-              <a:defRPr sz="2000"/>
+              <a:defRPr sz="1900"/>
             </a:lvl9pPr>
           </a:lstStyle>
           <a:p>
@@ -2307,18 +2062,13 @@
               <a:rPr lang="en-US"/>
               <a:t>Fifth level</a:t>
             </a:r>
+            <a:endParaRPr lang="en-US" dirty="0"/>
           </a:p>
         </p:txBody>
       </p:sp>
       <p:sp>
         <p:nvSpPr>
-          <p:cNvPr id="4" name="Text Placeholder 3">
-            <a:extLst>
-              <a:ext uri="{FF2B5EF4-FFF2-40B4-BE49-F238E27FC236}">
-                <a16:creationId xmlns:a16="http://schemas.microsoft.com/office/drawing/2014/main" id="{7E27478E-C200-DE8F-A176-FC0946A47EBA}"/>
-              </a:ext>
-            </a:extLst>
-          </p:cNvPr>
+          <p:cNvPr id="4" name="Text Placeholder 3"/>
           <p:cNvSpPr>
             <a:spLocks noGrp="1"/>
           </p:cNvSpPr>
@@ -2328,8 +2078,8 @@
         </p:nvSpPr>
         <p:spPr>
           <a:xfrm>
-            <a:off x="839788" y="2057400"/>
-            <a:ext cx="3932237" cy="3811588"/>
+            <a:off x="598349" y="3657600"/>
+            <a:ext cx="2801719" cy="6776156"/>
           </a:xfrm>
         </p:spPr>
         <p:txBody>
@@ -2337,39 +2087,39 @@
           <a:lstStyle>
             <a:lvl1pPr marL="0" indent="0">
               <a:buNone/>
-              <a:defRPr sz="1600"/>
+              <a:defRPr sz="1520"/>
             </a:lvl1pPr>
-            <a:lvl2pPr marL="457200" indent="0">
+            <a:lvl2pPr marL="434340" indent="0">
               <a:buNone/>
-              <a:defRPr sz="1400"/>
+              <a:defRPr sz="1330"/>
             </a:lvl2pPr>
-            <a:lvl3pPr marL="914400" indent="0">
+            <a:lvl3pPr marL="868680" indent="0">
               <a:buNone/>
-              <a:defRPr sz="1200"/>
+              <a:defRPr sz="1140"/>
             </a:lvl3pPr>
-            <a:lvl4pPr marL="1371600" indent="0">
+            <a:lvl4pPr marL="1303020" indent="0">
               <a:buNone/>
-              <a:defRPr sz="1000"/>
+              <a:defRPr sz="950"/>
             </a:lvl4pPr>
-            <a:lvl5pPr marL="1828800" indent="0">
+            <a:lvl5pPr marL="1737360" indent="0">
               <a:buNone/>
-              <a:defRPr sz="1000"/>
+              <a:defRPr sz="950"/>
             </a:lvl5pPr>
-            <a:lvl6pPr marL="2286000" indent="0">
+            <a:lvl6pPr marL="2171700" indent="0">
               <a:buNone/>
-              <a:defRPr sz="1000"/>
+              <a:defRPr sz="950"/>
             </a:lvl6pPr>
-            <a:lvl7pPr marL="2743200" indent="0">
+            <a:lvl7pPr marL="2606040" indent="0">
               <a:buNone/>
-              <a:defRPr sz="1000"/>
+              <a:defRPr sz="950"/>
             </a:lvl7pPr>
-            <a:lvl8pPr marL="3200400" indent="0">
+            <a:lvl8pPr marL="3040380" indent="0">
               <a:buNone/>
-              <a:defRPr sz="1000"/>
+              <a:defRPr sz="950"/>
             </a:lvl8pPr>
-            <a:lvl9pPr marL="3657600" indent="0">
+            <a:lvl9pPr marL="3474720" indent="0">
               <a:buNone/>
-              <a:defRPr sz="1000"/>
+              <a:defRPr sz="950"/>
             </a:lvl9pPr>
           </a:lstStyle>
           <a:p>
@@ -2383,13 +2133,7 @@
       </p:sp>
       <p:sp>
         <p:nvSpPr>
-          <p:cNvPr id="5" name="Date Placeholder 4">
-            <a:extLst>
-              <a:ext uri="{FF2B5EF4-FFF2-40B4-BE49-F238E27FC236}">
-                <a16:creationId xmlns:a16="http://schemas.microsoft.com/office/drawing/2014/main" id="{09ABF416-5B08-9855-FB02-DA034C0B5DA4}"/>
-              </a:ext>
-            </a:extLst>
-          </p:cNvPr>
+          <p:cNvPr id="5" name="Date Placeholder 4"/>
           <p:cNvSpPr>
             <a:spLocks noGrp="1"/>
           </p:cNvSpPr>
@@ -2404,7 +2148,7 @@
           <a:p>
             <a:fld id="{8C2BDFC8-6F8C-4A1A-A5EA-5DE0BFD390AC}" type="datetimeFigureOut">
               <a:rPr lang="en-US" smtClean="0"/>
-              <a:t>8/20/2024</a:t>
+              <a:t>8/21/2024</a:t>
             </a:fld>
             <a:endParaRPr lang="en-US"/>
           </a:p>
@@ -2412,13 +2156,7 @@
       </p:sp>
       <p:sp>
         <p:nvSpPr>
-          <p:cNvPr id="6" name="Footer Placeholder 5">
-            <a:extLst>
-              <a:ext uri="{FF2B5EF4-FFF2-40B4-BE49-F238E27FC236}">
-                <a16:creationId xmlns:a16="http://schemas.microsoft.com/office/drawing/2014/main" id="{A7452BAD-FAEB-E121-2203-144D0E6860C4}"/>
-              </a:ext>
-            </a:extLst>
-          </p:cNvPr>
+          <p:cNvPr id="6" name="Footer Placeholder 5"/>
           <p:cNvSpPr>
             <a:spLocks noGrp="1"/>
           </p:cNvSpPr>
@@ -2437,13 +2175,7 @@
       </p:sp>
       <p:sp>
         <p:nvSpPr>
-          <p:cNvPr id="7" name="Slide Number Placeholder 6">
-            <a:extLst>
-              <a:ext uri="{FF2B5EF4-FFF2-40B4-BE49-F238E27FC236}">
-                <a16:creationId xmlns:a16="http://schemas.microsoft.com/office/drawing/2014/main" id="{069250B6-5507-C848-2F30-FAB6F51D4300}"/>
-              </a:ext>
-            </a:extLst>
-          </p:cNvPr>
+          <p:cNvPr id="7" name="Slide Number Placeholder 6"/>
           <p:cNvSpPr>
             <a:spLocks noGrp="1"/>
           </p:cNvSpPr>
@@ -2467,7 +2199,7 @@
     </p:spTree>
     <p:extLst>
       <p:ext uri="{BB962C8B-B14F-4D97-AF65-F5344CB8AC3E}">
-        <p14:creationId xmlns:p14="http://schemas.microsoft.com/office/powerpoint/2010/main" val="3984690443"/>
+        <p14:creationId xmlns:p14="http://schemas.microsoft.com/office/powerpoint/2010/main" val="304961616"/>
       </p:ext>
     </p:extLst>
   </p:cSld>
@@ -2496,13 +2228,7 @@
       </p:grpSpPr>
       <p:sp>
         <p:nvSpPr>
-          <p:cNvPr id="2" name="Title 1">
-            <a:extLst>
-              <a:ext uri="{FF2B5EF4-FFF2-40B4-BE49-F238E27FC236}">
-                <a16:creationId xmlns:a16="http://schemas.microsoft.com/office/drawing/2014/main" id="{1C054D43-57BC-0DA8-CAB8-1033CB04CE3E}"/>
-              </a:ext>
-            </a:extLst>
-          </p:cNvPr>
+          <p:cNvPr id="2" name="Title 1"/>
           <p:cNvSpPr>
             <a:spLocks noGrp="1"/>
           </p:cNvSpPr>
@@ -2512,15 +2238,15 @@
         </p:nvSpPr>
         <p:spPr>
           <a:xfrm>
-            <a:off x="839788" y="457200"/>
-            <a:ext cx="3932237" cy="1600200"/>
+            <a:off x="598349" y="812800"/>
+            <a:ext cx="2801719" cy="2844800"/>
           </a:xfrm>
         </p:spPr>
         <p:txBody>
           <a:bodyPr anchor="b"/>
           <a:lstStyle>
             <a:lvl1pPr>
-              <a:defRPr sz="3200"/>
+              <a:defRPr sz="3040"/>
             </a:lvl1pPr>
           </a:lstStyle>
           <a:p>
@@ -2528,20 +2254,15 @@
               <a:rPr lang="en-US"/>
               <a:t>Click to edit Master title style</a:t>
             </a:r>
+            <a:endParaRPr lang="en-US" dirty="0"/>
           </a:p>
         </p:txBody>
       </p:sp>
       <p:sp>
         <p:nvSpPr>
-          <p:cNvPr id="3" name="Picture Placeholder 2">
-            <a:extLst>
-              <a:ext uri="{FF2B5EF4-FFF2-40B4-BE49-F238E27FC236}">
-                <a16:creationId xmlns:a16="http://schemas.microsoft.com/office/drawing/2014/main" id="{E0F45900-10DB-9F18-8ABB-3D92F382AE1F}"/>
-              </a:ext>
-            </a:extLst>
-          </p:cNvPr>
+          <p:cNvPr id="3" name="Picture Placeholder 2"/>
           <p:cNvSpPr>
-            <a:spLocks noGrp="1"/>
+            <a:spLocks noGrp="1" noChangeAspect="1"/>
           </p:cNvSpPr>
           <p:nvPr>
             <p:ph type="pic" idx="1"/>
@@ -2549,64 +2270,62 @@
         </p:nvSpPr>
         <p:spPr>
           <a:xfrm>
-            <a:off x="5183188" y="987425"/>
-            <a:ext cx="6172200" cy="4873625"/>
+            <a:off x="3693021" y="1755425"/>
+            <a:ext cx="4397693" cy="8664222"/>
           </a:xfrm>
         </p:spPr>
         <p:txBody>
-          <a:bodyPr/>
+          <a:bodyPr anchor="t"/>
           <a:lstStyle>
             <a:lvl1pPr marL="0" indent="0">
               <a:buNone/>
-              <a:defRPr sz="3200"/>
+              <a:defRPr sz="3040"/>
             </a:lvl1pPr>
-            <a:lvl2pPr marL="457200" indent="0">
+            <a:lvl2pPr marL="434340" indent="0">
               <a:buNone/>
-              <a:defRPr sz="2800"/>
+              <a:defRPr sz="2660"/>
             </a:lvl2pPr>
-            <a:lvl3pPr marL="914400" indent="0">
+            <a:lvl3pPr marL="868680" indent="0">
               <a:buNone/>
-              <a:defRPr sz="2400"/>
+              <a:defRPr sz="2280"/>
             </a:lvl3pPr>
-            <a:lvl4pPr marL="1371600" indent="0">
+            <a:lvl4pPr marL="1303020" indent="0">
               <a:buNone/>
-              <a:defRPr sz="2000"/>
+              <a:defRPr sz="1900"/>
             </a:lvl4pPr>
-            <a:lvl5pPr marL="1828800" indent="0">
+            <a:lvl5pPr marL="1737360" indent="0">
               <a:buNone/>
-              <a:defRPr sz="2000"/>
+              <a:defRPr sz="1900"/>
             </a:lvl5pPr>
-            <a:lvl6pPr marL="2286000" indent="0">
+            <a:lvl6pPr marL="2171700" indent="0">
               <a:buNone/>
-              <a:defRPr sz="2000"/>
+              <a:defRPr sz="1900"/>
             </a:lvl6pPr>
-            <a:lvl7pPr marL="2743200" indent="0">
+            <a:lvl7pPr marL="2606040" indent="0">
               <a:buNone/>
-              <a:defRPr sz="2000"/>
+              <a:defRPr sz="1900"/>
             </a:lvl7pPr>
-            <a:lvl8pPr marL="3200400" indent="0">
+            <a:lvl8pPr marL="3040380" indent="0">
               <a:buNone/>
-              <a:defRPr sz="2000"/>
+              <a:defRPr sz="1900"/>
             </a:lvl8pPr>
-            <a:lvl9pPr marL="3657600" indent="0">
+            <a:lvl9pPr marL="3474720" indent="0">
               <a:buNone/>
-              <a:defRPr sz="2000"/>
+              <a:defRPr sz="1900"/>
             </a:lvl9pPr>
           </a:lstStyle>
           <a:p>
-            <a:endParaRPr lang="en-US"/>
+            <a:r>
+              <a:rPr lang="en-US"/>
+              <a:t>Click icon to add picture</a:t>
+            </a:r>
+            <a:endParaRPr lang="en-US" dirty="0"/>
           </a:p>
         </p:txBody>
       </p:sp>
       <p:sp>
         <p:nvSpPr>
-          <p:cNvPr id="4" name="Text Placeholder 3">
-            <a:extLst>
-              <a:ext uri="{FF2B5EF4-FFF2-40B4-BE49-F238E27FC236}">
-                <a16:creationId xmlns:a16="http://schemas.microsoft.com/office/drawing/2014/main" id="{9B55606E-10CD-938C-98EC-DB3C3824DE5C}"/>
-              </a:ext>
-            </a:extLst>
-          </p:cNvPr>
+          <p:cNvPr id="4" name="Text Placeholder 3"/>
           <p:cNvSpPr>
             <a:spLocks noGrp="1"/>
           </p:cNvSpPr>
@@ -2616,8 +2335,8 @@
         </p:nvSpPr>
         <p:spPr>
           <a:xfrm>
-            <a:off x="839788" y="2057400"/>
-            <a:ext cx="3932237" cy="3811588"/>
+            <a:off x="598349" y="3657600"/>
+            <a:ext cx="2801719" cy="6776156"/>
           </a:xfrm>
         </p:spPr>
         <p:txBody>
@@ -2625,39 +2344,39 @@
           <a:lstStyle>
             <a:lvl1pPr marL="0" indent="0">
               <a:buNone/>
-              <a:defRPr sz="1600"/>
+              <a:defRPr sz="1520"/>
             </a:lvl1pPr>
-            <a:lvl2pPr marL="457200" indent="0">
+            <a:lvl2pPr marL="434340" indent="0">
               <a:buNone/>
-              <a:defRPr sz="1400"/>
+              <a:defRPr sz="1330"/>
             </a:lvl2pPr>
-            <a:lvl3pPr marL="914400" indent="0">
+            <a:lvl3pPr marL="868680" indent="0">
               <a:buNone/>
-              <a:defRPr sz="1200"/>
+              <a:defRPr sz="1140"/>
             </a:lvl3pPr>
-            <a:lvl4pPr marL="1371600" indent="0">
+            <a:lvl4pPr marL="1303020" indent="0">
               <a:buNone/>
-              <a:defRPr sz="1000"/>
+              <a:defRPr sz="950"/>
             </a:lvl4pPr>
-            <a:lvl5pPr marL="1828800" indent="0">
+            <a:lvl5pPr marL="1737360" indent="0">
               <a:buNone/>
-              <a:defRPr sz="1000"/>
+              <a:defRPr sz="950"/>
             </a:lvl5pPr>
-            <a:lvl6pPr marL="2286000" indent="0">
+            <a:lvl6pPr marL="2171700" indent="0">
               <a:buNone/>
-              <a:defRPr sz="1000"/>
+              <a:defRPr sz="950"/>
             </a:lvl6pPr>
-            <a:lvl7pPr marL="2743200" indent="0">
+            <a:lvl7pPr marL="2606040" indent="0">
               <a:buNone/>
-              <a:defRPr sz="1000"/>
+              <a:defRPr sz="950"/>
             </a:lvl7pPr>
-            <a:lvl8pPr marL="3200400" indent="0">
+            <a:lvl8pPr marL="3040380" indent="0">
               <a:buNone/>
-              <a:defRPr sz="1000"/>
+              <a:defRPr sz="950"/>
             </a:lvl8pPr>
-            <a:lvl9pPr marL="3657600" indent="0">
+            <a:lvl9pPr marL="3474720" indent="0">
               <a:buNone/>
-              <a:defRPr sz="1000"/>
+              <a:defRPr sz="950"/>
             </a:lvl9pPr>
           </a:lstStyle>
           <a:p>
@@ -2671,13 +2390,7 @@
       </p:sp>
       <p:sp>
         <p:nvSpPr>
-          <p:cNvPr id="5" name="Date Placeholder 4">
-            <a:extLst>
-              <a:ext uri="{FF2B5EF4-FFF2-40B4-BE49-F238E27FC236}">
-                <a16:creationId xmlns:a16="http://schemas.microsoft.com/office/drawing/2014/main" id="{ECFBCA93-5FE7-4EFB-68C9-C2E7E58386A6}"/>
-              </a:ext>
-            </a:extLst>
-          </p:cNvPr>
+          <p:cNvPr id="5" name="Date Placeholder 4"/>
           <p:cNvSpPr>
             <a:spLocks noGrp="1"/>
           </p:cNvSpPr>
@@ -2692,7 +2405,7 @@
           <a:p>
             <a:fld id="{8C2BDFC8-6F8C-4A1A-A5EA-5DE0BFD390AC}" type="datetimeFigureOut">
               <a:rPr lang="en-US" smtClean="0"/>
-              <a:t>8/20/2024</a:t>
+              <a:t>8/21/2024</a:t>
             </a:fld>
             <a:endParaRPr lang="en-US"/>
           </a:p>
@@ -2700,13 +2413,7 @@
       </p:sp>
       <p:sp>
         <p:nvSpPr>
-          <p:cNvPr id="6" name="Footer Placeholder 5">
-            <a:extLst>
-              <a:ext uri="{FF2B5EF4-FFF2-40B4-BE49-F238E27FC236}">
-                <a16:creationId xmlns:a16="http://schemas.microsoft.com/office/drawing/2014/main" id="{964E02B6-C311-231B-FB75-CB47E4080685}"/>
-              </a:ext>
-            </a:extLst>
-          </p:cNvPr>
+          <p:cNvPr id="6" name="Footer Placeholder 5"/>
           <p:cNvSpPr>
             <a:spLocks noGrp="1"/>
           </p:cNvSpPr>
@@ -2725,13 +2432,7 @@
       </p:sp>
       <p:sp>
         <p:nvSpPr>
-          <p:cNvPr id="7" name="Slide Number Placeholder 6">
-            <a:extLst>
-              <a:ext uri="{FF2B5EF4-FFF2-40B4-BE49-F238E27FC236}">
-                <a16:creationId xmlns:a16="http://schemas.microsoft.com/office/drawing/2014/main" id="{610B48A0-54D9-D99D-9F87-6AD030E9B707}"/>
-              </a:ext>
-            </a:extLst>
-          </p:cNvPr>
+          <p:cNvPr id="7" name="Slide Number Placeholder 6"/>
           <p:cNvSpPr>
             <a:spLocks noGrp="1"/>
           </p:cNvSpPr>
@@ -2755,7 +2456,7 @@
     </p:spTree>
     <p:extLst>
       <p:ext uri="{BB962C8B-B14F-4D97-AF65-F5344CB8AC3E}">
-        <p14:creationId xmlns:p14="http://schemas.microsoft.com/office/powerpoint/2010/main" val="3688150293"/>
+        <p14:creationId xmlns:p14="http://schemas.microsoft.com/office/powerpoint/2010/main" val="3677849123"/>
       </p:ext>
     </p:extLst>
   </p:cSld>
@@ -2789,13 +2490,7 @@
       </p:grpSpPr>
       <p:sp>
         <p:nvSpPr>
-          <p:cNvPr id="2" name="Title Placeholder 1">
-            <a:extLst>
-              <a:ext uri="{FF2B5EF4-FFF2-40B4-BE49-F238E27FC236}">
-                <a16:creationId xmlns:a16="http://schemas.microsoft.com/office/drawing/2014/main" id="{D8164855-5A6F-F482-7517-4C13C3B2F7C2}"/>
-              </a:ext>
-            </a:extLst>
-          </p:cNvPr>
+          <p:cNvPr id="2" name="Title Placeholder 1"/>
           <p:cNvSpPr>
             <a:spLocks noGrp="1"/>
           </p:cNvSpPr>
@@ -2805,8 +2500,8 @@
         </p:nvSpPr>
         <p:spPr>
           <a:xfrm>
-            <a:off x="838200" y="365125"/>
-            <a:ext cx="10515600" cy="1325563"/>
+            <a:off x="597218" y="649114"/>
+            <a:ext cx="7492365" cy="2356556"/>
           </a:xfrm>
           <a:prstGeom prst="rect">
             <a:avLst/>
@@ -2822,18 +2517,13 @@
               <a:rPr lang="en-US"/>
               <a:t>Click to edit Master title style</a:t>
             </a:r>
+            <a:endParaRPr lang="en-US" dirty="0"/>
           </a:p>
         </p:txBody>
       </p:sp>
       <p:sp>
         <p:nvSpPr>
-          <p:cNvPr id="3" name="Text Placeholder 2">
-            <a:extLst>
-              <a:ext uri="{FF2B5EF4-FFF2-40B4-BE49-F238E27FC236}">
-                <a16:creationId xmlns:a16="http://schemas.microsoft.com/office/drawing/2014/main" id="{829BD7EC-5A94-BD43-E06C-3EC06CB2D271}"/>
-              </a:ext>
-            </a:extLst>
-          </p:cNvPr>
+          <p:cNvPr id="3" name="Text Placeholder 2"/>
           <p:cNvSpPr>
             <a:spLocks noGrp="1"/>
           </p:cNvSpPr>
@@ -2843,8 +2533,8 @@
         </p:nvSpPr>
         <p:spPr>
           <a:xfrm>
-            <a:off x="838200" y="1825625"/>
-            <a:ext cx="10515600" cy="4351338"/>
+            <a:off x="597218" y="3245556"/>
+            <a:ext cx="7492365" cy="7735712"/>
           </a:xfrm>
           <a:prstGeom prst="rect">
             <a:avLst/>
@@ -2889,18 +2579,13 @@
               <a:rPr lang="en-US"/>
               <a:t>Fifth level</a:t>
             </a:r>
+            <a:endParaRPr lang="en-US" dirty="0"/>
           </a:p>
         </p:txBody>
       </p:sp>
       <p:sp>
         <p:nvSpPr>
-          <p:cNvPr id="4" name="Date Placeholder 3">
-            <a:extLst>
-              <a:ext uri="{FF2B5EF4-FFF2-40B4-BE49-F238E27FC236}">
-                <a16:creationId xmlns:a16="http://schemas.microsoft.com/office/drawing/2014/main" id="{5C67BAE2-C5CA-A44E-2CA7-0BF843813E82}"/>
-              </a:ext>
-            </a:extLst>
-          </p:cNvPr>
+          <p:cNvPr id="4" name="Date Placeholder 3"/>
           <p:cNvSpPr>
             <a:spLocks noGrp="1"/>
           </p:cNvSpPr>
@@ -2910,8 +2595,8 @@
         </p:nvSpPr>
         <p:spPr>
           <a:xfrm>
-            <a:off x="838200" y="6356350"/>
-            <a:ext cx="2743200" cy="365125"/>
+            <a:off x="597218" y="11300181"/>
+            <a:ext cx="1954530" cy="649111"/>
           </a:xfrm>
           <a:prstGeom prst="rect">
             <a:avLst/>
@@ -2921,7 +2606,7 @@
           <a:bodyPr vert="horz" lIns="91440" tIns="45720" rIns="91440" bIns="45720" rtlCol="0" anchor="ctr"/>
           <a:lstStyle>
             <a:lvl1pPr algn="l">
-              <a:defRPr sz="1200">
+              <a:defRPr sz="1140">
                 <a:solidFill>
                   <a:schemeClr val="tx1">
                     <a:tint val="82000"/>
@@ -2933,7 +2618,7 @@
           <a:p>
             <a:fld id="{8C2BDFC8-6F8C-4A1A-A5EA-5DE0BFD390AC}" type="datetimeFigureOut">
               <a:rPr lang="en-US" smtClean="0"/>
-              <a:t>8/20/2024</a:t>
+              <a:t>8/21/2024</a:t>
             </a:fld>
             <a:endParaRPr lang="en-US"/>
           </a:p>
@@ -2941,13 +2626,7 @@
       </p:sp>
       <p:sp>
         <p:nvSpPr>
-          <p:cNvPr id="5" name="Footer Placeholder 4">
-            <a:extLst>
-              <a:ext uri="{FF2B5EF4-FFF2-40B4-BE49-F238E27FC236}">
-                <a16:creationId xmlns:a16="http://schemas.microsoft.com/office/drawing/2014/main" id="{F8F474C7-8848-E955-0D27-CD2F881E5E31}"/>
-              </a:ext>
-            </a:extLst>
-          </p:cNvPr>
+          <p:cNvPr id="5" name="Footer Placeholder 4"/>
           <p:cNvSpPr>
             <a:spLocks noGrp="1"/>
           </p:cNvSpPr>
@@ -2957,8 +2636,8 @@
         </p:nvSpPr>
         <p:spPr>
           <a:xfrm>
-            <a:off x="4038600" y="6356350"/>
-            <a:ext cx="4114800" cy="365125"/>
+            <a:off x="2877503" y="11300181"/>
+            <a:ext cx="2931795" cy="649111"/>
           </a:xfrm>
           <a:prstGeom prst="rect">
             <a:avLst/>
@@ -2968,7 +2647,7 @@
           <a:bodyPr vert="horz" lIns="91440" tIns="45720" rIns="91440" bIns="45720" rtlCol="0" anchor="ctr"/>
           <a:lstStyle>
             <a:lvl1pPr algn="ctr">
-              <a:defRPr sz="1200">
+              <a:defRPr sz="1140">
                 <a:solidFill>
                   <a:schemeClr val="tx1">
                     <a:tint val="82000"/>
@@ -2984,13 +2663,7 @@
       </p:sp>
       <p:sp>
         <p:nvSpPr>
-          <p:cNvPr id="6" name="Slide Number Placeholder 5">
-            <a:extLst>
-              <a:ext uri="{FF2B5EF4-FFF2-40B4-BE49-F238E27FC236}">
-                <a16:creationId xmlns:a16="http://schemas.microsoft.com/office/drawing/2014/main" id="{C2FF01B1-6CBC-1C81-2759-C047E301C8C6}"/>
-              </a:ext>
-            </a:extLst>
-          </p:cNvPr>
+          <p:cNvPr id="6" name="Slide Number Placeholder 5"/>
           <p:cNvSpPr>
             <a:spLocks noGrp="1"/>
           </p:cNvSpPr>
@@ -3000,8 +2673,8 @@
         </p:nvSpPr>
         <p:spPr>
           <a:xfrm>
-            <a:off x="8610600" y="6356350"/>
-            <a:ext cx="2743200" cy="365125"/>
+            <a:off x="6135053" y="11300181"/>
+            <a:ext cx="1954530" cy="649111"/>
           </a:xfrm>
           <a:prstGeom prst="rect">
             <a:avLst/>
@@ -3011,7 +2684,7 @@
           <a:bodyPr vert="horz" lIns="91440" tIns="45720" rIns="91440" bIns="45720" rtlCol="0" anchor="ctr"/>
           <a:lstStyle>
             <a:lvl1pPr algn="r">
-              <a:defRPr sz="1200">
+              <a:defRPr sz="1140">
                 <a:solidFill>
                   <a:schemeClr val="tx1">
                     <a:tint val="82000"/>
@@ -3032,27 +2705,27 @@
     </p:spTree>
     <p:extLst>
       <p:ext uri="{BB962C8B-B14F-4D97-AF65-F5344CB8AC3E}">
-        <p14:creationId xmlns:p14="http://schemas.microsoft.com/office/powerpoint/2010/main" val="3362110569"/>
+        <p14:creationId xmlns:p14="http://schemas.microsoft.com/office/powerpoint/2010/main" val="4169918875"/>
       </p:ext>
     </p:extLst>
   </p:cSld>
   <p:clrMap bg1="lt1" tx1="dk1" bg2="lt2" tx2="dk2" accent1="accent1" accent2="accent2" accent3="accent3" accent4="accent4" accent5="accent5" accent6="accent6" hlink="hlink" folHlink="folHlink"/>
   <p:sldLayoutIdLst>
-    <p:sldLayoutId id="2147483649" r:id="rId1"/>
-    <p:sldLayoutId id="2147483650" r:id="rId2"/>
-    <p:sldLayoutId id="2147483651" r:id="rId3"/>
-    <p:sldLayoutId id="2147483652" r:id="rId4"/>
-    <p:sldLayoutId id="2147483653" r:id="rId5"/>
-    <p:sldLayoutId id="2147483654" r:id="rId6"/>
-    <p:sldLayoutId id="2147483655" r:id="rId7"/>
-    <p:sldLayoutId id="2147483656" r:id="rId8"/>
-    <p:sldLayoutId id="2147483657" r:id="rId9"/>
-    <p:sldLayoutId id="2147483658" r:id="rId10"/>
-    <p:sldLayoutId id="2147483659" r:id="rId11"/>
+    <p:sldLayoutId id="2147483661" r:id="rId1"/>
+    <p:sldLayoutId id="2147483662" r:id="rId2"/>
+    <p:sldLayoutId id="2147483663" r:id="rId3"/>
+    <p:sldLayoutId id="2147483664" r:id="rId4"/>
+    <p:sldLayoutId id="2147483665" r:id="rId5"/>
+    <p:sldLayoutId id="2147483666" r:id="rId6"/>
+    <p:sldLayoutId id="2147483667" r:id="rId7"/>
+    <p:sldLayoutId id="2147483668" r:id="rId8"/>
+    <p:sldLayoutId id="2147483669" r:id="rId9"/>
+    <p:sldLayoutId id="2147483670" r:id="rId10"/>
+    <p:sldLayoutId id="2147483671" r:id="rId11"/>
   </p:sldLayoutIdLst>
   <p:txStyles>
     <p:titleStyle>
-      <a:lvl1pPr algn="l" defTabSz="914400" rtl="0" eaLnBrk="1" latinLnBrk="0" hangingPunct="1">
+      <a:lvl1pPr algn="l" defTabSz="868680" rtl="0" eaLnBrk="1" latinLnBrk="0" hangingPunct="1">
         <a:lnSpc>
           <a:spcPct val="90000"/>
         </a:lnSpc>
@@ -3060,7 +2733,7 @@
           <a:spcPct val="0"/>
         </a:spcBef>
         <a:buNone/>
-        <a:defRPr sz="4400" kern="1200">
+        <a:defRPr sz="4180" kern="1200">
           <a:solidFill>
             <a:schemeClr val="tx1"/>
           </a:solidFill>
@@ -3071,16 +2744,16 @@
       </a:lvl1pPr>
     </p:titleStyle>
     <p:bodyStyle>
-      <a:lvl1pPr marL="228600" indent="-228600" algn="l" defTabSz="914400" rtl="0" eaLnBrk="1" latinLnBrk="0" hangingPunct="1">
+      <a:lvl1pPr marL="217170" indent="-217170" algn="l" defTabSz="868680" rtl="0" eaLnBrk="1" latinLnBrk="0" hangingPunct="1">
         <a:lnSpc>
           <a:spcPct val="90000"/>
         </a:lnSpc>
         <a:spcBef>
-          <a:spcPts val="1000"/>
+          <a:spcPts val="950"/>
         </a:spcBef>
         <a:buFont typeface="Arial" panose="020B0604020202020204" pitchFamily="34" charset="0"/>
         <a:buChar char="•"/>
-        <a:defRPr sz="2800" kern="1200">
+        <a:defRPr sz="2660" kern="1200">
           <a:solidFill>
             <a:schemeClr val="tx1"/>
           </a:solidFill>
@@ -3089,16 +2762,16 @@
           <a:cs typeface="+mn-cs"/>
         </a:defRPr>
       </a:lvl1pPr>
-      <a:lvl2pPr marL="685800" indent="-228600" algn="l" defTabSz="914400" rtl="0" eaLnBrk="1" latinLnBrk="0" hangingPunct="1">
+      <a:lvl2pPr marL="651510" indent="-217170" algn="l" defTabSz="868680" rtl="0" eaLnBrk="1" latinLnBrk="0" hangingPunct="1">
         <a:lnSpc>
           <a:spcPct val="90000"/>
         </a:lnSpc>
         <a:spcBef>
-          <a:spcPts val="500"/>
+          <a:spcPts val="475"/>
         </a:spcBef>
         <a:buFont typeface="Arial" panose="020B0604020202020204" pitchFamily="34" charset="0"/>
         <a:buChar char="•"/>
-        <a:defRPr sz="2400" kern="1200">
+        <a:defRPr sz="2280" kern="1200">
           <a:solidFill>
             <a:schemeClr val="tx1"/>
           </a:solidFill>
@@ -3107,16 +2780,16 @@
           <a:cs typeface="+mn-cs"/>
         </a:defRPr>
       </a:lvl2pPr>
-      <a:lvl3pPr marL="1143000" indent="-228600" algn="l" defTabSz="914400" rtl="0" eaLnBrk="1" latinLnBrk="0" hangingPunct="1">
+      <a:lvl3pPr marL="1085850" indent="-217170" algn="l" defTabSz="868680" rtl="0" eaLnBrk="1" latinLnBrk="0" hangingPunct="1">
         <a:lnSpc>
           <a:spcPct val="90000"/>
         </a:lnSpc>
         <a:spcBef>
-          <a:spcPts val="500"/>
+          <a:spcPts val="475"/>
         </a:spcBef>
         <a:buFont typeface="Arial" panose="020B0604020202020204" pitchFamily="34" charset="0"/>
         <a:buChar char="•"/>
-        <a:defRPr sz="2000" kern="1200">
+        <a:defRPr sz="1900" kern="1200">
           <a:solidFill>
             <a:schemeClr val="tx1"/>
           </a:solidFill>
@@ -3125,16 +2798,16 @@
           <a:cs typeface="+mn-cs"/>
         </a:defRPr>
       </a:lvl3pPr>
-      <a:lvl4pPr marL="1600200" indent="-228600" algn="l" defTabSz="914400" rtl="0" eaLnBrk="1" latinLnBrk="0" hangingPunct="1">
+      <a:lvl4pPr marL="1520190" indent="-217170" algn="l" defTabSz="868680" rtl="0" eaLnBrk="1" latinLnBrk="0" hangingPunct="1">
         <a:lnSpc>
           <a:spcPct val="90000"/>
         </a:lnSpc>
         <a:spcBef>
-          <a:spcPts val="500"/>
+          <a:spcPts val="475"/>
         </a:spcBef>
         <a:buFont typeface="Arial" panose="020B0604020202020204" pitchFamily="34" charset="0"/>
         <a:buChar char="•"/>
-        <a:defRPr sz="1800" kern="1200">
+        <a:defRPr sz="1710" kern="1200">
           <a:solidFill>
             <a:schemeClr val="tx1"/>
           </a:solidFill>
@@ -3143,16 +2816,16 @@
           <a:cs typeface="+mn-cs"/>
         </a:defRPr>
       </a:lvl4pPr>
-      <a:lvl5pPr marL="2057400" indent="-228600" algn="l" defTabSz="914400" rtl="0" eaLnBrk="1" latinLnBrk="0" hangingPunct="1">
+      <a:lvl5pPr marL="1954530" indent="-217170" algn="l" defTabSz="868680" rtl="0" eaLnBrk="1" latinLnBrk="0" hangingPunct="1">
         <a:lnSpc>
           <a:spcPct val="90000"/>
         </a:lnSpc>
         <a:spcBef>
-          <a:spcPts val="500"/>
+          <a:spcPts val="475"/>
         </a:spcBef>
         <a:buFont typeface="Arial" panose="020B0604020202020204" pitchFamily="34" charset="0"/>
         <a:buChar char="•"/>
-        <a:defRPr sz="1800" kern="1200">
+        <a:defRPr sz="1710" kern="1200">
           <a:solidFill>
             <a:schemeClr val="tx1"/>
           </a:solidFill>
@@ -3161,16 +2834,16 @@
           <a:cs typeface="+mn-cs"/>
         </a:defRPr>
       </a:lvl5pPr>
-      <a:lvl6pPr marL="2514600" indent="-228600" algn="l" defTabSz="914400" rtl="0" eaLnBrk="1" latinLnBrk="0" hangingPunct="1">
+      <a:lvl6pPr marL="2388870" indent="-217170" algn="l" defTabSz="868680" rtl="0" eaLnBrk="1" latinLnBrk="0" hangingPunct="1">
         <a:lnSpc>
           <a:spcPct val="90000"/>
         </a:lnSpc>
         <a:spcBef>
-          <a:spcPts val="500"/>
+          <a:spcPts val="475"/>
         </a:spcBef>
         <a:buFont typeface="Arial" panose="020B0604020202020204" pitchFamily="34" charset="0"/>
         <a:buChar char="•"/>
-        <a:defRPr sz="1800" kern="1200">
+        <a:defRPr sz="1710" kern="1200">
           <a:solidFill>
             <a:schemeClr val="tx1"/>
           </a:solidFill>
@@ -3179,16 +2852,16 @@
           <a:cs typeface="+mn-cs"/>
         </a:defRPr>
       </a:lvl6pPr>
-      <a:lvl7pPr marL="2971800" indent="-228600" algn="l" defTabSz="914400" rtl="0" eaLnBrk="1" latinLnBrk="0" hangingPunct="1">
+      <a:lvl7pPr marL="2823210" indent="-217170" algn="l" defTabSz="868680" rtl="0" eaLnBrk="1" latinLnBrk="0" hangingPunct="1">
         <a:lnSpc>
           <a:spcPct val="90000"/>
         </a:lnSpc>
         <a:spcBef>
-          <a:spcPts val="500"/>
+          <a:spcPts val="475"/>
         </a:spcBef>
         <a:buFont typeface="Arial" panose="020B0604020202020204" pitchFamily="34" charset="0"/>
         <a:buChar char="•"/>
-        <a:defRPr sz="1800" kern="1200">
+        <a:defRPr sz="1710" kern="1200">
           <a:solidFill>
             <a:schemeClr val="tx1"/>
           </a:solidFill>
@@ -3197,16 +2870,16 @@
           <a:cs typeface="+mn-cs"/>
         </a:defRPr>
       </a:lvl7pPr>
-      <a:lvl8pPr marL="3429000" indent="-228600" algn="l" defTabSz="914400" rtl="0" eaLnBrk="1" latinLnBrk="0" hangingPunct="1">
+      <a:lvl8pPr marL="3257550" indent="-217170" algn="l" defTabSz="868680" rtl="0" eaLnBrk="1" latinLnBrk="0" hangingPunct="1">
         <a:lnSpc>
           <a:spcPct val="90000"/>
         </a:lnSpc>
         <a:spcBef>
-          <a:spcPts val="500"/>
+          <a:spcPts val="475"/>
         </a:spcBef>
         <a:buFont typeface="Arial" panose="020B0604020202020204" pitchFamily="34" charset="0"/>
         <a:buChar char="•"/>
-        <a:defRPr sz="1800" kern="1200">
+        <a:defRPr sz="1710" kern="1200">
           <a:solidFill>
             <a:schemeClr val="tx1"/>
           </a:solidFill>
@@ -3215,16 +2888,16 @@
           <a:cs typeface="+mn-cs"/>
         </a:defRPr>
       </a:lvl8pPr>
-      <a:lvl9pPr marL="3886200" indent="-228600" algn="l" defTabSz="914400" rtl="0" eaLnBrk="1" latinLnBrk="0" hangingPunct="1">
+      <a:lvl9pPr marL="3691890" indent="-217170" algn="l" defTabSz="868680" rtl="0" eaLnBrk="1" latinLnBrk="0" hangingPunct="1">
         <a:lnSpc>
           <a:spcPct val="90000"/>
         </a:lnSpc>
         <a:spcBef>
-          <a:spcPts val="500"/>
+          <a:spcPts val="475"/>
         </a:spcBef>
         <a:buFont typeface="Arial" panose="020B0604020202020204" pitchFamily="34" charset="0"/>
         <a:buChar char="•"/>
-        <a:defRPr sz="1800" kern="1200">
+        <a:defRPr sz="1710" kern="1200">
           <a:solidFill>
             <a:schemeClr val="tx1"/>
           </a:solidFill>
@@ -3238,8 +2911,8 @@
       <a:defPPr>
         <a:defRPr lang="en-US"/>
       </a:defPPr>
-      <a:lvl1pPr marL="0" algn="l" defTabSz="914400" rtl="0" eaLnBrk="1" latinLnBrk="0" hangingPunct="1">
-        <a:defRPr sz="1800" kern="1200">
+      <a:lvl1pPr marL="0" algn="l" defTabSz="868680" rtl="0" eaLnBrk="1" latinLnBrk="0" hangingPunct="1">
+        <a:defRPr sz="1710" kern="1200">
           <a:solidFill>
             <a:schemeClr val="tx1"/>
           </a:solidFill>
@@ -3248,8 +2921,8 @@
           <a:cs typeface="+mn-cs"/>
         </a:defRPr>
       </a:lvl1pPr>
-      <a:lvl2pPr marL="457200" algn="l" defTabSz="914400" rtl="0" eaLnBrk="1" latinLnBrk="0" hangingPunct="1">
-        <a:defRPr sz="1800" kern="1200">
+      <a:lvl2pPr marL="434340" algn="l" defTabSz="868680" rtl="0" eaLnBrk="1" latinLnBrk="0" hangingPunct="1">
+        <a:defRPr sz="1710" kern="1200">
           <a:solidFill>
             <a:schemeClr val="tx1"/>
           </a:solidFill>
@@ -3258,8 +2931,8 @@
           <a:cs typeface="+mn-cs"/>
         </a:defRPr>
       </a:lvl2pPr>
-      <a:lvl3pPr marL="914400" algn="l" defTabSz="914400" rtl="0" eaLnBrk="1" latinLnBrk="0" hangingPunct="1">
-        <a:defRPr sz="1800" kern="1200">
+      <a:lvl3pPr marL="868680" algn="l" defTabSz="868680" rtl="0" eaLnBrk="1" latinLnBrk="0" hangingPunct="1">
+        <a:defRPr sz="1710" kern="1200">
           <a:solidFill>
             <a:schemeClr val="tx1"/>
           </a:solidFill>
@@ -3268,8 +2941,8 @@
           <a:cs typeface="+mn-cs"/>
         </a:defRPr>
       </a:lvl3pPr>
-      <a:lvl4pPr marL="1371600" algn="l" defTabSz="914400" rtl="0" eaLnBrk="1" latinLnBrk="0" hangingPunct="1">
-        <a:defRPr sz="1800" kern="1200">
+      <a:lvl4pPr marL="1303020" algn="l" defTabSz="868680" rtl="0" eaLnBrk="1" latinLnBrk="0" hangingPunct="1">
+        <a:defRPr sz="1710" kern="1200">
           <a:solidFill>
             <a:schemeClr val="tx1"/>
           </a:solidFill>
@@ -3278,8 +2951,8 @@
           <a:cs typeface="+mn-cs"/>
         </a:defRPr>
       </a:lvl4pPr>
-      <a:lvl5pPr marL="1828800" algn="l" defTabSz="914400" rtl="0" eaLnBrk="1" latinLnBrk="0" hangingPunct="1">
-        <a:defRPr sz="1800" kern="1200">
+      <a:lvl5pPr marL="1737360" algn="l" defTabSz="868680" rtl="0" eaLnBrk="1" latinLnBrk="0" hangingPunct="1">
+        <a:defRPr sz="1710" kern="1200">
           <a:solidFill>
             <a:schemeClr val="tx1"/>
           </a:solidFill>
@@ -3288,8 +2961,8 @@
           <a:cs typeface="+mn-cs"/>
         </a:defRPr>
       </a:lvl5pPr>
-      <a:lvl6pPr marL="2286000" algn="l" defTabSz="914400" rtl="0" eaLnBrk="1" latinLnBrk="0" hangingPunct="1">
-        <a:defRPr sz="1800" kern="1200">
+      <a:lvl6pPr marL="2171700" algn="l" defTabSz="868680" rtl="0" eaLnBrk="1" latinLnBrk="0" hangingPunct="1">
+        <a:defRPr sz="1710" kern="1200">
           <a:solidFill>
             <a:schemeClr val="tx1"/>
           </a:solidFill>
@@ -3298,8 +2971,8 @@
           <a:cs typeface="+mn-cs"/>
         </a:defRPr>
       </a:lvl6pPr>
-      <a:lvl7pPr marL="2743200" algn="l" defTabSz="914400" rtl="0" eaLnBrk="1" latinLnBrk="0" hangingPunct="1">
-        <a:defRPr sz="1800" kern="1200">
+      <a:lvl7pPr marL="2606040" algn="l" defTabSz="868680" rtl="0" eaLnBrk="1" latinLnBrk="0" hangingPunct="1">
+        <a:defRPr sz="1710" kern="1200">
           <a:solidFill>
             <a:schemeClr val="tx1"/>
           </a:solidFill>
@@ -3308,8 +2981,8 @@
           <a:cs typeface="+mn-cs"/>
         </a:defRPr>
       </a:lvl7pPr>
-      <a:lvl8pPr marL="3200400" algn="l" defTabSz="914400" rtl="0" eaLnBrk="1" latinLnBrk="0" hangingPunct="1">
-        <a:defRPr sz="1800" kern="1200">
+      <a:lvl8pPr marL="3040380" algn="l" defTabSz="868680" rtl="0" eaLnBrk="1" latinLnBrk="0" hangingPunct="1">
+        <a:defRPr sz="1710" kern="1200">
           <a:solidFill>
             <a:schemeClr val="tx1"/>
           </a:solidFill>
@@ -3318,8 +2991,8 @@
           <a:cs typeface="+mn-cs"/>
         </a:defRPr>
       </a:lvl8pPr>
-      <a:lvl9pPr marL="3657600" algn="l" defTabSz="914400" rtl="0" eaLnBrk="1" latinLnBrk="0" hangingPunct="1">
-        <a:defRPr sz="1800" kern="1200">
+      <a:lvl9pPr marL="3474720" algn="l" defTabSz="868680" rtl="0" eaLnBrk="1" latinLnBrk="0" hangingPunct="1">
+        <a:defRPr sz="1710" kern="1200">
           <a:solidFill>
             <a:schemeClr val="tx1"/>
           </a:solidFill>
@@ -3352,57 +3025,601 @@
       </p:grpSpPr>
       <p:sp>
         <p:nvSpPr>
-          <p:cNvPr id="2" name="Title 1">
+          <p:cNvPr id="6" name="TextBox 5">
             <a:extLst>
               <a:ext uri="{FF2B5EF4-FFF2-40B4-BE49-F238E27FC236}">
-                <a16:creationId xmlns:a16="http://schemas.microsoft.com/office/drawing/2014/main" id="{DB78D644-0BAD-B008-4877-19ACA8E843FE}"/>
+                <a16:creationId xmlns:a16="http://schemas.microsoft.com/office/drawing/2014/main" id="{D93EDE54-6A3E-AD49-15BE-B9404E180E58}"/>
               </a:ext>
             </a:extLst>
           </p:cNvPr>
-          <p:cNvSpPr>
-            <a:spLocks noGrp="1"/>
-          </p:cNvSpPr>
-          <p:nvPr>
-            <p:ph type="ctrTitle"/>
-          </p:nvPr>
+          <p:cNvSpPr txBox="1"/>
+          <p:nvPr/>
         </p:nvSpPr>
-        <p:spPr/>
+        <p:spPr>
+          <a:xfrm>
+            <a:off x="2712697" y="288099"/>
+            <a:ext cx="3261406" cy="830997"/>
+          </a:xfrm>
+          <a:prstGeom prst="rect">
+            <a:avLst/>
+          </a:prstGeom>
+          <a:noFill/>
+        </p:spPr>
         <p:txBody>
-          <a:bodyPr/>
+          <a:bodyPr wrap="none" rtlCol="0">
+            <a:spAutoFit/>
+          </a:bodyPr>
           <a:lstStyle/>
           <a:p>
             <a:r>
-              <a:rPr lang="en-US" dirty="0"/>
-              <a:t>FADFAFD</a:t>
+              <a:rPr lang="en-US" sz="4800" dirty="0"/>
+              <a:t>Course Info</a:t>
             </a:r>
           </a:p>
         </p:txBody>
       </p:sp>
       <p:sp>
         <p:nvSpPr>
-          <p:cNvPr id="3" name="Subtitle 2">
+          <p:cNvPr id="7" name="TextBox 6">
             <a:extLst>
               <a:ext uri="{FF2B5EF4-FFF2-40B4-BE49-F238E27FC236}">
-                <a16:creationId xmlns:a16="http://schemas.microsoft.com/office/drawing/2014/main" id="{8982584A-D85A-9223-1CFE-AF6A11E15967}"/>
+                <a16:creationId xmlns:a16="http://schemas.microsoft.com/office/drawing/2014/main" id="{B0AEDEEF-FFBB-FBE8-2F33-ACF736ABA9DB}"/>
               </a:ext>
             </a:extLst>
           </p:cNvPr>
-          <p:cNvSpPr>
-            <a:spLocks noGrp="1"/>
-          </p:cNvSpPr>
-          <p:nvPr>
-            <p:ph type="subTitle" idx="1"/>
-          </p:nvPr>
+          <p:cNvSpPr txBox="1"/>
+          <p:nvPr/>
         </p:nvSpPr>
-        <p:spPr/>
+        <p:spPr>
+          <a:xfrm>
+            <a:off x="626301" y="1206783"/>
+            <a:ext cx="2623090" cy="923330"/>
+          </a:xfrm>
+          <a:prstGeom prst="rect">
+            <a:avLst/>
+          </a:prstGeom>
+          <a:noFill/>
+        </p:spPr>
         <p:txBody>
-          <a:bodyPr/>
+          <a:bodyPr wrap="none" rtlCol="0">
+            <a:spAutoFit/>
+          </a:bodyPr>
           <a:lstStyle/>
           <a:p>
-            <a:endParaRPr lang="en-US"/>
+            <a:r>
+              <a:rPr lang="en-US" dirty="0"/>
+              <a:t>Time: TR 11:10-12:25 AM</a:t>
+            </a:r>
+          </a:p>
+          <a:p>
+            <a:r>
+              <a:rPr lang="en-US" dirty="0"/>
+              <a:t>	   M 3:00-3:50 PM</a:t>
+            </a:r>
+          </a:p>
+          <a:p>
+            <a:r>
+              <a:rPr lang="en-US" dirty="0"/>
+              <a:t>Location: CHEN 106</a:t>
+            </a:r>
           </a:p>
         </p:txBody>
       </p:sp>
+      <p:sp>
+        <p:nvSpPr>
+          <p:cNvPr id="8" name="TextBox 7">
+            <a:extLst>
+              <a:ext uri="{FF2B5EF4-FFF2-40B4-BE49-F238E27FC236}">
+                <a16:creationId xmlns:a16="http://schemas.microsoft.com/office/drawing/2014/main" id="{3B4D7C5B-008F-311A-4369-39DAA3FAA89E}"/>
+              </a:ext>
+            </a:extLst>
+          </p:cNvPr>
+          <p:cNvSpPr txBox="1"/>
+          <p:nvPr/>
+        </p:nvSpPr>
+        <p:spPr>
+          <a:xfrm>
+            <a:off x="626301" y="2105117"/>
+            <a:ext cx="3991990" cy="2308324"/>
+          </a:xfrm>
+          <a:prstGeom prst="rect">
+            <a:avLst/>
+          </a:prstGeom>
+          <a:noFill/>
+        </p:spPr>
+        <p:txBody>
+          <a:bodyPr wrap="none" rtlCol="0">
+            <a:spAutoFit/>
+          </a:bodyPr>
+          <a:lstStyle/>
+          <a:p>
+            <a:r>
+              <a:rPr lang="en-US" dirty="0"/>
+              <a:t>Instructor: Dr. Martin Sentmanat</a:t>
+            </a:r>
+          </a:p>
+          <a:p>
+            <a:pPr marL="285750" indent="-285750">
+              <a:buFont typeface="Arial" panose="020B0604020202020204" pitchFamily="34" charset="0"/>
+              <a:buChar char="•"/>
+            </a:pPr>
+            <a:r>
+              <a:rPr lang="en-US" dirty="0"/>
+              <a:t>Office: CHEN 248</a:t>
+            </a:r>
+          </a:p>
+          <a:p>
+            <a:pPr marL="285750" indent="-285750">
+              <a:buFont typeface="Arial" panose="020B0604020202020204" pitchFamily="34" charset="0"/>
+              <a:buChar char="•"/>
+            </a:pPr>
+            <a:r>
+              <a:rPr lang="en-US" dirty="0"/>
+              <a:t>Phone: (979) 862-7687</a:t>
+            </a:r>
+          </a:p>
+          <a:p>
+            <a:pPr marL="285750" indent="-285750">
+              <a:buFont typeface="Arial" panose="020B0604020202020204" pitchFamily="34" charset="0"/>
+              <a:buChar char="•"/>
+            </a:pPr>
+            <a:r>
+              <a:rPr lang="en-US" dirty="0"/>
+              <a:t>Email: martin.sentmant@tamu.edu</a:t>
+            </a:r>
+          </a:p>
+          <a:p>
+            <a:pPr marL="285750" indent="-285750">
+              <a:buFont typeface="Arial" panose="020B0604020202020204" pitchFamily="34" charset="0"/>
+              <a:buChar char="•"/>
+            </a:pPr>
+            <a:r>
+              <a:rPr lang="en-US" dirty="0"/>
+              <a:t>Office Hours</a:t>
+            </a:r>
+          </a:p>
+          <a:p>
+            <a:pPr marL="742950" lvl="1" indent="-285750">
+              <a:buFont typeface="Arial" panose="020B0604020202020204" pitchFamily="34" charset="0"/>
+              <a:buChar char="•"/>
+            </a:pPr>
+            <a:r>
+              <a:rPr lang="en-US" dirty="0"/>
+              <a:t>M 10:00-11:00 AM</a:t>
+            </a:r>
+          </a:p>
+          <a:p>
+            <a:pPr marL="742950" lvl="1" indent="-285750">
+              <a:buFont typeface="Arial" panose="020B0604020202020204" pitchFamily="34" charset="0"/>
+              <a:buChar char="•"/>
+            </a:pPr>
+            <a:r>
+              <a:rPr lang="en-US" dirty="0"/>
+              <a:t>W 1:00-3:00 PM</a:t>
+            </a:r>
+          </a:p>
+          <a:p>
+            <a:endParaRPr lang="en-US" b="1" dirty="0"/>
+          </a:p>
+        </p:txBody>
+      </p:sp>
+      <p:graphicFrame>
+        <p:nvGraphicFramePr>
+          <p:cNvPr id="10" name="Table 9">
+            <a:extLst>
+              <a:ext uri="{FF2B5EF4-FFF2-40B4-BE49-F238E27FC236}">
+                <a16:creationId xmlns:a16="http://schemas.microsoft.com/office/drawing/2014/main" id="{753812B0-76B2-494C-18F6-8AEB0EF0ABB2}"/>
+              </a:ext>
+            </a:extLst>
+          </p:cNvPr>
+          <p:cNvGraphicFramePr>
+            <a:graphicFrameLocks noGrp="1"/>
+          </p:cNvGraphicFramePr>
+          <p:nvPr>
+            <p:extLst>
+              <p:ext uri="{D42A27DB-BD31-4B8C-83A1-F6EECF244321}">
+                <p14:modId xmlns:p14="http://schemas.microsoft.com/office/powerpoint/2010/main" val="3423290217"/>
+              </p:ext>
+            </p:extLst>
+          </p:nvPr>
+        </p:nvGraphicFramePr>
+        <p:xfrm>
+          <a:off x="747547" y="7000771"/>
+          <a:ext cx="7191705" cy="2874834"/>
+        </p:xfrm>
+        <a:graphic>
+          <a:graphicData uri="http://schemas.openxmlformats.org/drawingml/2006/table">
+            <a:tbl>
+              <a:tblPr firstRow="1" bandRow="1">
+                <a:tableStyleId>{775DCB02-9BB8-47FD-8907-85C794F793BA}</a:tableStyleId>
+              </a:tblPr>
+              <a:tblGrid>
+                <a:gridCol w="2397235">
+                  <a:extLst>
+                    <a:ext uri="{9D8B030D-6E8A-4147-A177-3AD203B41FA5}">
+                      <a16:colId xmlns:a16="http://schemas.microsoft.com/office/drawing/2014/main" val="3818707381"/>
+                    </a:ext>
+                  </a:extLst>
+                </a:gridCol>
+                <a:gridCol w="2397235">
+                  <a:extLst>
+                    <a:ext uri="{9D8B030D-6E8A-4147-A177-3AD203B41FA5}">
+                      <a16:colId xmlns:a16="http://schemas.microsoft.com/office/drawing/2014/main" val="57578125"/>
+                    </a:ext>
+                  </a:extLst>
+                </a:gridCol>
+                <a:gridCol w="2397235">
+                  <a:extLst>
+                    <a:ext uri="{9D8B030D-6E8A-4147-A177-3AD203B41FA5}">
+                      <a16:colId xmlns:a16="http://schemas.microsoft.com/office/drawing/2014/main" val="722782702"/>
+                    </a:ext>
+                  </a:extLst>
+                </a:gridCol>
+              </a:tblGrid>
+              <a:tr h="458729">
+                <a:tc>
+                  <a:txBody>
+                    <a:bodyPr/>
+                    <a:lstStyle/>
+                    <a:p>
+                      <a:pPr algn="ctr"/>
+                      <a:r>
+                        <a:rPr lang="en-US" dirty="0"/>
+                        <a:t>Category</a:t>
+                      </a:r>
+                    </a:p>
+                  </a:txBody>
+                  <a:tcPr/>
+                </a:tc>
+                <a:tc>
+                  <a:txBody>
+                    <a:bodyPr/>
+                    <a:lstStyle/>
+                    <a:p>
+                      <a:pPr algn="ctr"/>
+                      <a:r>
+                        <a:rPr lang="en-US" dirty="0"/>
+                        <a:t>Date</a:t>
+                      </a:r>
+                    </a:p>
+                  </a:txBody>
+                  <a:tcPr/>
+                </a:tc>
+                <a:tc>
+                  <a:txBody>
+                    <a:bodyPr/>
+                    <a:lstStyle/>
+                    <a:p>
+                      <a:pPr algn="ctr"/>
+                      <a:r>
+                        <a:rPr lang="en-US" dirty="0"/>
+                        <a:t>Percentage</a:t>
+                      </a:r>
+                    </a:p>
+                  </a:txBody>
+                  <a:tcPr/>
+                </a:tc>
+                <a:extLst>
+                  <a:ext uri="{0D108BD9-81ED-4DB2-BD59-A6C34878D82A}">
+                    <a16:rowId xmlns:a16="http://schemas.microsoft.com/office/drawing/2014/main" val="3596330456"/>
+                  </a:ext>
+                </a:extLst>
+              </a:tr>
+              <a:tr h="483221">
+                <a:tc>
+                  <a:txBody>
+                    <a:bodyPr/>
+                    <a:lstStyle/>
+                    <a:p>
+                      <a:pPr algn="ctr"/>
+                      <a:r>
+                        <a:rPr lang="en-US" dirty="0"/>
+                        <a:t>Homework</a:t>
+                      </a:r>
+                    </a:p>
+                  </a:txBody>
+                  <a:tcPr/>
+                </a:tc>
+                <a:tc>
+                  <a:txBody>
+                    <a:bodyPr/>
+                    <a:lstStyle/>
+                    <a:p>
+                      <a:pPr algn="ctr"/>
+                      <a:r>
+                        <a:rPr lang="en-US" dirty="0"/>
+                        <a:t>N/A</a:t>
+                      </a:r>
+                    </a:p>
+                  </a:txBody>
+                  <a:tcPr/>
+                </a:tc>
+                <a:tc>
+                  <a:txBody>
+                    <a:bodyPr/>
+                    <a:lstStyle/>
+                    <a:p>
+                      <a:pPr algn="ctr"/>
+                      <a:r>
+                        <a:rPr lang="en-US" dirty="0"/>
+                        <a:t>10%</a:t>
+                      </a:r>
+                    </a:p>
+                  </a:txBody>
+                  <a:tcPr/>
+                </a:tc>
+                <a:extLst>
+                  <a:ext uri="{0D108BD9-81ED-4DB2-BD59-A6C34878D82A}">
+                    <a16:rowId xmlns:a16="http://schemas.microsoft.com/office/drawing/2014/main" val="2446984462"/>
+                  </a:ext>
+                </a:extLst>
+              </a:tr>
+              <a:tr h="483221">
+                <a:tc>
+                  <a:txBody>
+                    <a:bodyPr/>
+                    <a:lstStyle/>
+                    <a:p>
+                      <a:pPr algn="ctr"/>
+                      <a:r>
+                        <a:rPr lang="en-US" dirty="0"/>
+                        <a:t>Daily Quizzes</a:t>
+                      </a:r>
+                    </a:p>
+                  </a:txBody>
+                  <a:tcPr/>
+                </a:tc>
+                <a:tc>
+                  <a:txBody>
+                    <a:bodyPr/>
+                    <a:lstStyle/>
+                    <a:p>
+                      <a:pPr algn="ctr"/>
+                      <a:r>
+                        <a:rPr lang="en-US" dirty="0"/>
+                        <a:t>N/A</a:t>
+                      </a:r>
+                    </a:p>
+                  </a:txBody>
+                  <a:tcPr/>
+                </a:tc>
+                <a:tc>
+                  <a:txBody>
+                    <a:bodyPr/>
+                    <a:lstStyle/>
+                    <a:p>
+                      <a:pPr algn="ctr"/>
+                      <a:r>
+                        <a:rPr lang="en-US" dirty="0"/>
+                        <a:t>10%</a:t>
+                      </a:r>
+                    </a:p>
+                  </a:txBody>
+                  <a:tcPr/>
+                </a:tc>
+                <a:extLst>
+                  <a:ext uri="{0D108BD9-81ED-4DB2-BD59-A6C34878D82A}">
+                    <a16:rowId xmlns:a16="http://schemas.microsoft.com/office/drawing/2014/main" val="2818405215"/>
+                  </a:ext>
+                </a:extLst>
+              </a:tr>
+              <a:tr h="483221">
+                <a:tc>
+                  <a:txBody>
+                    <a:bodyPr/>
+                    <a:lstStyle/>
+                    <a:p>
+                      <a:pPr marL="0" marR="0" lvl="0" indent="0" algn="ctr" defTabSz="868680" rtl="0" eaLnBrk="1" fontAlgn="auto" latinLnBrk="0" hangingPunct="1">
+                        <a:lnSpc>
+                          <a:spcPct val="100000"/>
+                        </a:lnSpc>
+                        <a:spcBef>
+                          <a:spcPts val="0"/>
+                        </a:spcBef>
+                        <a:spcAft>
+                          <a:spcPts val="0"/>
+                        </a:spcAft>
+                        <a:buClrTx/>
+                        <a:buSzTx/>
+                        <a:buFontTx/>
+                        <a:buNone/>
+                        <a:tabLst/>
+                        <a:defRPr/>
+                      </a:pPr>
+                      <a:r>
+                        <a:rPr lang="en-US" dirty="0"/>
+                        <a:t>Midterm 1</a:t>
+                      </a:r>
+                    </a:p>
+                  </a:txBody>
+                  <a:tcPr/>
+                </a:tc>
+                <a:tc>
+                  <a:txBody>
+                    <a:bodyPr/>
+                    <a:lstStyle/>
+                    <a:p>
+                      <a:pPr algn="ctr"/>
+                      <a:r>
+                        <a:rPr lang="en-US" dirty="0"/>
+                        <a:t>Sep 27</a:t>
+                      </a:r>
+                      <a:r>
+                        <a:rPr lang="en-US" baseline="30000" dirty="0"/>
+                        <a:t>th</a:t>
+                      </a:r>
+                      <a:endParaRPr lang="en-US" dirty="0"/>
+                    </a:p>
+                  </a:txBody>
+                  <a:tcPr/>
+                </a:tc>
+                <a:tc>
+                  <a:txBody>
+                    <a:bodyPr/>
+                    <a:lstStyle/>
+                    <a:p>
+                      <a:pPr algn="ctr"/>
+                      <a:r>
+                        <a:rPr lang="en-US" dirty="0"/>
+                        <a:t>25%</a:t>
+                      </a:r>
+                    </a:p>
+                  </a:txBody>
+                  <a:tcPr/>
+                </a:tc>
+                <a:extLst>
+                  <a:ext uri="{0D108BD9-81ED-4DB2-BD59-A6C34878D82A}">
+                    <a16:rowId xmlns:a16="http://schemas.microsoft.com/office/drawing/2014/main" val="751651091"/>
+                  </a:ext>
+                </a:extLst>
+              </a:tr>
+              <a:tr h="483221">
+                <a:tc>
+                  <a:txBody>
+                    <a:bodyPr/>
+                    <a:lstStyle/>
+                    <a:p>
+                      <a:pPr marL="0" marR="0" lvl="0" indent="0" algn="ctr" defTabSz="868680" rtl="0" eaLnBrk="1" fontAlgn="auto" latinLnBrk="0" hangingPunct="1">
+                        <a:lnSpc>
+                          <a:spcPct val="100000"/>
+                        </a:lnSpc>
+                        <a:spcBef>
+                          <a:spcPts val="0"/>
+                        </a:spcBef>
+                        <a:spcAft>
+                          <a:spcPts val="0"/>
+                        </a:spcAft>
+                        <a:buClrTx/>
+                        <a:buSzTx/>
+                        <a:buFontTx/>
+                        <a:buNone/>
+                        <a:tabLst/>
+                        <a:defRPr/>
+                      </a:pPr>
+                      <a:r>
+                        <a:rPr lang="en-US" dirty="0"/>
+                        <a:t>Midterm 2</a:t>
+                      </a:r>
+                    </a:p>
+                  </a:txBody>
+                  <a:tcPr/>
+                </a:tc>
+                <a:tc>
+                  <a:txBody>
+                    <a:bodyPr/>
+                    <a:lstStyle/>
+                    <a:p>
+                      <a:pPr algn="ctr"/>
+                      <a:r>
+                        <a:rPr lang="en-US" dirty="0"/>
+                        <a:t>Nov 13</a:t>
+                      </a:r>
+                      <a:r>
+                        <a:rPr lang="en-US" baseline="30000" dirty="0"/>
+                        <a:t>th</a:t>
+                      </a:r>
+                      <a:endParaRPr lang="en-US" dirty="0"/>
+                    </a:p>
+                  </a:txBody>
+                  <a:tcPr/>
+                </a:tc>
+                <a:tc>
+                  <a:txBody>
+                    <a:bodyPr/>
+                    <a:lstStyle/>
+                    <a:p>
+                      <a:pPr algn="ctr"/>
+                      <a:r>
+                        <a:rPr lang="en-US" dirty="0"/>
+                        <a:t>25%</a:t>
+                      </a:r>
+                    </a:p>
+                  </a:txBody>
+                  <a:tcPr/>
+                </a:tc>
+                <a:extLst>
+                  <a:ext uri="{0D108BD9-81ED-4DB2-BD59-A6C34878D82A}">
+                    <a16:rowId xmlns:a16="http://schemas.microsoft.com/office/drawing/2014/main" val="1852137696"/>
+                  </a:ext>
+                </a:extLst>
+              </a:tr>
+              <a:tr h="483221">
+                <a:tc>
+                  <a:txBody>
+                    <a:bodyPr/>
+                    <a:lstStyle/>
+                    <a:p>
+                      <a:pPr marL="0" marR="0" lvl="0" indent="0" algn="ctr" defTabSz="868680" rtl="0" eaLnBrk="1" fontAlgn="auto" latinLnBrk="0" hangingPunct="1">
+                        <a:lnSpc>
+                          <a:spcPct val="100000"/>
+                        </a:lnSpc>
+                        <a:spcBef>
+                          <a:spcPts val="0"/>
+                        </a:spcBef>
+                        <a:spcAft>
+                          <a:spcPts val="0"/>
+                        </a:spcAft>
+                        <a:buClrTx/>
+                        <a:buSzTx/>
+                        <a:buFontTx/>
+                        <a:buNone/>
+                        <a:tabLst/>
+                        <a:defRPr/>
+                      </a:pPr>
+                      <a:r>
+                        <a:rPr lang="en-US" dirty="0"/>
+                        <a:t>Final</a:t>
+                      </a:r>
+                    </a:p>
+                  </a:txBody>
+                  <a:tcPr/>
+                </a:tc>
+                <a:tc>
+                  <a:txBody>
+                    <a:bodyPr/>
+                    <a:lstStyle/>
+                    <a:p>
+                      <a:pPr algn="ctr"/>
+                      <a:r>
+                        <a:rPr lang="en-US" dirty="0"/>
+                        <a:t>Dec 6</a:t>
+                      </a:r>
+                      <a:r>
+                        <a:rPr lang="en-US" baseline="30000" dirty="0"/>
+                        <a:t>th</a:t>
+                      </a:r>
+                      <a:r>
+                        <a:rPr lang="en-US" dirty="0"/>
+                        <a:t> 8:00-10:00</a:t>
+                      </a:r>
+                    </a:p>
+                  </a:txBody>
+                  <a:tcPr/>
+                </a:tc>
+                <a:tc>
+                  <a:txBody>
+                    <a:bodyPr/>
+                    <a:lstStyle/>
+                    <a:p>
+                      <a:pPr algn="ctr"/>
+                      <a:r>
+                        <a:rPr lang="en-US" dirty="0"/>
+                        <a:t>30%</a:t>
+                      </a:r>
+                    </a:p>
+                  </a:txBody>
+                  <a:tcPr/>
+                </a:tc>
+                <a:extLst>
+                  <a:ext uri="{0D108BD9-81ED-4DB2-BD59-A6C34878D82A}">
+                    <a16:rowId xmlns:a16="http://schemas.microsoft.com/office/drawing/2014/main" val="1938509002"/>
+                  </a:ext>
+                </a:extLst>
+              </a:tr>
+            </a:tbl>
+          </a:graphicData>
+        </a:graphic>
+      </p:graphicFrame>
     </p:spTree>
     <p:extLst>
       <p:ext uri="{BB962C8B-B14F-4D97-AF65-F5344CB8AC3E}">
@@ -3416,10 +3633,4229 @@
 </p:sld>
 </file>
 
+<file path=ppt/slides/slide2.xml><?xml version="1.0" encoding="utf-8"?>
+<p:sld xmlns:a="http://schemas.openxmlformats.org/drawingml/2006/main" xmlns:r="http://schemas.openxmlformats.org/officeDocument/2006/relationships" xmlns:p="http://schemas.openxmlformats.org/presentationml/2006/main">
+  <p:cSld>
+    <p:spTree>
+      <p:nvGrpSpPr>
+        <p:cNvPr id="1" name=""/>
+        <p:cNvGrpSpPr/>
+        <p:nvPr/>
+      </p:nvGrpSpPr>
+      <p:grpSpPr>
+        <a:xfrm>
+          <a:off x="0" y="0"/>
+          <a:ext cx="0" cy="0"/>
+          <a:chOff x="0" y="0"/>
+          <a:chExt cx="0" cy="0"/>
+        </a:xfrm>
+      </p:grpSpPr>
+      <p:pic>
+        <p:nvPicPr>
+          <p:cNvPr id="2" name="Picture 1">
+            <a:extLst>
+              <a:ext uri="{FF2B5EF4-FFF2-40B4-BE49-F238E27FC236}">
+                <a16:creationId xmlns:a16="http://schemas.microsoft.com/office/drawing/2014/main" id="{8FC70E6C-371B-9ECD-F385-2263C39B3E1D}"/>
+              </a:ext>
+            </a:extLst>
+          </p:cNvPr>
+          <p:cNvPicPr>
+            <a:picLocks noChangeAspect="1"/>
+          </p:cNvPicPr>
+          <p:nvPr/>
+        </p:nvPicPr>
+        <p:blipFill>
+          <a:blip r:embed="rId2"/>
+          <a:stretch>
+            <a:fillRect/>
+          </a:stretch>
+        </p:blipFill>
+        <p:spPr>
+          <a:xfrm>
+            <a:off x="0" y="841612"/>
+            <a:ext cx="8686800" cy="10508776"/>
+          </a:xfrm>
+          <a:prstGeom prst="rect">
+            <a:avLst/>
+          </a:prstGeom>
+        </p:spPr>
+      </p:pic>
+    </p:spTree>
+    <p:extLst>
+      <p:ext uri="{BB962C8B-B14F-4D97-AF65-F5344CB8AC3E}">
+        <p14:creationId xmlns:p14="http://schemas.microsoft.com/office/powerpoint/2010/main" val="3956139399"/>
+      </p:ext>
+    </p:extLst>
+  </p:cSld>
+  <p:clrMapOvr>
+    <a:masterClrMapping/>
+  </p:clrMapOvr>
+</p:sld>
+</file>
+
+<file path=ppt/slides/slide3.xml><?xml version="1.0" encoding="utf-8"?>
+<p:sld xmlns:a="http://schemas.openxmlformats.org/drawingml/2006/main" xmlns:r="http://schemas.openxmlformats.org/officeDocument/2006/relationships" xmlns:p="http://schemas.openxmlformats.org/presentationml/2006/main">
+  <p:cSld>
+    <p:spTree>
+      <p:nvGrpSpPr>
+        <p:cNvPr id="1" name=""/>
+        <p:cNvGrpSpPr/>
+        <p:nvPr/>
+      </p:nvGrpSpPr>
+      <p:grpSpPr>
+        <a:xfrm>
+          <a:off x="0" y="0"/>
+          <a:ext cx="0" cy="0"/>
+          <a:chOff x="0" y="0"/>
+          <a:chExt cx="0" cy="0"/>
+        </a:xfrm>
+      </p:grpSpPr>
+      <p:sp>
+        <p:nvSpPr>
+          <p:cNvPr id="2" name="TextBox 1">
+            <a:extLst>
+              <a:ext uri="{FF2B5EF4-FFF2-40B4-BE49-F238E27FC236}">
+                <a16:creationId xmlns:a16="http://schemas.microsoft.com/office/drawing/2014/main" id="{5F3A8BD3-8AE0-9D13-B2C9-D04935CDBE99}"/>
+              </a:ext>
+            </a:extLst>
+          </p:cNvPr>
+          <p:cNvSpPr txBox="1"/>
+          <p:nvPr/>
+        </p:nvSpPr>
+        <p:spPr>
+          <a:xfrm>
+            <a:off x="0" y="0"/>
+            <a:ext cx="1285288" cy="523220"/>
+          </a:xfrm>
+          <a:prstGeom prst="rect">
+            <a:avLst/>
+          </a:prstGeom>
+          <a:noFill/>
+        </p:spPr>
+        <p:txBody>
+          <a:bodyPr wrap="none" rtlCol="0">
+            <a:spAutoFit/>
+          </a:bodyPr>
+          <a:lstStyle/>
+          <a:p>
+            <a:r>
+              <a:rPr lang="en-US" sz="2800" dirty="0"/>
+              <a:t>Review</a:t>
+            </a:r>
+          </a:p>
+        </p:txBody>
+      </p:sp>
+      <mc:AlternateContent xmlns:mc="http://schemas.openxmlformats.org/markup-compatibility/2006">
+        <mc:Choice xmlns:a14="http://schemas.microsoft.com/office/drawing/2010/main" Requires="a14">
+          <p:sp>
+            <p:nvSpPr>
+              <p:cNvPr id="3" name="TextBox 2">
+                <a:extLst>
+                  <a:ext uri="{FF2B5EF4-FFF2-40B4-BE49-F238E27FC236}">
+                    <a16:creationId xmlns:a16="http://schemas.microsoft.com/office/drawing/2014/main" id="{04CB62B4-1206-A764-5D86-AB6D90F3592B}"/>
+                  </a:ext>
+                </a:extLst>
+              </p:cNvPr>
+              <p:cNvSpPr txBox="1"/>
+              <p:nvPr/>
+            </p:nvSpPr>
+            <p:spPr>
+              <a:xfrm>
+                <a:off x="0" y="646387"/>
+                <a:ext cx="3819956" cy="499560"/>
+              </a:xfrm>
+              <a:prstGeom prst="rect">
+                <a:avLst/>
+              </a:prstGeom>
+              <a:noFill/>
+            </p:spPr>
+            <p:txBody>
+              <a:bodyPr wrap="none" rtlCol="0">
+                <a:spAutoFit/>
+              </a:bodyPr>
+              <a:lstStyle/>
+              <a:p>
+                <a:pPr marL="285750" indent="-285750">
+                  <a:buFont typeface="Arial" panose="020B0604020202020204" pitchFamily="34" charset="0"/>
+                  <a:buChar char="•"/>
+                </a:pPr>
+                <a:r>
+                  <a:rPr lang="en-US" dirty="0"/>
+                  <a:t>Mass (m) and mass flow (</a:t>
+                </a:r>
+                <a14:m>
+                  <m:oMath xmlns:m="http://schemas.openxmlformats.org/officeDocument/2006/math">
+                    <m:f>
+                      <m:fPr>
+                        <m:ctrlPr>
+                          <a:rPr lang="en-US" i="1" smtClean="0">
+                            <a:latin typeface="Cambria Math" panose="02040503050406030204" pitchFamily="18" charset="0"/>
+                          </a:rPr>
+                        </m:ctrlPr>
+                      </m:fPr>
+                      <m:num>
+                        <m:r>
+                          <a:rPr lang="en-US" i="1" smtClean="0">
+                            <a:latin typeface="Cambria Math" panose="02040503050406030204" pitchFamily="18" charset="0"/>
+                            <a:ea typeface="Cambria Math" panose="02040503050406030204" pitchFamily="18" charset="0"/>
+                          </a:rPr>
+                          <m:t>𝜕</m:t>
+                        </m:r>
+                        <m:r>
+                          <a:rPr lang="en-US" b="0" i="1" smtClean="0">
+                            <a:latin typeface="Cambria Math" panose="02040503050406030204" pitchFamily="18" charset="0"/>
+                            <a:ea typeface="Cambria Math" panose="02040503050406030204" pitchFamily="18" charset="0"/>
+                          </a:rPr>
+                          <m:t>𝑚</m:t>
+                        </m:r>
+                      </m:num>
+                      <m:den>
+                        <m:r>
+                          <a:rPr lang="en-US" i="1" smtClean="0">
+                            <a:latin typeface="Cambria Math" panose="02040503050406030204" pitchFamily="18" charset="0"/>
+                            <a:ea typeface="Cambria Math" panose="02040503050406030204" pitchFamily="18" charset="0"/>
+                          </a:rPr>
+                          <m:t>𝜕</m:t>
+                        </m:r>
+                        <m:r>
+                          <a:rPr lang="en-US" b="0" i="1" smtClean="0">
+                            <a:latin typeface="Cambria Math" panose="02040503050406030204" pitchFamily="18" charset="0"/>
+                            <a:ea typeface="Cambria Math" panose="02040503050406030204" pitchFamily="18" charset="0"/>
+                          </a:rPr>
+                          <m:t>𝑡</m:t>
+                        </m:r>
+                      </m:den>
+                    </m:f>
+                    <m:r>
+                      <a:rPr lang="en-US" b="0" i="1" smtClean="0">
+                        <a:latin typeface="Cambria Math" panose="02040503050406030204" pitchFamily="18" charset="0"/>
+                      </a:rPr>
+                      <m:t>=</m:t>
+                    </m:r>
+                    <m:acc>
+                      <m:accPr>
+                        <m:chr m:val="̇"/>
+                        <m:ctrlPr>
+                          <a:rPr lang="en-US" b="0" i="1" smtClean="0">
+                            <a:latin typeface="Cambria Math" panose="02040503050406030204" pitchFamily="18" charset="0"/>
+                          </a:rPr>
+                        </m:ctrlPr>
+                      </m:accPr>
+                      <m:e>
+                        <m:r>
+                          <a:rPr lang="en-US" b="0" i="1" smtClean="0">
+                            <a:latin typeface="Cambria Math" panose="02040503050406030204" pitchFamily="18" charset="0"/>
+                          </a:rPr>
+                          <m:t>𝑚</m:t>
+                        </m:r>
+                      </m:e>
+                    </m:acc>
+                  </m:oMath>
+                </a14:m>
+                <a:r>
+                  <a:rPr lang="en-US" dirty="0"/>
+                  <a:t>)</a:t>
+                </a:r>
+              </a:p>
+            </p:txBody>
+          </p:sp>
+        </mc:Choice>
+        <mc:Fallback>
+          <p:sp>
+            <p:nvSpPr>
+              <p:cNvPr id="3" name="TextBox 2">
+                <a:extLst>
+                  <a:ext uri="{FF2B5EF4-FFF2-40B4-BE49-F238E27FC236}">
+                    <a16:creationId xmlns:a16="http://schemas.microsoft.com/office/drawing/2014/main" id="{04CB62B4-1206-A764-5D86-AB6D90F3592B}"/>
+                  </a:ext>
+                </a:extLst>
+              </p:cNvPr>
+              <p:cNvSpPr txBox="1">
+                <a:spLocks noRot="1" noChangeAspect="1" noMove="1" noResize="1" noEditPoints="1" noAdjustHandles="1" noChangeArrowheads="1" noChangeShapeType="1" noTextEdit="1"/>
+              </p:cNvSpPr>
+              <p:nvPr/>
+            </p:nvSpPr>
+            <p:spPr>
+              <a:xfrm>
+                <a:off x="0" y="646387"/>
+                <a:ext cx="3819956" cy="499560"/>
+              </a:xfrm>
+              <a:prstGeom prst="rect">
+                <a:avLst/>
+              </a:prstGeom>
+              <a:blipFill>
+                <a:blip r:embed="rId2"/>
+                <a:stretch>
+                  <a:fillRect l="-957" b="-8537"/>
+                </a:stretch>
+              </a:blipFill>
+            </p:spPr>
+            <p:txBody>
+              <a:bodyPr/>
+              <a:lstStyle/>
+              <a:p>
+                <a:r>
+                  <a:rPr lang="en-US">
+                    <a:noFill/>
+                  </a:rPr>
+                  <a:t> </a:t>
+                </a:r>
+              </a:p>
+            </p:txBody>
+          </p:sp>
+        </mc:Fallback>
+      </mc:AlternateContent>
+      <mc:AlternateContent xmlns:mc="http://schemas.openxmlformats.org/markup-compatibility/2006">
+        <mc:Choice xmlns:a14="http://schemas.microsoft.com/office/drawing/2010/main" Requires="a14">
+          <p:sp>
+            <p:nvSpPr>
+              <p:cNvPr id="4" name="TextBox 3">
+                <a:extLst>
+                  <a:ext uri="{FF2B5EF4-FFF2-40B4-BE49-F238E27FC236}">
+                    <a16:creationId xmlns:a16="http://schemas.microsoft.com/office/drawing/2014/main" id="{A5E9C67D-A4ED-0004-96D3-3331AC662FF5}"/>
+                  </a:ext>
+                </a:extLst>
+              </p:cNvPr>
+              <p:cNvSpPr txBox="1"/>
+              <p:nvPr/>
+            </p:nvSpPr>
+            <p:spPr>
+              <a:xfrm>
+                <a:off x="0" y="1269114"/>
+                <a:ext cx="4598438" cy="499560"/>
+              </a:xfrm>
+              <a:prstGeom prst="rect">
+                <a:avLst/>
+              </a:prstGeom>
+              <a:noFill/>
+            </p:spPr>
+            <p:txBody>
+              <a:bodyPr wrap="none" rtlCol="0">
+                <a:spAutoFit/>
+              </a:bodyPr>
+              <a:lstStyle/>
+              <a:p>
+                <a:pPr marL="285750" indent="-285750">
+                  <a:buFont typeface="Arial" panose="020B0604020202020204" pitchFamily="34" charset="0"/>
+                  <a:buChar char="•"/>
+                </a:pPr>
+                <a:r>
+                  <a:rPr lang="en-US" dirty="0"/>
+                  <a:t>Volume and volumetric flow (</a:t>
+                </a:r>
+                <a14:m>
+                  <m:oMath xmlns:m="http://schemas.openxmlformats.org/officeDocument/2006/math">
+                    <m:f>
+                      <m:fPr>
+                        <m:ctrlPr>
+                          <a:rPr lang="en-US" i="1" smtClean="0">
+                            <a:latin typeface="Cambria Math" panose="02040503050406030204" pitchFamily="18" charset="0"/>
+                          </a:rPr>
+                        </m:ctrlPr>
+                      </m:fPr>
+                      <m:num>
+                        <m:r>
+                          <a:rPr lang="en-US" i="1" smtClean="0">
+                            <a:latin typeface="Cambria Math" panose="02040503050406030204" pitchFamily="18" charset="0"/>
+                            <a:ea typeface="Cambria Math" panose="02040503050406030204" pitchFamily="18" charset="0"/>
+                          </a:rPr>
+                          <m:t>𝜕</m:t>
+                        </m:r>
+                        <m:r>
+                          <a:rPr lang="en-US" b="0" i="1" smtClean="0">
+                            <a:latin typeface="Cambria Math" panose="02040503050406030204" pitchFamily="18" charset="0"/>
+                            <a:ea typeface="Cambria Math" panose="02040503050406030204" pitchFamily="18" charset="0"/>
+                          </a:rPr>
+                          <m:t>𝑣𝑜𝑙𝑢𝑚𝑒</m:t>
+                        </m:r>
+                      </m:num>
+                      <m:den>
+                        <m:r>
+                          <a:rPr lang="en-US" i="1" smtClean="0">
+                            <a:latin typeface="Cambria Math" panose="02040503050406030204" pitchFamily="18" charset="0"/>
+                            <a:ea typeface="Cambria Math" panose="02040503050406030204" pitchFamily="18" charset="0"/>
+                          </a:rPr>
+                          <m:t>𝜕</m:t>
+                        </m:r>
+                        <m:r>
+                          <a:rPr lang="en-US" b="0" i="1" smtClean="0">
+                            <a:latin typeface="Cambria Math" panose="02040503050406030204" pitchFamily="18" charset="0"/>
+                            <a:ea typeface="Cambria Math" panose="02040503050406030204" pitchFamily="18" charset="0"/>
+                          </a:rPr>
+                          <m:t>𝑡</m:t>
+                        </m:r>
+                      </m:den>
+                    </m:f>
+                    <m:r>
+                      <a:rPr lang="en-US" b="0" i="1" smtClean="0">
+                        <a:latin typeface="Cambria Math" panose="02040503050406030204" pitchFamily="18" charset="0"/>
+                      </a:rPr>
+                      <m:t>=</m:t>
+                    </m:r>
+                    <m:r>
+                      <a:rPr lang="en-US" b="0" i="1" smtClean="0">
+                        <a:latin typeface="Cambria Math" panose="02040503050406030204" pitchFamily="18" charset="0"/>
+                      </a:rPr>
+                      <m:t>𝑄</m:t>
+                    </m:r>
+                  </m:oMath>
+                </a14:m>
+                <a:r>
+                  <a:rPr lang="en-US" dirty="0"/>
+                  <a:t>)</a:t>
+                </a:r>
+              </a:p>
+            </p:txBody>
+          </p:sp>
+        </mc:Choice>
+        <mc:Fallback>
+          <p:sp>
+            <p:nvSpPr>
+              <p:cNvPr id="4" name="TextBox 3">
+                <a:extLst>
+                  <a:ext uri="{FF2B5EF4-FFF2-40B4-BE49-F238E27FC236}">
+                    <a16:creationId xmlns:a16="http://schemas.microsoft.com/office/drawing/2014/main" id="{A5E9C67D-A4ED-0004-96D3-3331AC662FF5}"/>
+                  </a:ext>
+                </a:extLst>
+              </p:cNvPr>
+              <p:cNvSpPr txBox="1">
+                <a:spLocks noRot="1" noChangeAspect="1" noMove="1" noResize="1" noEditPoints="1" noAdjustHandles="1" noChangeArrowheads="1" noChangeShapeType="1" noTextEdit="1"/>
+              </p:cNvSpPr>
+              <p:nvPr/>
+            </p:nvSpPr>
+            <p:spPr>
+              <a:xfrm>
+                <a:off x="0" y="1269114"/>
+                <a:ext cx="4598438" cy="499560"/>
+              </a:xfrm>
+              <a:prstGeom prst="rect">
+                <a:avLst/>
+              </a:prstGeom>
+              <a:blipFill>
+                <a:blip r:embed="rId3"/>
+                <a:stretch>
+                  <a:fillRect l="-796" r="-133" b="-8537"/>
+                </a:stretch>
+              </a:blipFill>
+            </p:spPr>
+            <p:txBody>
+              <a:bodyPr/>
+              <a:lstStyle/>
+              <a:p>
+                <a:r>
+                  <a:rPr lang="en-US">
+                    <a:noFill/>
+                  </a:rPr>
+                  <a:t> </a:t>
+                </a:r>
+              </a:p>
+            </p:txBody>
+          </p:sp>
+        </mc:Fallback>
+      </mc:AlternateContent>
+      <p:sp>
+        <p:nvSpPr>
+          <p:cNvPr id="5" name="TextBox 4">
+            <a:extLst>
+              <a:ext uri="{FF2B5EF4-FFF2-40B4-BE49-F238E27FC236}">
+                <a16:creationId xmlns:a16="http://schemas.microsoft.com/office/drawing/2014/main" id="{E1E39F5D-0026-DD6F-90CE-BC836604F99D}"/>
+              </a:ext>
+            </a:extLst>
+          </p:cNvPr>
+          <p:cNvSpPr txBox="1"/>
+          <p:nvPr/>
+        </p:nvSpPr>
+        <p:spPr>
+          <a:xfrm>
+            <a:off x="4343400" y="1145947"/>
+            <a:ext cx="2443655" cy="923330"/>
+          </a:xfrm>
+          <a:prstGeom prst="rect">
+            <a:avLst/>
+          </a:prstGeom>
+          <a:noFill/>
+        </p:spPr>
+        <p:txBody>
+          <a:bodyPr wrap="square" rtlCol="0">
+            <a:spAutoFit/>
+          </a:bodyPr>
+          <a:lstStyle/>
+          <a:p>
+            <a:pPr algn="ctr"/>
+            <a:r>
+              <a:rPr lang="en-US" dirty="0"/>
+              <a:t>In this course, Q is volumetric flow, not heat</a:t>
+            </a:r>
+          </a:p>
+        </p:txBody>
+      </p:sp>
+      <mc:AlternateContent xmlns:mc="http://schemas.openxmlformats.org/markup-compatibility/2006">
+        <mc:Choice xmlns:a14="http://schemas.microsoft.com/office/drawing/2010/main" Requires="a14">
+          <p:sp>
+            <p:nvSpPr>
+              <p:cNvPr id="6" name="TextBox 5">
+                <a:extLst>
+                  <a:ext uri="{FF2B5EF4-FFF2-40B4-BE49-F238E27FC236}">
+                    <a16:creationId xmlns:a16="http://schemas.microsoft.com/office/drawing/2014/main" id="{670D8686-E4A9-7918-6642-68AFB8DB727D}"/>
+                  </a:ext>
+                </a:extLst>
+              </p:cNvPr>
+              <p:cNvSpPr txBox="1"/>
+              <p:nvPr/>
+            </p:nvSpPr>
+            <p:spPr>
+              <a:xfrm>
+                <a:off x="0" y="1891841"/>
+                <a:ext cx="7188378" cy="646331"/>
+              </a:xfrm>
+              <a:prstGeom prst="rect">
+                <a:avLst/>
+              </a:prstGeom>
+              <a:noFill/>
+            </p:spPr>
+            <p:txBody>
+              <a:bodyPr wrap="none" rtlCol="0">
+                <a:spAutoFit/>
+              </a:bodyPr>
+              <a:lstStyle/>
+              <a:p>
+                <a:pPr marL="285750" indent="-285750">
+                  <a:buFont typeface="Arial" panose="020B0604020202020204" pitchFamily="34" charset="0"/>
+                  <a:buChar char="•"/>
+                </a:pPr>
+                <a:r>
+                  <a:rPr lang="en-US" dirty="0"/>
+                  <a:t>Density (</a:t>
+                </a:r>
+                <a14:m>
+                  <m:oMath xmlns:m="http://schemas.openxmlformats.org/officeDocument/2006/math">
+                    <m:r>
+                      <a:rPr lang="en-US" i="1" smtClean="0">
+                        <a:latin typeface="Cambria Math" panose="02040503050406030204" pitchFamily="18" charset="0"/>
+                        <a:ea typeface="Cambria Math" panose="02040503050406030204" pitchFamily="18" charset="0"/>
+                      </a:rPr>
+                      <m:t>𝜌</m:t>
+                    </m:r>
+                  </m:oMath>
+                </a14:m>
+                <a:r>
+                  <a:rPr lang="en-US" dirty="0"/>
+                  <a:t>)</a:t>
+                </a:r>
+              </a:p>
+              <a:p>
+                <a:pPr marL="742950" lvl="1" indent="-285750">
+                  <a:buFont typeface="Arial" panose="020B0604020202020204" pitchFamily="34" charset="0"/>
+                  <a:buChar char="•"/>
+                </a:pPr>
+                <a:r>
+                  <a:rPr lang="en-US" dirty="0"/>
+                  <a:t>Changes inversely with temperature due to increases in volume</a:t>
+                </a:r>
+              </a:p>
+            </p:txBody>
+          </p:sp>
+        </mc:Choice>
+        <mc:Fallback>
+          <p:sp>
+            <p:nvSpPr>
+              <p:cNvPr id="6" name="TextBox 5">
+                <a:extLst>
+                  <a:ext uri="{FF2B5EF4-FFF2-40B4-BE49-F238E27FC236}">
+                    <a16:creationId xmlns:a16="http://schemas.microsoft.com/office/drawing/2014/main" id="{670D8686-E4A9-7918-6642-68AFB8DB727D}"/>
+                  </a:ext>
+                </a:extLst>
+              </p:cNvPr>
+              <p:cNvSpPr txBox="1">
+                <a:spLocks noRot="1" noChangeAspect="1" noMove="1" noResize="1" noEditPoints="1" noAdjustHandles="1" noChangeArrowheads="1" noChangeShapeType="1" noTextEdit="1"/>
+              </p:cNvSpPr>
+              <p:nvPr/>
+            </p:nvSpPr>
+            <p:spPr>
+              <a:xfrm>
+                <a:off x="0" y="1891841"/>
+                <a:ext cx="7188378" cy="646331"/>
+              </a:xfrm>
+              <a:prstGeom prst="rect">
+                <a:avLst/>
+              </a:prstGeom>
+              <a:blipFill>
+                <a:blip r:embed="rId4"/>
+                <a:stretch>
+                  <a:fillRect l="-509" t="-3774" b="-15094"/>
+                </a:stretch>
+              </a:blipFill>
+            </p:spPr>
+            <p:txBody>
+              <a:bodyPr/>
+              <a:lstStyle/>
+              <a:p>
+                <a:r>
+                  <a:rPr lang="en-US">
+                    <a:noFill/>
+                  </a:rPr>
+                  <a:t> </a:t>
+                </a:r>
+              </a:p>
+            </p:txBody>
+          </p:sp>
+        </mc:Fallback>
+      </mc:AlternateContent>
+      <mc:AlternateContent xmlns:mc="http://schemas.openxmlformats.org/markup-compatibility/2006">
+        <mc:Choice xmlns:a14="http://schemas.microsoft.com/office/drawing/2010/main" Requires="a14">
+          <p:sp>
+            <p:nvSpPr>
+              <p:cNvPr id="7" name="TextBox 6">
+                <a:extLst>
+                  <a:ext uri="{FF2B5EF4-FFF2-40B4-BE49-F238E27FC236}">
+                    <a16:creationId xmlns:a16="http://schemas.microsoft.com/office/drawing/2014/main" id="{3D3E3194-698E-1E84-6F54-2428C9D9F2AD}"/>
+                  </a:ext>
+                </a:extLst>
+              </p:cNvPr>
+              <p:cNvSpPr txBox="1"/>
+              <p:nvPr/>
+            </p:nvSpPr>
+            <p:spPr>
+              <a:xfrm>
+                <a:off x="0" y="2661339"/>
+                <a:ext cx="8686800" cy="9337941"/>
+              </a:xfrm>
+              <a:prstGeom prst="rect">
+                <a:avLst/>
+              </a:prstGeom>
+              <a:noFill/>
+            </p:spPr>
+            <p:txBody>
+              <a:bodyPr wrap="square" rtlCol="0">
+                <a:spAutoFit/>
+              </a:bodyPr>
+              <a:lstStyle/>
+              <a:p>
+                <a:pPr marL="285750" indent="-285750">
+                  <a:buFont typeface="Arial" panose="020B0604020202020204" pitchFamily="34" charset="0"/>
+                  <a:buChar char="•"/>
+                </a:pPr>
+                <a:r>
+                  <a:rPr lang="en-US" dirty="0"/>
+                  <a:t>Weight</a:t>
+                </a:r>
+              </a:p>
+              <a:p>
+                <a:pPr marL="742950" lvl="1" indent="-285750">
+                  <a:buFont typeface="Arial" panose="020B0604020202020204" pitchFamily="34" charset="0"/>
+                  <a:buChar char="•"/>
+                </a:pPr>
+                <a:r>
+                  <a:rPr lang="en-US" dirty="0"/>
+                  <a:t>Heaviness of an object, downward force due to gravity</a:t>
+                </a:r>
+              </a:p>
+              <a:p>
+                <a:pPr marL="742950" lvl="1" indent="-285750">
+                  <a:buFont typeface="Arial" panose="020B0604020202020204" pitchFamily="34" charset="0"/>
+                  <a:buChar char="•"/>
+                </a:pPr>
+                <a14:m>
+                  <m:oMath xmlns:m="http://schemas.openxmlformats.org/officeDocument/2006/math">
+                    <m:r>
+                      <a:rPr lang="en-US" sz="2000" b="0" i="1" smtClean="0">
+                        <a:latin typeface="Cambria Math" panose="02040503050406030204" pitchFamily="18" charset="0"/>
+                      </a:rPr>
+                      <m:t>𝑊𝑒𝑖𝑔h𝑡</m:t>
+                    </m:r>
+                    <m:r>
+                      <a:rPr lang="en-US" sz="2000" b="0" i="1" smtClean="0">
+                        <a:latin typeface="Cambria Math" panose="02040503050406030204" pitchFamily="18" charset="0"/>
+                      </a:rPr>
+                      <m:t>=</m:t>
+                    </m:r>
+                    <m:f>
+                      <m:fPr>
+                        <m:ctrlPr>
+                          <a:rPr lang="en-US" sz="2000" b="0" i="1" smtClean="0">
+                            <a:latin typeface="Cambria Math" panose="02040503050406030204" pitchFamily="18" charset="0"/>
+                          </a:rPr>
+                        </m:ctrlPr>
+                      </m:fPr>
+                      <m:num>
+                        <m:r>
+                          <a:rPr lang="en-US" sz="2000" i="1">
+                            <a:latin typeface="Cambria Math" panose="02040503050406030204" pitchFamily="18" charset="0"/>
+                          </a:rPr>
+                          <m:t>𝑚</m:t>
+                        </m:r>
+                        <m:acc>
+                          <m:accPr>
+                            <m:chr m:val="⃑"/>
+                            <m:ctrlPr>
+                              <a:rPr lang="en-US" sz="2000" i="1">
+                                <a:latin typeface="Cambria Math" panose="02040503050406030204" pitchFamily="18" charset="0"/>
+                              </a:rPr>
+                            </m:ctrlPr>
+                          </m:accPr>
+                          <m:e>
+                            <m:r>
+                              <a:rPr lang="en-US" sz="2000" i="1">
+                                <a:latin typeface="Cambria Math" panose="02040503050406030204" pitchFamily="18" charset="0"/>
+                              </a:rPr>
+                              <m:t>𝑔</m:t>
+                            </m:r>
+                          </m:e>
+                        </m:acc>
+                      </m:num>
+                      <m:den>
+                        <m:sSub>
+                          <m:sSubPr>
+                            <m:ctrlPr>
+                              <a:rPr lang="en-US" sz="2000" b="0" i="1" smtClean="0">
+                                <a:latin typeface="Cambria Math" panose="02040503050406030204" pitchFamily="18" charset="0"/>
+                              </a:rPr>
+                            </m:ctrlPr>
+                          </m:sSubPr>
+                          <m:e>
+                            <m:r>
+                              <a:rPr lang="en-US" sz="2000" b="0" i="1" smtClean="0">
+                                <a:latin typeface="Cambria Math" panose="02040503050406030204" pitchFamily="18" charset="0"/>
+                              </a:rPr>
+                              <m:t>𝑔</m:t>
+                            </m:r>
+                          </m:e>
+                          <m:sub>
+                            <m:r>
+                              <a:rPr lang="en-US" sz="2000" b="0" i="1" smtClean="0">
+                                <a:latin typeface="Cambria Math" panose="02040503050406030204" pitchFamily="18" charset="0"/>
+                              </a:rPr>
+                              <m:t>𝑐</m:t>
+                            </m:r>
+                          </m:sub>
+                        </m:sSub>
+                      </m:den>
+                    </m:f>
+                  </m:oMath>
+                </a14:m>
+                <a:endParaRPr lang="en-US" dirty="0"/>
+              </a:p>
+              <a:p>
+                <a:pPr marL="742950" lvl="1" indent="-285750">
+                  <a:buFont typeface="Arial" panose="020B0604020202020204" pitchFamily="34" charset="0"/>
+                  <a:buChar char="•"/>
+                </a:pPr>
+                <a:endParaRPr lang="en-US" dirty="0"/>
+              </a:p>
+              <a:p>
+                <a:pPr marL="285750" indent="-285750">
+                  <a:buFont typeface="Arial" panose="020B0604020202020204" pitchFamily="34" charset="0"/>
+                  <a:buChar char="•"/>
+                </a:pPr>
+                <a:r>
+                  <a:rPr lang="en-US" dirty="0"/>
+                  <a:t>Force (</a:t>
+                </a:r>
+                <a14:m>
+                  <m:oMath xmlns:m="http://schemas.openxmlformats.org/officeDocument/2006/math">
+                    <m:acc>
+                      <m:accPr>
+                        <m:chr m:val="⃑"/>
+                        <m:ctrlPr>
+                          <a:rPr lang="en-US" i="1" smtClean="0">
+                            <a:latin typeface="Cambria Math" panose="02040503050406030204" pitchFamily="18" charset="0"/>
+                          </a:rPr>
+                        </m:ctrlPr>
+                      </m:accPr>
+                      <m:e>
+                        <m:r>
+                          <a:rPr lang="en-US" b="0" i="1" smtClean="0">
+                            <a:latin typeface="Cambria Math" panose="02040503050406030204" pitchFamily="18" charset="0"/>
+                          </a:rPr>
+                          <m:t>𝐹</m:t>
+                        </m:r>
+                      </m:e>
+                    </m:acc>
+                  </m:oMath>
+                </a14:m>
+                <a:r>
+                  <a:rPr lang="en-US" dirty="0"/>
+                  <a:t>)</a:t>
+                </a:r>
+              </a:p>
+              <a:p>
+                <a:pPr marL="742950" lvl="1" indent="-285750">
+                  <a:buFont typeface="Arial" panose="020B0604020202020204" pitchFamily="34" charset="0"/>
+                  <a:buChar char="•"/>
+                </a:pPr>
+                <a:r>
+                  <a:rPr lang="en-US" dirty="0"/>
+                  <a:t>An action that has direction or maintains the motion of an object</a:t>
+                </a:r>
+              </a:p>
+              <a:p>
+                <a:pPr marL="742950" lvl="1" indent="-285750">
+                  <a:buFont typeface="Arial" panose="020B0604020202020204" pitchFamily="34" charset="0"/>
+                  <a:buChar char="•"/>
+                </a:pPr>
+                <a:r>
+                  <a:rPr lang="en-US" dirty="0"/>
+                  <a:t>Converting between force and mass is always accompanied by </a:t>
+                </a:r>
+                <a14:m>
+                  <m:oMath xmlns:m="http://schemas.openxmlformats.org/officeDocument/2006/math">
+                    <m:sSub>
+                      <m:sSubPr>
+                        <m:ctrlPr>
+                          <a:rPr lang="en-US" i="1" smtClean="0">
+                            <a:latin typeface="Cambria Math" panose="02040503050406030204" pitchFamily="18" charset="0"/>
+                          </a:rPr>
+                        </m:ctrlPr>
+                      </m:sSubPr>
+                      <m:e>
+                        <m:r>
+                          <a:rPr lang="en-US" b="0" i="1" smtClean="0">
+                            <a:latin typeface="Cambria Math" panose="02040503050406030204" pitchFamily="18" charset="0"/>
+                          </a:rPr>
+                          <m:t>𝑔</m:t>
+                        </m:r>
+                      </m:e>
+                      <m:sub>
+                        <m:r>
+                          <a:rPr lang="en-US" b="0" i="1" smtClean="0">
+                            <a:latin typeface="Cambria Math" panose="02040503050406030204" pitchFamily="18" charset="0"/>
+                          </a:rPr>
+                          <m:t>𝑐</m:t>
+                        </m:r>
+                      </m:sub>
+                    </m:sSub>
+                  </m:oMath>
+                </a14:m>
+                <a:r>
+                  <a:rPr lang="en-US" dirty="0"/>
+                  <a:t>, a conversion factor (</a:t>
+                </a:r>
+                <a14:m>
+                  <m:oMath xmlns:m="http://schemas.openxmlformats.org/officeDocument/2006/math">
+                    <m:f>
+                      <m:fPr>
+                        <m:ctrlPr>
+                          <a:rPr lang="en-US" i="1" smtClean="0">
+                            <a:latin typeface="Cambria Math" panose="02040503050406030204" pitchFamily="18" charset="0"/>
+                          </a:rPr>
+                        </m:ctrlPr>
+                      </m:fPr>
+                      <m:num>
+                        <m:r>
+                          <a:rPr lang="en-US" b="0" i="1" smtClean="0">
+                            <a:latin typeface="Cambria Math" panose="02040503050406030204" pitchFamily="18" charset="0"/>
+                          </a:rPr>
+                          <m:t>𝑚</m:t>
+                        </m:r>
+                        <m:r>
+                          <a:rPr lang="en-US" b="0" i="1" smtClean="0">
+                            <a:latin typeface="Cambria Math" panose="02040503050406030204" pitchFamily="18" charset="0"/>
+                            <a:ea typeface="Cambria Math" panose="02040503050406030204" pitchFamily="18" charset="0"/>
+                          </a:rPr>
+                          <m:t>∙</m:t>
+                        </m:r>
+                        <m:r>
+                          <a:rPr lang="en-US" b="0" i="1" smtClean="0">
+                            <a:latin typeface="Cambria Math" panose="02040503050406030204" pitchFamily="18" charset="0"/>
+                          </a:rPr>
+                          <m:t>𝐿</m:t>
+                        </m:r>
+                        <m:sSup>
+                          <m:sSupPr>
+                            <m:ctrlPr>
+                              <a:rPr lang="en-US" b="0" i="1" smtClean="0">
+                                <a:latin typeface="Cambria Math" panose="02040503050406030204" pitchFamily="18" charset="0"/>
+                              </a:rPr>
+                            </m:ctrlPr>
+                          </m:sSupPr>
+                          <m:e>
+                            <m:r>
+                              <a:rPr lang="en-US" b="0" i="1" smtClean="0">
+                                <a:latin typeface="Cambria Math" panose="02040503050406030204" pitchFamily="18" charset="0"/>
+                                <a:ea typeface="Cambria Math" panose="02040503050406030204" pitchFamily="18" charset="0"/>
+                              </a:rPr>
+                              <m:t>∙</m:t>
+                            </m:r>
+                            <m:r>
+                              <a:rPr lang="en-US" b="0" i="1" smtClean="0">
+                                <a:latin typeface="Cambria Math" panose="02040503050406030204" pitchFamily="18" charset="0"/>
+                              </a:rPr>
+                              <m:t>𝑡</m:t>
+                            </m:r>
+                          </m:e>
+                          <m:sup>
+                            <m:r>
+                              <a:rPr lang="en-US" b="0" i="1" smtClean="0">
+                                <a:latin typeface="Cambria Math" panose="02040503050406030204" pitchFamily="18" charset="0"/>
+                              </a:rPr>
+                              <m:t>−2</m:t>
+                            </m:r>
+                          </m:sup>
+                        </m:sSup>
+                      </m:num>
+                      <m:den>
+                        <m:r>
+                          <a:rPr lang="en-US" b="0" i="1" smtClean="0">
+                            <a:latin typeface="Cambria Math" panose="02040503050406030204" pitchFamily="18" charset="0"/>
+                          </a:rPr>
+                          <m:t>𝐹</m:t>
+                        </m:r>
+                      </m:den>
+                    </m:f>
+                  </m:oMath>
+                </a14:m>
+                <a:r>
+                  <a:rPr lang="en-US" dirty="0"/>
+                  <a:t>)</a:t>
+                </a:r>
+              </a:p>
+              <a:p>
+                <a:pPr marL="1200150" lvl="2" indent="-285750">
+                  <a:buFont typeface="Arial" panose="020B0604020202020204" pitchFamily="34" charset="0"/>
+                  <a:buChar char="•"/>
+                </a:pPr>
+                <a:r>
+                  <a:rPr lang="en-US" dirty="0"/>
+                  <a:t>For the SI system of units, this just happens to be </a:t>
+                </a:r>
+                <a14:m>
+                  <m:oMath xmlns:m="http://schemas.openxmlformats.org/officeDocument/2006/math">
+                    <m:r>
+                      <a:rPr lang="en-US" b="0" i="1" smtClean="0">
+                        <a:latin typeface="Cambria Math" panose="02040503050406030204" pitchFamily="18" charset="0"/>
+                      </a:rPr>
+                      <m:t>1</m:t>
+                    </m:r>
+                    <m:f>
+                      <m:fPr>
+                        <m:ctrlPr>
+                          <a:rPr lang="en-US" b="0" i="1" smtClean="0">
+                            <a:latin typeface="Cambria Math" panose="02040503050406030204" pitchFamily="18" charset="0"/>
+                          </a:rPr>
+                        </m:ctrlPr>
+                      </m:fPr>
+                      <m:num>
+                        <m:r>
+                          <a:rPr lang="en-US" b="0" i="1" smtClean="0">
+                            <a:latin typeface="Cambria Math" panose="02040503050406030204" pitchFamily="18" charset="0"/>
+                          </a:rPr>
+                          <m:t>𝑘𝑔</m:t>
+                        </m:r>
+                        <m:r>
+                          <a:rPr lang="en-US" b="0" i="1" smtClean="0">
+                            <a:latin typeface="Cambria Math" panose="02040503050406030204" pitchFamily="18" charset="0"/>
+                            <a:ea typeface="Cambria Math" panose="02040503050406030204" pitchFamily="18" charset="0"/>
+                          </a:rPr>
+                          <m:t>∙</m:t>
+                        </m:r>
+                        <m:r>
+                          <a:rPr lang="en-US" b="0" i="1" smtClean="0">
+                            <a:latin typeface="Cambria Math" panose="02040503050406030204" pitchFamily="18" charset="0"/>
+                          </a:rPr>
+                          <m:t>𝑚</m:t>
+                        </m:r>
+                        <m:r>
+                          <a:rPr lang="en-US" b="0" i="1" smtClean="0">
+                            <a:latin typeface="Cambria Math" panose="02040503050406030204" pitchFamily="18" charset="0"/>
+                            <a:ea typeface="Cambria Math" panose="02040503050406030204" pitchFamily="18" charset="0"/>
+                          </a:rPr>
+                          <m:t>∙</m:t>
+                        </m:r>
+                        <m:sSup>
+                          <m:sSupPr>
+                            <m:ctrlPr>
+                              <a:rPr lang="en-US" b="0" i="1" smtClean="0">
+                                <a:latin typeface="Cambria Math" panose="02040503050406030204" pitchFamily="18" charset="0"/>
+                                <a:ea typeface="Cambria Math" panose="02040503050406030204" pitchFamily="18" charset="0"/>
+                              </a:rPr>
+                            </m:ctrlPr>
+                          </m:sSupPr>
+                          <m:e>
+                            <m:r>
+                              <a:rPr lang="en-US" b="0" i="1" smtClean="0">
+                                <a:latin typeface="Cambria Math" panose="02040503050406030204" pitchFamily="18" charset="0"/>
+                                <a:ea typeface="Cambria Math" panose="02040503050406030204" pitchFamily="18" charset="0"/>
+                              </a:rPr>
+                              <m:t>𝑠</m:t>
+                            </m:r>
+                          </m:e>
+                          <m:sup>
+                            <m:r>
+                              <a:rPr lang="en-US" b="0" i="1" smtClean="0">
+                                <a:latin typeface="Cambria Math" panose="02040503050406030204" pitchFamily="18" charset="0"/>
+                                <a:ea typeface="Cambria Math" panose="02040503050406030204" pitchFamily="18" charset="0"/>
+                              </a:rPr>
+                              <m:t>−2</m:t>
+                            </m:r>
+                          </m:sup>
+                        </m:sSup>
+                      </m:num>
+                      <m:den>
+                        <m:r>
+                          <a:rPr lang="en-US" b="0" i="1" smtClean="0">
+                            <a:latin typeface="Cambria Math" panose="02040503050406030204" pitchFamily="18" charset="0"/>
+                          </a:rPr>
+                          <m:t>𝑁</m:t>
+                        </m:r>
+                      </m:den>
+                    </m:f>
+                  </m:oMath>
+                </a14:m>
+                <a:r>
+                  <a:rPr lang="en-US" dirty="0"/>
+                  <a:t> </a:t>
+                </a:r>
+              </a:p>
+              <a:p>
+                <a:pPr marL="1200150" lvl="2" indent="-285750">
+                  <a:buFont typeface="Arial" panose="020B0604020202020204" pitchFamily="34" charset="0"/>
+                  <a:buChar char="•"/>
+                </a:pPr>
+                <a:endParaRPr lang="en-US" dirty="0"/>
+              </a:p>
+              <a:p>
+                <a:pPr marL="285750" indent="-285750">
+                  <a:buFont typeface="Arial" panose="020B0604020202020204" pitchFamily="34" charset="0"/>
+                  <a:buChar char="•"/>
+                </a:pPr>
+                <a:r>
+                  <a:rPr lang="en-US" dirty="0"/>
+                  <a:t>Vectors (</a:t>
+                </a:r>
+                <a14:m>
+                  <m:oMath xmlns:m="http://schemas.openxmlformats.org/officeDocument/2006/math">
+                    <m:acc>
+                      <m:accPr>
+                        <m:chr m:val="⃑"/>
+                        <m:ctrlPr>
+                          <a:rPr lang="en-US" i="1" smtClean="0">
+                            <a:latin typeface="Cambria Math" panose="02040503050406030204" pitchFamily="18" charset="0"/>
+                          </a:rPr>
+                        </m:ctrlPr>
+                      </m:accPr>
+                      <m:e>
+                        <m:r>
+                          <a:rPr lang="en-US" b="0" i="1" smtClean="0">
+                            <a:latin typeface="Cambria Math" panose="02040503050406030204" pitchFamily="18" charset="0"/>
+                          </a:rPr>
+                          <m:t>𝐴</m:t>
+                        </m:r>
+                      </m:e>
+                    </m:acc>
+                  </m:oMath>
+                </a14:m>
+                <a:r>
+                  <a:rPr lang="en-US" dirty="0"/>
+                  <a:t>)</a:t>
+                </a:r>
+              </a:p>
+              <a:p>
+                <a:pPr marL="742950" lvl="1" indent="-285750">
+                  <a:buFont typeface="Arial" panose="020B0604020202020204" pitchFamily="34" charset="0"/>
+                  <a:buChar char="•"/>
+                </a:pPr>
+                <a:r>
+                  <a:rPr lang="en-US" dirty="0"/>
+                  <a:t>A quantity having a magnitude and direction</a:t>
+                </a:r>
+              </a:p>
+              <a:p>
+                <a:pPr marL="742950" lvl="1" indent="-285750">
+                  <a:buFont typeface="Arial" panose="020B0604020202020204" pitchFamily="34" charset="0"/>
+                  <a:buChar char="•"/>
+                </a:pPr>
+                <a:r>
+                  <a:rPr lang="en-US" dirty="0"/>
+                  <a:t>Can be split into components </a:t>
+                </a:r>
+                <a14:m>
+                  <m:oMath xmlns:m="http://schemas.openxmlformats.org/officeDocument/2006/math">
+                    <m:acc>
+                      <m:accPr>
+                        <m:chr m:val="⃑"/>
+                        <m:ctrlPr>
+                          <a:rPr lang="en-US" i="1" smtClean="0">
+                            <a:latin typeface="Cambria Math" panose="02040503050406030204" pitchFamily="18" charset="0"/>
+                          </a:rPr>
+                        </m:ctrlPr>
+                      </m:accPr>
+                      <m:e>
+                        <m:r>
+                          <a:rPr lang="en-US" b="0" i="1" smtClean="0">
+                            <a:latin typeface="Cambria Math" panose="02040503050406030204" pitchFamily="18" charset="0"/>
+                          </a:rPr>
+                          <m:t>𝐴</m:t>
+                        </m:r>
+                      </m:e>
+                    </m:acc>
+                    <m:r>
+                      <a:rPr lang="en-US" b="0" i="1" smtClean="0">
+                        <a:latin typeface="Cambria Math" panose="02040503050406030204" pitchFamily="18" charset="0"/>
+                      </a:rPr>
+                      <m:t>=</m:t>
+                    </m:r>
+                    <m:sSub>
+                      <m:sSubPr>
+                        <m:ctrlPr>
+                          <a:rPr lang="en-US" b="0" i="1" smtClean="0">
+                            <a:latin typeface="Cambria Math" panose="02040503050406030204" pitchFamily="18" charset="0"/>
+                          </a:rPr>
+                        </m:ctrlPr>
+                      </m:sSubPr>
+                      <m:e>
+                        <m:r>
+                          <a:rPr lang="en-US" b="0" i="1" smtClean="0">
+                            <a:latin typeface="Cambria Math" panose="02040503050406030204" pitchFamily="18" charset="0"/>
+                          </a:rPr>
+                          <m:t>𝐴</m:t>
+                        </m:r>
+                      </m:e>
+                      <m:sub>
+                        <m:r>
+                          <a:rPr lang="en-US" b="0" i="1" smtClean="0">
+                            <a:latin typeface="Cambria Math" panose="02040503050406030204" pitchFamily="18" charset="0"/>
+                          </a:rPr>
+                          <m:t>𝑥</m:t>
+                        </m:r>
+                      </m:sub>
+                    </m:sSub>
+                    <m:acc>
+                      <m:accPr>
+                        <m:chr m:val="̂"/>
+                        <m:ctrlPr>
+                          <a:rPr lang="en-US" b="0" i="1" smtClean="0">
+                            <a:latin typeface="Cambria Math" panose="02040503050406030204" pitchFamily="18" charset="0"/>
+                          </a:rPr>
+                        </m:ctrlPr>
+                      </m:accPr>
+                      <m:e>
+                        <m:r>
+                          <a:rPr lang="en-US" b="0" i="1" smtClean="0">
+                            <a:latin typeface="Cambria Math" panose="02040503050406030204" pitchFamily="18" charset="0"/>
+                          </a:rPr>
+                          <m:t>𝑖</m:t>
+                        </m:r>
+                      </m:e>
+                    </m:acc>
+                    <m:r>
+                      <a:rPr lang="en-US" b="0" i="1" smtClean="0">
+                        <a:latin typeface="Cambria Math" panose="02040503050406030204" pitchFamily="18" charset="0"/>
+                      </a:rPr>
+                      <m:t>+</m:t>
+                    </m:r>
+                    <m:sSub>
+                      <m:sSubPr>
+                        <m:ctrlPr>
+                          <a:rPr lang="en-US" i="1">
+                            <a:latin typeface="Cambria Math" panose="02040503050406030204" pitchFamily="18" charset="0"/>
+                          </a:rPr>
+                        </m:ctrlPr>
+                      </m:sSubPr>
+                      <m:e>
+                        <m:r>
+                          <a:rPr lang="en-US" b="0" i="1" smtClean="0">
+                            <a:latin typeface="Cambria Math" panose="02040503050406030204" pitchFamily="18" charset="0"/>
+                          </a:rPr>
+                          <m:t>𝐴</m:t>
+                        </m:r>
+                      </m:e>
+                      <m:sub>
+                        <m:r>
+                          <a:rPr lang="en-US" b="0" i="1" smtClean="0">
+                            <a:latin typeface="Cambria Math" panose="02040503050406030204" pitchFamily="18" charset="0"/>
+                          </a:rPr>
+                          <m:t>𝑦</m:t>
+                        </m:r>
+                      </m:sub>
+                    </m:sSub>
+                    <m:acc>
+                      <m:accPr>
+                        <m:chr m:val="̂"/>
+                        <m:ctrlPr>
+                          <a:rPr lang="en-US" i="1">
+                            <a:latin typeface="Cambria Math" panose="02040503050406030204" pitchFamily="18" charset="0"/>
+                          </a:rPr>
+                        </m:ctrlPr>
+                      </m:accPr>
+                      <m:e>
+                        <m:r>
+                          <a:rPr lang="en-US" b="0" i="1" smtClean="0">
+                            <a:latin typeface="Cambria Math" panose="02040503050406030204" pitchFamily="18" charset="0"/>
+                          </a:rPr>
+                          <m:t>𝑗</m:t>
+                        </m:r>
+                      </m:e>
+                    </m:acc>
+                    <m:r>
+                      <a:rPr lang="en-US" b="0" i="1" smtClean="0">
+                        <a:latin typeface="Cambria Math" panose="02040503050406030204" pitchFamily="18" charset="0"/>
+                      </a:rPr>
+                      <m:t>+</m:t>
+                    </m:r>
+                    <m:sSub>
+                      <m:sSubPr>
+                        <m:ctrlPr>
+                          <a:rPr lang="en-US" i="1">
+                            <a:latin typeface="Cambria Math" panose="02040503050406030204" pitchFamily="18" charset="0"/>
+                          </a:rPr>
+                        </m:ctrlPr>
+                      </m:sSubPr>
+                      <m:e>
+                        <m:r>
+                          <a:rPr lang="en-US" b="0" i="1" smtClean="0">
+                            <a:latin typeface="Cambria Math" panose="02040503050406030204" pitchFamily="18" charset="0"/>
+                          </a:rPr>
+                          <m:t>𝐴</m:t>
+                        </m:r>
+                      </m:e>
+                      <m:sub>
+                        <m:r>
+                          <a:rPr lang="en-US" b="0" i="1" smtClean="0">
+                            <a:latin typeface="Cambria Math" panose="02040503050406030204" pitchFamily="18" charset="0"/>
+                          </a:rPr>
+                          <m:t>𝑧</m:t>
+                        </m:r>
+                      </m:sub>
+                    </m:sSub>
+                    <m:acc>
+                      <m:accPr>
+                        <m:chr m:val="̂"/>
+                        <m:ctrlPr>
+                          <a:rPr lang="en-US" i="1">
+                            <a:latin typeface="Cambria Math" panose="02040503050406030204" pitchFamily="18" charset="0"/>
+                          </a:rPr>
+                        </m:ctrlPr>
+                      </m:accPr>
+                      <m:e>
+                        <m:r>
+                          <a:rPr lang="en-US" b="0" i="1" smtClean="0">
+                            <a:latin typeface="Cambria Math" panose="02040503050406030204" pitchFamily="18" charset="0"/>
+                          </a:rPr>
+                          <m:t>𝑘</m:t>
+                        </m:r>
+                      </m:e>
+                    </m:acc>
+                  </m:oMath>
+                </a14:m>
+                <a:endParaRPr lang="en-US" dirty="0"/>
+              </a:p>
+              <a:p>
+                <a:pPr marL="742950" lvl="1" indent="-285750">
+                  <a:buFont typeface="Arial" panose="020B0604020202020204" pitchFamily="34" charset="0"/>
+                  <a:buChar char="•"/>
+                </a:pPr>
+                <a:r>
+                  <a:rPr lang="en-US" dirty="0"/>
+                  <a:t>Magnitude of vectors can be found by:</a:t>
+                </a:r>
+              </a:p>
+              <a:p>
+                <a:pPr marL="742950" lvl="1" indent="-285750">
+                  <a:buFont typeface="Arial" panose="020B0604020202020204" pitchFamily="34" charset="0"/>
+                  <a:buChar char="•"/>
+                </a:pPr>
+                <a:endParaRPr lang="en-US" dirty="0"/>
+              </a:p>
+              <a:p>
+                <a:pPr marL="742950" lvl="1" indent="-285750">
+                  <a:buFont typeface="Arial" panose="020B0604020202020204" pitchFamily="34" charset="0"/>
+                  <a:buChar char="•"/>
+                </a:pPr>
+                <a:endParaRPr lang="en-US" dirty="0"/>
+              </a:p>
+              <a:p>
+                <a:pPr marL="742950" lvl="1" indent="-285750">
+                  <a:buFont typeface="Arial" panose="020B0604020202020204" pitchFamily="34" charset="0"/>
+                  <a:buChar char="•"/>
+                </a:pPr>
+                <a:endParaRPr lang="en-US" dirty="0"/>
+              </a:p>
+              <a:p>
+                <a:pPr marL="285750" indent="-285750">
+                  <a:buFont typeface="Arial" panose="020B0604020202020204" pitchFamily="34" charset="0"/>
+                  <a:buChar char="•"/>
+                </a:pPr>
+                <a:r>
+                  <a:rPr lang="en-US" dirty="0"/>
+                  <a:t>Velocity (</a:t>
+                </a:r>
+                <a14:m>
+                  <m:oMath xmlns:m="http://schemas.openxmlformats.org/officeDocument/2006/math">
+                    <m:acc>
+                      <m:accPr>
+                        <m:chr m:val="⃑"/>
+                        <m:ctrlPr>
+                          <a:rPr lang="en-US" i="1" smtClean="0">
+                            <a:latin typeface="Cambria Math" panose="02040503050406030204" pitchFamily="18" charset="0"/>
+                          </a:rPr>
+                        </m:ctrlPr>
+                      </m:accPr>
+                      <m:e>
+                        <m:r>
+                          <a:rPr lang="en-US" i="1" smtClean="0">
+                            <a:latin typeface="Cambria Math" panose="02040503050406030204" pitchFamily="18" charset="0"/>
+                            <a:ea typeface="Cambria Math" panose="02040503050406030204" pitchFamily="18" charset="0"/>
+                          </a:rPr>
+                          <m:t>𝜐</m:t>
+                        </m:r>
+                      </m:e>
+                    </m:acc>
+                  </m:oMath>
+                </a14:m>
+                <a:r>
+                  <a:rPr lang="en-US" dirty="0"/>
+                  <a:t>)</a:t>
+                </a:r>
+              </a:p>
+              <a:p>
+                <a:pPr marL="742950" lvl="1" indent="-285750">
+                  <a:buFont typeface="Arial" panose="020B0604020202020204" pitchFamily="34" charset="0"/>
+                  <a:buChar char="•"/>
+                </a:pPr>
+                <a14:m>
+                  <m:oMath xmlns:m="http://schemas.openxmlformats.org/officeDocument/2006/math">
+                    <m:d>
+                      <m:dPr>
+                        <m:begChr m:val="|"/>
+                        <m:endChr m:val="|"/>
+                        <m:ctrlPr>
+                          <a:rPr lang="en-US" i="1" smtClean="0">
+                            <a:latin typeface="Cambria Math" panose="02040503050406030204" pitchFamily="18" charset="0"/>
+                          </a:rPr>
+                        </m:ctrlPr>
+                      </m:dPr>
+                      <m:e>
+                        <m:acc>
+                          <m:accPr>
+                            <m:chr m:val="⃑"/>
+                            <m:ctrlPr>
+                              <a:rPr lang="en-US" i="1" smtClean="0">
+                                <a:latin typeface="Cambria Math" panose="02040503050406030204" pitchFamily="18" charset="0"/>
+                              </a:rPr>
+                            </m:ctrlPr>
+                          </m:accPr>
+                          <m:e>
+                            <m:r>
+                              <a:rPr lang="en-US" i="1" smtClean="0">
+                                <a:latin typeface="Cambria Math" panose="02040503050406030204" pitchFamily="18" charset="0"/>
+                                <a:ea typeface="Cambria Math" panose="02040503050406030204" pitchFamily="18" charset="0"/>
+                              </a:rPr>
+                              <m:t>𝜐</m:t>
+                            </m:r>
+                          </m:e>
+                        </m:acc>
+                      </m:e>
+                    </m:d>
+                    <m:r>
+                      <a:rPr lang="en-US" b="0" i="1" smtClean="0">
+                        <a:latin typeface="Cambria Math" panose="02040503050406030204" pitchFamily="18" charset="0"/>
+                      </a:rPr>
+                      <m:t>=</m:t>
+                    </m:r>
+                    <m:r>
+                      <a:rPr lang="en-US" b="0" i="1" smtClean="0">
+                        <a:latin typeface="Cambria Math" panose="02040503050406030204" pitchFamily="18" charset="0"/>
+                      </a:rPr>
+                      <m:t>𝑉</m:t>
+                    </m:r>
+                  </m:oMath>
+                </a14:m>
+                <a:endParaRPr lang="en-US" dirty="0"/>
+              </a:p>
+              <a:p>
+                <a:pPr marL="285750" indent="-285750">
+                  <a:buFont typeface="Arial" panose="020B0604020202020204" pitchFamily="34" charset="0"/>
+                  <a:buChar char="•"/>
+                </a:pPr>
+                <a:endParaRPr lang="en-US" dirty="0"/>
+              </a:p>
+              <a:p>
+                <a:pPr marL="285750" indent="-285750">
+                  <a:buFont typeface="Arial" panose="020B0604020202020204" pitchFamily="34" charset="0"/>
+                  <a:buChar char="•"/>
+                </a:pPr>
+                <a:r>
+                  <a:rPr lang="en-US" dirty="0"/>
+                  <a:t>Acceleration (</a:t>
+                </a:r>
+                <a14:m>
+                  <m:oMath xmlns:m="http://schemas.openxmlformats.org/officeDocument/2006/math">
+                    <m:acc>
+                      <m:accPr>
+                        <m:chr m:val="⃑"/>
+                        <m:ctrlPr>
+                          <a:rPr lang="en-US" i="1" smtClean="0">
+                            <a:latin typeface="Cambria Math" panose="02040503050406030204" pitchFamily="18" charset="0"/>
+                          </a:rPr>
+                        </m:ctrlPr>
+                      </m:accPr>
+                      <m:e>
+                        <m:r>
+                          <a:rPr lang="en-US" i="1" smtClean="0">
+                            <a:latin typeface="Cambria Math" panose="02040503050406030204" pitchFamily="18" charset="0"/>
+                            <a:ea typeface="Cambria Math" panose="02040503050406030204" pitchFamily="18" charset="0"/>
+                          </a:rPr>
+                          <m:t>𝛼</m:t>
+                        </m:r>
+                      </m:e>
+                    </m:acc>
+                  </m:oMath>
+                </a14:m>
+                <a:r>
+                  <a:rPr lang="en-US" dirty="0"/>
+                  <a:t>)</a:t>
+                </a:r>
+              </a:p>
+              <a:p>
+                <a:pPr marL="742950" lvl="1" indent="-285750">
+                  <a:buFont typeface="Arial" panose="020B0604020202020204" pitchFamily="34" charset="0"/>
+                  <a:buChar char="•"/>
+                </a:pPr>
+                <a14:m>
+                  <m:oMath xmlns:m="http://schemas.openxmlformats.org/officeDocument/2006/math">
+                    <m:acc>
+                      <m:accPr>
+                        <m:chr m:val="⃑"/>
+                        <m:ctrlPr>
+                          <a:rPr lang="en-US" i="1" smtClean="0">
+                            <a:latin typeface="Cambria Math" panose="02040503050406030204" pitchFamily="18" charset="0"/>
+                          </a:rPr>
+                        </m:ctrlPr>
+                      </m:accPr>
+                      <m:e>
+                        <m:r>
+                          <a:rPr lang="en-US" i="1" smtClean="0">
+                            <a:latin typeface="Cambria Math" panose="02040503050406030204" pitchFamily="18" charset="0"/>
+                            <a:ea typeface="Cambria Math" panose="02040503050406030204" pitchFamily="18" charset="0"/>
+                          </a:rPr>
+                          <m:t>𝛼</m:t>
+                        </m:r>
+                      </m:e>
+                    </m:acc>
+                    <m:r>
+                      <a:rPr lang="en-US" b="0" i="1" smtClean="0">
+                        <a:latin typeface="Cambria Math" panose="02040503050406030204" pitchFamily="18" charset="0"/>
+                      </a:rPr>
+                      <m:t>=</m:t>
+                    </m:r>
+                    <m:f>
+                      <m:fPr>
+                        <m:ctrlPr>
+                          <a:rPr lang="en-US" b="0" i="1" smtClean="0">
+                            <a:latin typeface="Cambria Math" panose="02040503050406030204" pitchFamily="18" charset="0"/>
+                          </a:rPr>
+                        </m:ctrlPr>
+                      </m:fPr>
+                      <m:num>
+                        <m:r>
+                          <a:rPr lang="en-US" b="0" i="1" smtClean="0">
+                            <a:latin typeface="Cambria Math" panose="02040503050406030204" pitchFamily="18" charset="0"/>
+                          </a:rPr>
+                          <m:t>𝑑</m:t>
+                        </m:r>
+                        <m:acc>
+                          <m:accPr>
+                            <m:chr m:val="⃑"/>
+                            <m:ctrlPr>
+                              <a:rPr lang="en-US" b="0" i="1" smtClean="0">
+                                <a:latin typeface="Cambria Math" panose="02040503050406030204" pitchFamily="18" charset="0"/>
+                              </a:rPr>
+                            </m:ctrlPr>
+                          </m:accPr>
+                          <m:e>
+                            <m:r>
+                              <a:rPr lang="en-US" b="0" i="1" smtClean="0">
+                                <a:latin typeface="Cambria Math" panose="02040503050406030204" pitchFamily="18" charset="0"/>
+                                <a:ea typeface="Cambria Math" panose="02040503050406030204" pitchFamily="18" charset="0"/>
+                              </a:rPr>
+                              <m:t>𝜐</m:t>
+                            </m:r>
+                          </m:e>
+                        </m:acc>
+                      </m:num>
+                      <m:den>
+                        <m:r>
+                          <a:rPr lang="en-US" b="0" i="1" smtClean="0">
+                            <a:latin typeface="Cambria Math" panose="02040503050406030204" pitchFamily="18" charset="0"/>
+                          </a:rPr>
+                          <m:t>𝑑𝑡</m:t>
+                        </m:r>
+                      </m:den>
+                    </m:f>
+                  </m:oMath>
+                </a14:m>
+                <a:endParaRPr lang="en-US" dirty="0"/>
+              </a:p>
+              <a:p>
+                <a:pPr marL="742950" lvl="1" indent="-285750">
+                  <a:buFont typeface="Arial" panose="020B0604020202020204" pitchFamily="34" charset="0"/>
+                  <a:buChar char="•"/>
+                </a:pPr>
+                <a:endParaRPr lang="en-US" dirty="0"/>
+              </a:p>
+              <a:p>
+                <a:pPr marL="285750" indent="-285750">
+                  <a:buFont typeface="Arial" panose="020B0604020202020204" pitchFamily="34" charset="0"/>
+                  <a:buChar char="•"/>
+                </a:pPr>
+                <a:r>
+                  <a:rPr lang="en-US" dirty="0"/>
+                  <a:t>Momentum (</a:t>
+                </a:r>
+                <a14:m>
+                  <m:oMath xmlns:m="http://schemas.openxmlformats.org/officeDocument/2006/math">
+                    <m:r>
+                      <a:rPr lang="en-US" b="0" i="1" smtClean="0">
+                        <a:latin typeface="Cambria Math" panose="02040503050406030204" pitchFamily="18" charset="0"/>
+                      </a:rPr>
+                      <m:t>𝑚</m:t>
+                    </m:r>
+                    <m:acc>
+                      <m:accPr>
+                        <m:chr m:val="⃑"/>
+                        <m:ctrlPr>
+                          <a:rPr lang="en-US" b="0" i="1" smtClean="0">
+                            <a:latin typeface="Cambria Math" panose="02040503050406030204" pitchFamily="18" charset="0"/>
+                          </a:rPr>
+                        </m:ctrlPr>
+                      </m:accPr>
+                      <m:e>
+                        <m:r>
+                          <a:rPr lang="en-US" b="0" i="1" smtClean="0">
+                            <a:latin typeface="Cambria Math" panose="02040503050406030204" pitchFamily="18" charset="0"/>
+                            <a:ea typeface="Cambria Math" panose="02040503050406030204" pitchFamily="18" charset="0"/>
+                          </a:rPr>
+                          <m:t>𝜐</m:t>
+                        </m:r>
+                      </m:e>
+                    </m:acc>
+                  </m:oMath>
+                </a14:m>
+                <a:r>
+                  <a:rPr lang="en-US" dirty="0"/>
+                  <a:t>)</a:t>
+                </a:r>
+              </a:p>
+              <a:p>
+                <a:pPr marL="742950" lvl="1" indent="-285750">
+                  <a:buFont typeface="Arial" panose="020B0604020202020204" pitchFamily="34" charset="0"/>
+                  <a:buChar char="•"/>
+                </a:pPr>
+                <a:r>
+                  <a:rPr lang="en-US" dirty="0"/>
+                  <a:t>Linear Momentum can be used to find force: </a:t>
+                </a:r>
+                <a14:m>
+                  <m:oMath xmlns:m="http://schemas.openxmlformats.org/officeDocument/2006/math">
+                    <m:acc>
+                      <m:accPr>
+                        <m:chr m:val="⃑"/>
+                        <m:ctrlPr>
+                          <a:rPr lang="en-US" i="1" smtClean="0">
+                            <a:latin typeface="Cambria Math" panose="02040503050406030204" pitchFamily="18" charset="0"/>
+                          </a:rPr>
+                        </m:ctrlPr>
+                      </m:accPr>
+                      <m:e>
+                        <m:r>
+                          <a:rPr lang="en-US" b="0" i="1" smtClean="0">
+                            <a:latin typeface="Cambria Math" panose="02040503050406030204" pitchFamily="18" charset="0"/>
+                          </a:rPr>
+                          <m:t>𝐹</m:t>
+                        </m:r>
+                      </m:e>
+                    </m:acc>
+                    <m:r>
+                      <a:rPr lang="en-US" b="0" i="1" smtClean="0">
+                        <a:latin typeface="Cambria Math" panose="02040503050406030204" pitchFamily="18" charset="0"/>
+                      </a:rPr>
+                      <m:t>=</m:t>
+                    </m:r>
+                    <m:f>
+                      <m:fPr>
+                        <m:ctrlPr>
+                          <a:rPr lang="en-US" b="0" i="1" smtClean="0">
+                            <a:latin typeface="Cambria Math" panose="02040503050406030204" pitchFamily="18" charset="0"/>
+                          </a:rPr>
+                        </m:ctrlPr>
+                      </m:fPr>
+                      <m:num>
+                        <m:r>
+                          <a:rPr lang="en-US" b="0" i="1" smtClean="0">
+                            <a:latin typeface="Cambria Math" panose="02040503050406030204" pitchFamily="18" charset="0"/>
+                          </a:rPr>
+                          <m:t>𝑑</m:t>
+                        </m:r>
+                        <m:r>
+                          <a:rPr lang="en-US" b="0" i="1" smtClean="0">
+                            <a:latin typeface="Cambria Math" panose="02040503050406030204" pitchFamily="18" charset="0"/>
+                          </a:rPr>
+                          <m:t>(</m:t>
+                        </m:r>
+                        <m:r>
+                          <a:rPr lang="en-US" b="0" i="1" smtClean="0">
+                            <a:latin typeface="Cambria Math" panose="02040503050406030204" pitchFamily="18" charset="0"/>
+                          </a:rPr>
+                          <m:t>𝑚</m:t>
+                        </m:r>
+                        <m:acc>
+                          <m:accPr>
+                            <m:chr m:val="⃑"/>
+                            <m:ctrlPr>
+                              <a:rPr lang="en-US" b="0" i="1" smtClean="0">
+                                <a:latin typeface="Cambria Math" panose="02040503050406030204" pitchFamily="18" charset="0"/>
+                              </a:rPr>
+                            </m:ctrlPr>
+                          </m:accPr>
+                          <m:e>
+                            <m:r>
+                              <a:rPr lang="en-US" b="0" i="1" smtClean="0">
+                                <a:latin typeface="Cambria Math" panose="02040503050406030204" pitchFamily="18" charset="0"/>
+                                <a:ea typeface="Cambria Math" panose="02040503050406030204" pitchFamily="18" charset="0"/>
+                              </a:rPr>
+                              <m:t>𝜐</m:t>
+                            </m:r>
+                          </m:e>
+                        </m:acc>
+                        <m:r>
+                          <a:rPr lang="en-US" b="0" i="1" smtClean="0">
+                            <a:latin typeface="Cambria Math" panose="02040503050406030204" pitchFamily="18" charset="0"/>
+                          </a:rPr>
+                          <m:t>)</m:t>
+                        </m:r>
+                      </m:num>
+                      <m:den>
+                        <m:r>
+                          <a:rPr lang="en-US" b="0" i="1" smtClean="0">
+                            <a:latin typeface="Cambria Math" panose="02040503050406030204" pitchFamily="18" charset="0"/>
+                          </a:rPr>
+                          <m:t>𝑑𝑡</m:t>
+                        </m:r>
+                      </m:den>
+                    </m:f>
+                  </m:oMath>
+                </a14:m>
+                <a:endParaRPr lang="en-US" dirty="0"/>
+              </a:p>
+              <a:p>
+                <a:pPr marL="742950" lvl="1" indent="-285750">
+                  <a:buFont typeface="Arial" panose="020B0604020202020204" pitchFamily="34" charset="0"/>
+                  <a:buChar char="•"/>
+                </a:pPr>
+                <a:endParaRPr lang="en-US" dirty="0"/>
+              </a:p>
+              <a:p>
+                <a:pPr marL="285750" indent="-285750">
+                  <a:buFont typeface="Arial" panose="020B0604020202020204" pitchFamily="34" charset="0"/>
+                  <a:buChar char="•"/>
+                </a:pPr>
+                <a:r>
+                  <a:rPr lang="en-US" dirty="0"/>
+                  <a:t>Energy (scalar)</a:t>
+                </a:r>
+              </a:p>
+              <a:p>
+                <a:pPr marL="742950" lvl="1" indent="-285750">
+                  <a:buFont typeface="Arial" panose="020B0604020202020204" pitchFamily="34" charset="0"/>
+                  <a:buChar char="•"/>
+                </a:pPr>
+                <a:r>
+                  <a:rPr lang="en-US" dirty="0"/>
+                  <a:t>Kinetic energy (</a:t>
+                </a:r>
+                <a14:m>
+                  <m:oMath xmlns:m="http://schemas.openxmlformats.org/officeDocument/2006/math">
+                    <m:f>
+                      <m:fPr>
+                        <m:ctrlPr>
+                          <a:rPr lang="en-US" i="1" smtClean="0">
+                            <a:latin typeface="Cambria Math" panose="02040503050406030204" pitchFamily="18" charset="0"/>
+                          </a:rPr>
+                        </m:ctrlPr>
+                      </m:fPr>
+                      <m:num>
+                        <m:r>
+                          <a:rPr lang="en-US" b="0" i="1" smtClean="0">
+                            <a:latin typeface="Cambria Math" panose="02040503050406030204" pitchFamily="18" charset="0"/>
+                          </a:rPr>
+                          <m:t>1</m:t>
+                        </m:r>
+                      </m:num>
+                      <m:den>
+                        <m:r>
+                          <a:rPr lang="en-US" b="0" i="1" smtClean="0">
+                            <a:latin typeface="Cambria Math" panose="02040503050406030204" pitchFamily="18" charset="0"/>
+                          </a:rPr>
+                          <m:t>2</m:t>
+                        </m:r>
+                      </m:den>
+                    </m:f>
+                    <m:r>
+                      <a:rPr lang="en-US" b="0" i="1" smtClean="0">
+                        <a:latin typeface="Cambria Math" panose="02040503050406030204" pitchFamily="18" charset="0"/>
+                      </a:rPr>
+                      <m:t>𝑚</m:t>
+                    </m:r>
+                    <m:sSup>
+                      <m:sSupPr>
+                        <m:ctrlPr>
+                          <a:rPr lang="en-US" b="0" i="1" smtClean="0">
+                            <a:latin typeface="Cambria Math" panose="02040503050406030204" pitchFamily="18" charset="0"/>
+                          </a:rPr>
+                        </m:ctrlPr>
+                      </m:sSupPr>
+                      <m:e>
+                        <m:r>
+                          <a:rPr lang="en-US" b="0" i="1" smtClean="0">
+                            <a:latin typeface="Cambria Math" panose="02040503050406030204" pitchFamily="18" charset="0"/>
+                          </a:rPr>
+                          <m:t>𝑉</m:t>
+                        </m:r>
+                      </m:e>
+                      <m:sup>
+                        <m:r>
+                          <a:rPr lang="en-US" b="0" i="1" smtClean="0">
+                            <a:latin typeface="Cambria Math" panose="02040503050406030204" pitchFamily="18" charset="0"/>
+                          </a:rPr>
+                          <m:t>2</m:t>
+                        </m:r>
+                      </m:sup>
+                    </m:sSup>
+                  </m:oMath>
+                </a14:m>
+                <a:r>
+                  <a:rPr lang="en-US" dirty="0"/>
+                  <a:t>)</a:t>
+                </a:r>
+              </a:p>
+              <a:p>
+                <a:pPr marL="742950" lvl="1" indent="-285750">
+                  <a:buFont typeface="Arial" panose="020B0604020202020204" pitchFamily="34" charset="0"/>
+                  <a:buChar char="•"/>
+                </a:pPr>
+                <a:r>
+                  <a:rPr lang="en-US" dirty="0"/>
+                  <a:t>Potential energy (</a:t>
+                </a:r>
+                <a14:m>
+                  <m:oMath xmlns:m="http://schemas.openxmlformats.org/officeDocument/2006/math">
+                    <m:r>
+                      <a:rPr lang="en-US" b="0" i="1" smtClean="0">
+                        <a:latin typeface="Cambria Math" panose="02040503050406030204" pitchFamily="18" charset="0"/>
+                      </a:rPr>
+                      <m:t>𝑚</m:t>
+                    </m:r>
+                    <m:d>
+                      <m:dPr>
+                        <m:begChr m:val="|"/>
+                        <m:endChr m:val="|"/>
+                        <m:ctrlPr>
+                          <a:rPr lang="en-US" b="0" i="1" smtClean="0">
+                            <a:latin typeface="Cambria Math" panose="02040503050406030204" pitchFamily="18" charset="0"/>
+                          </a:rPr>
+                        </m:ctrlPr>
+                      </m:dPr>
+                      <m:e>
+                        <m:acc>
+                          <m:accPr>
+                            <m:chr m:val="⃑"/>
+                            <m:ctrlPr>
+                              <a:rPr lang="en-US" b="0" i="1" smtClean="0">
+                                <a:latin typeface="Cambria Math" panose="02040503050406030204" pitchFamily="18" charset="0"/>
+                              </a:rPr>
+                            </m:ctrlPr>
+                          </m:accPr>
+                          <m:e>
+                            <m:r>
+                              <a:rPr lang="en-US" b="0" i="1" smtClean="0">
+                                <a:latin typeface="Cambria Math" panose="02040503050406030204" pitchFamily="18" charset="0"/>
+                              </a:rPr>
+                              <m:t>𝑔</m:t>
+                            </m:r>
+                          </m:e>
+                        </m:acc>
+                      </m:e>
+                    </m:d>
+                    <m:r>
+                      <m:rPr>
+                        <m:sty m:val="p"/>
+                      </m:rPr>
+                      <a:rPr lang="el-GR" b="0" i="1" smtClean="0">
+                        <a:latin typeface="Cambria Math" panose="02040503050406030204" pitchFamily="18" charset="0"/>
+                        <a:ea typeface="Cambria Math" panose="02040503050406030204" pitchFamily="18" charset="0"/>
+                      </a:rPr>
+                      <m:t>Δ</m:t>
+                    </m:r>
+                    <m:r>
+                      <a:rPr lang="en-US" b="0" i="1" smtClean="0">
+                        <a:latin typeface="Cambria Math" panose="02040503050406030204" pitchFamily="18" charset="0"/>
+                        <a:ea typeface="Cambria Math" panose="02040503050406030204" pitchFamily="18" charset="0"/>
+                      </a:rPr>
+                      <m:t>h</m:t>
+                    </m:r>
+                  </m:oMath>
+                </a14:m>
+                <a:r>
+                  <a:rPr lang="en-US" dirty="0"/>
+                  <a:t>)</a:t>
+                </a:r>
+              </a:p>
+            </p:txBody>
+          </p:sp>
+        </mc:Choice>
+        <mc:Fallback>
+          <p:sp>
+            <p:nvSpPr>
+              <p:cNvPr id="7" name="TextBox 6">
+                <a:extLst>
+                  <a:ext uri="{FF2B5EF4-FFF2-40B4-BE49-F238E27FC236}">
+                    <a16:creationId xmlns:a16="http://schemas.microsoft.com/office/drawing/2014/main" id="{3D3E3194-698E-1E84-6F54-2428C9D9F2AD}"/>
+                  </a:ext>
+                </a:extLst>
+              </p:cNvPr>
+              <p:cNvSpPr txBox="1">
+                <a:spLocks noRot="1" noChangeAspect="1" noMove="1" noResize="1" noEditPoints="1" noAdjustHandles="1" noChangeArrowheads="1" noChangeShapeType="1" noTextEdit="1"/>
+              </p:cNvSpPr>
+              <p:nvPr/>
+            </p:nvSpPr>
+            <p:spPr>
+              <a:xfrm>
+                <a:off x="0" y="2661339"/>
+                <a:ext cx="8686800" cy="9337941"/>
+              </a:xfrm>
+              <a:prstGeom prst="rect">
+                <a:avLst/>
+              </a:prstGeom>
+              <a:blipFill>
+                <a:blip r:embed="rId5"/>
+                <a:stretch>
+                  <a:fillRect l="-421" t="-327"/>
+                </a:stretch>
+              </a:blipFill>
+            </p:spPr>
+            <p:txBody>
+              <a:bodyPr/>
+              <a:lstStyle/>
+              <a:p>
+                <a:r>
+                  <a:rPr lang="en-US">
+                    <a:noFill/>
+                  </a:rPr>
+                  <a:t> </a:t>
+                </a:r>
+              </a:p>
+            </p:txBody>
+          </p:sp>
+        </mc:Fallback>
+      </mc:AlternateContent>
+      <p:pic>
+        <p:nvPicPr>
+          <p:cNvPr id="9" name="Picture 8">
+            <a:extLst>
+              <a:ext uri="{FF2B5EF4-FFF2-40B4-BE49-F238E27FC236}">
+                <a16:creationId xmlns:a16="http://schemas.microsoft.com/office/drawing/2014/main" id="{FA54EA81-CF72-98F7-02EC-24337B530A8C}"/>
+              </a:ext>
+            </a:extLst>
+          </p:cNvPr>
+          <p:cNvPicPr>
+            <a:picLocks noChangeAspect="1"/>
+          </p:cNvPicPr>
+          <p:nvPr/>
+        </p:nvPicPr>
+        <p:blipFill>
+          <a:blip r:embed="rId6"/>
+          <a:stretch>
+            <a:fillRect/>
+          </a:stretch>
+        </p:blipFill>
+        <p:spPr>
+          <a:xfrm>
+            <a:off x="5984739" y="5904555"/>
+            <a:ext cx="2702061" cy="2411757"/>
+          </a:xfrm>
+          <a:prstGeom prst="rect">
+            <a:avLst/>
+          </a:prstGeom>
+        </p:spPr>
+      </p:pic>
+      <mc:AlternateContent xmlns:mc="http://schemas.openxmlformats.org/markup-compatibility/2006">
+        <mc:Choice xmlns:a14="http://schemas.microsoft.com/office/drawing/2010/main" Requires="a14">
+          <p:sp>
+            <p:nvSpPr>
+              <p:cNvPr id="10" name="TextBox 9">
+                <a:extLst>
+                  <a:ext uri="{FF2B5EF4-FFF2-40B4-BE49-F238E27FC236}">
+                    <a16:creationId xmlns:a16="http://schemas.microsoft.com/office/drawing/2014/main" id="{D5F83DD8-1DEE-7BD0-DFE4-2DFF8BD9D6F1}"/>
+                  </a:ext>
+                </a:extLst>
+              </p:cNvPr>
+              <p:cNvSpPr txBox="1"/>
+              <p:nvPr/>
+            </p:nvSpPr>
+            <p:spPr>
+              <a:xfrm>
+                <a:off x="1445780" y="7228821"/>
+                <a:ext cx="2148409" cy="563680"/>
+              </a:xfrm>
+              <a:prstGeom prst="rect">
+                <a:avLst/>
+              </a:prstGeom>
+              <a:noFill/>
+            </p:spPr>
+            <p:txBody>
+              <a:bodyPr wrap="none" lIns="0" tIns="0" rIns="0" bIns="0" rtlCol="0">
+                <a:spAutoFit/>
+              </a:bodyPr>
+              <a:lstStyle/>
+              <a:p>
+                <a14:m>
+                  <m:oMathPara xmlns:m="http://schemas.openxmlformats.org/officeDocument/2006/math">
+                    <m:oMathParaPr>
+                      <m:jc m:val="centerGroup"/>
+                    </m:oMathParaPr>
+                    <m:oMath xmlns:m="http://schemas.openxmlformats.org/officeDocument/2006/math">
+                      <m:d>
+                        <m:dPr>
+                          <m:begChr m:val="|"/>
+                          <m:endChr m:val="|"/>
+                          <m:ctrlPr>
+                            <a:rPr lang="en-US" i="1" smtClean="0">
+                              <a:latin typeface="Cambria Math" panose="02040503050406030204" pitchFamily="18" charset="0"/>
+                            </a:rPr>
+                          </m:ctrlPr>
+                        </m:dPr>
+                        <m:e>
+                          <m:r>
+                            <a:rPr lang="en-US" b="0" i="1" smtClean="0">
+                              <a:latin typeface="Cambria Math" panose="02040503050406030204" pitchFamily="18" charset="0"/>
+                            </a:rPr>
+                            <m:t>𝐴</m:t>
+                          </m:r>
+                        </m:e>
+                      </m:d>
+                      <m:r>
+                        <a:rPr lang="en-US" b="0" i="1" smtClean="0">
+                          <a:latin typeface="Cambria Math" panose="02040503050406030204" pitchFamily="18" charset="0"/>
+                        </a:rPr>
+                        <m:t>=</m:t>
+                      </m:r>
+                      <m:rad>
+                        <m:radPr>
+                          <m:degHide m:val="on"/>
+                          <m:ctrlPr>
+                            <a:rPr lang="en-US" b="0" i="1" smtClean="0">
+                              <a:latin typeface="Cambria Math" panose="02040503050406030204" pitchFamily="18" charset="0"/>
+                            </a:rPr>
+                          </m:ctrlPr>
+                        </m:radPr>
+                        <m:deg/>
+                        <m:e>
+                          <m:sSubSup>
+                            <m:sSubSupPr>
+                              <m:ctrlPr>
+                                <a:rPr lang="en-US" b="0" i="1" smtClean="0">
+                                  <a:latin typeface="Cambria Math" panose="02040503050406030204" pitchFamily="18" charset="0"/>
+                                </a:rPr>
+                              </m:ctrlPr>
+                            </m:sSubSupPr>
+                            <m:e>
+                              <m:r>
+                                <a:rPr lang="en-US" b="0" i="1" smtClean="0">
+                                  <a:latin typeface="Cambria Math" panose="02040503050406030204" pitchFamily="18" charset="0"/>
+                                </a:rPr>
+                                <m:t>𝐴</m:t>
+                              </m:r>
+                            </m:e>
+                            <m:sub>
+                              <m:r>
+                                <a:rPr lang="en-US" b="0" i="1" smtClean="0">
+                                  <a:latin typeface="Cambria Math" panose="02040503050406030204" pitchFamily="18" charset="0"/>
+                                </a:rPr>
+                                <m:t>𝑥</m:t>
+                              </m:r>
+                            </m:sub>
+                            <m:sup>
+                              <m:r>
+                                <a:rPr lang="en-US" b="0" i="1" smtClean="0">
+                                  <a:latin typeface="Cambria Math" panose="02040503050406030204" pitchFamily="18" charset="0"/>
+                                </a:rPr>
+                                <m:t>2</m:t>
+                              </m:r>
+                            </m:sup>
+                          </m:sSubSup>
+                          <m:r>
+                            <a:rPr lang="en-US" b="0" i="1" smtClean="0">
+                              <a:latin typeface="Cambria Math" panose="02040503050406030204" pitchFamily="18" charset="0"/>
+                            </a:rPr>
+                            <m:t>+</m:t>
+                          </m:r>
+                          <m:sSubSup>
+                            <m:sSubSupPr>
+                              <m:ctrlPr>
+                                <a:rPr lang="en-US" i="1">
+                                  <a:latin typeface="Cambria Math" panose="02040503050406030204" pitchFamily="18" charset="0"/>
+                                </a:rPr>
+                              </m:ctrlPr>
+                            </m:sSubSupPr>
+                            <m:e>
+                              <m:r>
+                                <a:rPr lang="en-US" b="0" i="1" smtClean="0">
+                                  <a:latin typeface="Cambria Math" panose="02040503050406030204" pitchFamily="18" charset="0"/>
+                                </a:rPr>
+                                <m:t>𝐴</m:t>
+                              </m:r>
+                            </m:e>
+                            <m:sub>
+                              <m:r>
+                                <a:rPr lang="en-US" b="0" i="1" smtClean="0">
+                                  <a:latin typeface="Cambria Math" panose="02040503050406030204" pitchFamily="18" charset="0"/>
+                                </a:rPr>
+                                <m:t>𝑦</m:t>
+                              </m:r>
+                            </m:sub>
+                            <m:sup>
+                              <m:r>
+                                <a:rPr lang="en-US" b="0" i="1" smtClean="0">
+                                  <a:latin typeface="Cambria Math" panose="02040503050406030204" pitchFamily="18" charset="0"/>
+                                </a:rPr>
+                                <m:t>2</m:t>
+                              </m:r>
+                            </m:sup>
+                          </m:sSubSup>
+                          <m:r>
+                            <a:rPr lang="en-US" b="0" i="1" smtClean="0">
+                              <a:latin typeface="Cambria Math" panose="02040503050406030204" pitchFamily="18" charset="0"/>
+                            </a:rPr>
+                            <m:t>+</m:t>
+                          </m:r>
+                          <m:sSubSup>
+                            <m:sSubSupPr>
+                              <m:ctrlPr>
+                                <a:rPr lang="en-US" i="1">
+                                  <a:latin typeface="Cambria Math" panose="02040503050406030204" pitchFamily="18" charset="0"/>
+                                </a:rPr>
+                              </m:ctrlPr>
+                            </m:sSubSupPr>
+                            <m:e>
+                              <m:r>
+                                <a:rPr lang="en-US" b="0" i="1" smtClean="0">
+                                  <a:latin typeface="Cambria Math" panose="02040503050406030204" pitchFamily="18" charset="0"/>
+                                </a:rPr>
+                                <m:t>𝐴</m:t>
+                              </m:r>
+                            </m:e>
+                            <m:sub>
+                              <m:r>
+                                <a:rPr lang="en-US" b="0" i="1" smtClean="0">
+                                  <a:latin typeface="Cambria Math" panose="02040503050406030204" pitchFamily="18" charset="0"/>
+                                </a:rPr>
+                                <m:t>𝑧</m:t>
+                              </m:r>
+                            </m:sub>
+                            <m:sup>
+                              <m:r>
+                                <a:rPr lang="en-US" b="0" i="1" smtClean="0">
+                                  <a:latin typeface="Cambria Math" panose="02040503050406030204" pitchFamily="18" charset="0"/>
+                                </a:rPr>
+                                <m:t>2</m:t>
+                              </m:r>
+                            </m:sup>
+                          </m:sSubSup>
+                        </m:e>
+                      </m:rad>
+                    </m:oMath>
+                  </m:oMathPara>
+                </a14:m>
+                <a:endParaRPr lang="en-US" dirty="0"/>
+              </a:p>
+            </p:txBody>
+          </p:sp>
+        </mc:Choice>
+        <mc:Fallback>
+          <p:sp>
+            <p:nvSpPr>
+              <p:cNvPr id="10" name="TextBox 9">
+                <a:extLst>
+                  <a:ext uri="{FF2B5EF4-FFF2-40B4-BE49-F238E27FC236}">
+                    <a16:creationId xmlns:a16="http://schemas.microsoft.com/office/drawing/2014/main" id="{D5F83DD8-1DEE-7BD0-DFE4-2DFF8BD9D6F1}"/>
+                  </a:ext>
+                </a:extLst>
+              </p:cNvPr>
+              <p:cNvSpPr txBox="1">
+                <a:spLocks noRot="1" noChangeAspect="1" noMove="1" noResize="1" noEditPoints="1" noAdjustHandles="1" noChangeArrowheads="1" noChangeShapeType="1" noTextEdit="1"/>
+              </p:cNvSpPr>
+              <p:nvPr/>
+            </p:nvSpPr>
+            <p:spPr>
+              <a:xfrm>
+                <a:off x="1445780" y="7228821"/>
+                <a:ext cx="2148409" cy="563680"/>
+              </a:xfrm>
+              <a:prstGeom prst="rect">
+                <a:avLst/>
+              </a:prstGeom>
+              <a:blipFill>
+                <a:blip r:embed="rId7"/>
+                <a:stretch>
+                  <a:fillRect b="-1087"/>
+                </a:stretch>
+              </a:blipFill>
+            </p:spPr>
+            <p:txBody>
+              <a:bodyPr/>
+              <a:lstStyle/>
+              <a:p>
+                <a:r>
+                  <a:rPr lang="en-US">
+                    <a:noFill/>
+                  </a:rPr>
+                  <a:t> </a:t>
+                </a:r>
+              </a:p>
+            </p:txBody>
+          </p:sp>
+        </mc:Fallback>
+      </mc:AlternateContent>
+    </p:spTree>
+    <p:extLst>
+      <p:ext uri="{BB962C8B-B14F-4D97-AF65-F5344CB8AC3E}">
+        <p14:creationId xmlns:p14="http://schemas.microsoft.com/office/powerpoint/2010/main" val="938519209"/>
+      </p:ext>
+    </p:extLst>
+  </p:cSld>
+  <p:clrMapOvr>
+    <a:masterClrMapping/>
+  </p:clrMapOvr>
+</p:sld>
+</file>
+
+<file path=ppt/slides/slide4.xml><?xml version="1.0" encoding="utf-8"?>
+<p:sld xmlns:a="http://schemas.openxmlformats.org/drawingml/2006/main" xmlns:r="http://schemas.openxmlformats.org/officeDocument/2006/relationships" xmlns:p="http://schemas.openxmlformats.org/presentationml/2006/main">
+  <p:cSld>
+    <p:spTree>
+      <p:nvGrpSpPr>
+        <p:cNvPr id="1" name=""/>
+        <p:cNvGrpSpPr/>
+        <p:nvPr/>
+      </p:nvGrpSpPr>
+      <p:grpSpPr>
+        <a:xfrm>
+          <a:off x="0" y="0"/>
+          <a:ext cx="0" cy="0"/>
+          <a:chOff x="0" y="0"/>
+          <a:chExt cx="0" cy="0"/>
+        </a:xfrm>
+      </p:grpSpPr>
+      <p:sp>
+        <p:nvSpPr>
+          <p:cNvPr id="2" name="TextBox 1">
+            <a:extLst>
+              <a:ext uri="{FF2B5EF4-FFF2-40B4-BE49-F238E27FC236}">
+                <a16:creationId xmlns:a16="http://schemas.microsoft.com/office/drawing/2014/main" id="{8C143DE9-C38B-7C7C-3716-B99A4474E7B9}"/>
+              </a:ext>
+            </a:extLst>
+          </p:cNvPr>
+          <p:cNvSpPr txBox="1"/>
+          <p:nvPr/>
+        </p:nvSpPr>
+        <p:spPr>
+          <a:xfrm>
+            <a:off x="0" y="0"/>
+            <a:ext cx="2092111" cy="523220"/>
+          </a:xfrm>
+          <a:prstGeom prst="rect">
+            <a:avLst/>
+          </a:prstGeom>
+          <a:noFill/>
+        </p:spPr>
+        <p:txBody>
+          <a:bodyPr wrap="none" rtlCol="0">
+            <a:spAutoFit/>
+          </a:bodyPr>
+          <a:lstStyle/>
+          <a:p>
+            <a:r>
+              <a:rPr lang="en-US" sz="2800" dirty="0"/>
+              <a:t>Introduction</a:t>
+            </a:r>
+          </a:p>
+        </p:txBody>
+      </p:sp>
+      <p:sp>
+        <p:nvSpPr>
+          <p:cNvPr id="3" name="TextBox 2">
+            <a:extLst>
+              <a:ext uri="{FF2B5EF4-FFF2-40B4-BE49-F238E27FC236}">
+                <a16:creationId xmlns:a16="http://schemas.microsoft.com/office/drawing/2014/main" id="{32B8D295-F01A-8F26-4DFE-7132C17368D3}"/>
+              </a:ext>
+            </a:extLst>
+          </p:cNvPr>
+          <p:cNvSpPr txBox="1"/>
+          <p:nvPr/>
+        </p:nvSpPr>
+        <p:spPr>
+          <a:xfrm>
+            <a:off x="0" y="564601"/>
+            <a:ext cx="8686800" cy="3970318"/>
+          </a:xfrm>
+          <a:prstGeom prst="rect">
+            <a:avLst/>
+          </a:prstGeom>
+          <a:noFill/>
+        </p:spPr>
+        <p:txBody>
+          <a:bodyPr wrap="square" rtlCol="0">
+            <a:spAutoFit/>
+          </a:bodyPr>
+          <a:lstStyle/>
+          <a:p>
+            <a:r>
+              <a:rPr lang="en-US" dirty="0"/>
+              <a:t>What is a fluid?</a:t>
+            </a:r>
+          </a:p>
+          <a:p>
+            <a:pPr marL="285750" indent="-285750">
+              <a:buFont typeface="Arial" panose="020B0604020202020204" pitchFamily="34" charset="0"/>
+              <a:buChar char="•"/>
+            </a:pPr>
+            <a:r>
+              <a:rPr lang="en-US" dirty="0"/>
+              <a:t>You can classify something as a fluid or non-fluid based on how it reacts to a shear force </a:t>
+            </a:r>
+            <a:r>
+              <a:rPr lang="en-US" i="1" dirty="0"/>
+              <a:t>(A force acting parallel to the surface)</a:t>
+            </a:r>
+            <a:endParaRPr lang="en-US" dirty="0"/>
+          </a:p>
+          <a:p>
+            <a:pPr marL="742950" lvl="1" indent="-285750">
+              <a:buFont typeface="Arial" panose="020B0604020202020204" pitchFamily="34" charset="0"/>
+              <a:buChar char="•"/>
+            </a:pPr>
+            <a:r>
+              <a:rPr lang="en-US" dirty="0"/>
+              <a:t>Non-fluids can resist shear forces (solids)</a:t>
+            </a:r>
+          </a:p>
+          <a:p>
+            <a:pPr marL="742950" lvl="1" indent="-285750">
+              <a:buFont typeface="Arial" panose="020B0604020202020204" pitchFamily="34" charset="0"/>
+              <a:buChar char="•"/>
+            </a:pPr>
+            <a:r>
+              <a:rPr lang="en-US" dirty="0"/>
+              <a:t>Fluids deform under a shear force (liquids and gases)</a:t>
+            </a:r>
+          </a:p>
+          <a:p>
+            <a:endParaRPr lang="en-US" dirty="0"/>
+          </a:p>
+          <a:p>
+            <a:r>
+              <a:rPr lang="en-US" dirty="0"/>
+              <a:t>States of Matter</a:t>
+            </a:r>
+          </a:p>
+          <a:p>
+            <a:pPr marL="285750" indent="-285750">
+              <a:buFont typeface="Arial" panose="020B0604020202020204" pitchFamily="34" charset="0"/>
+              <a:buChar char="•"/>
+            </a:pPr>
+            <a:r>
+              <a:rPr lang="en-US" dirty="0"/>
+              <a:t>Solids: have a lattice structure that holds them together, making them not deform</a:t>
+            </a:r>
+          </a:p>
+          <a:p>
+            <a:pPr marL="285750" indent="-285750">
+              <a:buFont typeface="Arial" panose="020B0604020202020204" pitchFamily="34" charset="0"/>
+              <a:buChar char="•"/>
+            </a:pPr>
+            <a:r>
+              <a:rPr lang="en-US" dirty="0"/>
+              <a:t>Liquids: held together by weaker forces, the forces are dependent on the separation distance of the molecules</a:t>
+            </a:r>
+          </a:p>
+          <a:p>
+            <a:pPr marL="285750" indent="-285750">
+              <a:buFont typeface="Arial" panose="020B0604020202020204" pitchFamily="34" charset="0"/>
+              <a:buChar char="•"/>
+            </a:pPr>
+            <a:r>
+              <a:rPr lang="en-US" dirty="0"/>
+              <a:t>Gases: spread far apart and have very weak interactions</a:t>
+            </a:r>
+          </a:p>
+          <a:p>
+            <a:pPr marL="742950" lvl="1" indent="-285750">
+              <a:buFont typeface="Arial" panose="020B0604020202020204" pitchFamily="34" charset="0"/>
+              <a:buChar char="•"/>
+            </a:pPr>
+            <a:r>
+              <a:rPr lang="en-US" dirty="0"/>
+              <a:t>Molecules collide with each other</a:t>
+            </a:r>
+          </a:p>
+          <a:p>
+            <a:pPr marL="742950" lvl="1" indent="-285750">
+              <a:buFont typeface="Arial" panose="020B0604020202020204" pitchFamily="34" charset="0"/>
+              <a:buChar char="•"/>
+            </a:pPr>
+            <a:r>
+              <a:rPr lang="en-US" dirty="0"/>
+              <a:t>Will not tend to fall when “poured” out of a cup</a:t>
+            </a:r>
+          </a:p>
+          <a:p>
+            <a:pPr marL="285750" indent="-285750">
+              <a:buFont typeface="Arial" panose="020B0604020202020204" pitchFamily="34" charset="0"/>
+              <a:buChar char="•"/>
+            </a:pPr>
+            <a:endParaRPr lang="en-US" dirty="0"/>
+          </a:p>
+        </p:txBody>
+      </p:sp>
+      <p:pic>
+        <p:nvPicPr>
+          <p:cNvPr id="5" name="Picture 4">
+            <a:extLst>
+              <a:ext uri="{FF2B5EF4-FFF2-40B4-BE49-F238E27FC236}">
+                <a16:creationId xmlns:a16="http://schemas.microsoft.com/office/drawing/2014/main" id="{1264FFB6-9A83-D357-508D-272F97927578}"/>
+              </a:ext>
+            </a:extLst>
+          </p:cNvPr>
+          <p:cNvPicPr>
+            <a:picLocks noChangeAspect="1"/>
+          </p:cNvPicPr>
+          <p:nvPr/>
+        </p:nvPicPr>
+        <p:blipFill>
+          <a:blip r:embed="rId2"/>
+          <a:stretch>
+            <a:fillRect/>
+          </a:stretch>
+        </p:blipFill>
+        <p:spPr>
+          <a:xfrm>
+            <a:off x="370920" y="4293385"/>
+            <a:ext cx="7944959" cy="6001588"/>
+          </a:xfrm>
+          <a:prstGeom prst="rect">
+            <a:avLst/>
+          </a:prstGeom>
+        </p:spPr>
+      </p:pic>
+      <p:sp>
+        <p:nvSpPr>
+          <p:cNvPr id="6" name="TextBox 5">
+            <a:extLst>
+              <a:ext uri="{FF2B5EF4-FFF2-40B4-BE49-F238E27FC236}">
+                <a16:creationId xmlns:a16="http://schemas.microsoft.com/office/drawing/2014/main" id="{E2D68B48-BB76-9CDE-3C40-B7B680FC80C7}"/>
+              </a:ext>
+            </a:extLst>
+          </p:cNvPr>
+          <p:cNvSpPr txBox="1"/>
+          <p:nvPr/>
+        </p:nvSpPr>
+        <p:spPr>
+          <a:xfrm>
+            <a:off x="0" y="10484068"/>
+            <a:ext cx="7560916" cy="646331"/>
+          </a:xfrm>
+          <a:prstGeom prst="rect">
+            <a:avLst/>
+          </a:prstGeom>
+          <a:noFill/>
+        </p:spPr>
+        <p:txBody>
+          <a:bodyPr wrap="none" rtlCol="0">
+            <a:spAutoFit/>
+          </a:bodyPr>
+          <a:lstStyle/>
+          <a:p>
+            <a:pPr marL="285750" indent="-285750">
+              <a:buFont typeface="Arial" panose="020B0604020202020204" pitchFamily="34" charset="0"/>
+              <a:buChar char="•"/>
+            </a:pPr>
+            <a:r>
+              <a:rPr lang="en-US" dirty="0"/>
+              <a:t>Modulus of elasticity tells how stiff something is</a:t>
+            </a:r>
+          </a:p>
+          <a:p>
+            <a:pPr marL="285750" indent="-285750">
+              <a:buFont typeface="Arial" panose="020B0604020202020204" pitchFamily="34" charset="0"/>
+              <a:buChar char="•"/>
+            </a:pPr>
+            <a:r>
+              <a:rPr lang="en-US" dirty="0"/>
+              <a:t>Kinematic viscosity is viscosity normalized by density (viscosity/density)</a:t>
+            </a:r>
+          </a:p>
+        </p:txBody>
+      </p:sp>
+    </p:spTree>
+    <p:extLst>
+      <p:ext uri="{BB962C8B-B14F-4D97-AF65-F5344CB8AC3E}">
+        <p14:creationId xmlns:p14="http://schemas.microsoft.com/office/powerpoint/2010/main" val="2484916210"/>
+      </p:ext>
+    </p:extLst>
+  </p:cSld>
+  <p:clrMapOvr>
+    <a:masterClrMapping/>
+  </p:clrMapOvr>
+</p:sld>
+</file>
+
+<file path=ppt/slides/slide5.xml><?xml version="1.0" encoding="utf-8"?>
+<p:sld xmlns:a="http://schemas.openxmlformats.org/drawingml/2006/main" xmlns:r="http://schemas.openxmlformats.org/officeDocument/2006/relationships" xmlns:p="http://schemas.openxmlformats.org/presentationml/2006/main">
+  <p:cSld>
+    <p:spTree>
+      <p:nvGrpSpPr>
+        <p:cNvPr id="1" name=""/>
+        <p:cNvGrpSpPr/>
+        <p:nvPr/>
+      </p:nvGrpSpPr>
+      <p:grpSpPr>
+        <a:xfrm>
+          <a:off x="0" y="0"/>
+          <a:ext cx="0" cy="0"/>
+          <a:chOff x="0" y="0"/>
+          <a:chExt cx="0" cy="0"/>
+        </a:xfrm>
+      </p:grpSpPr>
+      <p:pic>
+        <p:nvPicPr>
+          <p:cNvPr id="3" name="Picture 2">
+            <a:extLst>
+              <a:ext uri="{FF2B5EF4-FFF2-40B4-BE49-F238E27FC236}">
+                <a16:creationId xmlns:a16="http://schemas.microsoft.com/office/drawing/2014/main" id="{AE6F1BF7-2B7E-5E95-9C46-3FD3D7364F05}"/>
+              </a:ext>
+            </a:extLst>
+          </p:cNvPr>
+          <p:cNvPicPr>
+            <a:picLocks noChangeAspect="1"/>
+          </p:cNvPicPr>
+          <p:nvPr/>
+        </p:nvPicPr>
+        <p:blipFill>
+          <a:blip r:embed="rId2"/>
+          <a:stretch>
+            <a:fillRect/>
+          </a:stretch>
+        </p:blipFill>
+        <p:spPr>
+          <a:xfrm>
+            <a:off x="375684" y="0"/>
+            <a:ext cx="7935432" cy="5973009"/>
+          </a:xfrm>
+          <a:prstGeom prst="rect">
+            <a:avLst/>
+          </a:prstGeom>
+        </p:spPr>
+      </p:pic>
+      <mc:AlternateContent xmlns:mc="http://schemas.openxmlformats.org/markup-compatibility/2006">
+        <mc:Choice xmlns:a14="http://schemas.microsoft.com/office/drawing/2010/main" Requires="a14">
+          <p:sp>
+            <p:nvSpPr>
+              <p:cNvPr id="4" name="TextBox 3">
+                <a:extLst>
+                  <a:ext uri="{FF2B5EF4-FFF2-40B4-BE49-F238E27FC236}">
+                    <a16:creationId xmlns:a16="http://schemas.microsoft.com/office/drawing/2014/main" id="{78CCBFB1-073E-C3B4-2C08-C25387C54955}"/>
+                  </a:ext>
+                </a:extLst>
+              </p:cNvPr>
+              <p:cNvSpPr txBox="1"/>
+              <p:nvPr/>
+            </p:nvSpPr>
+            <p:spPr>
+              <a:xfrm>
+                <a:off x="0" y="5973009"/>
+                <a:ext cx="8686800" cy="690830"/>
+              </a:xfrm>
+              <a:prstGeom prst="rect">
+                <a:avLst/>
+              </a:prstGeom>
+              <a:noFill/>
+            </p:spPr>
+            <p:txBody>
+              <a:bodyPr wrap="square" rtlCol="0">
+                <a:spAutoFit/>
+              </a:bodyPr>
+              <a:lstStyle/>
+              <a:p>
+                <a:pPr marL="285750" indent="-285750">
+                  <a:buFont typeface="Arial" panose="020B0604020202020204" pitchFamily="34" charset="0"/>
+                  <a:buChar char="•"/>
+                </a:pPr>
+                <a:r>
+                  <a:rPr lang="en-US" dirty="0"/>
+                  <a:t>Some other common units are </a:t>
+                </a:r>
+                <a14:m>
+                  <m:oMath xmlns:m="http://schemas.openxmlformats.org/officeDocument/2006/math">
+                    <m:sSub>
+                      <m:sSubPr>
+                        <m:ctrlPr>
+                          <a:rPr lang="en-US" i="1" smtClean="0">
+                            <a:latin typeface="Cambria Math" panose="02040503050406030204" pitchFamily="18" charset="0"/>
+                          </a:rPr>
+                        </m:ctrlPr>
+                      </m:sSubPr>
+                      <m:e>
+                        <m:r>
+                          <a:rPr lang="en-US" b="0" i="1" smtClean="0">
+                            <a:latin typeface="Cambria Math" panose="02040503050406030204" pitchFamily="18" charset="0"/>
+                          </a:rPr>
+                          <m:t>𝑔</m:t>
+                        </m:r>
+                      </m:e>
+                      <m:sub>
+                        <m:r>
+                          <a:rPr lang="en-US" b="0" i="1" smtClean="0">
+                            <a:latin typeface="Cambria Math" panose="02040503050406030204" pitchFamily="18" charset="0"/>
+                          </a:rPr>
+                          <m:t>𝑓</m:t>
+                        </m:r>
+                      </m:sub>
+                    </m:sSub>
+                  </m:oMath>
+                </a14:m>
+                <a:r>
+                  <a:rPr lang="en-US" dirty="0"/>
+                  <a:t> and </a:t>
+                </a:r>
+                <a14:m>
+                  <m:oMath xmlns:m="http://schemas.openxmlformats.org/officeDocument/2006/math">
+                    <m:sSub>
+                      <m:sSubPr>
+                        <m:ctrlPr>
+                          <a:rPr lang="en-US" i="1" smtClean="0">
+                            <a:latin typeface="Cambria Math" panose="02040503050406030204" pitchFamily="18" charset="0"/>
+                          </a:rPr>
+                        </m:ctrlPr>
+                      </m:sSubPr>
+                      <m:e>
+                        <m:r>
+                          <a:rPr lang="en-US" b="0" i="1" smtClean="0">
+                            <a:latin typeface="Cambria Math" panose="02040503050406030204" pitchFamily="18" charset="0"/>
+                          </a:rPr>
+                          <m:t>𝑘𝑔</m:t>
+                        </m:r>
+                      </m:e>
+                      <m:sub>
+                        <m:r>
+                          <a:rPr lang="en-US" b="0" i="1" smtClean="0">
+                            <a:latin typeface="Cambria Math" panose="02040503050406030204" pitchFamily="18" charset="0"/>
+                          </a:rPr>
+                          <m:t>𝑓</m:t>
+                        </m:r>
+                      </m:sub>
+                    </m:sSub>
+                  </m:oMath>
+                </a14:m>
+                <a:r>
+                  <a:rPr lang="en-US" dirty="0"/>
+                  <a:t>, which are units of force that are normalized so that the weight of 1 kg is 1 </a:t>
+                </a:r>
+                <a14:m>
+                  <m:oMath xmlns:m="http://schemas.openxmlformats.org/officeDocument/2006/math">
+                    <m:sSub>
+                      <m:sSubPr>
+                        <m:ctrlPr>
+                          <a:rPr lang="en-US" i="1" smtClean="0">
+                            <a:latin typeface="Cambria Math" panose="02040503050406030204" pitchFamily="18" charset="0"/>
+                          </a:rPr>
+                        </m:ctrlPr>
+                      </m:sSubPr>
+                      <m:e>
+                        <m:r>
+                          <a:rPr lang="en-US" b="0" i="1" smtClean="0">
+                            <a:latin typeface="Cambria Math" panose="02040503050406030204" pitchFamily="18" charset="0"/>
+                          </a:rPr>
+                          <m:t>𝑘𝑔</m:t>
+                        </m:r>
+                      </m:e>
+                      <m:sub>
+                        <m:r>
+                          <a:rPr lang="en-US" b="0" i="1" smtClean="0">
+                            <a:latin typeface="Cambria Math" panose="02040503050406030204" pitchFamily="18" charset="0"/>
+                          </a:rPr>
+                          <m:t>𝑓</m:t>
+                        </m:r>
+                      </m:sub>
+                    </m:sSub>
+                  </m:oMath>
+                </a14:m>
+                <a:r>
+                  <a:rPr lang="en-US" dirty="0"/>
+                  <a:t> </a:t>
+                </a:r>
+              </a:p>
+            </p:txBody>
+          </p:sp>
+        </mc:Choice>
+        <mc:Fallback>
+          <p:sp>
+            <p:nvSpPr>
+              <p:cNvPr id="4" name="TextBox 3">
+                <a:extLst>
+                  <a:ext uri="{FF2B5EF4-FFF2-40B4-BE49-F238E27FC236}">
+                    <a16:creationId xmlns:a16="http://schemas.microsoft.com/office/drawing/2014/main" id="{78CCBFB1-073E-C3B4-2C08-C25387C54955}"/>
+                  </a:ext>
+                </a:extLst>
+              </p:cNvPr>
+              <p:cNvSpPr txBox="1">
+                <a:spLocks noRot="1" noChangeAspect="1" noMove="1" noResize="1" noEditPoints="1" noAdjustHandles="1" noChangeArrowheads="1" noChangeShapeType="1" noTextEdit="1"/>
+              </p:cNvSpPr>
+              <p:nvPr/>
+            </p:nvSpPr>
+            <p:spPr>
+              <a:xfrm>
+                <a:off x="0" y="5973009"/>
+                <a:ext cx="8686800" cy="690830"/>
+              </a:xfrm>
+              <a:prstGeom prst="rect">
+                <a:avLst/>
+              </a:prstGeom>
+              <a:blipFill>
+                <a:blip r:embed="rId3"/>
+                <a:stretch>
+                  <a:fillRect l="-421" t="-3540" b="-11504"/>
+                </a:stretch>
+              </a:blipFill>
+            </p:spPr>
+            <p:txBody>
+              <a:bodyPr/>
+              <a:lstStyle/>
+              <a:p>
+                <a:r>
+                  <a:rPr lang="en-US">
+                    <a:noFill/>
+                  </a:rPr>
+                  <a:t> </a:t>
+                </a:r>
+              </a:p>
+            </p:txBody>
+          </p:sp>
+        </mc:Fallback>
+      </mc:AlternateContent>
+      <mc:AlternateContent xmlns:mc="http://schemas.openxmlformats.org/markup-compatibility/2006">
+        <mc:Choice xmlns:a14="http://schemas.microsoft.com/office/drawing/2010/main" Requires="a14">
+          <p:graphicFrame>
+            <p:nvGraphicFramePr>
+              <p:cNvPr id="5" name="Table 4">
+                <a:extLst>
+                  <a:ext uri="{FF2B5EF4-FFF2-40B4-BE49-F238E27FC236}">
+                    <a16:creationId xmlns:a16="http://schemas.microsoft.com/office/drawing/2014/main" id="{D97651A7-FEF8-810A-B5EE-8831B9B0A4AC}"/>
+                  </a:ext>
+                </a:extLst>
+              </p:cNvPr>
+              <p:cNvGraphicFramePr>
+                <a:graphicFrameLocks noGrp="1"/>
+              </p:cNvGraphicFramePr>
+              <p:nvPr>
+                <p:extLst>
+                  <p:ext uri="{D42A27DB-BD31-4B8C-83A1-F6EECF244321}">
+                    <p14:modId xmlns:p14="http://schemas.microsoft.com/office/powerpoint/2010/main" val="2892437508"/>
+                  </p:ext>
+                </p:extLst>
+              </p:nvPr>
+            </p:nvGraphicFramePr>
+            <p:xfrm>
+              <a:off x="810610" y="6663839"/>
+              <a:ext cx="7065580" cy="5267921"/>
+            </p:xfrm>
+            <a:graphic>
+              <a:graphicData uri="http://schemas.openxmlformats.org/drawingml/2006/table">
+                <a:tbl>
+                  <a:tblPr firstRow="1" bandRow="1">
+                    <a:tableStyleId>{5C22544A-7EE6-4342-B048-85BDC9FD1C3A}</a:tableStyleId>
+                  </a:tblPr>
+                  <a:tblGrid>
+                    <a:gridCol w="3532790">
+                      <a:extLst>
+                        <a:ext uri="{9D8B030D-6E8A-4147-A177-3AD203B41FA5}">
+                          <a16:colId xmlns:a16="http://schemas.microsoft.com/office/drawing/2014/main" val="1623680519"/>
+                        </a:ext>
+                      </a:extLst>
+                    </a:gridCol>
+                    <a:gridCol w="3532790">
+                      <a:extLst>
+                        <a:ext uri="{9D8B030D-6E8A-4147-A177-3AD203B41FA5}">
+                          <a16:colId xmlns:a16="http://schemas.microsoft.com/office/drawing/2014/main" val="1368690942"/>
+                        </a:ext>
+                      </a:extLst>
+                    </a:gridCol>
+                  </a:tblGrid>
+                  <a:tr h="586828">
+                    <a:tc>
+                      <a:txBody>
+                        <a:bodyPr/>
+                        <a:lstStyle/>
+                        <a:p>
+                          <a:pPr algn="ctr"/>
+                          <a:r>
+                            <a:rPr lang="en-US" dirty="0"/>
+                            <a:t>Unit system</a:t>
+                          </a:r>
+                        </a:p>
+                      </a:txBody>
+                      <a:tcPr anchor="ctr"/>
+                    </a:tc>
+                    <a:tc>
+                      <a:txBody>
+                        <a:bodyPr/>
+                        <a:lstStyle/>
+                        <a:p>
+                          <a:pPr algn="ctr"/>
+                          <a14:m>
+                            <m:oMath xmlns:m="http://schemas.openxmlformats.org/officeDocument/2006/math">
+                              <m:sSub>
+                                <m:sSubPr>
+                                  <m:ctrlPr>
+                                    <a:rPr lang="en-US" i="1" smtClean="0">
+                                      <a:latin typeface="Cambria Math" panose="02040503050406030204" pitchFamily="18" charset="0"/>
+                                    </a:rPr>
+                                  </m:ctrlPr>
+                                </m:sSubPr>
+                                <m:e>
+                                  <m:r>
+                                    <a:rPr lang="en-US" b="1" i="1" smtClean="0">
+                                      <a:latin typeface="Cambria Math" panose="02040503050406030204" pitchFamily="18" charset="0"/>
+                                    </a:rPr>
+                                    <m:t>𝒈</m:t>
+                                  </m:r>
+                                </m:e>
+                                <m:sub>
+                                  <m:r>
+                                    <a:rPr lang="en-US" b="1" i="1" smtClean="0">
+                                      <a:latin typeface="Cambria Math" panose="02040503050406030204" pitchFamily="18" charset="0"/>
+                                    </a:rPr>
+                                    <m:t>𝒄</m:t>
+                                  </m:r>
+                                </m:sub>
+                              </m:sSub>
+                            </m:oMath>
+                          </a14:m>
+                          <a:r>
+                            <a:rPr lang="en-US" dirty="0"/>
+                            <a:t>value</a:t>
+                          </a:r>
+                        </a:p>
+                      </a:txBody>
+                      <a:tcPr anchor="ctr"/>
+                    </a:tc>
+                    <a:extLst>
+                      <a:ext uri="{0D108BD9-81ED-4DB2-BD59-A6C34878D82A}">
+                        <a16:rowId xmlns:a16="http://schemas.microsoft.com/office/drawing/2014/main" val="1355802773"/>
+                      </a:ext>
+                    </a:extLst>
+                  </a:tr>
+                  <a:tr h="586828">
+                    <a:tc>
+                      <a:txBody>
+                        <a:bodyPr/>
+                        <a:lstStyle/>
+                        <a:p>
+                          <a:pPr algn="ctr"/>
+                          <a:r>
+                            <a:rPr lang="en-US" dirty="0"/>
+                            <a:t>SI (scientific)</a:t>
+                          </a:r>
+                        </a:p>
+                      </a:txBody>
+                      <a:tcPr anchor="ctr"/>
+                    </a:tc>
+                    <a:tc>
+                      <a:txBody>
+                        <a:bodyPr/>
+                        <a:lstStyle/>
+                        <a:p>
+                          <a:pPr algn="ctr"/>
+                          <a14:m>
+                            <m:oMathPara xmlns:m="http://schemas.openxmlformats.org/officeDocument/2006/math">
+                              <m:oMathParaPr>
+                                <m:jc m:val="centerGroup"/>
+                              </m:oMathParaPr>
+                              <m:oMath xmlns:m="http://schemas.openxmlformats.org/officeDocument/2006/math">
+                                <m:r>
+                                  <a:rPr lang="en-US" b="0" i="1" smtClean="0">
+                                    <a:latin typeface="Cambria Math" panose="02040503050406030204" pitchFamily="18" charset="0"/>
+                                  </a:rPr>
+                                  <m:t>1 </m:t>
+                                </m:r>
+                                <m:f>
+                                  <m:fPr>
+                                    <m:ctrlPr>
+                                      <a:rPr lang="en-US" b="0" i="1" smtClean="0">
+                                        <a:latin typeface="Cambria Math" panose="02040503050406030204" pitchFamily="18" charset="0"/>
+                                      </a:rPr>
+                                    </m:ctrlPr>
+                                  </m:fPr>
+                                  <m:num>
+                                    <m:r>
+                                      <a:rPr lang="en-US" b="0" i="1" smtClean="0">
+                                        <a:latin typeface="Cambria Math" panose="02040503050406030204" pitchFamily="18" charset="0"/>
+                                      </a:rPr>
+                                      <m:t>𝑘𝑔</m:t>
+                                    </m:r>
+                                    <m:r>
+                                      <a:rPr lang="en-US" b="0" i="1" smtClean="0">
+                                        <a:latin typeface="Cambria Math" panose="02040503050406030204" pitchFamily="18" charset="0"/>
+                                        <a:ea typeface="Cambria Math" panose="02040503050406030204" pitchFamily="18" charset="0"/>
+                                      </a:rPr>
+                                      <m:t>∙</m:t>
+                                    </m:r>
+                                    <m:r>
+                                      <a:rPr lang="en-US" b="0" i="1" smtClean="0">
+                                        <a:latin typeface="Cambria Math" panose="02040503050406030204" pitchFamily="18" charset="0"/>
+                                        <a:ea typeface="Cambria Math" panose="02040503050406030204" pitchFamily="18" charset="0"/>
+                                      </a:rPr>
+                                      <m:t>𝑚</m:t>
+                                    </m:r>
+                                    <m:r>
+                                      <a:rPr lang="en-US" b="0" i="1" smtClean="0">
+                                        <a:latin typeface="Cambria Math" panose="02040503050406030204" pitchFamily="18" charset="0"/>
+                                        <a:ea typeface="Cambria Math" panose="02040503050406030204" pitchFamily="18" charset="0"/>
+                                      </a:rPr>
+                                      <m:t>∙</m:t>
+                                    </m:r>
+                                    <m:sSup>
+                                      <m:sSupPr>
+                                        <m:ctrlPr>
+                                          <a:rPr lang="en-US" b="0" i="1" smtClean="0">
+                                            <a:latin typeface="Cambria Math" panose="02040503050406030204" pitchFamily="18" charset="0"/>
+                                            <a:ea typeface="Cambria Math" panose="02040503050406030204" pitchFamily="18" charset="0"/>
+                                          </a:rPr>
+                                        </m:ctrlPr>
+                                      </m:sSupPr>
+                                      <m:e>
+                                        <m:r>
+                                          <a:rPr lang="en-US" b="0" i="1" smtClean="0">
+                                            <a:latin typeface="Cambria Math" panose="02040503050406030204" pitchFamily="18" charset="0"/>
+                                            <a:ea typeface="Cambria Math" panose="02040503050406030204" pitchFamily="18" charset="0"/>
+                                          </a:rPr>
+                                          <m:t>𝑠</m:t>
+                                        </m:r>
+                                      </m:e>
+                                      <m:sup>
+                                        <m:r>
+                                          <a:rPr lang="en-US" b="0" i="1" smtClean="0">
+                                            <a:latin typeface="Cambria Math" panose="02040503050406030204" pitchFamily="18" charset="0"/>
+                                            <a:ea typeface="Cambria Math" panose="02040503050406030204" pitchFamily="18" charset="0"/>
+                                          </a:rPr>
+                                          <m:t>−2</m:t>
+                                        </m:r>
+                                      </m:sup>
+                                    </m:sSup>
+                                  </m:num>
+                                  <m:den>
+                                    <m:r>
+                                      <a:rPr lang="en-US" b="0" i="1" smtClean="0">
+                                        <a:latin typeface="Cambria Math" panose="02040503050406030204" pitchFamily="18" charset="0"/>
+                                      </a:rPr>
+                                      <m:t>𝑁</m:t>
+                                    </m:r>
+                                  </m:den>
+                                </m:f>
+                              </m:oMath>
+                            </m:oMathPara>
+                          </a14:m>
+                          <a:endParaRPr lang="en-US" dirty="0"/>
+                        </a:p>
+                      </a:txBody>
+                      <a:tcPr anchor="ctr"/>
+                    </a:tc>
+                    <a:extLst>
+                      <a:ext uri="{0D108BD9-81ED-4DB2-BD59-A6C34878D82A}">
+                        <a16:rowId xmlns:a16="http://schemas.microsoft.com/office/drawing/2014/main" val="2105108045"/>
+                      </a:ext>
+                    </a:extLst>
+                  </a:tr>
+                  <a:tr h="586828">
+                    <a:tc>
+                      <a:txBody>
+                        <a:bodyPr/>
+                        <a:lstStyle/>
+                        <a:p>
+                          <a:pPr algn="ctr"/>
+                          <a:r>
+                            <a:rPr lang="en-US" dirty="0"/>
+                            <a:t>SI (engineering)</a:t>
+                          </a:r>
+                        </a:p>
+                      </a:txBody>
+                      <a:tcPr anchor="ctr"/>
+                    </a:tc>
+                    <a:tc>
+                      <a:txBody>
+                        <a:bodyPr/>
+                        <a:lstStyle/>
+                        <a:p>
+                          <a:pPr marL="0" marR="0" lvl="0" indent="0" algn="ctr" defTabSz="868680" rtl="0" eaLnBrk="1" fontAlgn="auto" latinLnBrk="0" hangingPunct="1">
+                            <a:lnSpc>
+                              <a:spcPct val="100000"/>
+                            </a:lnSpc>
+                            <a:spcBef>
+                              <a:spcPts val="0"/>
+                            </a:spcBef>
+                            <a:spcAft>
+                              <a:spcPts val="0"/>
+                            </a:spcAft>
+                            <a:buClrTx/>
+                            <a:buSzTx/>
+                            <a:buFontTx/>
+                            <a:buNone/>
+                            <a:tabLst/>
+                            <a:defRPr/>
+                          </a:pPr>
+                          <a14:m>
+                            <m:oMathPara xmlns:m="http://schemas.openxmlformats.org/officeDocument/2006/math">
+                              <m:oMathParaPr>
+                                <m:jc m:val="centerGroup"/>
+                              </m:oMathParaPr>
+                              <m:oMath xmlns:m="http://schemas.openxmlformats.org/officeDocument/2006/math">
+                                <m:r>
+                                  <a:rPr lang="en-US" b="0" i="1" smtClean="0">
+                                    <a:latin typeface="Cambria Math" panose="02040503050406030204" pitchFamily="18" charset="0"/>
+                                  </a:rPr>
+                                  <m:t>9.806 </m:t>
+                                </m:r>
+                                <m:f>
+                                  <m:fPr>
+                                    <m:ctrlPr>
+                                      <a:rPr lang="en-US" b="0" i="1" smtClean="0">
+                                        <a:latin typeface="Cambria Math" panose="02040503050406030204" pitchFamily="18" charset="0"/>
+                                      </a:rPr>
+                                    </m:ctrlPr>
+                                  </m:fPr>
+                                  <m:num>
+                                    <m:sSub>
+                                      <m:sSubPr>
+                                        <m:ctrlPr>
+                                          <a:rPr lang="en-US" b="0" i="1" smtClean="0">
+                                            <a:latin typeface="Cambria Math" panose="02040503050406030204" pitchFamily="18" charset="0"/>
+                                          </a:rPr>
+                                        </m:ctrlPr>
+                                      </m:sSubPr>
+                                      <m:e>
+                                        <m:r>
+                                          <a:rPr lang="en-US" b="0" i="1" smtClean="0">
+                                            <a:latin typeface="Cambria Math" panose="02040503050406030204" pitchFamily="18" charset="0"/>
+                                          </a:rPr>
+                                          <m:t>𝑘𝑔</m:t>
+                                        </m:r>
+                                      </m:e>
+                                      <m:sub>
+                                        <m:r>
+                                          <a:rPr lang="en-US" b="0" i="1" smtClean="0">
+                                            <a:latin typeface="Cambria Math" panose="02040503050406030204" pitchFamily="18" charset="0"/>
+                                          </a:rPr>
+                                          <m:t>𝑚</m:t>
+                                        </m:r>
+                                      </m:sub>
+                                    </m:sSub>
+                                    <m:r>
+                                      <a:rPr lang="en-US" b="0" i="1" smtClean="0">
+                                        <a:latin typeface="Cambria Math" panose="02040503050406030204" pitchFamily="18" charset="0"/>
+                                        <a:ea typeface="Cambria Math" panose="02040503050406030204" pitchFamily="18" charset="0"/>
+                                      </a:rPr>
+                                      <m:t>∙</m:t>
+                                    </m:r>
+                                    <m:r>
+                                      <a:rPr lang="en-US" b="0" i="1" smtClean="0">
+                                        <a:latin typeface="Cambria Math" panose="02040503050406030204" pitchFamily="18" charset="0"/>
+                                        <a:ea typeface="Cambria Math" panose="02040503050406030204" pitchFamily="18" charset="0"/>
+                                      </a:rPr>
+                                      <m:t>𝑚</m:t>
+                                    </m:r>
+                                    <m:r>
+                                      <a:rPr lang="en-US" b="0" i="1" smtClean="0">
+                                        <a:latin typeface="Cambria Math" panose="02040503050406030204" pitchFamily="18" charset="0"/>
+                                        <a:ea typeface="Cambria Math" panose="02040503050406030204" pitchFamily="18" charset="0"/>
+                                      </a:rPr>
+                                      <m:t>∙</m:t>
+                                    </m:r>
+                                    <m:sSup>
+                                      <m:sSupPr>
+                                        <m:ctrlPr>
+                                          <a:rPr lang="en-US" b="0" i="1" smtClean="0">
+                                            <a:latin typeface="Cambria Math" panose="02040503050406030204" pitchFamily="18" charset="0"/>
+                                            <a:ea typeface="Cambria Math" panose="02040503050406030204" pitchFamily="18" charset="0"/>
+                                          </a:rPr>
+                                        </m:ctrlPr>
+                                      </m:sSupPr>
+                                      <m:e>
+                                        <m:r>
+                                          <a:rPr lang="en-US" b="0" i="1" smtClean="0">
+                                            <a:latin typeface="Cambria Math" panose="02040503050406030204" pitchFamily="18" charset="0"/>
+                                            <a:ea typeface="Cambria Math" panose="02040503050406030204" pitchFamily="18" charset="0"/>
+                                          </a:rPr>
+                                          <m:t>𝑠</m:t>
+                                        </m:r>
+                                      </m:e>
+                                      <m:sup>
+                                        <m:r>
+                                          <a:rPr lang="en-US" b="0" i="1" smtClean="0">
+                                            <a:latin typeface="Cambria Math" panose="02040503050406030204" pitchFamily="18" charset="0"/>
+                                            <a:ea typeface="Cambria Math" panose="02040503050406030204" pitchFamily="18" charset="0"/>
+                                          </a:rPr>
+                                          <m:t>−2</m:t>
+                                        </m:r>
+                                      </m:sup>
+                                    </m:sSup>
+                                  </m:num>
+                                  <m:den>
+                                    <m:sSub>
+                                      <m:sSubPr>
+                                        <m:ctrlPr>
+                                          <a:rPr lang="en-US" b="0" i="1" smtClean="0">
+                                            <a:latin typeface="Cambria Math" panose="02040503050406030204" pitchFamily="18" charset="0"/>
+                                            <a:ea typeface="Cambria Math" panose="02040503050406030204" pitchFamily="18" charset="0"/>
+                                          </a:rPr>
+                                        </m:ctrlPr>
+                                      </m:sSubPr>
+                                      <m:e>
+                                        <m:r>
+                                          <a:rPr lang="en-US" b="0" i="1" smtClean="0">
+                                            <a:latin typeface="Cambria Math" panose="02040503050406030204" pitchFamily="18" charset="0"/>
+                                            <a:ea typeface="Cambria Math" panose="02040503050406030204" pitchFamily="18" charset="0"/>
+                                          </a:rPr>
+                                          <m:t>𝑘𝑔</m:t>
+                                        </m:r>
+                                      </m:e>
+                                      <m:sub>
+                                        <m:r>
+                                          <a:rPr lang="en-US" b="0" i="1" smtClean="0">
+                                            <a:latin typeface="Cambria Math" panose="02040503050406030204" pitchFamily="18" charset="0"/>
+                                            <a:ea typeface="Cambria Math" panose="02040503050406030204" pitchFamily="18" charset="0"/>
+                                          </a:rPr>
+                                          <m:t>𝑓</m:t>
+                                        </m:r>
+                                      </m:sub>
+                                    </m:sSub>
+                                  </m:den>
+                                </m:f>
+                              </m:oMath>
+                            </m:oMathPara>
+                          </a14:m>
+                          <a:endParaRPr lang="en-US" dirty="0"/>
+                        </a:p>
+                      </a:txBody>
+                      <a:tcPr anchor="ctr"/>
+                    </a:tc>
+                    <a:extLst>
+                      <a:ext uri="{0D108BD9-81ED-4DB2-BD59-A6C34878D82A}">
+                        <a16:rowId xmlns:a16="http://schemas.microsoft.com/office/drawing/2014/main" val="2777918421"/>
+                      </a:ext>
+                    </a:extLst>
+                  </a:tr>
+                  <a:tr h="586828">
+                    <a:tc>
+                      <a:txBody>
+                        <a:bodyPr/>
+                        <a:lstStyle/>
+                        <a:p>
+                          <a:pPr algn="ctr"/>
+                          <a:r>
+                            <a:rPr lang="en-US" dirty="0"/>
+                            <a:t>CGS (scientific)</a:t>
+                          </a:r>
+                        </a:p>
+                      </a:txBody>
+                      <a:tcPr anchor="ctr"/>
+                    </a:tc>
+                    <a:tc>
+                      <a:txBody>
+                        <a:bodyPr/>
+                        <a:lstStyle/>
+                        <a:p>
+                          <a:pPr marL="0" marR="0" lvl="0" indent="0" algn="ctr" defTabSz="868680" rtl="0" eaLnBrk="1" fontAlgn="auto" latinLnBrk="0" hangingPunct="1">
+                            <a:lnSpc>
+                              <a:spcPct val="100000"/>
+                            </a:lnSpc>
+                            <a:spcBef>
+                              <a:spcPts val="0"/>
+                            </a:spcBef>
+                            <a:spcAft>
+                              <a:spcPts val="0"/>
+                            </a:spcAft>
+                            <a:buClrTx/>
+                            <a:buSzTx/>
+                            <a:buFontTx/>
+                            <a:buNone/>
+                            <a:tabLst/>
+                            <a:defRPr/>
+                          </a:pPr>
+                          <a14:m>
+                            <m:oMathPara xmlns:m="http://schemas.openxmlformats.org/officeDocument/2006/math">
+                              <m:oMathParaPr>
+                                <m:jc m:val="centerGroup"/>
+                              </m:oMathParaPr>
+                              <m:oMath xmlns:m="http://schemas.openxmlformats.org/officeDocument/2006/math">
+                                <m:r>
+                                  <a:rPr lang="en-US" b="0" i="1" smtClean="0">
+                                    <a:latin typeface="Cambria Math" panose="02040503050406030204" pitchFamily="18" charset="0"/>
+                                  </a:rPr>
+                                  <m:t>1 </m:t>
+                                </m:r>
+                                <m:f>
+                                  <m:fPr>
+                                    <m:ctrlPr>
+                                      <a:rPr lang="en-US" b="0" i="1" smtClean="0">
+                                        <a:latin typeface="Cambria Math" panose="02040503050406030204" pitchFamily="18" charset="0"/>
+                                      </a:rPr>
+                                    </m:ctrlPr>
+                                  </m:fPr>
+                                  <m:num>
+                                    <m:r>
+                                      <a:rPr lang="en-US" b="0" i="1" smtClean="0">
+                                        <a:latin typeface="Cambria Math" panose="02040503050406030204" pitchFamily="18" charset="0"/>
+                                      </a:rPr>
+                                      <m:t>𝑔</m:t>
+                                    </m:r>
+                                    <m:r>
+                                      <a:rPr lang="en-US" b="0" i="1" smtClean="0">
+                                        <a:latin typeface="Cambria Math" panose="02040503050406030204" pitchFamily="18" charset="0"/>
+                                        <a:ea typeface="Cambria Math" panose="02040503050406030204" pitchFamily="18" charset="0"/>
+                                      </a:rPr>
+                                      <m:t>∙</m:t>
+                                    </m:r>
+                                    <m:r>
+                                      <a:rPr lang="en-US" b="0" i="1" smtClean="0">
+                                        <a:latin typeface="Cambria Math" panose="02040503050406030204" pitchFamily="18" charset="0"/>
+                                        <a:ea typeface="Cambria Math" panose="02040503050406030204" pitchFamily="18" charset="0"/>
+                                      </a:rPr>
+                                      <m:t>𝑐</m:t>
+                                    </m:r>
+                                    <m:r>
+                                      <a:rPr lang="en-US" b="0" i="1" smtClean="0">
+                                        <a:latin typeface="Cambria Math" panose="02040503050406030204" pitchFamily="18" charset="0"/>
+                                        <a:ea typeface="Cambria Math" panose="02040503050406030204" pitchFamily="18" charset="0"/>
+                                      </a:rPr>
+                                      <m:t>𝑚</m:t>
+                                    </m:r>
+                                    <m:r>
+                                      <a:rPr lang="en-US" b="0" i="1" smtClean="0">
+                                        <a:latin typeface="Cambria Math" panose="02040503050406030204" pitchFamily="18" charset="0"/>
+                                        <a:ea typeface="Cambria Math" panose="02040503050406030204" pitchFamily="18" charset="0"/>
+                                      </a:rPr>
+                                      <m:t>∙</m:t>
+                                    </m:r>
+                                    <m:sSup>
+                                      <m:sSupPr>
+                                        <m:ctrlPr>
+                                          <a:rPr lang="en-US" b="0" i="1" smtClean="0">
+                                            <a:latin typeface="Cambria Math" panose="02040503050406030204" pitchFamily="18" charset="0"/>
+                                            <a:ea typeface="Cambria Math" panose="02040503050406030204" pitchFamily="18" charset="0"/>
+                                          </a:rPr>
+                                        </m:ctrlPr>
+                                      </m:sSupPr>
+                                      <m:e>
+                                        <m:r>
+                                          <a:rPr lang="en-US" b="0" i="1" smtClean="0">
+                                            <a:latin typeface="Cambria Math" panose="02040503050406030204" pitchFamily="18" charset="0"/>
+                                            <a:ea typeface="Cambria Math" panose="02040503050406030204" pitchFamily="18" charset="0"/>
+                                          </a:rPr>
+                                          <m:t>𝑠</m:t>
+                                        </m:r>
+                                      </m:e>
+                                      <m:sup>
+                                        <m:r>
+                                          <a:rPr lang="en-US" b="0" i="1" smtClean="0">
+                                            <a:latin typeface="Cambria Math" panose="02040503050406030204" pitchFamily="18" charset="0"/>
+                                            <a:ea typeface="Cambria Math" panose="02040503050406030204" pitchFamily="18" charset="0"/>
+                                          </a:rPr>
+                                          <m:t>−2</m:t>
+                                        </m:r>
+                                      </m:sup>
+                                    </m:sSup>
+                                  </m:num>
+                                  <m:den>
+                                    <m:r>
+                                      <a:rPr lang="en-US" b="0" i="1" smtClean="0">
+                                        <a:latin typeface="Cambria Math" panose="02040503050406030204" pitchFamily="18" charset="0"/>
+                                        <a:ea typeface="Cambria Math" panose="02040503050406030204" pitchFamily="18" charset="0"/>
+                                      </a:rPr>
+                                      <m:t>𝑑𝑦𝑛</m:t>
+                                    </m:r>
+                                  </m:den>
+                                </m:f>
+                              </m:oMath>
+                            </m:oMathPara>
+                          </a14:m>
+                          <a:endParaRPr lang="en-US" dirty="0"/>
+                        </a:p>
+                      </a:txBody>
+                      <a:tcPr anchor="ctr"/>
+                    </a:tc>
+                    <a:extLst>
+                      <a:ext uri="{0D108BD9-81ED-4DB2-BD59-A6C34878D82A}">
+                        <a16:rowId xmlns:a16="http://schemas.microsoft.com/office/drawing/2014/main" val="2503886444"/>
+                      </a:ext>
+                    </a:extLst>
+                  </a:tr>
+                  <a:tr h="586828">
+                    <a:tc>
+                      <a:txBody>
+                        <a:bodyPr/>
+                        <a:lstStyle/>
+                        <a:p>
+                          <a:pPr algn="ctr"/>
+                          <a:r>
+                            <a:rPr lang="en-US" dirty="0"/>
+                            <a:t>CGS (engineering)</a:t>
+                          </a:r>
+                        </a:p>
+                      </a:txBody>
+                      <a:tcPr anchor="ctr"/>
+                    </a:tc>
+                    <a:tc>
+                      <a:txBody>
+                        <a:bodyPr/>
+                        <a:lstStyle/>
+                        <a:p>
+                          <a:pPr marL="0" marR="0" lvl="0" indent="0" algn="ctr" defTabSz="868680" rtl="0" eaLnBrk="1" fontAlgn="auto" latinLnBrk="0" hangingPunct="1">
+                            <a:lnSpc>
+                              <a:spcPct val="100000"/>
+                            </a:lnSpc>
+                            <a:spcBef>
+                              <a:spcPts val="0"/>
+                            </a:spcBef>
+                            <a:spcAft>
+                              <a:spcPts val="0"/>
+                            </a:spcAft>
+                            <a:buClrTx/>
+                            <a:buSzTx/>
+                            <a:buFontTx/>
+                            <a:buNone/>
+                            <a:tabLst/>
+                            <a:defRPr/>
+                          </a:pPr>
+                          <a14:m>
+                            <m:oMathPara xmlns:m="http://schemas.openxmlformats.org/officeDocument/2006/math">
+                              <m:oMathParaPr>
+                                <m:jc m:val="centerGroup"/>
+                              </m:oMathParaPr>
+                              <m:oMath xmlns:m="http://schemas.openxmlformats.org/officeDocument/2006/math">
+                                <m:r>
+                                  <a:rPr lang="en-US" b="0" i="1" smtClean="0">
+                                    <a:latin typeface="Cambria Math" panose="02040503050406030204" pitchFamily="18" charset="0"/>
+                                  </a:rPr>
+                                  <m:t>980.6 </m:t>
+                                </m:r>
+                                <m:f>
+                                  <m:fPr>
+                                    <m:ctrlPr>
+                                      <a:rPr lang="en-US" b="0" i="1" smtClean="0">
+                                        <a:latin typeface="Cambria Math" panose="02040503050406030204" pitchFamily="18" charset="0"/>
+                                      </a:rPr>
+                                    </m:ctrlPr>
+                                  </m:fPr>
+                                  <m:num>
+                                    <m:sSub>
+                                      <m:sSubPr>
+                                        <m:ctrlPr>
+                                          <a:rPr lang="en-US" b="0" i="1" smtClean="0">
+                                            <a:latin typeface="Cambria Math" panose="02040503050406030204" pitchFamily="18" charset="0"/>
+                                          </a:rPr>
+                                        </m:ctrlPr>
+                                      </m:sSubPr>
+                                      <m:e>
+                                        <m:r>
+                                          <a:rPr lang="en-US" b="0" i="1" smtClean="0">
+                                            <a:latin typeface="Cambria Math" panose="02040503050406030204" pitchFamily="18" charset="0"/>
+                                          </a:rPr>
+                                          <m:t>𝑔</m:t>
+                                        </m:r>
+                                      </m:e>
+                                      <m:sub>
+                                        <m:r>
+                                          <a:rPr lang="en-US" b="0" i="1" smtClean="0">
+                                            <a:latin typeface="Cambria Math" panose="02040503050406030204" pitchFamily="18" charset="0"/>
+                                          </a:rPr>
+                                          <m:t>𝑚</m:t>
+                                        </m:r>
+                                      </m:sub>
+                                    </m:sSub>
+                                    <m:r>
+                                      <a:rPr lang="en-US" b="0" i="1" smtClean="0">
+                                        <a:latin typeface="Cambria Math" panose="02040503050406030204" pitchFamily="18" charset="0"/>
+                                        <a:ea typeface="Cambria Math" panose="02040503050406030204" pitchFamily="18" charset="0"/>
+                                      </a:rPr>
+                                      <m:t>∙</m:t>
+                                    </m:r>
+                                    <m:r>
+                                      <a:rPr lang="en-US" b="0" i="1" smtClean="0">
+                                        <a:latin typeface="Cambria Math" panose="02040503050406030204" pitchFamily="18" charset="0"/>
+                                        <a:ea typeface="Cambria Math" panose="02040503050406030204" pitchFamily="18" charset="0"/>
+                                      </a:rPr>
+                                      <m:t>𝑐</m:t>
+                                    </m:r>
+                                    <m:r>
+                                      <a:rPr lang="en-US" b="0" i="1" smtClean="0">
+                                        <a:latin typeface="Cambria Math" panose="02040503050406030204" pitchFamily="18" charset="0"/>
+                                        <a:ea typeface="Cambria Math" panose="02040503050406030204" pitchFamily="18" charset="0"/>
+                                      </a:rPr>
+                                      <m:t>𝑚</m:t>
+                                    </m:r>
+                                    <m:r>
+                                      <a:rPr lang="en-US" b="0" i="1" smtClean="0">
+                                        <a:latin typeface="Cambria Math" panose="02040503050406030204" pitchFamily="18" charset="0"/>
+                                        <a:ea typeface="Cambria Math" panose="02040503050406030204" pitchFamily="18" charset="0"/>
+                                      </a:rPr>
+                                      <m:t>∙</m:t>
+                                    </m:r>
+                                    <m:sSup>
+                                      <m:sSupPr>
+                                        <m:ctrlPr>
+                                          <a:rPr lang="en-US" b="0" i="1" smtClean="0">
+                                            <a:latin typeface="Cambria Math" panose="02040503050406030204" pitchFamily="18" charset="0"/>
+                                            <a:ea typeface="Cambria Math" panose="02040503050406030204" pitchFamily="18" charset="0"/>
+                                          </a:rPr>
+                                        </m:ctrlPr>
+                                      </m:sSupPr>
+                                      <m:e>
+                                        <m:r>
+                                          <a:rPr lang="en-US" b="0" i="1" smtClean="0">
+                                            <a:latin typeface="Cambria Math" panose="02040503050406030204" pitchFamily="18" charset="0"/>
+                                            <a:ea typeface="Cambria Math" panose="02040503050406030204" pitchFamily="18" charset="0"/>
+                                          </a:rPr>
+                                          <m:t>𝑠</m:t>
+                                        </m:r>
+                                      </m:e>
+                                      <m:sup>
+                                        <m:r>
+                                          <a:rPr lang="en-US" b="0" i="1" smtClean="0">
+                                            <a:latin typeface="Cambria Math" panose="02040503050406030204" pitchFamily="18" charset="0"/>
+                                            <a:ea typeface="Cambria Math" panose="02040503050406030204" pitchFamily="18" charset="0"/>
+                                          </a:rPr>
+                                          <m:t>−2</m:t>
+                                        </m:r>
+                                      </m:sup>
+                                    </m:sSup>
+                                  </m:num>
+                                  <m:den>
+                                    <m:sSub>
+                                      <m:sSubPr>
+                                        <m:ctrlPr>
+                                          <a:rPr lang="en-US" b="0" i="1" smtClean="0">
+                                            <a:latin typeface="Cambria Math" panose="02040503050406030204" pitchFamily="18" charset="0"/>
+                                            <a:ea typeface="Cambria Math" panose="02040503050406030204" pitchFamily="18" charset="0"/>
+                                          </a:rPr>
+                                        </m:ctrlPr>
+                                      </m:sSubPr>
+                                      <m:e>
+                                        <m:r>
+                                          <a:rPr lang="en-US" b="0" i="1" smtClean="0">
+                                            <a:latin typeface="Cambria Math" panose="02040503050406030204" pitchFamily="18" charset="0"/>
+                                            <a:ea typeface="Cambria Math" panose="02040503050406030204" pitchFamily="18" charset="0"/>
+                                          </a:rPr>
+                                          <m:t>𝑔</m:t>
+                                        </m:r>
+                                      </m:e>
+                                      <m:sub>
+                                        <m:r>
+                                          <a:rPr lang="en-US" b="0" i="1" smtClean="0">
+                                            <a:latin typeface="Cambria Math" panose="02040503050406030204" pitchFamily="18" charset="0"/>
+                                            <a:ea typeface="Cambria Math" panose="02040503050406030204" pitchFamily="18" charset="0"/>
+                                          </a:rPr>
+                                          <m:t>𝑓</m:t>
+                                        </m:r>
+                                      </m:sub>
+                                    </m:sSub>
+                                  </m:den>
+                                </m:f>
+                              </m:oMath>
+                            </m:oMathPara>
+                          </a14:m>
+                          <a:endParaRPr lang="en-US" dirty="0"/>
+                        </a:p>
+                      </a:txBody>
+                      <a:tcPr anchor="ctr"/>
+                    </a:tc>
+                    <a:extLst>
+                      <a:ext uri="{0D108BD9-81ED-4DB2-BD59-A6C34878D82A}">
+                        <a16:rowId xmlns:a16="http://schemas.microsoft.com/office/drawing/2014/main" val="35472073"/>
+                      </a:ext>
+                    </a:extLst>
+                  </a:tr>
+                  <a:tr h="586828">
+                    <a:tc>
+                      <a:txBody>
+                        <a:bodyPr/>
+                        <a:lstStyle/>
+                        <a:p>
+                          <a:pPr algn="ctr"/>
+                          <a:r>
+                            <a:rPr lang="en-US" dirty="0"/>
+                            <a:t>English Engineering</a:t>
+                          </a:r>
+                        </a:p>
+                      </a:txBody>
+                      <a:tcPr anchor="ctr"/>
+                    </a:tc>
+                    <a:tc>
+                      <a:txBody>
+                        <a:bodyPr/>
+                        <a:lstStyle/>
+                        <a:p>
+                          <a:pPr marL="0" marR="0" lvl="0" indent="0" algn="ctr" defTabSz="868680" rtl="0" eaLnBrk="1" fontAlgn="auto" latinLnBrk="0" hangingPunct="1">
+                            <a:lnSpc>
+                              <a:spcPct val="100000"/>
+                            </a:lnSpc>
+                            <a:spcBef>
+                              <a:spcPts val="0"/>
+                            </a:spcBef>
+                            <a:spcAft>
+                              <a:spcPts val="0"/>
+                            </a:spcAft>
+                            <a:buClrTx/>
+                            <a:buSzTx/>
+                            <a:buFontTx/>
+                            <a:buNone/>
+                            <a:tabLst/>
+                            <a:defRPr/>
+                          </a:pPr>
+                          <a14:m>
+                            <m:oMathPara xmlns:m="http://schemas.openxmlformats.org/officeDocument/2006/math">
+                              <m:oMathParaPr>
+                                <m:jc m:val="centerGroup"/>
+                              </m:oMathParaPr>
+                              <m:oMath xmlns:m="http://schemas.openxmlformats.org/officeDocument/2006/math">
+                                <m:r>
+                                  <a:rPr lang="en-US" b="0" i="1" smtClean="0">
+                                    <a:latin typeface="Cambria Math" panose="02040503050406030204" pitchFamily="18" charset="0"/>
+                                  </a:rPr>
+                                  <m:t>32.174 </m:t>
+                                </m:r>
+                                <m:f>
+                                  <m:fPr>
+                                    <m:ctrlPr>
+                                      <a:rPr lang="en-US" b="0" i="1" smtClean="0">
+                                        <a:latin typeface="Cambria Math" panose="02040503050406030204" pitchFamily="18" charset="0"/>
+                                      </a:rPr>
+                                    </m:ctrlPr>
+                                  </m:fPr>
+                                  <m:num>
+                                    <m:sSub>
+                                      <m:sSubPr>
+                                        <m:ctrlPr>
+                                          <a:rPr lang="en-US" b="0" i="1" smtClean="0">
+                                            <a:latin typeface="Cambria Math" panose="02040503050406030204" pitchFamily="18" charset="0"/>
+                                          </a:rPr>
+                                        </m:ctrlPr>
+                                      </m:sSubPr>
+                                      <m:e>
+                                        <m:r>
+                                          <a:rPr lang="en-US" b="0" i="1" smtClean="0">
+                                            <a:latin typeface="Cambria Math" panose="02040503050406030204" pitchFamily="18" charset="0"/>
+                                          </a:rPr>
+                                          <m:t>𝑙𝑏</m:t>
+                                        </m:r>
+                                      </m:e>
+                                      <m:sub>
+                                        <m:r>
+                                          <a:rPr lang="en-US" b="0" i="1" smtClean="0">
+                                            <a:latin typeface="Cambria Math" panose="02040503050406030204" pitchFamily="18" charset="0"/>
+                                          </a:rPr>
+                                          <m:t>𝑚</m:t>
+                                        </m:r>
+                                      </m:sub>
+                                    </m:sSub>
+                                    <m:r>
+                                      <a:rPr lang="en-US" b="0" i="1" smtClean="0">
+                                        <a:latin typeface="Cambria Math" panose="02040503050406030204" pitchFamily="18" charset="0"/>
+                                        <a:ea typeface="Cambria Math" panose="02040503050406030204" pitchFamily="18" charset="0"/>
+                                      </a:rPr>
+                                      <m:t>∙</m:t>
+                                    </m:r>
+                                    <m:r>
+                                      <a:rPr lang="en-US" b="0" i="1" smtClean="0">
+                                        <a:latin typeface="Cambria Math" panose="02040503050406030204" pitchFamily="18" charset="0"/>
+                                        <a:ea typeface="Cambria Math" panose="02040503050406030204" pitchFamily="18" charset="0"/>
+                                      </a:rPr>
+                                      <m:t>𝑓𝑡</m:t>
+                                    </m:r>
+                                    <m:r>
+                                      <a:rPr lang="en-US" b="0" i="1" smtClean="0">
+                                        <a:latin typeface="Cambria Math" panose="02040503050406030204" pitchFamily="18" charset="0"/>
+                                        <a:ea typeface="Cambria Math" panose="02040503050406030204" pitchFamily="18" charset="0"/>
+                                      </a:rPr>
+                                      <m:t>∙</m:t>
+                                    </m:r>
+                                    <m:sSup>
+                                      <m:sSupPr>
+                                        <m:ctrlPr>
+                                          <a:rPr lang="en-US" b="0" i="1" smtClean="0">
+                                            <a:latin typeface="Cambria Math" panose="02040503050406030204" pitchFamily="18" charset="0"/>
+                                            <a:ea typeface="Cambria Math" panose="02040503050406030204" pitchFamily="18" charset="0"/>
+                                          </a:rPr>
+                                        </m:ctrlPr>
+                                      </m:sSupPr>
+                                      <m:e>
+                                        <m:r>
+                                          <a:rPr lang="en-US" b="0" i="1" smtClean="0">
+                                            <a:latin typeface="Cambria Math" panose="02040503050406030204" pitchFamily="18" charset="0"/>
+                                            <a:ea typeface="Cambria Math" panose="02040503050406030204" pitchFamily="18" charset="0"/>
+                                          </a:rPr>
+                                          <m:t>𝑠</m:t>
+                                        </m:r>
+                                      </m:e>
+                                      <m:sup>
+                                        <m:r>
+                                          <a:rPr lang="en-US" b="0" i="1" smtClean="0">
+                                            <a:latin typeface="Cambria Math" panose="02040503050406030204" pitchFamily="18" charset="0"/>
+                                            <a:ea typeface="Cambria Math" panose="02040503050406030204" pitchFamily="18" charset="0"/>
+                                          </a:rPr>
+                                          <m:t>−2</m:t>
+                                        </m:r>
+                                      </m:sup>
+                                    </m:sSup>
+                                  </m:num>
+                                  <m:den>
+                                    <m:sSub>
+                                      <m:sSubPr>
+                                        <m:ctrlPr>
+                                          <a:rPr lang="en-US" b="0" i="1" smtClean="0">
+                                            <a:latin typeface="Cambria Math" panose="02040503050406030204" pitchFamily="18" charset="0"/>
+                                            <a:ea typeface="Cambria Math" panose="02040503050406030204" pitchFamily="18" charset="0"/>
+                                          </a:rPr>
+                                        </m:ctrlPr>
+                                      </m:sSubPr>
+                                      <m:e>
+                                        <m:r>
+                                          <a:rPr lang="en-US" b="0" i="1" smtClean="0">
+                                            <a:latin typeface="Cambria Math" panose="02040503050406030204" pitchFamily="18" charset="0"/>
+                                            <a:ea typeface="Cambria Math" panose="02040503050406030204" pitchFamily="18" charset="0"/>
+                                          </a:rPr>
+                                          <m:t>𝑙𝑏</m:t>
+                                        </m:r>
+                                      </m:e>
+                                      <m:sub>
+                                        <m:r>
+                                          <a:rPr lang="en-US" b="0" i="1" smtClean="0">
+                                            <a:latin typeface="Cambria Math" panose="02040503050406030204" pitchFamily="18" charset="0"/>
+                                            <a:ea typeface="Cambria Math" panose="02040503050406030204" pitchFamily="18" charset="0"/>
+                                          </a:rPr>
+                                          <m:t>𝑓</m:t>
+                                        </m:r>
+                                      </m:sub>
+                                    </m:sSub>
+                                  </m:den>
+                                </m:f>
+                              </m:oMath>
+                            </m:oMathPara>
+                          </a14:m>
+                          <a:endParaRPr lang="en-US" dirty="0"/>
+                        </a:p>
+                      </a:txBody>
+                      <a:tcPr anchor="ctr"/>
+                    </a:tc>
+                    <a:extLst>
+                      <a:ext uri="{0D108BD9-81ED-4DB2-BD59-A6C34878D82A}">
+                        <a16:rowId xmlns:a16="http://schemas.microsoft.com/office/drawing/2014/main" val="3837089820"/>
+                      </a:ext>
+                    </a:extLst>
+                  </a:tr>
+                  <a:tr h="586828">
+                    <a:tc>
+                      <a:txBody>
+                        <a:bodyPr/>
+                        <a:lstStyle/>
+                        <a:p>
+                          <a:pPr algn="ctr"/>
+                          <a:r>
+                            <a:rPr lang="en-US" dirty="0"/>
+                            <a:t>English Absolute</a:t>
+                          </a:r>
+                        </a:p>
+                      </a:txBody>
+                      <a:tcPr anchor="ctr"/>
+                    </a:tc>
+                    <a:tc>
+                      <a:txBody>
+                        <a:bodyPr/>
+                        <a:lstStyle/>
+                        <a:p>
+                          <a:pPr marL="0" marR="0" lvl="0" indent="0" algn="ctr" defTabSz="868680" rtl="0" eaLnBrk="1" fontAlgn="auto" latinLnBrk="0" hangingPunct="1">
+                            <a:lnSpc>
+                              <a:spcPct val="100000"/>
+                            </a:lnSpc>
+                            <a:spcBef>
+                              <a:spcPts val="0"/>
+                            </a:spcBef>
+                            <a:spcAft>
+                              <a:spcPts val="0"/>
+                            </a:spcAft>
+                            <a:buClrTx/>
+                            <a:buSzTx/>
+                            <a:buFontTx/>
+                            <a:buNone/>
+                            <a:tabLst/>
+                            <a:defRPr/>
+                          </a:pPr>
+                          <a14:m>
+                            <m:oMathPara xmlns:m="http://schemas.openxmlformats.org/officeDocument/2006/math">
+                              <m:oMathParaPr>
+                                <m:jc m:val="centerGroup"/>
+                              </m:oMathParaPr>
+                              <m:oMath xmlns:m="http://schemas.openxmlformats.org/officeDocument/2006/math">
+                                <m:r>
+                                  <a:rPr lang="en-US" b="0" i="1" smtClean="0">
+                                    <a:latin typeface="Cambria Math" panose="02040503050406030204" pitchFamily="18" charset="0"/>
+                                  </a:rPr>
+                                  <m:t>1 </m:t>
+                                </m:r>
+                                <m:f>
+                                  <m:fPr>
+                                    <m:ctrlPr>
+                                      <a:rPr lang="en-US" b="0" i="1" smtClean="0">
+                                        <a:latin typeface="Cambria Math" panose="02040503050406030204" pitchFamily="18" charset="0"/>
+                                      </a:rPr>
+                                    </m:ctrlPr>
+                                  </m:fPr>
+                                  <m:num>
+                                    <m:sSub>
+                                      <m:sSubPr>
+                                        <m:ctrlPr>
+                                          <a:rPr lang="en-US" b="0" i="1" smtClean="0">
+                                            <a:latin typeface="Cambria Math" panose="02040503050406030204" pitchFamily="18" charset="0"/>
+                                          </a:rPr>
+                                        </m:ctrlPr>
+                                      </m:sSubPr>
+                                      <m:e>
+                                        <m:r>
+                                          <a:rPr lang="en-US" b="0" i="1" smtClean="0">
+                                            <a:latin typeface="Cambria Math" panose="02040503050406030204" pitchFamily="18" charset="0"/>
+                                          </a:rPr>
+                                          <m:t>𝑙𝑏</m:t>
+                                        </m:r>
+                                      </m:e>
+                                      <m:sub>
+                                        <m:r>
+                                          <a:rPr lang="en-US" b="0" i="1" smtClean="0">
+                                            <a:latin typeface="Cambria Math" panose="02040503050406030204" pitchFamily="18" charset="0"/>
+                                          </a:rPr>
+                                          <m:t>𝑚</m:t>
+                                        </m:r>
+                                      </m:sub>
+                                    </m:sSub>
+                                    <m:r>
+                                      <a:rPr lang="en-US" b="0" i="1" smtClean="0">
+                                        <a:latin typeface="Cambria Math" panose="02040503050406030204" pitchFamily="18" charset="0"/>
+                                        <a:ea typeface="Cambria Math" panose="02040503050406030204" pitchFamily="18" charset="0"/>
+                                      </a:rPr>
+                                      <m:t>∙</m:t>
+                                    </m:r>
+                                    <m:r>
+                                      <a:rPr lang="en-US" b="0" i="1" smtClean="0">
+                                        <a:latin typeface="Cambria Math" panose="02040503050406030204" pitchFamily="18" charset="0"/>
+                                        <a:ea typeface="Cambria Math" panose="02040503050406030204" pitchFamily="18" charset="0"/>
+                                      </a:rPr>
+                                      <m:t>𝑓𝑡</m:t>
+                                    </m:r>
+                                    <m:r>
+                                      <a:rPr lang="en-US" b="0" i="1" smtClean="0">
+                                        <a:latin typeface="Cambria Math" panose="02040503050406030204" pitchFamily="18" charset="0"/>
+                                        <a:ea typeface="Cambria Math" panose="02040503050406030204" pitchFamily="18" charset="0"/>
+                                      </a:rPr>
+                                      <m:t>∙</m:t>
+                                    </m:r>
+                                    <m:sSup>
+                                      <m:sSupPr>
+                                        <m:ctrlPr>
+                                          <a:rPr lang="en-US" b="0" i="1" smtClean="0">
+                                            <a:latin typeface="Cambria Math" panose="02040503050406030204" pitchFamily="18" charset="0"/>
+                                            <a:ea typeface="Cambria Math" panose="02040503050406030204" pitchFamily="18" charset="0"/>
+                                          </a:rPr>
+                                        </m:ctrlPr>
+                                      </m:sSupPr>
+                                      <m:e>
+                                        <m:r>
+                                          <a:rPr lang="en-US" b="0" i="1" smtClean="0">
+                                            <a:latin typeface="Cambria Math" panose="02040503050406030204" pitchFamily="18" charset="0"/>
+                                            <a:ea typeface="Cambria Math" panose="02040503050406030204" pitchFamily="18" charset="0"/>
+                                          </a:rPr>
+                                          <m:t>𝑠</m:t>
+                                        </m:r>
+                                      </m:e>
+                                      <m:sup>
+                                        <m:r>
+                                          <a:rPr lang="en-US" b="0" i="1" smtClean="0">
+                                            <a:latin typeface="Cambria Math" panose="02040503050406030204" pitchFamily="18" charset="0"/>
+                                            <a:ea typeface="Cambria Math" panose="02040503050406030204" pitchFamily="18" charset="0"/>
+                                          </a:rPr>
+                                          <m:t>−2</m:t>
+                                        </m:r>
+                                      </m:sup>
+                                    </m:sSup>
+                                  </m:num>
+                                  <m:den>
+                                    <m:r>
+                                      <a:rPr lang="en-US" b="0" i="1" smtClean="0">
+                                        <a:latin typeface="Cambria Math" panose="02040503050406030204" pitchFamily="18" charset="0"/>
+                                        <a:ea typeface="Cambria Math" panose="02040503050406030204" pitchFamily="18" charset="0"/>
+                                      </a:rPr>
+                                      <m:t>𝑝𝑜𝑢𝑛𝑑𝑎𝑙</m:t>
+                                    </m:r>
+                                  </m:den>
+                                </m:f>
+                              </m:oMath>
+                            </m:oMathPara>
+                          </a14:m>
+                          <a:endParaRPr lang="en-US" dirty="0"/>
+                        </a:p>
+                      </a:txBody>
+                      <a:tcPr anchor="ctr"/>
+                    </a:tc>
+                    <a:extLst>
+                      <a:ext uri="{0D108BD9-81ED-4DB2-BD59-A6C34878D82A}">
+                        <a16:rowId xmlns:a16="http://schemas.microsoft.com/office/drawing/2014/main" val="1347769508"/>
+                      </a:ext>
+                    </a:extLst>
+                  </a:tr>
+                  <a:tr h="586828">
+                    <a:tc>
+                      <a:txBody>
+                        <a:bodyPr/>
+                        <a:lstStyle/>
+                        <a:p>
+                          <a:pPr algn="ctr"/>
+                          <a:r>
+                            <a:rPr lang="en-US" dirty="0"/>
+                            <a:t>British Gravitational</a:t>
+                          </a:r>
+                        </a:p>
+                      </a:txBody>
+                      <a:tcPr anchor="ctr"/>
+                    </a:tc>
+                    <a:tc>
+                      <a:txBody>
+                        <a:bodyPr/>
+                        <a:lstStyle/>
+                        <a:p>
+                          <a:pPr marL="0" marR="0" lvl="0" indent="0" algn="ctr" defTabSz="868680" rtl="0" eaLnBrk="1" fontAlgn="auto" latinLnBrk="0" hangingPunct="1">
+                            <a:lnSpc>
+                              <a:spcPct val="100000"/>
+                            </a:lnSpc>
+                            <a:spcBef>
+                              <a:spcPts val="0"/>
+                            </a:spcBef>
+                            <a:spcAft>
+                              <a:spcPts val="0"/>
+                            </a:spcAft>
+                            <a:buClrTx/>
+                            <a:buSzTx/>
+                            <a:buFontTx/>
+                            <a:buNone/>
+                            <a:tabLst/>
+                            <a:defRPr/>
+                          </a:pPr>
+                          <a14:m>
+                            <m:oMathPara xmlns:m="http://schemas.openxmlformats.org/officeDocument/2006/math">
+                              <m:oMathParaPr>
+                                <m:jc m:val="centerGroup"/>
+                              </m:oMathParaPr>
+                              <m:oMath xmlns:m="http://schemas.openxmlformats.org/officeDocument/2006/math">
+                                <m:r>
+                                  <a:rPr lang="en-US" b="0" i="1" smtClean="0">
+                                    <a:latin typeface="Cambria Math" panose="02040503050406030204" pitchFamily="18" charset="0"/>
+                                  </a:rPr>
+                                  <m:t>1 </m:t>
+                                </m:r>
+                                <m:f>
+                                  <m:fPr>
+                                    <m:ctrlPr>
+                                      <a:rPr lang="en-US" b="0" i="1" smtClean="0">
+                                        <a:latin typeface="Cambria Math" panose="02040503050406030204" pitchFamily="18" charset="0"/>
+                                      </a:rPr>
+                                    </m:ctrlPr>
+                                  </m:fPr>
+                                  <m:num>
+                                    <m:r>
+                                      <a:rPr lang="en-US" b="0" i="1" smtClean="0">
+                                        <a:latin typeface="Cambria Math" panose="02040503050406030204" pitchFamily="18" charset="0"/>
+                                      </a:rPr>
+                                      <m:t>𝑠𝑙𝑢𝑔</m:t>
+                                    </m:r>
+                                    <m:r>
+                                      <a:rPr lang="en-US" b="0" i="1" smtClean="0">
+                                        <a:latin typeface="Cambria Math" panose="02040503050406030204" pitchFamily="18" charset="0"/>
+                                        <a:ea typeface="Cambria Math" panose="02040503050406030204" pitchFamily="18" charset="0"/>
+                                      </a:rPr>
+                                      <m:t>∙</m:t>
+                                    </m:r>
+                                    <m:r>
+                                      <a:rPr lang="en-US" b="0" i="1" smtClean="0">
+                                        <a:latin typeface="Cambria Math" panose="02040503050406030204" pitchFamily="18" charset="0"/>
+                                        <a:ea typeface="Cambria Math" panose="02040503050406030204" pitchFamily="18" charset="0"/>
+                                      </a:rPr>
+                                      <m:t>𝑓𝑡</m:t>
+                                    </m:r>
+                                    <m:r>
+                                      <a:rPr lang="en-US" b="0" i="1" smtClean="0">
+                                        <a:latin typeface="Cambria Math" panose="02040503050406030204" pitchFamily="18" charset="0"/>
+                                        <a:ea typeface="Cambria Math" panose="02040503050406030204" pitchFamily="18" charset="0"/>
+                                      </a:rPr>
+                                      <m:t>∙</m:t>
+                                    </m:r>
+                                    <m:sSup>
+                                      <m:sSupPr>
+                                        <m:ctrlPr>
+                                          <a:rPr lang="en-US" b="0" i="1" smtClean="0">
+                                            <a:latin typeface="Cambria Math" panose="02040503050406030204" pitchFamily="18" charset="0"/>
+                                            <a:ea typeface="Cambria Math" panose="02040503050406030204" pitchFamily="18" charset="0"/>
+                                          </a:rPr>
+                                        </m:ctrlPr>
+                                      </m:sSupPr>
+                                      <m:e>
+                                        <m:r>
+                                          <a:rPr lang="en-US" b="0" i="1" smtClean="0">
+                                            <a:latin typeface="Cambria Math" panose="02040503050406030204" pitchFamily="18" charset="0"/>
+                                            <a:ea typeface="Cambria Math" panose="02040503050406030204" pitchFamily="18" charset="0"/>
+                                          </a:rPr>
+                                          <m:t>𝑠</m:t>
+                                        </m:r>
+                                      </m:e>
+                                      <m:sup>
+                                        <m:r>
+                                          <a:rPr lang="en-US" b="0" i="1" smtClean="0">
+                                            <a:latin typeface="Cambria Math" panose="02040503050406030204" pitchFamily="18" charset="0"/>
+                                            <a:ea typeface="Cambria Math" panose="02040503050406030204" pitchFamily="18" charset="0"/>
+                                          </a:rPr>
+                                          <m:t>−2</m:t>
+                                        </m:r>
+                                      </m:sup>
+                                    </m:sSup>
+                                  </m:num>
+                                  <m:den>
+                                    <m:sSub>
+                                      <m:sSubPr>
+                                        <m:ctrlPr>
+                                          <a:rPr lang="en-US" b="0" i="1" smtClean="0">
+                                            <a:latin typeface="Cambria Math" panose="02040503050406030204" pitchFamily="18" charset="0"/>
+                                            <a:ea typeface="Cambria Math" panose="02040503050406030204" pitchFamily="18" charset="0"/>
+                                          </a:rPr>
+                                        </m:ctrlPr>
+                                      </m:sSubPr>
+                                      <m:e>
+                                        <m:r>
+                                          <a:rPr lang="en-US" b="0" i="1" smtClean="0">
+                                            <a:latin typeface="Cambria Math" panose="02040503050406030204" pitchFamily="18" charset="0"/>
+                                            <a:ea typeface="Cambria Math" panose="02040503050406030204" pitchFamily="18" charset="0"/>
+                                          </a:rPr>
+                                          <m:t>𝑙𝑏</m:t>
+                                        </m:r>
+                                      </m:e>
+                                      <m:sub>
+                                        <m:r>
+                                          <a:rPr lang="en-US" b="0" i="1" smtClean="0">
+                                            <a:latin typeface="Cambria Math" panose="02040503050406030204" pitchFamily="18" charset="0"/>
+                                            <a:ea typeface="Cambria Math" panose="02040503050406030204" pitchFamily="18" charset="0"/>
+                                          </a:rPr>
+                                          <m:t>𝑓</m:t>
+                                        </m:r>
+                                      </m:sub>
+                                    </m:sSub>
+                                  </m:den>
+                                </m:f>
+                              </m:oMath>
+                            </m:oMathPara>
+                          </a14:m>
+                          <a:endParaRPr lang="en-US" dirty="0"/>
+                        </a:p>
+                      </a:txBody>
+                      <a:tcPr anchor="ctr"/>
+                    </a:tc>
+                    <a:extLst>
+                      <a:ext uri="{0D108BD9-81ED-4DB2-BD59-A6C34878D82A}">
+                        <a16:rowId xmlns:a16="http://schemas.microsoft.com/office/drawing/2014/main" val="3264482273"/>
+                      </a:ext>
+                    </a:extLst>
+                  </a:tr>
+                </a:tbl>
+              </a:graphicData>
+            </a:graphic>
+          </p:graphicFrame>
+        </mc:Choice>
+        <mc:Fallback>
+          <p:graphicFrame>
+            <p:nvGraphicFramePr>
+              <p:cNvPr id="5" name="Table 4">
+                <a:extLst>
+                  <a:ext uri="{FF2B5EF4-FFF2-40B4-BE49-F238E27FC236}">
+                    <a16:creationId xmlns:a16="http://schemas.microsoft.com/office/drawing/2014/main" id="{D97651A7-FEF8-810A-B5EE-8831B9B0A4AC}"/>
+                  </a:ext>
+                </a:extLst>
+              </p:cNvPr>
+              <p:cNvGraphicFramePr>
+                <a:graphicFrameLocks noGrp="1"/>
+              </p:cNvGraphicFramePr>
+              <p:nvPr>
+                <p:extLst>
+                  <p:ext uri="{D42A27DB-BD31-4B8C-83A1-F6EECF244321}">
+                    <p14:modId xmlns:p14="http://schemas.microsoft.com/office/powerpoint/2010/main" val="2892437508"/>
+                  </p:ext>
+                </p:extLst>
+              </p:nvPr>
+            </p:nvGraphicFramePr>
+            <p:xfrm>
+              <a:off x="810610" y="6663839"/>
+              <a:ext cx="7065580" cy="5267921"/>
+            </p:xfrm>
+            <a:graphic>
+              <a:graphicData uri="http://schemas.openxmlformats.org/drawingml/2006/table">
+                <a:tbl>
+                  <a:tblPr firstRow="1" bandRow="1">
+                    <a:tableStyleId>{5C22544A-7EE6-4342-B048-85BDC9FD1C3A}</a:tableStyleId>
+                  </a:tblPr>
+                  <a:tblGrid>
+                    <a:gridCol w="3532790">
+                      <a:extLst>
+                        <a:ext uri="{9D8B030D-6E8A-4147-A177-3AD203B41FA5}">
+                          <a16:colId xmlns:a16="http://schemas.microsoft.com/office/drawing/2014/main" val="1623680519"/>
+                        </a:ext>
+                      </a:extLst>
+                    </a:gridCol>
+                    <a:gridCol w="3532790">
+                      <a:extLst>
+                        <a:ext uri="{9D8B030D-6E8A-4147-A177-3AD203B41FA5}">
+                          <a16:colId xmlns:a16="http://schemas.microsoft.com/office/drawing/2014/main" val="1368690942"/>
+                        </a:ext>
+                      </a:extLst>
+                    </a:gridCol>
+                  </a:tblGrid>
+                  <a:tr h="586828">
+                    <a:tc>
+                      <a:txBody>
+                        <a:bodyPr/>
+                        <a:lstStyle/>
+                        <a:p>
+                          <a:pPr algn="ctr"/>
+                          <a:r>
+                            <a:rPr lang="en-US" dirty="0"/>
+                            <a:t>Unit system</a:t>
+                          </a:r>
+                        </a:p>
+                      </a:txBody>
+                      <a:tcPr anchor="ctr"/>
+                    </a:tc>
+                    <a:tc>
+                      <a:txBody>
+                        <a:bodyPr/>
+                        <a:lstStyle/>
+                        <a:p>
+                          <a:endParaRPr lang="en-US"/>
+                        </a:p>
+                      </a:txBody>
+                      <a:tcPr anchor="ctr">
+                        <a:blipFill>
+                          <a:blip r:embed="rId4"/>
+                          <a:stretch>
+                            <a:fillRect l="-100345" t="-1042" r="-690" b="-803125"/>
+                          </a:stretch>
+                        </a:blipFill>
+                      </a:tcPr>
+                    </a:tc>
+                    <a:extLst>
+                      <a:ext uri="{0D108BD9-81ED-4DB2-BD59-A6C34878D82A}">
+                        <a16:rowId xmlns:a16="http://schemas.microsoft.com/office/drawing/2014/main" val="1355802773"/>
+                      </a:ext>
+                    </a:extLst>
+                  </a:tr>
+                  <a:tr h="612648">
+                    <a:tc>
+                      <a:txBody>
+                        <a:bodyPr/>
+                        <a:lstStyle/>
+                        <a:p>
+                          <a:pPr algn="ctr"/>
+                          <a:r>
+                            <a:rPr lang="en-US" dirty="0"/>
+                            <a:t>SI (scientific)</a:t>
+                          </a:r>
+                        </a:p>
+                      </a:txBody>
+                      <a:tcPr anchor="ctr"/>
+                    </a:tc>
+                    <a:tc>
+                      <a:txBody>
+                        <a:bodyPr/>
+                        <a:lstStyle/>
+                        <a:p>
+                          <a:endParaRPr lang="en-US"/>
+                        </a:p>
+                      </a:txBody>
+                      <a:tcPr anchor="ctr">
+                        <a:blipFill>
+                          <a:blip r:embed="rId4"/>
+                          <a:stretch>
+                            <a:fillRect l="-100345" t="-96040" r="-690" b="-663366"/>
+                          </a:stretch>
+                        </a:blipFill>
+                      </a:tcPr>
+                    </a:tc>
+                    <a:extLst>
+                      <a:ext uri="{0D108BD9-81ED-4DB2-BD59-A6C34878D82A}">
+                        <a16:rowId xmlns:a16="http://schemas.microsoft.com/office/drawing/2014/main" val="2105108045"/>
+                      </a:ext>
+                    </a:extLst>
+                  </a:tr>
+                  <a:tr h="687832">
+                    <a:tc>
+                      <a:txBody>
+                        <a:bodyPr/>
+                        <a:lstStyle/>
+                        <a:p>
+                          <a:pPr algn="ctr"/>
+                          <a:r>
+                            <a:rPr lang="en-US" dirty="0"/>
+                            <a:t>SI (engineering)</a:t>
+                          </a:r>
+                        </a:p>
+                      </a:txBody>
+                      <a:tcPr anchor="ctr"/>
+                    </a:tc>
+                    <a:tc>
+                      <a:txBody>
+                        <a:bodyPr/>
+                        <a:lstStyle/>
+                        <a:p>
+                          <a:endParaRPr lang="en-US"/>
+                        </a:p>
+                      </a:txBody>
+                      <a:tcPr anchor="ctr">
+                        <a:blipFill>
+                          <a:blip r:embed="rId4"/>
+                          <a:stretch>
+                            <a:fillRect l="-100345" t="-175221" r="-690" b="-492920"/>
+                          </a:stretch>
+                        </a:blipFill>
+                      </a:tcPr>
+                    </a:tc>
+                    <a:extLst>
+                      <a:ext uri="{0D108BD9-81ED-4DB2-BD59-A6C34878D82A}">
+                        <a16:rowId xmlns:a16="http://schemas.microsoft.com/office/drawing/2014/main" val="2777918421"/>
+                      </a:ext>
+                    </a:extLst>
+                  </a:tr>
+                  <a:tr h="658876">
+                    <a:tc>
+                      <a:txBody>
+                        <a:bodyPr/>
+                        <a:lstStyle/>
+                        <a:p>
+                          <a:pPr algn="ctr"/>
+                          <a:r>
+                            <a:rPr lang="en-US" dirty="0"/>
+                            <a:t>CGS (scientific)</a:t>
+                          </a:r>
+                        </a:p>
+                      </a:txBody>
+                      <a:tcPr anchor="ctr"/>
+                    </a:tc>
+                    <a:tc>
+                      <a:txBody>
+                        <a:bodyPr/>
+                        <a:lstStyle/>
+                        <a:p>
+                          <a:endParaRPr lang="en-US"/>
+                        </a:p>
+                      </a:txBody>
+                      <a:tcPr anchor="ctr">
+                        <a:blipFill>
+                          <a:blip r:embed="rId4"/>
+                          <a:stretch>
+                            <a:fillRect l="-100345" t="-287963" r="-690" b="-415741"/>
+                          </a:stretch>
+                        </a:blipFill>
+                      </a:tcPr>
+                    </a:tc>
+                    <a:extLst>
+                      <a:ext uri="{0D108BD9-81ED-4DB2-BD59-A6C34878D82A}">
+                        <a16:rowId xmlns:a16="http://schemas.microsoft.com/office/drawing/2014/main" val="2503886444"/>
+                      </a:ext>
+                    </a:extLst>
+                  </a:tr>
+                  <a:tr h="687832">
+                    <a:tc>
+                      <a:txBody>
+                        <a:bodyPr/>
+                        <a:lstStyle/>
+                        <a:p>
+                          <a:pPr algn="ctr"/>
+                          <a:r>
+                            <a:rPr lang="en-US" dirty="0"/>
+                            <a:t>CGS (engineering)</a:t>
+                          </a:r>
+                        </a:p>
+                      </a:txBody>
+                      <a:tcPr anchor="ctr"/>
+                    </a:tc>
+                    <a:tc>
+                      <a:txBody>
+                        <a:bodyPr/>
+                        <a:lstStyle/>
+                        <a:p>
+                          <a:endParaRPr lang="en-US"/>
+                        </a:p>
+                      </a:txBody>
+                      <a:tcPr anchor="ctr">
+                        <a:blipFill>
+                          <a:blip r:embed="rId4"/>
+                          <a:stretch>
+                            <a:fillRect l="-100345" t="-370796" r="-690" b="-297345"/>
+                          </a:stretch>
+                        </a:blipFill>
+                      </a:tcPr>
+                    </a:tc>
+                    <a:extLst>
+                      <a:ext uri="{0D108BD9-81ED-4DB2-BD59-A6C34878D82A}">
+                        <a16:rowId xmlns:a16="http://schemas.microsoft.com/office/drawing/2014/main" val="35472073"/>
+                      </a:ext>
+                    </a:extLst>
+                  </a:tr>
+                  <a:tr h="687832">
+                    <a:tc>
+                      <a:txBody>
+                        <a:bodyPr/>
+                        <a:lstStyle/>
+                        <a:p>
+                          <a:pPr algn="ctr"/>
+                          <a:r>
+                            <a:rPr lang="en-US" dirty="0"/>
+                            <a:t>English Engineering</a:t>
+                          </a:r>
+                        </a:p>
+                      </a:txBody>
+                      <a:tcPr anchor="ctr"/>
+                    </a:tc>
+                    <a:tc>
+                      <a:txBody>
+                        <a:bodyPr/>
+                        <a:lstStyle/>
+                        <a:p>
+                          <a:endParaRPr lang="en-US"/>
+                        </a:p>
+                      </a:txBody>
+                      <a:tcPr anchor="ctr">
+                        <a:blipFill>
+                          <a:blip r:embed="rId4"/>
+                          <a:stretch>
+                            <a:fillRect l="-100345" t="-470796" r="-690" b="-197345"/>
+                          </a:stretch>
+                        </a:blipFill>
+                      </a:tcPr>
+                    </a:tc>
+                    <a:extLst>
+                      <a:ext uri="{0D108BD9-81ED-4DB2-BD59-A6C34878D82A}">
+                        <a16:rowId xmlns:a16="http://schemas.microsoft.com/office/drawing/2014/main" val="3837089820"/>
+                      </a:ext>
+                    </a:extLst>
+                  </a:tr>
+                  <a:tr h="658241">
+                    <a:tc>
+                      <a:txBody>
+                        <a:bodyPr/>
+                        <a:lstStyle/>
+                        <a:p>
+                          <a:pPr algn="ctr"/>
+                          <a:r>
+                            <a:rPr lang="en-US" dirty="0"/>
+                            <a:t>English Absolute</a:t>
+                          </a:r>
+                        </a:p>
+                      </a:txBody>
+                      <a:tcPr anchor="ctr"/>
+                    </a:tc>
+                    <a:tc>
+                      <a:txBody>
+                        <a:bodyPr/>
+                        <a:lstStyle/>
+                        <a:p>
+                          <a:endParaRPr lang="en-US"/>
+                        </a:p>
+                      </a:txBody>
+                      <a:tcPr anchor="ctr">
+                        <a:blipFill>
+                          <a:blip r:embed="rId4"/>
+                          <a:stretch>
+                            <a:fillRect l="-100345" t="-597222" r="-690" b="-106481"/>
+                          </a:stretch>
+                        </a:blipFill>
+                      </a:tcPr>
+                    </a:tc>
+                    <a:extLst>
+                      <a:ext uri="{0D108BD9-81ED-4DB2-BD59-A6C34878D82A}">
+                        <a16:rowId xmlns:a16="http://schemas.microsoft.com/office/drawing/2014/main" val="1347769508"/>
+                      </a:ext>
+                    </a:extLst>
+                  </a:tr>
+                  <a:tr h="687832">
+                    <a:tc>
+                      <a:txBody>
+                        <a:bodyPr/>
+                        <a:lstStyle/>
+                        <a:p>
+                          <a:pPr algn="ctr"/>
+                          <a:r>
+                            <a:rPr lang="en-US" dirty="0"/>
+                            <a:t>British Gravitational</a:t>
+                          </a:r>
+                        </a:p>
+                      </a:txBody>
+                      <a:tcPr anchor="ctr"/>
+                    </a:tc>
+                    <a:tc>
+                      <a:txBody>
+                        <a:bodyPr/>
+                        <a:lstStyle/>
+                        <a:p>
+                          <a:endParaRPr lang="en-US"/>
+                        </a:p>
+                      </a:txBody>
+                      <a:tcPr anchor="ctr">
+                        <a:blipFill>
+                          <a:blip r:embed="rId4"/>
+                          <a:stretch>
+                            <a:fillRect l="-100345" t="-666372" r="-690" b="-1770"/>
+                          </a:stretch>
+                        </a:blipFill>
+                      </a:tcPr>
+                    </a:tc>
+                    <a:extLst>
+                      <a:ext uri="{0D108BD9-81ED-4DB2-BD59-A6C34878D82A}">
+                        <a16:rowId xmlns:a16="http://schemas.microsoft.com/office/drawing/2014/main" val="3264482273"/>
+                      </a:ext>
+                    </a:extLst>
+                  </a:tr>
+                </a:tbl>
+              </a:graphicData>
+            </a:graphic>
+          </p:graphicFrame>
+        </mc:Fallback>
+      </mc:AlternateContent>
+    </p:spTree>
+    <p:extLst>
+      <p:ext uri="{BB962C8B-B14F-4D97-AF65-F5344CB8AC3E}">
+        <p14:creationId xmlns:p14="http://schemas.microsoft.com/office/powerpoint/2010/main" val="1081457980"/>
+      </p:ext>
+    </p:extLst>
+  </p:cSld>
+  <p:clrMapOvr>
+    <a:masterClrMapping/>
+  </p:clrMapOvr>
+</p:sld>
+</file>
+
 <file path=ppt/theme/theme1.xml><?xml version="1.0" encoding="utf-8"?>
 <a:theme xmlns:a="http://schemas.openxmlformats.org/drawingml/2006/main" name="Office Theme">
   <a:themeElements>
-    <a:clrScheme name="Office">
+    <a:clrScheme name="Office Theme">
       <a:dk1>
         <a:sysClr val="windowText" lastClr="000000"/>
       </a:dk1>
@@ -3457,7 +7893,7 @@
         <a:srgbClr val="96607D"/>
       </a:folHlink>
     </a:clrScheme>
-    <a:fontScheme name="Office">
+    <a:fontScheme name="Office Theme">
       <a:majorFont>
         <a:latin typeface="Aptos Display" panose="02110004020202020204"/>
         <a:ea typeface=""/>
@@ -3563,7 +7999,7 @@
         <a:font script="Tfng" typeface="Ebrima"/>
       </a:minorFont>
     </a:fontScheme>
-    <a:fmtScheme name="Office">
+    <a:fmtScheme name="Office Theme">
       <a:fillStyleLst>
         <a:solidFill>
           <a:schemeClr val="phClr"/>

--- a/FluidOperations.pptx
+++ b/FluidOperations.pptx
@@ -10,6 +10,10 @@
     <p:sldId id="258" r:id="rId4"/>
     <p:sldId id="259" r:id="rId5"/>
     <p:sldId id="260" r:id="rId6"/>
+    <p:sldId id="261" r:id="rId7"/>
+    <p:sldId id="262" r:id="rId8"/>
+    <p:sldId id="263" r:id="rId9"/>
+    <p:sldId id="264" r:id="rId10"/>
   </p:sldIdLst>
   <p:sldSz cx="8686800" cy="12192000"/>
   <p:notesSz cx="6858000" cy="9144000"/>
@@ -117,11 +121,19 @@
             <p14:sldId id="257"/>
           </p14:sldIdLst>
         </p14:section>
-        <p14:section name="Review and Introduction" id="{A29AC772-BF5C-4039-B59C-FF9AA59B2063}">
+        <p14:section name="Introduction to Fluid Mechanics" id="{A29AC772-BF5C-4039-B59C-FF9AA59B2063}">
           <p14:sldIdLst>
             <p14:sldId id="258"/>
             <p14:sldId id="259"/>
             <p14:sldId id="260"/>
+          </p14:sldIdLst>
+        </p14:section>
+        <p14:section name="Fluid and Transport Properties" id="{DFC137AB-7986-49C8-BD91-BB804AFF8981}">
+          <p14:sldIdLst>
+            <p14:sldId id="261"/>
+            <p14:sldId id="262"/>
+            <p14:sldId id="263"/>
+            <p14:sldId id="264"/>
           </p14:sldIdLst>
         </p14:section>
       </p14:sectionLst>
@@ -293,7 +305,7 @@
           <a:p>
             <a:fld id="{8C2BDFC8-6F8C-4A1A-A5EA-5DE0BFD390AC}" type="datetimeFigureOut">
               <a:rPr lang="en-US" smtClean="0"/>
-              <a:t>8/21/2024</a:t>
+              <a:t>8/25/2024</a:t>
             </a:fld>
             <a:endParaRPr lang="en-US"/>
           </a:p>
@@ -463,7 +475,7 @@
           <a:p>
             <a:fld id="{8C2BDFC8-6F8C-4A1A-A5EA-5DE0BFD390AC}" type="datetimeFigureOut">
               <a:rPr lang="en-US" smtClean="0"/>
-              <a:t>8/21/2024</a:t>
+              <a:t>8/25/2024</a:t>
             </a:fld>
             <a:endParaRPr lang="en-US"/>
           </a:p>
@@ -643,7 +655,7 @@
           <a:p>
             <a:fld id="{8C2BDFC8-6F8C-4A1A-A5EA-5DE0BFD390AC}" type="datetimeFigureOut">
               <a:rPr lang="en-US" smtClean="0"/>
-              <a:t>8/21/2024</a:t>
+              <a:t>8/25/2024</a:t>
             </a:fld>
             <a:endParaRPr lang="en-US"/>
           </a:p>
@@ -813,7 +825,7 @@
           <a:p>
             <a:fld id="{8C2BDFC8-6F8C-4A1A-A5EA-5DE0BFD390AC}" type="datetimeFigureOut">
               <a:rPr lang="en-US" smtClean="0"/>
-              <a:t>8/21/2024</a:t>
+              <a:t>8/25/2024</a:t>
             </a:fld>
             <a:endParaRPr lang="en-US"/>
           </a:p>
@@ -1059,7 +1071,7 @@
           <a:p>
             <a:fld id="{8C2BDFC8-6F8C-4A1A-A5EA-5DE0BFD390AC}" type="datetimeFigureOut">
               <a:rPr lang="en-US" smtClean="0"/>
-              <a:t>8/21/2024</a:t>
+              <a:t>8/25/2024</a:t>
             </a:fld>
             <a:endParaRPr lang="en-US"/>
           </a:p>
@@ -1291,7 +1303,7 @@
           <a:p>
             <a:fld id="{8C2BDFC8-6F8C-4A1A-A5EA-5DE0BFD390AC}" type="datetimeFigureOut">
               <a:rPr lang="en-US" smtClean="0"/>
-              <a:t>8/21/2024</a:t>
+              <a:t>8/25/2024</a:t>
             </a:fld>
             <a:endParaRPr lang="en-US"/>
           </a:p>
@@ -1658,7 +1670,7 @@
           <a:p>
             <a:fld id="{8C2BDFC8-6F8C-4A1A-A5EA-5DE0BFD390AC}" type="datetimeFigureOut">
               <a:rPr lang="en-US" smtClean="0"/>
-              <a:t>8/21/2024</a:t>
+              <a:t>8/25/2024</a:t>
             </a:fld>
             <a:endParaRPr lang="en-US"/>
           </a:p>
@@ -1776,7 +1788,7 @@
           <a:p>
             <a:fld id="{8C2BDFC8-6F8C-4A1A-A5EA-5DE0BFD390AC}" type="datetimeFigureOut">
               <a:rPr lang="en-US" smtClean="0"/>
-              <a:t>8/21/2024</a:t>
+              <a:t>8/25/2024</a:t>
             </a:fld>
             <a:endParaRPr lang="en-US"/>
           </a:p>
@@ -1871,7 +1883,7 @@
           <a:p>
             <a:fld id="{8C2BDFC8-6F8C-4A1A-A5EA-5DE0BFD390AC}" type="datetimeFigureOut">
               <a:rPr lang="en-US" smtClean="0"/>
-              <a:t>8/21/2024</a:t>
+              <a:t>8/25/2024</a:t>
             </a:fld>
             <a:endParaRPr lang="en-US"/>
           </a:p>
@@ -2148,7 +2160,7 @@
           <a:p>
             <a:fld id="{8C2BDFC8-6F8C-4A1A-A5EA-5DE0BFD390AC}" type="datetimeFigureOut">
               <a:rPr lang="en-US" smtClean="0"/>
-              <a:t>8/21/2024</a:t>
+              <a:t>8/25/2024</a:t>
             </a:fld>
             <a:endParaRPr lang="en-US"/>
           </a:p>
@@ -2405,7 +2417,7 @@
           <a:p>
             <a:fld id="{8C2BDFC8-6F8C-4A1A-A5EA-5DE0BFD390AC}" type="datetimeFigureOut">
               <a:rPr lang="en-US" smtClean="0"/>
-              <a:t>8/21/2024</a:t>
+              <a:t>8/25/2024</a:t>
             </a:fld>
             <a:endParaRPr lang="en-US"/>
           </a:p>
@@ -2618,7 +2630,7 @@
           <a:p>
             <a:fld id="{8C2BDFC8-6F8C-4A1A-A5EA-5DE0BFD390AC}" type="datetimeFigureOut">
               <a:rPr lang="en-US" smtClean="0"/>
-              <a:t>8/21/2024</a:t>
+              <a:t>8/25/2024</a:t>
             </a:fld>
             <a:endParaRPr lang="en-US"/>
           </a:p>
@@ -3745,8 +3757,8 @@
           </a:p>
         </p:txBody>
       </p:sp>
-      <mc:AlternateContent xmlns:mc="http://schemas.openxmlformats.org/markup-compatibility/2006">
-        <mc:Choice xmlns:a14="http://schemas.microsoft.com/office/drawing/2010/main" Requires="a14">
+      <mc:AlternateContent xmlns:mc="http://schemas.openxmlformats.org/markup-compatibility/2006" xmlns:a14="http://schemas.microsoft.com/office/drawing/2010/main">
+        <mc:Choice Requires="a14">
           <p:sp>
             <p:nvSpPr>
               <p:cNvPr id="3" name="TextBox 2">
@@ -3860,7 +3872,7 @@
             </p:txBody>
           </p:sp>
         </mc:Choice>
-        <mc:Fallback>
+        <mc:Fallback xmlns="">
           <p:sp>
             <p:nvSpPr>
               <p:cNvPr id="3" name="TextBox 2">
@@ -3905,8 +3917,8 @@
           </p:sp>
         </mc:Fallback>
       </mc:AlternateContent>
-      <mc:AlternateContent xmlns:mc="http://schemas.openxmlformats.org/markup-compatibility/2006">
-        <mc:Choice xmlns:a14="http://schemas.microsoft.com/office/drawing/2010/main" Requires="a14">
+      <mc:AlternateContent xmlns:mc="http://schemas.openxmlformats.org/markup-compatibility/2006" xmlns:a14="http://schemas.microsoft.com/office/drawing/2010/main">
+        <mc:Choice Requires="a14">
           <p:sp>
             <p:nvSpPr>
               <p:cNvPr id="4" name="TextBox 3">
@@ -4008,7 +4020,7 @@
             </p:txBody>
           </p:sp>
         </mc:Choice>
-        <mc:Fallback>
+        <mc:Fallback xmlns="">
           <p:sp>
             <p:nvSpPr>
               <p:cNvPr id="4" name="TextBox 3">
@@ -4089,8 +4101,8 @@
           </a:p>
         </p:txBody>
       </p:sp>
-      <mc:AlternateContent xmlns:mc="http://schemas.openxmlformats.org/markup-compatibility/2006">
-        <mc:Choice xmlns:a14="http://schemas.microsoft.com/office/drawing/2010/main" Requires="a14">
+      <mc:AlternateContent xmlns:mc="http://schemas.openxmlformats.org/markup-compatibility/2006" xmlns:a14="http://schemas.microsoft.com/office/drawing/2010/main">
+        <mc:Choice Requires="a14">
           <p:sp>
             <p:nvSpPr>
               <p:cNvPr id="6" name="TextBox 5">
@@ -4156,7 +4168,7 @@
             </p:txBody>
           </p:sp>
         </mc:Choice>
-        <mc:Fallback>
+        <mc:Fallback xmlns="">
           <p:sp>
             <p:nvSpPr>
               <p:cNvPr id="6" name="TextBox 5">
@@ -4201,8 +4213,8 @@
           </p:sp>
         </mc:Fallback>
       </mc:AlternateContent>
-      <mc:AlternateContent xmlns:mc="http://schemas.openxmlformats.org/markup-compatibility/2006">
-        <mc:Choice xmlns:a14="http://schemas.microsoft.com/office/drawing/2010/main" Requires="a14">
+      <mc:AlternateContent xmlns:mc="http://schemas.openxmlformats.org/markup-compatibility/2006" xmlns:a14="http://schemas.microsoft.com/office/drawing/2010/main">
+        <mc:Choice Requires="a14">
           <p:sp>
             <p:nvSpPr>
               <p:cNvPr id="7" name="TextBox 6">
@@ -5403,7 +5415,7 @@
             </p:txBody>
           </p:sp>
         </mc:Choice>
-        <mc:Fallback>
+        <mc:Fallback xmlns="">
           <p:sp>
             <p:nvSpPr>
               <p:cNvPr id="7" name="TextBox 6">
@@ -5478,8 +5490,8 @@
           </a:prstGeom>
         </p:spPr>
       </p:pic>
-      <mc:AlternateContent xmlns:mc="http://schemas.openxmlformats.org/markup-compatibility/2006">
-        <mc:Choice xmlns:a14="http://schemas.microsoft.com/office/drawing/2010/main" Requires="a14">
+      <mc:AlternateContent xmlns:mc="http://schemas.openxmlformats.org/markup-compatibility/2006" xmlns:a14="http://schemas.microsoft.com/office/drawing/2010/main">
+        <mc:Choice Requires="a14">
           <p:sp>
             <p:nvSpPr>
               <p:cNvPr id="10" name="TextBox 9">
@@ -5508,6 +5520,7 @@
               </a:bodyPr>
               <a:lstStyle/>
               <a:p>
+                <a:pPr/>
                 <a14:m>
                   <m:oMathPara xmlns:m="http://schemas.openxmlformats.org/officeDocument/2006/math">
                     <m:oMathParaPr>
@@ -5671,7 +5684,7 @@
             </p:txBody>
           </p:sp>
         </mc:Choice>
-        <mc:Fallback>
+        <mc:Fallback xmlns="">
           <p:sp>
             <p:nvSpPr>
               <p:cNvPr id="10" name="TextBox 9">
@@ -6056,8 +6069,8 @@
           </a:prstGeom>
         </p:spPr>
       </p:pic>
-      <mc:AlternateContent xmlns:mc="http://schemas.openxmlformats.org/markup-compatibility/2006">
-        <mc:Choice xmlns:a14="http://schemas.microsoft.com/office/drawing/2010/main" Requires="a14">
+      <mc:AlternateContent xmlns:mc="http://schemas.openxmlformats.org/markup-compatibility/2006" xmlns:a14="http://schemas.microsoft.com/office/drawing/2010/main">
+        <mc:Choice Requires="a14">
           <p:sp>
             <p:nvSpPr>
               <p:cNvPr id="4" name="TextBox 3">
@@ -6197,7 +6210,7 @@
             </p:txBody>
           </p:sp>
         </mc:Choice>
-        <mc:Fallback>
+        <mc:Fallback xmlns="">
           <p:sp>
             <p:nvSpPr>
               <p:cNvPr id="4" name="TextBox 3">
@@ -6242,8 +6255,8 @@
           </p:sp>
         </mc:Fallback>
       </mc:AlternateContent>
-      <mc:AlternateContent xmlns:mc="http://schemas.openxmlformats.org/markup-compatibility/2006">
-        <mc:Choice xmlns:a14="http://schemas.microsoft.com/office/drawing/2010/main" Requires="a14">
+      <mc:AlternateContent xmlns:mc="http://schemas.openxmlformats.org/markup-compatibility/2006" xmlns:a14="http://schemas.microsoft.com/office/drawing/2010/main">
+        <mc:Choice Requires="a14">
           <p:graphicFrame>
             <p:nvGraphicFramePr>
               <p:cNvPr id="5" name="Table 4">
@@ -6729,14 +6742,7 @@
                                         <a:latin typeface="Cambria Math" panose="02040503050406030204" pitchFamily="18" charset="0"/>
                                         <a:ea typeface="Cambria Math" panose="02040503050406030204" pitchFamily="18" charset="0"/>
                                       </a:rPr>
-                                      <m:t>𝑐</m:t>
-                                    </m:r>
-                                    <m:r>
-                                      <a:rPr lang="en-US" b="0" i="1" smtClean="0">
-                                        <a:latin typeface="Cambria Math" panose="02040503050406030204" pitchFamily="18" charset="0"/>
-                                        <a:ea typeface="Cambria Math" panose="02040503050406030204" pitchFamily="18" charset="0"/>
-                                      </a:rPr>
-                                      <m:t>𝑚</m:t>
+                                      <m:t>𝑐𝑚</m:t>
                                     </m:r>
                                     <m:r>
                                       <a:rPr lang="en-US" b="0" i="1" smtClean="0">
@@ -6893,14 +6899,7 @@
                                         <a:latin typeface="Cambria Math" panose="02040503050406030204" pitchFamily="18" charset="0"/>
                                         <a:ea typeface="Cambria Math" panose="02040503050406030204" pitchFamily="18" charset="0"/>
                                       </a:rPr>
-                                      <m:t>𝑐</m:t>
-                                    </m:r>
-                                    <m:r>
-                                      <a:rPr lang="en-US" b="0" i="1" smtClean="0">
-                                        <a:latin typeface="Cambria Math" panose="02040503050406030204" pitchFamily="18" charset="0"/>
-                                        <a:ea typeface="Cambria Math" panose="02040503050406030204" pitchFamily="18" charset="0"/>
-                                      </a:rPr>
-                                      <m:t>𝑚</m:t>
+                                      <m:t>𝑐𝑚</m:t>
                                     </m:r>
                                     <m:r>
                                       <a:rPr lang="en-US" b="0" i="1" smtClean="0">
@@ -7482,7 +7481,7 @@
             </a:graphic>
           </p:graphicFrame>
         </mc:Choice>
-        <mc:Fallback>
+        <mc:Fallback xmlns="">
           <p:graphicFrame>
             <p:nvGraphicFramePr>
               <p:cNvPr id="5" name="Table 4">
@@ -7852,6 +7851,4130 @@
 </p:sld>
 </file>
 
+<file path=ppt/slides/slide6.xml><?xml version="1.0" encoding="utf-8"?>
+<p:sld xmlns:a="http://schemas.openxmlformats.org/drawingml/2006/main" xmlns:r="http://schemas.openxmlformats.org/officeDocument/2006/relationships" xmlns:p="http://schemas.openxmlformats.org/presentationml/2006/main">
+  <p:cSld>
+    <p:spTree>
+      <p:nvGrpSpPr>
+        <p:cNvPr id="1" name=""/>
+        <p:cNvGrpSpPr/>
+        <p:nvPr/>
+      </p:nvGrpSpPr>
+      <p:grpSpPr>
+        <a:xfrm>
+          <a:off x="0" y="0"/>
+          <a:ext cx="0" cy="0"/>
+          <a:chOff x="0" y="0"/>
+          <a:chExt cx="0" cy="0"/>
+        </a:xfrm>
+      </p:grpSpPr>
+      <p:sp>
+        <p:nvSpPr>
+          <p:cNvPr id="2" name="TextBox 1">
+            <a:extLst>
+              <a:ext uri="{FF2B5EF4-FFF2-40B4-BE49-F238E27FC236}">
+                <a16:creationId xmlns:a16="http://schemas.microsoft.com/office/drawing/2014/main" id="{7B2D3886-1221-9A0C-F5D0-BBF9E1D41ED9}"/>
+              </a:ext>
+            </a:extLst>
+          </p:cNvPr>
+          <p:cNvSpPr txBox="1"/>
+          <p:nvPr/>
+        </p:nvSpPr>
+        <p:spPr>
+          <a:xfrm>
+            <a:off x="0" y="0"/>
+            <a:ext cx="3559051" cy="461665"/>
+          </a:xfrm>
+          <a:prstGeom prst="rect">
+            <a:avLst/>
+          </a:prstGeom>
+          <a:noFill/>
+        </p:spPr>
+        <p:txBody>
+          <a:bodyPr wrap="none" rtlCol="0">
+            <a:spAutoFit/>
+          </a:bodyPr>
+          <a:lstStyle/>
+          <a:p>
+            <a:r>
+              <a:rPr lang="en-US" sz="2400" dirty="0"/>
+              <a:t>Basic Laws of Fluid Flows</a:t>
+            </a:r>
+          </a:p>
+        </p:txBody>
+      </p:sp>
+      <p:sp>
+        <p:nvSpPr>
+          <p:cNvPr id="3" name="TextBox 2">
+            <a:extLst>
+              <a:ext uri="{FF2B5EF4-FFF2-40B4-BE49-F238E27FC236}">
+                <a16:creationId xmlns:a16="http://schemas.microsoft.com/office/drawing/2014/main" id="{6D3081F6-67C8-8600-EACE-8E37DC6E58A8}"/>
+              </a:ext>
+            </a:extLst>
+          </p:cNvPr>
+          <p:cNvSpPr txBox="1"/>
+          <p:nvPr/>
+        </p:nvSpPr>
+        <p:spPr>
+          <a:xfrm>
+            <a:off x="0" y="461665"/>
+            <a:ext cx="4574073" cy="923330"/>
+          </a:xfrm>
+          <a:prstGeom prst="rect">
+            <a:avLst/>
+          </a:prstGeom>
+          <a:noFill/>
+        </p:spPr>
+        <p:txBody>
+          <a:bodyPr wrap="none" rtlCol="0">
+            <a:spAutoFit/>
+          </a:bodyPr>
+          <a:lstStyle/>
+          <a:p>
+            <a:pPr marL="285750" indent="-285750">
+              <a:buFont typeface="Arial" panose="020B0604020202020204" pitchFamily="34" charset="0"/>
+              <a:buChar char="•"/>
+            </a:pPr>
+            <a:r>
+              <a:rPr lang="en-US" dirty="0"/>
+              <a:t>Conservation of Mass</a:t>
+            </a:r>
+          </a:p>
+          <a:p>
+            <a:pPr marL="285750" indent="-285750">
+              <a:buFont typeface="Arial" panose="020B0604020202020204" pitchFamily="34" charset="0"/>
+              <a:buChar char="•"/>
+            </a:pPr>
+            <a:r>
+              <a:rPr lang="en-US" dirty="0"/>
+              <a:t>Conservation of Energy –  1</a:t>
+            </a:r>
+            <a:r>
+              <a:rPr lang="en-US" baseline="30000" dirty="0"/>
+              <a:t>st</a:t>
+            </a:r>
+            <a:r>
+              <a:rPr lang="en-US" dirty="0"/>
+              <a:t> Thermo</a:t>
+            </a:r>
+          </a:p>
+          <a:p>
+            <a:pPr marL="285750" indent="-285750">
+              <a:buFont typeface="Arial" panose="020B0604020202020204" pitchFamily="34" charset="0"/>
+              <a:buChar char="•"/>
+            </a:pPr>
+            <a:r>
+              <a:rPr lang="en-US" dirty="0"/>
+              <a:t>Conservation of Momentum – 2</a:t>
+            </a:r>
+            <a:r>
+              <a:rPr lang="en-US" baseline="30000" dirty="0"/>
+              <a:t>nd</a:t>
+            </a:r>
+            <a:r>
+              <a:rPr lang="en-US" dirty="0"/>
+              <a:t> Newton</a:t>
+            </a:r>
+          </a:p>
+        </p:txBody>
+      </p:sp>
+      <p:sp>
+        <p:nvSpPr>
+          <p:cNvPr id="4" name="TextBox 3">
+            <a:extLst>
+              <a:ext uri="{FF2B5EF4-FFF2-40B4-BE49-F238E27FC236}">
+                <a16:creationId xmlns:a16="http://schemas.microsoft.com/office/drawing/2014/main" id="{29CC88E5-1A15-8AE2-C303-1873E24588AD}"/>
+              </a:ext>
+            </a:extLst>
+          </p:cNvPr>
+          <p:cNvSpPr txBox="1"/>
+          <p:nvPr/>
+        </p:nvSpPr>
+        <p:spPr>
+          <a:xfrm>
+            <a:off x="0" y="1384995"/>
+            <a:ext cx="2272545" cy="461665"/>
+          </a:xfrm>
+          <a:prstGeom prst="rect">
+            <a:avLst/>
+          </a:prstGeom>
+          <a:noFill/>
+        </p:spPr>
+        <p:txBody>
+          <a:bodyPr wrap="none" rtlCol="0">
+            <a:spAutoFit/>
+          </a:bodyPr>
+          <a:lstStyle/>
+          <a:p>
+            <a:r>
+              <a:rPr lang="en-US" sz="2400" dirty="0"/>
+              <a:t>Fluid Properties</a:t>
+            </a:r>
+          </a:p>
+        </p:txBody>
+      </p:sp>
+      <mc:AlternateContent xmlns:mc="http://schemas.openxmlformats.org/markup-compatibility/2006">
+        <mc:Choice xmlns:a14="http://schemas.microsoft.com/office/drawing/2010/main" Requires="a14">
+          <p:sp>
+            <p:nvSpPr>
+              <p:cNvPr id="5" name="TextBox 4">
+                <a:extLst>
+                  <a:ext uri="{FF2B5EF4-FFF2-40B4-BE49-F238E27FC236}">
+                    <a16:creationId xmlns:a16="http://schemas.microsoft.com/office/drawing/2014/main" id="{8B50C777-EAE8-EFCD-B97F-1F4CF00EFE51}"/>
+                  </a:ext>
+                </a:extLst>
+              </p:cNvPr>
+              <p:cNvSpPr txBox="1"/>
+              <p:nvPr/>
+            </p:nvSpPr>
+            <p:spPr>
+              <a:xfrm>
+                <a:off x="0" y="1846659"/>
+                <a:ext cx="8686800" cy="5200270"/>
+              </a:xfrm>
+              <a:prstGeom prst="rect">
+                <a:avLst/>
+              </a:prstGeom>
+              <a:noFill/>
+            </p:spPr>
+            <p:txBody>
+              <a:bodyPr wrap="square" rtlCol="0">
+                <a:spAutoFit/>
+              </a:bodyPr>
+              <a:lstStyle/>
+              <a:p>
+                <a:pPr marL="285750" indent="-285750">
+                  <a:buFont typeface="Arial" panose="020B0604020202020204" pitchFamily="34" charset="0"/>
+                  <a:buChar char="•"/>
+                </a:pPr>
+                <a:r>
+                  <a:rPr lang="en-US" dirty="0"/>
+                  <a:t>Density/</a:t>
+                </a:r>
+                <a14:m>
+                  <m:oMath xmlns:m="http://schemas.openxmlformats.org/officeDocument/2006/math">
+                    <m:r>
+                      <a:rPr lang="en-US" i="1" smtClean="0">
+                        <a:latin typeface="Cambria Math" panose="02040503050406030204" pitchFamily="18" charset="0"/>
+                        <a:ea typeface="Cambria Math" panose="02040503050406030204" pitchFamily="18" charset="0"/>
+                      </a:rPr>
+                      <m:t>𝜌</m:t>
+                    </m:r>
+                  </m:oMath>
+                </a14:m>
+                <a:r>
+                  <a:rPr lang="en-US" dirty="0"/>
+                  <a:t> (Mass/Volume)</a:t>
+                </a:r>
+              </a:p>
+              <a:p>
+                <a:pPr marL="742950" lvl="1" indent="-285750">
+                  <a:buFont typeface="Arial" panose="020B0604020202020204" pitchFamily="34" charset="0"/>
+                  <a:buChar char="•"/>
+                </a:pPr>
+                <a:r>
+                  <a:rPr lang="en-US" dirty="0"/>
+                  <a:t>We usually assume this is constant for liquids (incompressible)</a:t>
+                </a:r>
+              </a:p>
+              <a:p>
+                <a:pPr marL="742950" lvl="1" indent="-285750">
+                  <a:buFont typeface="Arial" panose="020B0604020202020204" pitchFamily="34" charset="0"/>
+                  <a:buChar char="•"/>
+                </a:pPr>
+                <a:r>
+                  <a:rPr lang="en-US" dirty="0"/>
+                  <a:t>EX densities: Water - 1000 </a:t>
+                </a:r>
+                <a14:m>
+                  <m:oMath xmlns:m="http://schemas.openxmlformats.org/officeDocument/2006/math">
+                    <m:f>
+                      <m:fPr>
+                        <m:ctrlPr>
+                          <a:rPr lang="en-US" i="1" smtClean="0">
+                            <a:latin typeface="Cambria Math" panose="02040503050406030204" pitchFamily="18" charset="0"/>
+                          </a:rPr>
+                        </m:ctrlPr>
+                      </m:fPr>
+                      <m:num>
+                        <m:r>
+                          <a:rPr lang="en-US" b="0" i="1" smtClean="0">
+                            <a:latin typeface="Cambria Math" panose="02040503050406030204" pitchFamily="18" charset="0"/>
+                          </a:rPr>
+                          <m:t>𝑘𝑔</m:t>
+                        </m:r>
+                      </m:num>
+                      <m:den>
+                        <m:sSup>
+                          <m:sSupPr>
+                            <m:ctrlPr>
+                              <a:rPr lang="en-US" i="1" smtClean="0">
+                                <a:latin typeface="Cambria Math" panose="02040503050406030204" pitchFamily="18" charset="0"/>
+                              </a:rPr>
+                            </m:ctrlPr>
+                          </m:sSupPr>
+                          <m:e>
+                            <m:r>
+                              <a:rPr lang="en-US" b="0" i="1" smtClean="0">
+                                <a:latin typeface="Cambria Math" panose="02040503050406030204" pitchFamily="18" charset="0"/>
+                              </a:rPr>
+                              <m:t>𝑚</m:t>
+                            </m:r>
+                          </m:e>
+                          <m:sup>
+                            <m:r>
+                              <a:rPr lang="en-US" b="0" i="1" smtClean="0">
+                                <a:latin typeface="Cambria Math" panose="02040503050406030204" pitchFamily="18" charset="0"/>
+                              </a:rPr>
+                              <m:t>3</m:t>
+                            </m:r>
+                          </m:sup>
+                        </m:sSup>
+                      </m:den>
+                    </m:f>
+                  </m:oMath>
+                </a14:m>
+                <a:r>
+                  <a:rPr lang="en-US" dirty="0"/>
+                  <a:t>  Mercury 13,588 </a:t>
+                </a:r>
+                <a14:m>
+                  <m:oMath xmlns:m="http://schemas.openxmlformats.org/officeDocument/2006/math">
+                    <m:f>
+                      <m:fPr>
+                        <m:ctrlPr>
+                          <a:rPr lang="en-US" i="1">
+                            <a:latin typeface="Cambria Math" panose="02040503050406030204" pitchFamily="18" charset="0"/>
+                          </a:rPr>
+                        </m:ctrlPr>
+                      </m:fPr>
+                      <m:num>
+                        <m:r>
+                          <a:rPr lang="en-US" i="1">
+                            <a:latin typeface="Cambria Math" panose="02040503050406030204" pitchFamily="18" charset="0"/>
+                          </a:rPr>
+                          <m:t>𝑘𝑔</m:t>
+                        </m:r>
+                      </m:num>
+                      <m:den>
+                        <m:sSup>
+                          <m:sSupPr>
+                            <m:ctrlPr>
+                              <a:rPr lang="en-US" i="1">
+                                <a:latin typeface="Cambria Math" panose="02040503050406030204" pitchFamily="18" charset="0"/>
+                              </a:rPr>
+                            </m:ctrlPr>
+                          </m:sSupPr>
+                          <m:e>
+                            <m:r>
+                              <a:rPr lang="en-US" i="1">
+                                <a:latin typeface="Cambria Math" panose="02040503050406030204" pitchFamily="18" charset="0"/>
+                              </a:rPr>
+                              <m:t>𝑚</m:t>
+                            </m:r>
+                          </m:e>
+                          <m:sup>
+                            <m:r>
+                              <a:rPr lang="en-US" i="1">
+                                <a:latin typeface="Cambria Math" panose="02040503050406030204" pitchFamily="18" charset="0"/>
+                              </a:rPr>
+                              <m:t>3</m:t>
+                            </m:r>
+                          </m:sup>
+                        </m:sSup>
+                      </m:den>
+                    </m:f>
+                  </m:oMath>
+                </a14:m>
+                <a:r>
+                  <a:rPr lang="en-US" dirty="0"/>
+                  <a:t>  Hydrogen 0.083 </a:t>
+                </a:r>
+                <a14:m>
+                  <m:oMath xmlns:m="http://schemas.openxmlformats.org/officeDocument/2006/math">
+                    <m:f>
+                      <m:fPr>
+                        <m:ctrlPr>
+                          <a:rPr lang="en-US" i="1">
+                            <a:latin typeface="Cambria Math" panose="02040503050406030204" pitchFamily="18" charset="0"/>
+                          </a:rPr>
+                        </m:ctrlPr>
+                      </m:fPr>
+                      <m:num>
+                        <m:r>
+                          <a:rPr lang="en-US" i="1">
+                            <a:latin typeface="Cambria Math" panose="02040503050406030204" pitchFamily="18" charset="0"/>
+                          </a:rPr>
+                          <m:t>𝑘𝑔</m:t>
+                        </m:r>
+                      </m:num>
+                      <m:den>
+                        <m:sSup>
+                          <m:sSupPr>
+                            <m:ctrlPr>
+                              <a:rPr lang="en-US" i="1">
+                                <a:latin typeface="Cambria Math" panose="02040503050406030204" pitchFamily="18" charset="0"/>
+                              </a:rPr>
+                            </m:ctrlPr>
+                          </m:sSupPr>
+                          <m:e>
+                            <m:r>
+                              <a:rPr lang="en-US" i="1">
+                                <a:latin typeface="Cambria Math" panose="02040503050406030204" pitchFamily="18" charset="0"/>
+                              </a:rPr>
+                              <m:t>𝑚</m:t>
+                            </m:r>
+                          </m:e>
+                          <m:sup>
+                            <m:r>
+                              <a:rPr lang="en-US" i="1">
+                                <a:latin typeface="Cambria Math" panose="02040503050406030204" pitchFamily="18" charset="0"/>
+                              </a:rPr>
+                              <m:t>3</m:t>
+                            </m:r>
+                          </m:sup>
+                        </m:sSup>
+                      </m:den>
+                    </m:f>
+                  </m:oMath>
+                </a14:m>
+                <a:endParaRPr lang="en-US" dirty="0"/>
+              </a:p>
+              <a:p>
+                <a:pPr marL="285750" indent="-285750">
+                  <a:buFont typeface="Arial" panose="020B0604020202020204" pitchFamily="34" charset="0"/>
+                  <a:buChar char="•"/>
+                </a:pPr>
+                <a:r>
+                  <a:rPr lang="en-US" dirty="0"/>
+                  <a:t>Pressure/P (Force/Area)</a:t>
+                </a:r>
+              </a:p>
+              <a:p>
+                <a:pPr marL="742950" lvl="1" indent="-285750">
+                  <a:buFont typeface="Arial" panose="020B0604020202020204" pitchFamily="34" charset="0"/>
+                  <a:buChar char="•"/>
+                </a:pPr>
+                <a:r>
+                  <a:rPr lang="en-US" dirty="0"/>
+                  <a:t>Type of stress</a:t>
+                </a:r>
+              </a:p>
+              <a:p>
+                <a:pPr marL="742950" lvl="1" indent="-285750">
+                  <a:buFont typeface="Arial" panose="020B0604020202020204" pitchFamily="34" charset="0"/>
+                  <a:buChar char="•"/>
+                </a:pPr>
+                <a:r>
+                  <a:rPr lang="en-US" dirty="0"/>
+                  <a:t>Atmospheric Pressure (</a:t>
+                </a:r>
+                <a14:m>
+                  <m:oMath xmlns:m="http://schemas.openxmlformats.org/officeDocument/2006/math">
+                    <m:sSub>
+                      <m:sSubPr>
+                        <m:ctrlPr>
+                          <a:rPr lang="en-US" i="1" smtClean="0">
+                            <a:latin typeface="Cambria Math" panose="02040503050406030204" pitchFamily="18" charset="0"/>
+                          </a:rPr>
+                        </m:ctrlPr>
+                      </m:sSubPr>
+                      <m:e>
+                        <m:r>
+                          <a:rPr lang="en-US" b="0" i="1" smtClean="0">
+                            <a:latin typeface="Cambria Math" panose="02040503050406030204" pitchFamily="18" charset="0"/>
+                          </a:rPr>
+                          <m:t>𝑃</m:t>
+                        </m:r>
+                      </m:e>
+                      <m:sub>
+                        <m:r>
+                          <a:rPr lang="en-US" b="0" i="1" smtClean="0">
+                            <a:latin typeface="Cambria Math" panose="02040503050406030204" pitchFamily="18" charset="0"/>
+                          </a:rPr>
+                          <m:t>𝑎𝑡𝑚</m:t>
+                        </m:r>
+                      </m:sub>
+                    </m:sSub>
+                  </m:oMath>
+                </a14:m>
+                <a:r>
+                  <a:rPr lang="en-US" dirty="0"/>
+                  <a:t>)</a:t>
+                </a:r>
+              </a:p>
+              <a:p>
+                <a:pPr marL="1200150" lvl="2" indent="-285750">
+                  <a:buFont typeface="Arial" panose="020B0604020202020204" pitchFamily="34" charset="0"/>
+                  <a:buChar char="•"/>
+                </a:pPr>
+                <a14:m>
+                  <m:oMath xmlns:m="http://schemas.openxmlformats.org/officeDocument/2006/math">
+                    <m:r>
+                      <a:rPr lang="en-US" b="0" i="1" smtClean="0">
+                        <a:latin typeface="Cambria Math" panose="02040503050406030204" pitchFamily="18" charset="0"/>
+                      </a:rPr>
+                      <m:t>1 </m:t>
+                    </m:r>
+                    <m:r>
+                      <a:rPr lang="en-US" b="0" i="1" smtClean="0">
+                        <a:latin typeface="Cambria Math" panose="02040503050406030204" pitchFamily="18" charset="0"/>
+                      </a:rPr>
+                      <m:t>𝑎𝑡𝑚</m:t>
+                    </m:r>
+                    <m:r>
+                      <a:rPr lang="en-US" b="0" i="1" smtClean="0">
+                        <a:latin typeface="Cambria Math" panose="02040503050406030204" pitchFamily="18" charset="0"/>
+                      </a:rPr>
+                      <m:t>=14.7 </m:t>
+                    </m:r>
+                    <m:r>
+                      <a:rPr lang="en-US" b="0" i="1" smtClean="0">
+                        <a:latin typeface="Cambria Math" panose="02040503050406030204" pitchFamily="18" charset="0"/>
+                      </a:rPr>
+                      <m:t>𝑝𝑠𝑖</m:t>
+                    </m:r>
+                    <m:r>
+                      <a:rPr lang="en-US" b="0" i="1" smtClean="0">
+                        <a:latin typeface="Cambria Math" panose="02040503050406030204" pitchFamily="18" charset="0"/>
+                      </a:rPr>
+                      <m:t>=101325 </m:t>
+                    </m:r>
+                    <m:r>
+                      <a:rPr lang="en-US" b="0" i="1" smtClean="0">
+                        <a:latin typeface="Cambria Math" panose="02040503050406030204" pitchFamily="18" charset="0"/>
+                      </a:rPr>
+                      <m:t>𝑃𝑎</m:t>
+                    </m:r>
+                    <m:r>
+                      <a:rPr lang="en-US" b="0" i="1" smtClean="0">
+                        <a:latin typeface="Cambria Math" panose="02040503050406030204" pitchFamily="18" charset="0"/>
+                      </a:rPr>
+                      <m:t>=1.01325 </m:t>
+                    </m:r>
+                    <m:r>
+                      <a:rPr lang="en-US" b="0" i="1" smtClean="0">
+                        <a:latin typeface="Cambria Math" panose="02040503050406030204" pitchFamily="18" charset="0"/>
+                      </a:rPr>
+                      <m:t>𝑏𝑎𝑟</m:t>
+                    </m:r>
+                  </m:oMath>
+                </a14:m>
+                <a:endParaRPr lang="en-US" dirty="0"/>
+              </a:p>
+              <a:p>
+                <a:pPr marL="742950" lvl="1" indent="-285750">
+                  <a:buFont typeface="Arial" panose="020B0604020202020204" pitchFamily="34" charset="0"/>
+                  <a:buChar char="•"/>
+                </a:pPr>
+                <a:r>
+                  <a:rPr lang="en-US" dirty="0"/>
+                  <a:t>Guage Pressure (</a:t>
+                </a:r>
+                <a14:m>
+                  <m:oMath xmlns:m="http://schemas.openxmlformats.org/officeDocument/2006/math">
+                    <m:sSub>
+                      <m:sSubPr>
+                        <m:ctrlPr>
+                          <a:rPr lang="en-US" i="1" smtClean="0">
+                            <a:latin typeface="Cambria Math" panose="02040503050406030204" pitchFamily="18" charset="0"/>
+                          </a:rPr>
+                        </m:ctrlPr>
+                      </m:sSubPr>
+                      <m:e>
+                        <m:r>
+                          <a:rPr lang="en-US" b="0" i="1" smtClean="0">
+                            <a:latin typeface="Cambria Math" panose="02040503050406030204" pitchFamily="18" charset="0"/>
+                          </a:rPr>
+                          <m:t>𝑃</m:t>
+                        </m:r>
+                      </m:e>
+                      <m:sub>
+                        <m:r>
+                          <a:rPr lang="en-US" b="0" i="1" smtClean="0">
+                            <a:latin typeface="Cambria Math" panose="02040503050406030204" pitchFamily="18" charset="0"/>
+                          </a:rPr>
+                          <m:t>𝐺</m:t>
+                        </m:r>
+                      </m:sub>
+                    </m:sSub>
+                  </m:oMath>
+                </a14:m>
+                <a:r>
+                  <a:rPr lang="en-US" dirty="0"/>
+                  <a:t>)</a:t>
+                </a:r>
+              </a:p>
+              <a:p>
+                <a:pPr marL="1200150" lvl="2" indent="-285750">
+                  <a:buFont typeface="Arial" panose="020B0604020202020204" pitchFamily="34" charset="0"/>
+                  <a:buChar char="•"/>
+                </a:pPr>
+                <a:r>
+                  <a:rPr lang="en-US" dirty="0"/>
+                  <a:t>Pressure above atmospheric</a:t>
+                </a:r>
+              </a:p>
+              <a:p>
+                <a:pPr marL="1200150" lvl="2" indent="-285750">
+                  <a:buFont typeface="Arial" panose="020B0604020202020204" pitchFamily="34" charset="0"/>
+                  <a:buChar char="•"/>
+                </a:pPr>
+                <a:r>
+                  <a:rPr lang="en-US" dirty="0"/>
+                  <a:t>Negative gauge pressures are referred to as a vacuum</a:t>
+                </a:r>
+              </a:p>
+              <a:p>
+                <a:pPr marL="742950" lvl="1" indent="-285750">
+                  <a:buFont typeface="Arial" panose="020B0604020202020204" pitchFamily="34" charset="0"/>
+                  <a:buChar char="•"/>
+                </a:pPr>
+                <a:r>
+                  <a:rPr lang="en-US" dirty="0"/>
+                  <a:t>Absolute Pressure (</a:t>
+                </a:r>
+                <a14:m>
+                  <m:oMath xmlns:m="http://schemas.openxmlformats.org/officeDocument/2006/math">
+                    <m:sSub>
+                      <m:sSubPr>
+                        <m:ctrlPr>
+                          <a:rPr lang="en-US" i="1" smtClean="0">
+                            <a:latin typeface="Cambria Math" panose="02040503050406030204" pitchFamily="18" charset="0"/>
+                          </a:rPr>
+                        </m:ctrlPr>
+                      </m:sSubPr>
+                      <m:e>
+                        <m:r>
+                          <a:rPr lang="en-US" b="0" i="1" smtClean="0">
+                            <a:latin typeface="Cambria Math" panose="02040503050406030204" pitchFamily="18" charset="0"/>
+                          </a:rPr>
+                          <m:t>𝑃</m:t>
+                        </m:r>
+                      </m:e>
+                      <m:sub>
+                        <m:r>
+                          <a:rPr lang="en-US" b="0" i="1" smtClean="0">
+                            <a:latin typeface="Cambria Math" panose="02040503050406030204" pitchFamily="18" charset="0"/>
+                          </a:rPr>
+                          <m:t>𝑎𝑏𝑠</m:t>
+                        </m:r>
+                      </m:sub>
+                    </m:sSub>
+                  </m:oMath>
+                </a14:m>
+                <a:r>
+                  <a:rPr lang="en-US" dirty="0"/>
+                  <a:t>)</a:t>
+                </a:r>
+              </a:p>
+              <a:p>
+                <a:pPr marL="1200150" lvl="2" indent="-285750">
+                  <a:buFont typeface="Arial" panose="020B0604020202020204" pitchFamily="34" charset="0"/>
+                  <a:buChar char="•"/>
+                </a:pPr>
+                <a14:m>
+                  <m:oMath xmlns:m="http://schemas.openxmlformats.org/officeDocument/2006/math">
+                    <m:sSub>
+                      <m:sSubPr>
+                        <m:ctrlPr>
+                          <a:rPr lang="en-US" i="1" smtClean="0">
+                            <a:latin typeface="Cambria Math" panose="02040503050406030204" pitchFamily="18" charset="0"/>
+                          </a:rPr>
+                        </m:ctrlPr>
+                      </m:sSubPr>
+                      <m:e>
+                        <m:r>
+                          <a:rPr lang="en-US" b="0" i="1" smtClean="0">
+                            <a:latin typeface="Cambria Math" panose="02040503050406030204" pitchFamily="18" charset="0"/>
+                          </a:rPr>
+                          <m:t>𝑃</m:t>
+                        </m:r>
+                      </m:e>
+                      <m:sub>
+                        <m:r>
+                          <a:rPr lang="en-US" b="0" i="1" smtClean="0">
+                            <a:latin typeface="Cambria Math" panose="02040503050406030204" pitchFamily="18" charset="0"/>
+                          </a:rPr>
+                          <m:t>𝑎𝑏𝑠</m:t>
+                        </m:r>
+                      </m:sub>
+                    </m:sSub>
+                    <m:r>
+                      <a:rPr lang="en-US" b="0" i="1" smtClean="0">
+                        <a:latin typeface="Cambria Math" panose="02040503050406030204" pitchFamily="18" charset="0"/>
+                      </a:rPr>
+                      <m:t>=</m:t>
+                    </m:r>
+                    <m:sSub>
+                      <m:sSubPr>
+                        <m:ctrlPr>
+                          <a:rPr lang="en-US" b="0" i="1" smtClean="0">
+                            <a:latin typeface="Cambria Math" panose="02040503050406030204" pitchFamily="18" charset="0"/>
+                          </a:rPr>
+                        </m:ctrlPr>
+                      </m:sSubPr>
+                      <m:e>
+                        <m:r>
+                          <a:rPr lang="en-US" b="0" i="1" smtClean="0">
+                            <a:latin typeface="Cambria Math" panose="02040503050406030204" pitchFamily="18" charset="0"/>
+                          </a:rPr>
+                          <m:t>𝑃</m:t>
+                        </m:r>
+                      </m:e>
+                      <m:sub>
+                        <m:r>
+                          <a:rPr lang="en-US" b="0" i="1" smtClean="0">
+                            <a:latin typeface="Cambria Math" panose="02040503050406030204" pitchFamily="18" charset="0"/>
+                          </a:rPr>
+                          <m:t>𝑎𝑡𝑚</m:t>
+                        </m:r>
+                      </m:sub>
+                    </m:sSub>
+                    <m:r>
+                      <a:rPr lang="en-US" b="0" i="1" smtClean="0">
+                        <a:latin typeface="Cambria Math" panose="02040503050406030204" pitchFamily="18" charset="0"/>
+                      </a:rPr>
+                      <m:t>+</m:t>
+                    </m:r>
+                    <m:sSub>
+                      <m:sSubPr>
+                        <m:ctrlPr>
+                          <a:rPr lang="en-US" b="0" i="1" smtClean="0">
+                            <a:latin typeface="Cambria Math" panose="02040503050406030204" pitchFamily="18" charset="0"/>
+                          </a:rPr>
+                        </m:ctrlPr>
+                      </m:sSubPr>
+                      <m:e>
+                        <m:r>
+                          <a:rPr lang="en-US" b="0" i="1" smtClean="0">
+                            <a:latin typeface="Cambria Math" panose="02040503050406030204" pitchFamily="18" charset="0"/>
+                          </a:rPr>
+                          <m:t>𝑃</m:t>
+                        </m:r>
+                      </m:e>
+                      <m:sub>
+                        <m:r>
+                          <a:rPr lang="en-US" b="0" i="1" smtClean="0">
+                            <a:latin typeface="Cambria Math" panose="02040503050406030204" pitchFamily="18" charset="0"/>
+                          </a:rPr>
+                          <m:t>𝐺</m:t>
+                        </m:r>
+                      </m:sub>
+                    </m:sSub>
+                  </m:oMath>
+                </a14:m>
+                <a:endParaRPr lang="en-US" dirty="0"/>
+              </a:p>
+              <a:p>
+                <a:pPr marL="285750" indent="-285750">
+                  <a:buFont typeface="Arial" panose="020B0604020202020204" pitchFamily="34" charset="0"/>
+                  <a:buChar char="•"/>
+                </a:pPr>
+                <a:r>
+                  <a:rPr lang="en-US" dirty="0"/>
+                  <a:t>Temperature</a:t>
+                </a:r>
+              </a:p>
+              <a:p>
+                <a:pPr marL="742950" lvl="1" indent="-285750">
+                  <a:buFont typeface="Arial" panose="020B0604020202020204" pitchFamily="34" charset="0"/>
+                  <a:buChar char="•"/>
+                </a:pPr>
+                <a:r>
+                  <a:rPr lang="en-US" dirty="0"/>
+                  <a:t>Relates to internal energy</a:t>
+                </a:r>
+              </a:p>
+              <a:p>
+                <a:pPr marL="285750" indent="-285750">
+                  <a:buFont typeface="Arial" panose="020B0604020202020204" pitchFamily="34" charset="0"/>
+                  <a:buChar char="•"/>
+                </a:pPr>
+                <a:r>
+                  <a:rPr lang="en-US" dirty="0"/>
+                  <a:t>These Properties can be related to each other through equations of state</a:t>
+                </a:r>
+              </a:p>
+              <a:p>
+                <a:pPr marL="742950" lvl="1" indent="-285750">
+                  <a:buFont typeface="Arial" panose="020B0604020202020204" pitchFamily="34" charset="0"/>
+                  <a:buChar char="•"/>
+                </a:pPr>
+                <a:r>
+                  <a:rPr lang="en-US" b="0" dirty="0"/>
+                  <a:t>EX: Ideal gas law </a:t>
+                </a:r>
+                <a14:m>
+                  <m:oMath xmlns:m="http://schemas.openxmlformats.org/officeDocument/2006/math">
+                    <m:r>
+                      <a:rPr lang="en-US" b="0" i="1" smtClean="0">
+                        <a:latin typeface="Cambria Math" panose="02040503050406030204" pitchFamily="18" charset="0"/>
+                      </a:rPr>
+                      <m:t>𝑃</m:t>
+                    </m:r>
+                    <m:r>
+                      <a:rPr lang="en-US" b="0" i="1" smtClean="0">
+                        <a:latin typeface="Cambria Math" panose="02040503050406030204" pitchFamily="18" charset="0"/>
+                      </a:rPr>
+                      <m:t>= </m:t>
+                    </m:r>
+                    <m:r>
+                      <a:rPr lang="en-US" b="0" i="1" smtClean="0">
+                        <a:latin typeface="Cambria Math" panose="02040503050406030204" pitchFamily="18" charset="0"/>
+                        <a:ea typeface="Cambria Math" panose="02040503050406030204" pitchFamily="18" charset="0"/>
+                      </a:rPr>
+                      <m:t>𝜌</m:t>
+                    </m:r>
+                    <m:r>
+                      <a:rPr lang="en-US" b="0" i="1" smtClean="0">
+                        <a:latin typeface="Cambria Math" panose="02040503050406030204" pitchFamily="18" charset="0"/>
+                        <a:ea typeface="Cambria Math" panose="02040503050406030204" pitchFamily="18" charset="0"/>
+                      </a:rPr>
+                      <m:t>𝑅𝑇</m:t>
+                    </m:r>
+                    <m:r>
+                      <a:rPr lang="en-US" b="0" i="1" smtClean="0">
+                        <a:latin typeface="Cambria Math" panose="02040503050406030204" pitchFamily="18" charset="0"/>
+                        <a:ea typeface="Cambria Math" panose="02040503050406030204" pitchFamily="18" charset="0"/>
+                      </a:rPr>
+                      <m:t>/</m:t>
+                    </m:r>
+                    <m:r>
+                      <a:rPr lang="en-US" b="0" i="1" smtClean="0">
+                        <a:latin typeface="Cambria Math" panose="02040503050406030204" pitchFamily="18" charset="0"/>
+                        <a:ea typeface="Cambria Math" panose="02040503050406030204" pitchFamily="18" charset="0"/>
+                      </a:rPr>
+                      <m:t>𝑀</m:t>
+                    </m:r>
+                  </m:oMath>
+                </a14:m>
+                <a:endParaRPr lang="en-US" dirty="0"/>
+              </a:p>
+              <a:p>
+                <a:pPr marL="1200150" lvl="2" indent="-285750">
+                  <a:buFont typeface="Arial" panose="020B0604020202020204" pitchFamily="34" charset="0"/>
+                  <a:buChar char="•"/>
+                </a:pPr>
+                <a14:m>
+                  <m:oMath xmlns:m="http://schemas.openxmlformats.org/officeDocument/2006/math">
+                    <m:r>
+                      <a:rPr lang="en-US" b="0" i="1" smtClean="0">
+                        <a:latin typeface="Cambria Math" panose="02040503050406030204" pitchFamily="18" charset="0"/>
+                      </a:rPr>
+                      <m:t>𝑀</m:t>
+                    </m:r>
+                  </m:oMath>
+                </a14:m>
+                <a:r>
+                  <a:rPr lang="en-US" dirty="0"/>
+                  <a:t> is molar mass</a:t>
+                </a:r>
+              </a:p>
+              <a:p>
+                <a:pPr marL="742950" lvl="1" indent="-285750">
+                  <a:buFont typeface="Arial" panose="020B0604020202020204" pitchFamily="34" charset="0"/>
+                  <a:buChar char="•"/>
+                </a:pPr>
+                <a:endParaRPr lang="en-US" dirty="0"/>
+              </a:p>
+            </p:txBody>
+          </p:sp>
+        </mc:Choice>
+        <mc:Fallback>
+          <p:sp>
+            <p:nvSpPr>
+              <p:cNvPr id="5" name="TextBox 4">
+                <a:extLst>
+                  <a:ext uri="{FF2B5EF4-FFF2-40B4-BE49-F238E27FC236}">
+                    <a16:creationId xmlns:a16="http://schemas.microsoft.com/office/drawing/2014/main" id="{8B50C777-EAE8-EFCD-B97F-1F4CF00EFE51}"/>
+                  </a:ext>
+                </a:extLst>
+              </p:cNvPr>
+              <p:cNvSpPr txBox="1">
+                <a:spLocks noRot="1" noChangeAspect="1" noMove="1" noResize="1" noEditPoints="1" noAdjustHandles="1" noChangeArrowheads="1" noChangeShapeType="1" noTextEdit="1"/>
+              </p:cNvSpPr>
+              <p:nvPr/>
+            </p:nvSpPr>
+            <p:spPr>
+              <a:xfrm>
+                <a:off x="0" y="1846659"/>
+                <a:ext cx="8686800" cy="5200270"/>
+              </a:xfrm>
+              <a:prstGeom prst="rect">
+                <a:avLst/>
+              </a:prstGeom>
+              <a:blipFill>
+                <a:blip r:embed="rId2"/>
+                <a:stretch>
+                  <a:fillRect l="-421" t="-586"/>
+                </a:stretch>
+              </a:blipFill>
+            </p:spPr>
+            <p:txBody>
+              <a:bodyPr/>
+              <a:lstStyle/>
+              <a:p>
+                <a:r>
+                  <a:rPr lang="en-US">
+                    <a:noFill/>
+                  </a:rPr>
+                  <a:t> </a:t>
+                </a:r>
+              </a:p>
+            </p:txBody>
+          </p:sp>
+        </mc:Fallback>
+      </mc:AlternateContent>
+      <p:pic>
+        <p:nvPicPr>
+          <p:cNvPr id="7" name="Picture 6">
+            <a:extLst>
+              <a:ext uri="{FF2B5EF4-FFF2-40B4-BE49-F238E27FC236}">
+                <a16:creationId xmlns:a16="http://schemas.microsoft.com/office/drawing/2014/main" id="{440B7914-F680-FB7B-1D5B-6482FF4DC3D7}"/>
+              </a:ext>
+            </a:extLst>
+          </p:cNvPr>
+          <p:cNvPicPr>
+            <a:picLocks noChangeAspect="1"/>
+          </p:cNvPicPr>
+          <p:nvPr/>
+        </p:nvPicPr>
+        <p:blipFill>
+          <a:blip r:embed="rId3"/>
+          <a:stretch>
+            <a:fillRect/>
+          </a:stretch>
+        </p:blipFill>
+        <p:spPr>
+          <a:xfrm>
+            <a:off x="6074099" y="3588320"/>
+            <a:ext cx="1829055" cy="885949"/>
+          </a:xfrm>
+          <a:prstGeom prst="rect">
+            <a:avLst/>
+          </a:prstGeom>
+        </p:spPr>
+      </p:pic>
+      <p:sp>
+        <p:nvSpPr>
+          <p:cNvPr id="8" name="TextBox 7">
+            <a:extLst>
+              <a:ext uri="{FF2B5EF4-FFF2-40B4-BE49-F238E27FC236}">
+                <a16:creationId xmlns:a16="http://schemas.microsoft.com/office/drawing/2014/main" id="{6E4A5A05-BE68-BF92-F514-7A47D48560E8}"/>
+              </a:ext>
+            </a:extLst>
+          </p:cNvPr>
+          <p:cNvSpPr txBox="1"/>
+          <p:nvPr/>
+        </p:nvSpPr>
+        <p:spPr>
+          <a:xfrm>
+            <a:off x="0" y="6599043"/>
+            <a:ext cx="3353226" cy="461665"/>
+          </a:xfrm>
+          <a:prstGeom prst="rect">
+            <a:avLst/>
+          </a:prstGeom>
+          <a:noFill/>
+        </p:spPr>
+        <p:txBody>
+          <a:bodyPr wrap="none" rtlCol="0">
+            <a:spAutoFit/>
+          </a:bodyPr>
+          <a:lstStyle/>
+          <a:p>
+            <a:r>
+              <a:rPr lang="en-US" sz="2400" dirty="0"/>
+              <a:t>Continuum Assumption</a:t>
+            </a:r>
+          </a:p>
+        </p:txBody>
+      </p:sp>
+      <p:sp>
+        <p:nvSpPr>
+          <p:cNvPr id="9" name="TextBox 8">
+            <a:extLst>
+              <a:ext uri="{FF2B5EF4-FFF2-40B4-BE49-F238E27FC236}">
+                <a16:creationId xmlns:a16="http://schemas.microsoft.com/office/drawing/2014/main" id="{7E59018B-C993-8490-5C11-57EBBE5DB543}"/>
+              </a:ext>
+            </a:extLst>
+          </p:cNvPr>
+          <p:cNvSpPr txBox="1"/>
+          <p:nvPr/>
+        </p:nvSpPr>
+        <p:spPr>
+          <a:xfrm>
+            <a:off x="1" y="7046929"/>
+            <a:ext cx="8686800" cy="1200329"/>
+          </a:xfrm>
+          <a:prstGeom prst="rect">
+            <a:avLst/>
+          </a:prstGeom>
+          <a:noFill/>
+        </p:spPr>
+        <p:txBody>
+          <a:bodyPr wrap="square" rtlCol="0">
+            <a:spAutoFit/>
+          </a:bodyPr>
+          <a:lstStyle/>
+          <a:p>
+            <a:pPr marL="285750" indent="-285750">
+              <a:buFont typeface="Arial" panose="020B0604020202020204" pitchFamily="34" charset="0"/>
+              <a:buChar char="•"/>
+            </a:pPr>
+            <a:r>
+              <a:rPr lang="en-US" dirty="0"/>
+              <a:t>Fluid molecules aren’t confined to a lattice, and move around, so how do we deal with a volume in which the number of particles is constantly changing?</a:t>
+            </a:r>
+          </a:p>
+          <a:p>
+            <a:pPr marL="742950" lvl="1" indent="-285750">
+              <a:buFont typeface="Arial" panose="020B0604020202020204" pitchFamily="34" charset="0"/>
+              <a:buChar char="•"/>
+            </a:pPr>
+            <a:r>
+              <a:rPr lang="en-US" dirty="0"/>
+              <a:t>Only at extremely small sizes this makes a difference, so we can assume that values vary continuously through space (Continuum)</a:t>
+            </a:r>
+          </a:p>
+        </p:txBody>
+      </p:sp>
+      <p:pic>
+        <p:nvPicPr>
+          <p:cNvPr id="13" name="Picture 12">
+            <a:extLst>
+              <a:ext uri="{FF2B5EF4-FFF2-40B4-BE49-F238E27FC236}">
+                <a16:creationId xmlns:a16="http://schemas.microsoft.com/office/drawing/2014/main" id="{A69AD5B8-AD60-DAC4-1039-94BC4B14C751}"/>
+              </a:ext>
+            </a:extLst>
+          </p:cNvPr>
+          <p:cNvPicPr>
+            <a:picLocks noChangeAspect="1"/>
+          </p:cNvPicPr>
+          <p:nvPr/>
+        </p:nvPicPr>
+        <p:blipFill>
+          <a:blip r:embed="rId4"/>
+          <a:stretch>
+            <a:fillRect/>
+          </a:stretch>
+        </p:blipFill>
+        <p:spPr>
+          <a:xfrm>
+            <a:off x="4524958" y="8679358"/>
+            <a:ext cx="3986314" cy="3050977"/>
+          </a:xfrm>
+          <a:prstGeom prst="rect">
+            <a:avLst/>
+          </a:prstGeom>
+        </p:spPr>
+      </p:pic>
+      <p:sp>
+        <p:nvSpPr>
+          <p:cNvPr id="15" name="Rectangle 14">
+            <a:extLst>
+              <a:ext uri="{FF2B5EF4-FFF2-40B4-BE49-F238E27FC236}">
+                <a16:creationId xmlns:a16="http://schemas.microsoft.com/office/drawing/2014/main" id="{5394FB8A-24F4-0735-E07E-86FB28DCEA07}"/>
+              </a:ext>
+            </a:extLst>
+          </p:cNvPr>
+          <p:cNvSpPr/>
+          <p:nvPr/>
+        </p:nvSpPr>
+        <p:spPr>
+          <a:xfrm>
+            <a:off x="7070270" y="8679358"/>
+            <a:ext cx="1616529" cy="1362713"/>
+          </a:xfrm>
+          <a:prstGeom prst="rect">
+            <a:avLst/>
+          </a:prstGeom>
+          <a:solidFill>
+            <a:schemeClr val="bg1"/>
+          </a:solidFill>
+          <a:ln>
+            <a:noFill/>
+          </a:ln>
+        </p:spPr>
+        <p:style>
+          <a:lnRef idx="2">
+            <a:schemeClr val="accent1">
+              <a:shade val="15000"/>
+            </a:schemeClr>
+          </a:lnRef>
+          <a:fillRef idx="1">
+            <a:schemeClr val="accent1"/>
+          </a:fillRef>
+          <a:effectRef idx="0">
+            <a:schemeClr val="accent1"/>
+          </a:effectRef>
+          <a:fontRef idx="minor">
+            <a:schemeClr val="lt1"/>
+          </a:fontRef>
+        </p:style>
+        <p:txBody>
+          <a:bodyPr rtlCol="0" anchor="ctr"/>
+          <a:lstStyle/>
+          <a:p>
+            <a:pPr algn="ctr"/>
+            <a:endParaRPr lang="en-US"/>
+          </a:p>
+        </p:txBody>
+      </p:sp>
+      <p:sp>
+        <p:nvSpPr>
+          <p:cNvPr id="16" name="TextBox 15">
+            <a:extLst>
+              <a:ext uri="{FF2B5EF4-FFF2-40B4-BE49-F238E27FC236}">
+                <a16:creationId xmlns:a16="http://schemas.microsoft.com/office/drawing/2014/main" id="{BB70C048-3EBA-0B41-8A9A-C8AE06CCA5FD}"/>
+              </a:ext>
+            </a:extLst>
+          </p:cNvPr>
+          <p:cNvSpPr txBox="1"/>
+          <p:nvPr/>
+        </p:nvSpPr>
+        <p:spPr>
+          <a:xfrm>
+            <a:off x="0" y="8217693"/>
+            <a:ext cx="3160802" cy="461665"/>
+          </a:xfrm>
+          <a:prstGeom prst="rect">
+            <a:avLst/>
+          </a:prstGeom>
+          <a:noFill/>
+        </p:spPr>
+        <p:txBody>
+          <a:bodyPr wrap="none" rtlCol="0">
+            <a:spAutoFit/>
+          </a:bodyPr>
+          <a:lstStyle/>
+          <a:p>
+            <a:r>
+              <a:rPr lang="en-US" sz="2400" dirty="0"/>
+              <a:t>Material Classification</a:t>
+            </a:r>
+          </a:p>
+        </p:txBody>
+      </p:sp>
+      <p:sp>
+        <p:nvSpPr>
+          <p:cNvPr id="17" name="TextBox 16">
+            <a:extLst>
+              <a:ext uri="{FF2B5EF4-FFF2-40B4-BE49-F238E27FC236}">
+                <a16:creationId xmlns:a16="http://schemas.microsoft.com/office/drawing/2014/main" id="{1EA3AAD8-141B-A436-9F2D-267EA39F7818}"/>
+              </a:ext>
+            </a:extLst>
+          </p:cNvPr>
+          <p:cNvSpPr txBox="1"/>
+          <p:nvPr/>
+        </p:nvSpPr>
+        <p:spPr>
+          <a:xfrm>
+            <a:off x="0" y="8679358"/>
+            <a:ext cx="4524958" cy="2031325"/>
+          </a:xfrm>
+          <a:prstGeom prst="rect">
+            <a:avLst/>
+          </a:prstGeom>
+          <a:noFill/>
+        </p:spPr>
+        <p:txBody>
+          <a:bodyPr wrap="square" rtlCol="0">
+            <a:spAutoFit/>
+          </a:bodyPr>
+          <a:lstStyle/>
+          <a:p>
+            <a:pPr marL="285750" indent="-285750">
+              <a:buFont typeface="Arial" panose="020B0604020202020204" pitchFamily="34" charset="0"/>
+              <a:buChar char="•"/>
+            </a:pPr>
+            <a:r>
+              <a:rPr lang="en-US" dirty="0"/>
+              <a:t>Materials can be classified based on how they respond to a shear force</a:t>
+            </a:r>
+          </a:p>
+          <a:p>
+            <a:pPr marL="285750" indent="-285750">
+              <a:buFont typeface="Arial" panose="020B0604020202020204" pitchFamily="34" charset="0"/>
+              <a:buChar char="•"/>
+            </a:pPr>
+            <a:r>
+              <a:rPr lang="en-US" dirty="0"/>
+              <a:t>In this class, we will only be focusing on Newtonian and Non-Newtonian fluids</a:t>
+            </a:r>
+          </a:p>
+          <a:p>
+            <a:pPr marL="742950" lvl="1" indent="-285750">
+              <a:buFont typeface="Arial" panose="020B0604020202020204" pitchFamily="34" charset="0"/>
+              <a:buChar char="•"/>
+            </a:pPr>
+            <a:r>
+              <a:rPr lang="en-US" dirty="0"/>
+              <a:t>Newtonian fluids have a constant viscosity, while Non-Newtonian fluids have viscosities that change</a:t>
+            </a:r>
+          </a:p>
+        </p:txBody>
+      </p:sp>
+    </p:spTree>
+    <p:extLst>
+      <p:ext uri="{BB962C8B-B14F-4D97-AF65-F5344CB8AC3E}">
+        <p14:creationId xmlns:p14="http://schemas.microsoft.com/office/powerpoint/2010/main" val="1857971432"/>
+      </p:ext>
+    </p:extLst>
+  </p:cSld>
+  <p:clrMapOvr>
+    <a:masterClrMapping/>
+  </p:clrMapOvr>
+</p:sld>
+</file>
+
+<file path=ppt/slides/slide7.xml><?xml version="1.0" encoding="utf-8"?>
+<p:sld xmlns:a="http://schemas.openxmlformats.org/drawingml/2006/main" xmlns:r="http://schemas.openxmlformats.org/officeDocument/2006/relationships" xmlns:p="http://schemas.openxmlformats.org/presentationml/2006/main">
+  <p:cSld>
+    <p:spTree>
+      <p:nvGrpSpPr>
+        <p:cNvPr id="1" name=""/>
+        <p:cNvGrpSpPr/>
+        <p:nvPr/>
+      </p:nvGrpSpPr>
+      <p:grpSpPr>
+        <a:xfrm>
+          <a:off x="0" y="0"/>
+          <a:ext cx="0" cy="0"/>
+          <a:chOff x="0" y="0"/>
+          <a:chExt cx="0" cy="0"/>
+        </a:xfrm>
+      </p:grpSpPr>
+      <p:sp>
+        <p:nvSpPr>
+          <p:cNvPr id="2" name="TextBox 1">
+            <a:extLst>
+              <a:ext uri="{FF2B5EF4-FFF2-40B4-BE49-F238E27FC236}">
+                <a16:creationId xmlns:a16="http://schemas.microsoft.com/office/drawing/2014/main" id="{3F9AD2BD-F6B8-34F3-82AD-630FFD8D7B16}"/>
+              </a:ext>
+            </a:extLst>
+          </p:cNvPr>
+          <p:cNvSpPr txBox="1"/>
+          <p:nvPr/>
+        </p:nvSpPr>
+        <p:spPr>
+          <a:xfrm>
+            <a:off x="0" y="0"/>
+            <a:ext cx="2922814" cy="461665"/>
+          </a:xfrm>
+          <a:prstGeom prst="rect">
+            <a:avLst/>
+          </a:prstGeom>
+          <a:noFill/>
+        </p:spPr>
+        <p:txBody>
+          <a:bodyPr wrap="square" rtlCol="0">
+            <a:spAutoFit/>
+          </a:bodyPr>
+          <a:lstStyle/>
+          <a:p>
+            <a:r>
+              <a:rPr lang="en-US" sz="2400" dirty="0"/>
+              <a:t>Transport Properties</a:t>
+            </a:r>
+          </a:p>
+        </p:txBody>
+      </p:sp>
+      <p:sp>
+        <p:nvSpPr>
+          <p:cNvPr id="3" name="TextBox 2">
+            <a:extLst>
+              <a:ext uri="{FF2B5EF4-FFF2-40B4-BE49-F238E27FC236}">
+                <a16:creationId xmlns:a16="http://schemas.microsoft.com/office/drawing/2014/main" id="{2394178A-5F1D-A74D-4C81-3911209AEABA}"/>
+              </a:ext>
+            </a:extLst>
+          </p:cNvPr>
+          <p:cNvSpPr txBox="1"/>
+          <p:nvPr/>
+        </p:nvSpPr>
+        <p:spPr>
+          <a:xfrm>
+            <a:off x="0" y="461665"/>
+            <a:ext cx="3322576" cy="369332"/>
+          </a:xfrm>
+          <a:prstGeom prst="rect">
+            <a:avLst/>
+          </a:prstGeom>
+          <a:noFill/>
+        </p:spPr>
+        <p:txBody>
+          <a:bodyPr wrap="none" rtlCol="0">
+            <a:spAutoFit/>
+          </a:bodyPr>
+          <a:lstStyle/>
+          <a:p>
+            <a:pPr marL="285750" indent="-285750">
+              <a:buFont typeface="Arial" panose="020B0604020202020204" pitchFamily="34" charset="0"/>
+              <a:buChar char="•"/>
+            </a:pPr>
+            <a:r>
+              <a:rPr lang="en-US" dirty="0"/>
+              <a:t>Viscosity – resistance to flow</a:t>
+            </a:r>
+          </a:p>
+        </p:txBody>
+      </p:sp>
+      <p:sp>
+        <p:nvSpPr>
+          <p:cNvPr id="4" name="TextBox 3">
+            <a:extLst>
+              <a:ext uri="{FF2B5EF4-FFF2-40B4-BE49-F238E27FC236}">
+                <a16:creationId xmlns:a16="http://schemas.microsoft.com/office/drawing/2014/main" id="{19AC0E3D-AD0F-1EE2-F780-6CF5FBE6B970}"/>
+              </a:ext>
+            </a:extLst>
+          </p:cNvPr>
+          <p:cNvSpPr txBox="1"/>
+          <p:nvPr/>
+        </p:nvSpPr>
+        <p:spPr>
+          <a:xfrm>
+            <a:off x="0" y="830997"/>
+            <a:ext cx="1658852" cy="400110"/>
+          </a:xfrm>
+          <a:prstGeom prst="rect">
+            <a:avLst/>
+          </a:prstGeom>
+          <a:noFill/>
+        </p:spPr>
+        <p:txBody>
+          <a:bodyPr wrap="none" rtlCol="0">
+            <a:spAutoFit/>
+          </a:bodyPr>
+          <a:lstStyle/>
+          <a:p>
+            <a:r>
+              <a:rPr lang="en-US" sz="2000" dirty="0"/>
+              <a:t>Couette Flow</a:t>
+            </a:r>
+          </a:p>
+        </p:txBody>
+      </p:sp>
+      <p:pic>
+        <p:nvPicPr>
+          <p:cNvPr id="6" name="Picture 5">
+            <a:extLst>
+              <a:ext uri="{FF2B5EF4-FFF2-40B4-BE49-F238E27FC236}">
+                <a16:creationId xmlns:a16="http://schemas.microsoft.com/office/drawing/2014/main" id="{0C0C7498-5B94-309D-7545-D213142D1B37}"/>
+              </a:ext>
+            </a:extLst>
+          </p:cNvPr>
+          <p:cNvPicPr>
+            <a:picLocks noChangeAspect="1"/>
+          </p:cNvPicPr>
+          <p:nvPr/>
+        </p:nvPicPr>
+        <p:blipFill>
+          <a:blip r:embed="rId2"/>
+          <a:stretch>
+            <a:fillRect/>
+          </a:stretch>
+        </p:blipFill>
+        <p:spPr>
+          <a:xfrm>
+            <a:off x="4557471" y="646331"/>
+            <a:ext cx="3458058" cy="1533739"/>
+          </a:xfrm>
+          <a:prstGeom prst="rect">
+            <a:avLst/>
+          </a:prstGeom>
+        </p:spPr>
+      </p:pic>
+      <p:sp>
+        <p:nvSpPr>
+          <p:cNvPr id="7" name="TextBox 6">
+            <a:extLst>
+              <a:ext uri="{FF2B5EF4-FFF2-40B4-BE49-F238E27FC236}">
+                <a16:creationId xmlns:a16="http://schemas.microsoft.com/office/drawing/2014/main" id="{9F5764D4-144D-BF02-7170-2A633169F10F}"/>
+              </a:ext>
+            </a:extLst>
+          </p:cNvPr>
+          <p:cNvSpPr txBox="1"/>
+          <p:nvPr/>
+        </p:nvSpPr>
+        <p:spPr>
+          <a:xfrm>
+            <a:off x="0" y="1228533"/>
+            <a:ext cx="4557471" cy="923330"/>
+          </a:xfrm>
+          <a:prstGeom prst="rect">
+            <a:avLst/>
+          </a:prstGeom>
+          <a:noFill/>
+        </p:spPr>
+        <p:txBody>
+          <a:bodyPr wrap="square" rtlCol="0">
+            <a:spAutoFit/>
+          </a:bodyPr>
+          <a:lstStyle/>
+          <a:p>
+            <a:pPr marL="285750" indent="-285750">
+              <a:buFont typeface="Arial" panose="020B0604020202020204" pitchFamily="34" charset="0"/>
+              <a:buChar char="•"/>
+            </a:pPr>
+            <a:r>
+              <a:rPr lang="en-US" dirty="0"/>
+              <a:t>Liquid between and stationary and moving plate in which flow is being caused by the moving plate</a:t>
+            </a:r>
+          </a:p>
+        </p:txBody>
+      </p:sp>
+      <mc:AlternateContent xmlns:mc="http://schemas.openxmlformats.org/markup-compatibility/2006">
+        <mc:Choice xmlns:a14="http://schemas.microsoft.com/office/drawing/2010/main" Requires="a14">
+          <p:sp>
+            <p:nvSpPr>
+              <p:cNvPr id="8" name="TextBox 7">
+                <a:extLst>
+                  <a:ext uri="{FF2B5EF4-FFF2-40B4-BE49-F238E27FC236}">
+                    <a16:creationId xmlns:a16="http://schemas.microsoft.com/office/drawing/2014/main" id="{D0A2D02D-4843-E151-7B7C-DDF26CA58C5C}"/>
+                  </a:ext>
+                </a:extLst>
+              </p:cNvPr>
+              <p:cNvSpPr txBox="1"/>
+              <p:nvPr/>
+            </p:nvSpPr>
+            <p:spPr>
+              <a:xfrm>
+                <a:off x="0" y="2037560"/>
+                <a:ext cx="8686800" cy="10307052"/>
+              </a:xfrm>
+              <a:prstGeom prst="rect">
+                <a:avLst/>
+              </a:prstGeom>
+              <a:noFill/>
+            </p:spPr>
+            <p:txBody>
+              <a:bodyPr wrap="square" rtlCol="0">
+                <a:spAutoFit/>
+              </a:bodyPr>
+              <a:lstStyle/>
+              <a:p>
+                <a:pPr marL="285750" indent="-285750">
+                  <a:buFont typeface="Arial" panose="020B0604020202020204" pitchFamily="34" charset="0"/>
+                  <a:buChar char="•"/>
+                </a:pPr>
+                <a:r>
+                  <a:rPr lang="en-US" dirty="0"/>
+                  <a:t>Assumptions</a:t>
+                </a:r>
+              </a:p>
+              <a:p>
+                <a:pPr marL="742950" lvl="1" indent="-285750">
+                  <a:buFont typeface="Arial" panose="020B0604020202020204" pitchFamily="34" charset="0"/>
+                  <a:buChar char="•"/>
+                </a:pPr>
+                <a:r>
+                  <a:rPr lang="en-US" dirty="0"/>
+                  <a:t>No slip at the boundaries</a:t>
+                </a:r>
+              </a:p>
+              <a:p>
+                <a:pPr marL="742950" lvl="1" indent="-285750">
+                  <a:buFont typeface="Arial" panose="020B0604020202020204" pitchFamily="34" charset="0"/>
+                  <a:buChar char="•"/>
+                </a:pPr>
+                <a:r>
+                  <a:rPr lang="en-US" dirty="0"/>
+                  <a:t>The fluid is moving at the same speed as the moving plate at the boundary</a:t>
+                </a:r>
+              </a:p>
+              <a:p>
+                <a:pPr marL="285750" indent="-285750">
+                  <a:buFont typeface="Arial" panose="020B0604020202020204" pitchFamily="34" charset="0"/>
+                  <a:buChar char="•"/>
+                </a:pPr>
+                <a:r>
+                  <a:rPr lang="en-US" dirty="0"/>
+                  <a:t>Observations</a:t>
+                </a:r>
+              </a:p>
+              <a:p>
+                <a:pPr marL="742950" lvl="1" indent="-285750">
+                  <a:buFont typeface="Arial" panose="020B0604020202020204" pitchFamily="34" charset="0"/>
+                  <a:buChar char="•"/>
+                </a:pPr>
+                <a:r>
+                  <a:rPr lang="en-US" dirty="0"/>
+                  <a:t>Velocity (</a:t>
+                </a:r>
+                <a14:m>
+                  <m:oMath xmlns:m="http://schemas.openxmlformats.org/officeDocument/2006/math">
+                    <m:sSub>
+                      <m:sSubPr>
+                        <m:ctrlPr>
+                          <a:rPr lang="en-US" i="1" smtClean="0">
+                            <a:latin typeface="Cambria Math" panose="02040503050406030204" pitchFamily="18" charset="0"/>
+                          </a:rPr>
+                        </m:ctrlPr>
+                      </m:sSubPr>
+                      <m:e>
+                        <m:r>
+                          <a:rPr lang="en-US" i="1" smtClean="0">
+                            <a:latin typeface="Cambria Math" panose="02040503050406030204" pitchFamily="18" charset="0"/>
+                            <a:ea typeface="Cambria Math" panose="02040503050406030204" pitchFamily="18" charset="0"/>
+                          </a:rPr>
+                          <m:t>𝜐</m:t>
+                        </m:r>
+                      </m:e>
+                      <m:sub>
+                        <m:r>
+                          <a:rPr lang="en-US" b="0" i="1" smtClean="0">
+                            <a:latin typeface="Cambria Math" panose="02040503050406030204" pitchFamily="18" charset="0"/>
+                          </a:rPr>
+                          <m:t>𝑥</m:t>
+                        </m:r>
+                      </m:sub>
+                    </m:sSub>
+                  </m:oMath>
+                </a14:m>
+                <a:r>
+                  <a:rPr lang="en-US" dirty="0"/>
+                  <a:t>) changes from 0 at the stationary plate to the velocity of the top plate (</a:t>
+                </a:r>
+                <a14:m>
+                  <m:oMath xmlns:m="http://schemas.openxmlformats.org/officeDocument/2006/math">
+                    <m:r>
+                      <a:rPr lang="en-US" b="0" i="1" smtClean="0">
+                        <a:latin typeface="Cambria Math" panose="02040503050406030204" pitchFamily="18" charset="0"/>
+                      </a:rPr>
+                      <m:t>𝑉</m:t>
+                    </m:r>
+                  </m:oMath>
+                </a14:m>
+                <a:r>
+                  <a:rPr lang="en-US" dirty="0"/>
+                  <a:t>) at the top</a:t>
+                </a:r>
+              </a:p>
+              <a:p>
+                <a:pPr marL="742950" lvl="1" indent="-285750">
+                  <a:buFont typeface="Arial" panose="020B0604020202020204" pitchFamily="34" charset="0"/>
+                  <a:buChar char="•"/>
+                </a:pPr>
+                <a:r>
+                  <a:rPr lang="en-US" dirty="0"/>
+                  <a:t>The height (</a:t>
+                </a:r>
+                <a14:m>
+                  <m:oMath xmlns:m="http://schemas.openxmlformats.org/officeDocument/2006/math">
+                    <m:r>
+                      <a:rPr lang="en-US" b="0" i="1" smtClean="0">
+                        <a:latin typeface="Cambria Math" panose="02040503050406030204" pitchFamily="18" charset="0"/>
+                      </a:rPr>
+                      <m:t>𝐻</m:t>
+                    </m:r>
+                  </m:oMath>
+                </a14:m>
+                <a:r>
+                  <a:rPr lang="en-US" dirty="0"/>
+                  <a:t>) is small, and this makes velocity (</a:t>
+                </a:r>
+                <a14:m>
+                  <m:oMath xmlns:m="http://schemas.openxmlformats.org/officeDocument/2006/math">
+                    <m:sSub>
+                      <m:sSubPr>
+                        <m:ctrlPr>
+                          <a:rPr lang="en-US" i="1" smtClean="0">
+                            <a:latin typeface="Cambria Math" panose="02040503050406030204" pitchFamily="18" charset="0"/>
+                          </a:rPr>
+                        </m:ctrlPr>
+                      </m:sSubPr>
+                      <m:e>
+                        <m:r>
+                          <a:rPr lang="en-US" i="1" smtClean="0">
+                            <a:latin typeface="Cambria Math" panose="02040503050406030204" pitchFamily="18" charset="0"/>
+                            <a:ea typeface="Cambria Math" panose="02040503050406030204" pitchFamily="18" charset="0"/>
+                          </a:rPr>
+                          <m:t>𝜐</m:t>
+                        </m:r>
+                      </m:e>
+                      <m:sub>
+                        <m:r>
+                          <a:rPr lang="en-US" b="0" i="1" smtClean="0">
+                            <a:latin typeface="Cambria Math" panose="02040503050406030204" pitchFamily="18" charset="0"/>
+                          </a:rPr>
+                          <m:t>𝑥</m:t>
+                        </m:r>
+                      </m:sub>
+                    </m:sSub>
+                  </m:oMath>
+                </a14:m>
+                <a:r>
+                  <a:rPr lang="en-US" dirty="0"/>
+                  <a:t>) vary linearly in the y direction</a:t>
+                </a:r>
+              </a:p>
+              <a:p>
+                <a:pPr marL="1200150" lvl="2" indent="-285750">
+                  <a:buFont typeface="Arial" panose="020B0604020202020204" pitchFamily="34" charset="0"/>
+                  <a:buChar char="•"/>
+                </a:pPr>
+                <a:r>
+                  <a:rPr lang="en-US" dirty="0"/>
+                  <a:t>This is the case for most fluids</a:t>
+                </a:r>
+              </a:p>
+              <a:p>
+                <a:pPr marL="742950" lvl="1" indent="-285750">
+                  <a:buFont typeface="Arial" panose="020B0604020202020204" pitchFamily="34" charset="0"/>
+                  <a:buChar char="•"/>
+                </a:pPr>
+                <a:r>
+                  <a:rPr lang="en-US" dirty="0"/>
+                  <a:t>Example of laminar flow</a:t>
+                </a:r>
+              </a:p>
+              <a:p>
+                <a:pPr marL="1200150" lvl="2" indent="-285750">
+                  <a:buFont typeface="Arial" panose="020B0604020202020204" pitchFamily="34" charset="0"/>
+                  <a:buChar char="•"/>
+                </a:pPr>
+                <a:r>
+                  <a:rPr lang="en-US" dirty="0"/>
+                  <a:t>Horizontal streamlines (lines depicting fluid movement where the velocity is constant along the line)</a:t>
+                </a:r>
+              </a:p>
+              <a:p>
+                <a:pPr marL="742950" lvl="1" indent="-285750">
+                  <a:buFont typeface="Arial" panose="020B0604020202020204" pitchFamily="34" charset="0"/>
+                  <a:buChar char="•"/>
+                </a:pPr>
+                <a:r>
+                  <a:rPr lang="en-US" dirty="0"/>
+                  <a:t>Motion of one layer of fluid “pulls” the others along with it due to molecular friction</a:t>
+                </a:r>
+              </a:p>
+              <a:p>
+                <a:pPr marL="1200150" lvl="2" indent="-285750">
+                  <a:buFont typeface="Arial" panose="020B0604020202020204" pitchFamily="34" charset="0"/>
+                  <a:buChar char="•"/>
+                </a:pPr>
+                <a:r>
+                  <a:rPr lang="en-US" dirty="0"/>
+                  <a:t>Local shear stress (</a:t>
+                </a:r>
+                <a14:m>
+                  <m:oMath xmlns:m="http://schemas.openxmlformats.org/officeDocument/2006/math">
+                    <m:sSub>
+                      <m:sSubPr>
+                        <m:ctrlPr>
+                          <a:rPr lang="en-US" i="1" smtClean="0">
+                            <a:latin typeface="Cambria Math" panose="02040503050406030204" pitchFamily="18" charset="0"/>
+                          </a:rPr>
+                        </m:ctrlPr>
+                      </m:sSubPr>
+                      <m:e>
+                        <m:r>
+                          <a:rPr lang="en-US" i="1" smtClean="0">
+                            <a:latin typeface="Cambria Math" panose="02040503050406030204" pitchFamily="18" charset="0"/>
+                            <a:ea typeface="Cambria Math" panose="02040503050406030204" pitchFamily="18" charset="0"/>
+                          </a:rPr>
+                          <m:t>𝜏</m:t>
+                        </m:r>
+                      </m:e>
+                      <m:sub>
+                        <m:r>
+                          <a:rPr lang="en-US" b="0" i="1" smtClean="0">
+                            <a:latin typeface="Cambria Math" panose="02040503050406030204" pitchFamily="18" charset="0"/>
+                          </a:rPr>
+                          <m:t>𝑦𝑥</m:t>
+                        </m:r>
+                      </m:sub>
+                    </m:sSub>
+                  </m:oMath>
+                </a14:m>
+                <a:r>
+                  <a:rPr lang="en-US" dirty="0"/>
+                  <a:t>) is linearly related with the velocity gradient (</a:t>
+                </a:r>
+                <a14:m>
+                  <m:oMath xmlns:m="http://schemas.openxmlformats.org/officeDocument/2006/math">
+                    <m:f>
+                      <m:fPr>
+                        <m:ctrlPr>
+                          <a:rPr lang="en-US" i="1" smtClean="0">
+                            <a:latin typeface="Cambria Math" panose="02040503050406030204" pitchFamily="18" charset="0"/>
+                          </a:rPr>
+                        </m:ctrlPr>
+                      </m:fPr>
+                      <m:num>
+                        <m:r>
+                          <a:rPr lang="en-US" b="0" i="1" smtClean="0">
+                            <a:latin typeface="Cambria Math" panose="02040503050406030204" pitchFamily="18" charset="0"/>
+                          </a:rPr>
+                          <m:t>𝑑</m:t>
+                        </m:r>
+                        <m:sSub>
+                          <m:sSubPr>
+                            <m:ctrlPr>
+                              <a:rPr lang="en-US" b="0" i="1" smtClean="0">
+                                <a:latin typeface="Cambria Math" panose="02040503050406030204" pitchFamily="18" charset="0"/>
+                              </a:rPr>
+                            </m:ctrlPr>
+                          </m:sSubPr>
+                          <m:e>
+                            <m:r>
+                              <a:rPr lang="en-US" b="0" i="1" smtClean="0">
+                                <a:latin typeface="Cambria Math" panose="02040503050406030204" pitchFamily="18" charset="0"/>
+                                <a:ea typeface="Cambria Math" panose="02040503050406030204" pitchFamily="18" charset="0"/>
+                              </a:rPr>
+                              <m:t>𝜐</m:t>
+                            </m:r>
+                          </m:e>
+                          <m:sub>
+                            <m:r>
+                              <a:rPr lang="en-US" b="0" i="1" smtClean="0">
+                                <a:latin typeface="Cambria Math" panose="02040503050406030204" pitchFamily="18" charset="0"/>
+                              </a:rPr>
+                              <m:t>𝑥</m:t>
+                            </m:r>
+                          </m:sub>
+                        </m:sSub>
+                      </m:num>
+                      <m:den>
+                        <m:r>
+                          <a:rPr lang="en-US" b="0" i="1" smtClean="0">
+                            <a:latin typeface="Cambria Math" panose="02040503050406030204" pitchFamily="18" charset="0"/>
+                          </a:rPr>
+                          <m:t>𝑑𝑦</m:t>
+                        </m:r>
+                      </m:den>
+                    </m:f>
+                  </m:oMath>
+                </a14:m>
+                <a:r>
+                  <a:rPr lang="en-US" dirty="0"/>
+                  <a:t>)</a:t>
+                </a:r>
+              </a:p>
+              <a:p>
+                <a:pPr marL="1657350" lvl="3" indent="-285750">
+                  <a:buFont typeface="Arial" panose="020B0604020202020204" pitchFamily="34" charset="0"/>
+                  <a:buChar char="•"/>
+                </a:pPr>
+                <a:r>
+                  <a:rPr lang="en-US" dirty="0"/>
+                  <a:t>Shear stress </a:t>
+                </a:r>
+                <a14:m>
+                  <m:oMath xmlns:m="http://schemas.openxmlformats.org/officeDocument/2006/math">
+                    <m:sSub>
+                      <m:sSubPr>
+                        <m:ctrlPr>
+                          <a:rPr lang="en-US" i="1" smtClean="0">
+                            <a:latin typeface="Cambria Math" panose="02040503050406030204" pitchFamily="18" charset="0"/>
+                          </a:rPr>
+                        </m:ctrlPr>
+                      </m:sSubPr>
+                      <m:e>
+                        <m:r>
+                          <a:rPr lang="en-US" i="1" smtClean="0">
+                            <a:latin typeface="Cambria Math" panose="02040503050406030204" pitchFamily="18" charset="0"/>
+                            <a:ea typeface="Cambria Math" panose="02040503050406030204" pitchFamily="18" charset="0"/>
+                          </a:rPr>
+                          <m:t>𝜏</m:t>
+                        </m:r>
+                      </m:e>
+                      <m:sub>
+                        <m:r>
+                          <a:rPr lang="en-US" b="0" i="1" smtClean="0">
+                            <a:solidFill>
+                              <a:schemeClr val="accent1"/>
+                            </a:solidFill>
+                            <a:latin typeface="Cambria Math" panose="02040503050406030204" pitchFamily="18" charset="0"/>
+                          </a:rPr>
+                          <m:t>𝑦</m:t>
+                        </m:r>
+                        <m:r>
+                          <a:rPr lang="en-US" b="0" i="1" smtClean="0">
+                            <a:solidFill>
+                              <a:schemeClr val="accent2"/>
+                            </a:solidFill>
+                            <a:latin typeface="Cambria Math" panose="02040503050406030204" pitchFamily="18" charset="0"/>
+                          </a:rPr>
+                          <m:t>𝑥</m:t>
+                        </m:r>
+                      </m:sub>
+                    </m:sSub>
+                  </m:oMath>
+                </a14:m>
+                <a:r>
+                  <a:rPr lang="en-US" dirty="0"/>
+                  <a:t> is from the surface in the </a:t>
+                </a:r>
+                <a:r>
+                  <a:rPr lang="en-US" dirty="0">
+                    <a:solidFill>
+                      <a:schemeClr val="accent1"/>
+                    </a:solidFill>
+                  </a:rPr>
+                  <a:t>y direction </a:t>
+                </a:r>
+                <a:r>
+                  <a:rPr lang="en-US" dirty="0"/>
+                  <a:t>due to flow in the </a:t>
+                </a:r>
+                <a:r>
+                  <a:rPr lang="en-US" dirty="0">
+                    <a:solidFill>
+                      <a:schemeClr val="accent2"/>
+                    </a:solidFill>
+                  </a:rPr>
+                  <a:t>x direction</a:t>
+                </a:r>
+              </a:p>
+              <a:p>
+                <a:pPr marL="1657350" lvl="3" indent="-285750">
+                  <a:buFont typeface="Arial" panose="020B0604020202020204" pitchFamily="34" charset="0"/>
+                  <a:buChar char="•"/>
+                </a:pPr>
+                <a14:m>
+                  <m:oMath xmlns:m="http://schemas.openxmlformats.org/officeDocument/2006/math">
+                    <m:r>
+                      <a:rPr lang="en-US" b="0" i="1" smtClean="0">
+                        <a:latin typeface="Cambria Math" panose="02040503050406030204" pitchFamily="18" charset="0"/>
+                      </a:rPr>
+                      <m:t>𝐹</m:t>
+                    </m:r>
+                    <m:r>
+                      <a:rPr lang="en-US" b="0" i="1" smtClean="0">
+                        <a:latin typeface="Cambria Math" panose="02040503050406030204" pitchFamily="18" charset="0"/>
+                      </a:rPr>
+                      <m:t>= </m:t>
+                    </m:r>
+                    <m:sSub>
+                      <m:sSubPr>
+                        <m:ctrlPr>
+                          <a:rPr lang="en-US" b="0" i="1" smtClean="0">
+                            <a:latin typeface="Cambria Math" panose="02040503050406030204" pitchFamily="18" charset="0"/>
+                          </a:rPr>
+                        </m:ctrlPr>
+                      </m:sSubPr>
+                      <m:e>
+                        <m:r>
+                          <a:rPr lang="en-US" b="0" i="1" smtClean="0">
+                            <a:latin typeface="Cambria Math" panose="02040503050406030204" pitchFamily="18" charset="0"/>
+                            <a:ea typeface="Cambria Math" panose="02040503050406030204" pitchFamily="18" charset="0"/>
+                          </a:rPr>
+                          <m:t>𝜏</m:t>
+                        </m:r>
+                      </m:e>
+                      <m:sub>
+                        <m:r>
+                          <a:rPr lang="en-US" b="0" i="1" smtClean="0">
+                            <a:latin typeface="Cambria Math" panose="02040503050406030204" pitchFamily="18" charset="0"/>
+                          </a:rPr>
+                          <m:t>𝑖𝑗</m:t>
+                        </m:r>
+                      </m:sub>
+                    </m:sSub>
+                    <m:r>
+                      <a:rPr lang="en-US" b="0" i="1" smtClean="0">
+                        <a:latin typeface="Cambria Math" panose="02040503050406030204" pitchFamily="18" charset="0"/>
+                        <a:ea typeface="Cambria Math" panose="02040503050406030204" pitchFamily="18" charset="0"/>
+                      </a:rPr>
+                      <m:t>∙[</m:t>
+                    </m:r>
+                    <m:r>
+                      <a:rPr lang="en-US" b="0" i="1" smtClean="0">
+                        <a:latin typeface="Cambria Math" panose="02040503050406030204" pitchFamily="18" charset="0"/>
+                        <a:ea typeface="Cambria Math" panose="02040503050406030204" pitchFamily="18" charset="0"/>
+                      </a:rPr>
+                      <m:t>𝐴𝑟𝑒𝑎</m:t>
+                    </m:r>
+                    <m:r>
+                      <a:rPr lang="en-US" b="0" i="1" smtClean="0">
+                        <a:latin typeface="Cambria Math" panose="02040503050406030204" pitchFamily="18" charset="0"/>
+                        <a:ea typeface="Cambria Math" panose="02040503050406030204" pitchFamily="18" charset="0"/>
+                      </a:rPr>
+                      <m:t> </m:t>
+                    </m:r>
+                    <m:r>
+                      <a:rPr lang="en-US" b="0" i="1" smtClean="0">
+                        <a:latin typeface="Cambria Math" panose="02040503050406030204" pitchFamily="18" charset="0"/>
+                        <a:ea typeface="Cambria Math" panose="02040503050406030204" pitchFamily="18" charset="0"/>
+                      </a:rPr>
+                      <m:t>𝑡h𝑎𝑡</m:t>
+                    </m:r>
+                    <m:r>
+                      <a:rPr lang="en-US" b="0" i="1" smtClean="0">
+                        <a:latin typeface="Cambria Math" panose="02040503050406030204" pitchFamily="18" charset="0"/>
+                        <a:ea typeface="Cambria Math" panose="02040503050406030204" pitchFamily="18" charset="0"/>
+                      </a:rPr>
+                      <m:t> </m:t>
+                    </m:r>
+                    <m:r>
+                      <a:rPr lang="en-US" b="0" i="1" smtClean="0">
+                        <a:latin typeface="Cambria Math" panose="02040503050406030204" pitchFamily="18" charset="0"/>
+                        <a:ea typeface="Cambria Math" panose="02040503050406030204" pitchFamily="18" charset="0"/>
+                      </a:rPr>
+                      <m:t>𝑠𝑡𝑟𝑒𝑠𝑠</m:t>
+                    </m:r>
+                    <m:r>
+                      <a:rPr lang="en-US" b="0" i="1" smtClean="0">
+                        <a:latin typeface="Cambria Math" panose="02040503050406030204" pitchFamily="18" charset="0"/>
+                        <a:ea typeface="Cambria Math" panose="02040503050406030204" pitchFamily="18" charset="0"/>
+                      </a:rPr>
+                      <m:t> </m:t>
+                    </m:r>
+                    <m:r>
+                      <a:rPr lang="en-US" b="0" i="1" smtClean="0">
+                        <a:latin typeface="Cambria Math" panose="02040503050406030204" pitchFamily="18" charset="0"/>
+                        <a:ea typeface="Cambria Math" panose="02040503050406030204" pitchFamily="18" charset="0"/>
+                      </a:rPr>
+                      <m:t>𝑖𝑠</m:t>
+                    </m:r>
+                    <m:r>
+                      <a:rPr lang="en-US" b="0" i="1" smtClean="0">
+                        <a:latin typeface="Cambria Math" panose="02040503050406030204" pitchFamily="18" charset="0"/>
+                        <a:ea typeface="Cambria Math" panose="02040503050406030204" pitchFamily="18" charset="0"/>
+                      </a:rPr>
+                      <m:t> </m:t>
+                    </m:r>
+                    <m:r>
+                      <a:rPr lang="en-US" b="0" i="1" smtClean="0">
+                        <a:latin typeface="Cambria Math" panose="02040503050406030204" pitchFamily="18" charset="0"/>
+                        <a:ea typeface="Cambria Math" panose="02040503050406030204" pitchFamily="18" charset="0"/>
+                      </a:rPr>
+                      <m:t>𝑎𝑐𝑡𝑖𝑛𝑔</m:t>
+                    </m:r>
+                    <m:r>
+                      <a:rPr lang="en-US" b="0" i="1" smtClean="0">
+                        <a:latin typeface="Cambria Math" panose="02040503050406030204" pitchFamily="18" charset="0"/>
+                        <a:ea typeface="Cambria Math" panose="02040503050406030204" pitchFamily="18" charset="0"/>
+                      </a:rPr>
+                      <m:t> </m:t>
+                    </m:r>
+                    <m:r>
+                      <a:rPr lang="en-US" b="0" i="1" smtClean="0">
+                        <a:latin typeface="Cambria Math" panose="02040503050406030204" pitchFamily="18" charset="0"/>
+                        <a:ea typeface="Cambria Math" panose="02040503050406030204" pitchFamily="18" charset="0"/>
+                      </a:rPr>
+                      <m:t>𝑜𝑣𝑒𝑟</m:t>
+                    </m:r>
+                    <m:r>
+                      <a:rPr lang="en-US" b="0" i="1" smtClean="0">
+                        <a:latin typeface="Cambria Math" panose="02040503050406030204" pitchFamily="18" charset="0"/>
+                        <a:ea typeface="Cambria Math" panose="02040503050406030204" pitchFamily="18" charset="0"/>
+                      </a:rPr>
+                      <m:t>]</m:t>
+                    </m:r>
+                  </m:oMath>
+                </a14:m>
+                <a:endParaRPr lang="en-US" dirty="0"/>
+              </a:p>
+              <a:p>
+                <a:pPr marL="1657350" lvl="3" indent="-285750">
+                  <a:buFont typeface="Arial" panose="020B0604020202020204" pitchFamily="34" charset="0"/>
+                  <a:buChar char="•"/>
+                </a:pPr>
+                <a:r>
+                  <a:rPr lang="en-US" dirty="0"/>
+                  <a:t>Newton’s law of viscosity (1687): </a:t>
+                </a:r>
+                <a14:m>
+                  <m:oMath xmlns:m="http://schemas.openxmlformats.org/officeDocument/2006/math">
+                    <m:sSub>
+                      <m:sSubPr>
+                        <m:ctrlPr>
+                          <a:rPr lang="en-US" i="1" smtClean="0">
+                            <a:latin typeface="Cambria Math" panose="02040503050406030204" pitchFamily="18" charset="0"/>
+                          </a:rPr>
+                        </m:ctrlPr>
+                      </m:sSubPr>
+                      <m:e>
+                        <m:r>
+                          <a:rPr lang="en-US" i="1" smtClean="0">
+                            <a:latin typeface="Cambria Math" panose="02040503050406030204" pitchFamily="18" charset="0"/>
+                            <a:ea typeface="Cambria Math" panose="02040503050406030204" pitchFamily="18" charset="0"/>
+                          </a:rPr>
+                          <m:t>𝜏</m:t>
+                        </m:r>
+                      </m:e>
+                      <m:sub>
+                        <m:r>
+                          <a:rPr lang="en-US" b="0" i="1" smtClean="0">
+                            <a:latin typeface="Cambria Math" panose="02040503050406030204" pitchFamily="18" charset="0"/>
+                          </a:rPr>
+                          <m:t>𝑦𝑥</m:t>
+                        </m:r>
+                      </m:sub>
+                    </m:sSub>
+                    <m:r>
+                      <a:rPr lang="en-US" b="0" i="1" smtClean="0">
+                        <a:latin typeface="Cambria Math" panose="02040503050406030204" pitchFamily="18" charset="0"/>
+                      </a:rPr>
+                      <m:t>=</m:t>
+                    </m:r>
+                    <m:r>
+                      <a:rPr lang="en-US" b="0" i="1" smtClean="0">
+                        <a:latin typeface="Cambria Math" panose="02040503050406030204" pitchFamily="18" charset="0"/>
+                        <a:ea typeface="Cambria Math" panose="02040503050406030204" pitchFamily="18" charset="0"/>
+                      </a:rPr>
+                      <m:t>𝜂</m:t>
+                    </m:r>
+                    <m:f>
+                      <m:fPr>
+                        <m:ctrlPr>
+                          <a:rPr lang="en-US" b="0" i="1" smtClean="0">
+                            <a:latin typeface="Cambria Math" panose="02040503050406030204" pitchFamily="18" charset="0"/>
+                            <a:ea typeface="Cambria Math" panose="02040503050406030204" pitchFamily="18" charset="0"/>
+                          </a:rPr>
+                        </m:ctrlPr>
+                      </m:fPr>
+                      <m:num>
+                        <m:r>
+                          <a:rPr lang="en-US" b="0" i="1" smtClean="0">
+                            <a:latin typeface="Cambria Math" panose="02040503050406030204" pitchFamily="18" charset="0"/>
+                            <a:ea typeface="Cambria Math" panose="02040503050406030204" pitchFamily="18" charset="0"/>
+                          </a:rPr>
+                          <m:t>𝑑</m:t>
+                        </m:r>
+                        <m:sSub>
+                          <m:sSubPr>
+                            <m:ctrlPr>
+                              <a:rPr lang="en-US" b="0" i="1" smtClean="0">
+                                <a:latin typeface="Cambria Math" panose="02040503050406030204" pitchFamily="18" charset="0"/>
+                                <a:ea typeface="Cambria Math" panose="02040503050406030204" pitchFamily="18" charset="0"/>
+                              </a:rPr>
+                            </m:ctrlPr>
+                          </m:sSubPr>
+                          <m:e>
+                            <m:r>
+                              <a:rPr lang="en-US" b="0" i="1" smtClean="0">
+                                <a:latin typeface="Cambria Math" panose="02040503050406030204" pitchFamily="18" charset="0"/>
+                                <a:ea typeface="Cambria Math" panose="02040503050406030204" pitchFamily="18" charset="0"/>
+                              </a:rPr>
+                              <m:t>𝜐</m:t>
+                            </m:r>
+                          </m:e>
+                          <m:sub>
+                            <m:r>
+                              <a:rPr lang="en-US" b="0" i="1" smtClean="0">
+                                <a:latin typeface="Cambria Math" panose="02040503050406030204" pitchFamily="18" charset="0"/>
+                                <a:ea typeface="Cambria Math" panose="02040503050406030204" pitchFamily="18" charset="0"/>
+                              </a:rPr>
+                              <m:t>𝑥</m:t>
+                            </m:r>
+                          </m:sub>
+                        </m:sSub>
+                      </m:num>
+                      <m:den>
+                        <m:r>
+                          <a:rPr lang="en-US" b="0" i="1" smtClean="0">
+                            <a:latin typeface="Cambria Math" panose="02040503050406030204" pitchFamily="18" charset="0"/>
+                            <a:ea typeface="Cambria Math" panose="02040503050406030204" pitchFamily="18" charset="0"/>
+                          </a:rPr>
+                          <m:t>𝑑𝑦</m:t>
+                        </m:r>
+                      </m:den>
+                    </m:f>
+                  </m:oMath>
+                </a14:m>
+                <a:endParaRPr lang="en-US" dirty="0"/>
+              </a:p>
+              <a:p>
+                <a:pPr marL="2114550" lvl="4" indent="-285750">
+                  <a:buFont typeface="Arial" panose="020B0604020202020204" pitchFamily="34" charset="0"/>
+                  <a:buChar char="•"/>
+                </a:pPr>
+                <a:r>
+                  <a:rPr lang="en-US" dirty="0"/>
+                  <a:t>For Newtonian fluids, viscosity is represented as </a:t>
+                </a:r>
+                <a14:m>
+                  <m:oMath xmlns:m="http://schemas.openxmlformats.org/officeDocument/2006/math">
+                    <m:r>
+                      <a:rPr lang="en-US" i="1" smtClean="0">
+                        <a:latin typeface="Cambria Math" panose="02040503050406030204" pitchFamily="18" charset="0"/>
+                        <a:ea typeface="Cambria Math" panose="02040503050406030204" pitchFamily="18" charset="0"/>
+                      </a:rPr>
+                      <m:t>𝜇</m:t>
+                    </m:r>
+                  </m:oMath>
+                </a14:m>
+                <a:endParaRPr lang="en-US" dirty="0"/>
+              </a:p>
+              <a:p>
+                <a:pPr marL="2114550" lvl="4" indent="-285750">
+                  <a:buFont typeface="Arial" panose="020B0604020202020204" pitchFamily="34" charset="0"/>
+                  <a:buChar char="•"/>
+                </a:pPr>
+                <a:r>
+                  <a:rPr lang="en-US" dirty="0"/>
+                  <a:t>Non-Newtonian fluids have a viscosity which is a function of </a:t>
+                </a:r>
+                <a14:m>
+                  <m:oMath xmlns:m="http://schemas.openxmlformats.org/officeDocument/2006/math">
+                    <m:f>
+                      <m:fPr>
+                        <m:ctrlPr>
+                          <a:rPr lang="en-US" i="1" smtClean="0">
+                            <a:latin typeface="Cambria Math" panose="02040503050406030204" pitchFamily="18" charset="0"/>
+                          </a:rPr>
+                        </m:ctrlPr>
+                      </m:fPr>
+                      <m:num>
+                        <m:r>
+                          <a:rPr lang="en-US" b="0" i="1" smtClean="0">
+                            <a:latin typeface="Cambria Math" panose="02040503050406030204" pitchFamily="18" charset="0"/>
+                          </a:rPr>
+                          <m:t>𝑑</m:t>
+                        </m:r>
+                        <m:sSub>
+                          <m:sSubPr>
+                            <m:ctrlPr>
+                              <a:rPr lang="en-US" b="0" i="1" smtClean="0">
+                                <a:latin typeface="Cambria Math" panose="02040503050406030204" pitchFamily="18" charset="0"/>
+                              </a:rPr>
+                            </m:ctrlPr>
+                          </m:sSubPr>
+                          <m:e>
+                            <m:r>
+                              <a:rPr lang="en-US" b="0" i="1" smtClean="0">
+                                <a:latin typeface="Cambria Math" panose="02040503050406030204" pitchFamily="18" charset="0"/>
+                                <a:ea typeface="Cambria Math" panose="02040503050406030204" pitchFamily="18" charset="0"/>
+                              </a:rPr>
+                              <m:t>𝜐</m:t>
+                            </m:r>
+                          </m:e>
+                          <m:sub>
+                            <m:r>
+                              <a:rPr lang="en-US" b="0" i="1" smtClean="0">
+                                <a:latin typeface="Cambria Math" panose="02040503050406030204" pitchFamily="18" charset="0"/>
+                              </a:rPr>
+                              <m:t>𝑥</m:t>
+                            </m:r>
+                          </m:sub>
+                        </m:sSub>
+                      </m:num>
+                      <m:den>
+                        <m:r>
+                          <a:rPr lang="en-US" b="0" i="1" smtClean="0">
+                            <a:latin typeface="Cambria Math" panose="02040503050406030204" pitchFamily="18" charset="0"/>
+                          </a:rPr>
+                          <m:t>𝑑𝑦</m:t>
+                        </m:r>
+                      </m:den>
+                    </m:f>
+                  </m:oMath>
+                </a14:m>
+                <a:endParaRPr lang="en-US" dirty="0"/>
+              </a:p>
+              <a:p>
+                <a:pPr marL="1200150" lvl="2" indent="-285750">
+                  <a:buFont typeface="Arial" panose="020B0604020202020204" pitchFamily="34" charset="0"/>
+                  <a:buChar char="•"/>
+                </a:pPr>
+                <a:r>
+                  <a:rPr lang="en-US" dirty="0"/>
+                  <a:t>Like moving a deck of cards between a table and one of your hands</a:t>
+                </a:r>
+              </a:p>
+              <a:p>
+                <a:pPr marL="285750" indent="-285750">
+                  <a:buFont typeface="Arial" panose="020B0604020202020204" pitchFamily="34" charset="0"/>
+                  <a:buChar char="•"/>
+                </a:pPr>
+                <a:r>
+                  <a:rPr lang="en-US" dirty="0"/>
+                  <a:t>Viscosity</a:t>
+                </a:r>
+              </a:p>
+              <a:p>
+                <a:pPr marL="742950" lvl="1" indent="-285750">
+                  <a:buFont typeface="Arial" panose="020B0604020202020204" pitchFamily="34" charset="0"/>
+                  <a:buChar char="•"/>
+                </a:pPr>
+                <a:r>
+                  <a:rPr lang="en-US" dirty="0"/>
+                  <a:t>A quantity expressing the magnitude of internal friction in a fluid resisting flow, in which parallel fluid layers move relative to each other, interact, and transfer momentum between them</a:t>
+                </a:r>
+              </a:p>
+              <a:p>
+                <a:pPr marL="742950" lvl="1" indent="-285750">
+                  <a:buFont typeface="Arial" panose="020B0604020202020204" pitchFamily="34" charset="0"/>
+                  <a:buChar char="•"/>
+                </a:pPr>
+                <a:r>
+                  <a:rPr lang="en-US" dirty="0"/>
+                  <a:t>How does this happen in different types of matter?</a:t>
+                </a:r>
+              </a:p>
+              <a:p>
+                <a:pPr marL="1200150" lvl="2" indent="-285750">
+                  <a:buFont typeface="Arial" panose="020B0604020202020204" pitchFamily="34" charset="0"/>
+                  <a:buChar char="•"/>
+                </a:pPr>
+                <a:r>
+                  <a:rPr lang="en-US" dirty="0"/>
+                  <a:t>In liquids, this occurs because of the constant breaking and reforming of interactions between molecules</a:t>
+                </a:r>
+              </a:p>
+              <a:p>
+                <a:pPr marL="1657350" lvl="3" indent="-285750">
+                  <a:buFont typeface="Arial" panose="020B0604020202020204" pitchFamily="34" charset="0"/>
+                  <a:buChar char="•"/>
+                </a:pPr>
+                <a:r>
+                  <a:rPr lang="en-US" dirty="0"/>
+                  <a:t>As temperature goes up, the interactions get weaker, and viscosity goes down</a:t>
+                </a:r>
+              </a:p>
+              <a:p>
+                <a:pPr marL="1200150" lvl="2" indent="-285750">
+                  <a:buFont typeface="Arial" panose="020B0604020202020204" pitchFamily="34" charset="0"/>
+                  <a:buChar char="•"/>
+                </a:pPr>
+                <a:r>
+                  <a:rPr lang="en-US" dirty="0"/>
+                  <a:t>In gases, this occurs because of the random motion of molecules causing collisions</a:t>
+                </a:r>
+              </a:p>
+              <a:p>
+                <a:pPr marL="1657350" lvl="3" indent="-285750">
+                  <a:buFont typeface="Arial" panose="020B0604020202020204" pitchFamily="34" charset="0"/>
+                  <a:buChar char="•"/>
+                </a:pPr>
+                <a:r>
+                  <a:rPr lang="en-US" dirty="0"/>
+                  <a:t>As temperature goes up, more collisions happen, and viscosity goes up</a:t>
+                </a:r>
+              </a:p>
+            </p:txBody>
+          </p:sp>
+        </mc:Choice>
+        <mc:Fallback>
+          <p:sp>
+            <p:nvSpPr>
+              <p:cNvPr id="8" name="TextBox 7">
+                <a:extLst>
+                  <a:ext uri="{FF2B5EF4-FFF2-40B4-BE49-F238E27FC236}">
+                    <a16:creationId xmlns:a16="http://schemas.microsoft.com/office/drawing/2014/main" id="{D0A2D02D-4843-E151-7B7C-DDF26CA58C5C}"/>
+                  </a:ext>
+                </a:extLst>
+              </p:cNvPr>
+              <p:cNvSpPr txBox="1">
+                <a:spLocks noRot="1" noChangeAspect="1" noMove="1" noResize="1" noEditPoints="1" noAdjustHandles="1" noChangeArrowheads="1" noChangeShapeType="1" noTextEdit="1"/>
+              </p:cNvSpPr>
+              <p:nvPr/>
+            </p:nvSpPr>
+            <p:spPr>
+              <a:xfrm>
+                <a:off x="0" y="2037560"/>
+                <a:ext cx="8686800" cy="10307052"/>
+              </a:xfrm>
+              <a:prstGeom prst="rect">
+                <a:avLst/>
+              </a:prstGeom>
+              <a:blipFill>
+                <a:blip r:embed="rId3"/>
+                <a:stretch>
+                  <a:fillRect l="-421" t="-237"/>
+                </a:stretch>
+              </a:blipFill>
+            </p:spPr>
+            <p:txBody>
+              <a:bodyPr/>
+              <a:lstStyle/>
+              <a:p>
+                <a:r>
+                  <a:rPr lang="en-US">
+                    <a:noFill/>
+                  </a:rPr>
+                  <a:t> </a:t>
+                </a:r>
+              </a:p>
+            </p:txBody>
+          </p:sp>
+        </mc:Fallback>
+      </mc:AlternateContent>
+    </p:spTree>
+    <p:extLst>
+      <p:ext uri="{BB962C8B-B14F-4D97-AF65-F5344CB8AC3E}">
+        <p14:creationId xmlns:p14="http://schemas.microsoft.com/office/powerpoint/2010/main" val="2134072691"/>
+      </p:ext>
+    </p:extLst>
+  </p:cSld>
+  <p:clrMapOvr>
+    <a:masterClrMapping/>
+  </p:clrMapOvr>
+</p:sld>
+</file>
+
+<file path=ppt/slides/slide8.xml><?xml version="1.0" encoding="utf-8"?>
+<p:sld xmlns:a="http://schemas.openxmlformats.org/drawingml/2006/main" xmlns:r="http://schemas.openxmlformats.org/officeDocument/2006/relationships" xmlns:p="http://schemas.openxmlformats.org/presentationml/2006/main">
+  <p:cSld>
+    <p:spTree>
+      <p:nvGrpSpPr>
+        <p:cNvPr id="1" name=""/>
+        <p:cNvGrpSpPr/>
+        <p:nvPr/>
+      </p:nvGrpSpPr>
+      <p:grpSpPr>
+        <a:xfrm>
+          <a:off x="0" y="0"/>
+          <a:ext cx="0" cy="0"/>
+          <a:chOff x="0" y="0"/>
+          <a:chExt cx="0" cy="0"/>
+        </a:xfrm>
+      </p:grpSpPr>
+      <p:sp>
+        <p:nvSpPr>
+          <p:cNvPr id="3" name="TextBox 2">
+            <a:extLst>
+              <a:ext uri="{FF2B5EF4-FFF2-40B4-BE49-F238E27FC236}">
+                <a16:creationId xmlns:a16="http://schemas.microsoft.com/office/drawing/2014/main" id="{01EBEF46-883A-CB8F-D4A6-5A9461E88D72}"/>
+              </a:ext>
+            </a:extLst>
+          </p:cNvPr>
+          <p:cNvSpPr txBox="1"/>
+          <p:nvPr/>
+        </p:nvSpPr>
+        <p:spPr>
+          <a:xfrm>
+            <a:off x="1" y="0"/>
+            <a:ext cx="8686800" cy="7571303"/>
+          </a:xfrm>
+          <a:prstGeom prst="rect">
+            <a:avLst/>
+          </a:prstGeom>
+          <a:noFill/>
+        </p:spPr>
+        <p:txBody>
+          <a:bodyPr wrap="square" rtlCol="0">
+            <a:spAutoFit/>
+          </a:bodyPr>
+          <a:lstStyle/>
+          <a:p>
+            <a:pPr marL="742950" lvl="1" indent="-285750">
+              <a:buFont typeface="Arial" panose="020B0604020202020204" pitchFamily="34" charset="0"/>
+              <a:buChar char="•"/>
+            </a:pPr>
+            <a:r>
+              <a:rPr lang="en-US" dirty="0"/>
+              <a:t>How is viscosity measured?</a:t>
+            </a:r>
+          </a:p>
+          <a:p>
+            <a:pPr marL="1200150" lvl="2" indent="-285750">
+              <a:buFont typeface="Arial" panose="020B0604020202020204" pitchFamily="34" charset="0"/>
+              <a:buChar char="•"/>
+            </a:pPr>
+            <a:r>
+              <a:rPr lang="en-US" dirty="0"/>
+              <a:t>By how it responds to a simple deformation, where only one component of velocity is non-zero</a:t>
+            </a:r>
+          </a:p>
+          <a:p>
+            <a:pPr marL="1200150" lvl="2" indent="-285750">
+              <a:buFont typeface="Arial" panose="020B0604020202020204" pitchFamily="34" charset="0"/>
+              <a:buChar char="•"/>
+            </a:pPr>
+            <a:r>
+              <a:rPr lang="en-US" dirty="0"/>
+              <a:t>Most often this is in the form of simple shear flow</a:t>
+            </a:r>
+          </a:p>
+          <a:p>
+            <a:pPr marL="1657350" lvl="3" indent="-285750">
+              <a:buFont typeface="Arial" panose="020B0604020202020204" pitchFamily="34" charset="0"/>
+              <a:buChar char="•"/>
+            </a:pPr>
+            <a:r>
+              <a:rPr lang="en-US" dirty="0"/>
+              <a:t>The two types of simple shear flow are Couette flow and Poiseuille flow (pressure driven through a pipe)</a:t>
+            </a:r>
+          </a:p>
+          <a:p>
+            <a:pPr marL="1200150" lvl="2" indent="-285750">
+              <a:buFont typeface="Arial" panose="020B0604020202020204" pitchFamily="34" charset="0"/>
+              <a:buChar char="•"/>
+            </a:pPr>
+            <a:r>
+              <a:rPr lang="en-US" dirty="0"/>
+              <a:t>Using Couette flow (Rotational viscometer/rheometer)</a:t>
+            </a:r>
+          </a:p>
+          <a:p>
+            <a:pPr marL="1657350" lvl="3" indent="-285750">
+              <a:buFont typeface="Arial" panose="020B0604020202020204" pitchFamily="34" charset="0"/>
+              <a:buChar char="•"/>
+            </a:pPr>
+            <a:r>
+              <a:rPr lang="en-US" dirty="0"/>
+              <a:t>Fluid trapped between stationary rotating surfaces</a:t>
+            </a:r>
+          </a:p>
+          <a:p>
+            <a:pPr marL="1657350" lvl="3" indent="-285750">
+              <a:buFont typeface="Arial" panose="020B0604020202020204" pitchFamily="34" charset="0"/>
+              <a:buChar char="•"/>
+            </a:pPr>
+            <a:r>
+              <a:rPr lang="en-US" dirty="0"/>
+              <a:t>Torque related to the viscosity of the fluid</a:t>
+            </a:r>
+          </a:p>
+          <a:p>
+            <a:pPr marL="1200150" lvl="2" indent="-285750">
+              <a:buFont typeface="Arial" panose="020B0604020202020204" pitchFamily="34" charset="0"/>
+              <a:buChar char="•"/>
+            </a:pPr>
+            <a:endParaRPr lang="en-US" dirty="0"/>
+          </a:p>
+          <a:p>
+            <a:pPr marL="1200150" lvl="2" indent="-285750">
+              <a:buFont typeface="Arial" panose="020B0604020202020204" pitchFamily="34" charset="0"/>
+              <a:buChar char="•"/>
+            </a:pPr>
+            <a:endParaRPr lang="en-US" dirty="0"/>
+          </a:p>
+          <a:p>
+            <a:pPr marL="1200150" lvl="2" indent="-285750">
+              <a:buFont typeface="Arial" panose="020B0604020202020204" pitchFamily="34" charset="0"/>
+              <a:buChar char="•"/>
+            </a:pPr>
+            <a:endParaRPr lang="en-US" dirty="0"/>
+          </a:p>
+          <a:p>
+            <a:pPr marL="1200150" lvl="2" indent="-285750">
+              <a:buFont typeface="Arial" panose="020B0604020202020204" pitchFamily="34" charset="0"/>
+              <a:buChar char="•"/>
+            </a:pPr>
+            <a:endParaRPr lang="en-US" dirty="0"/>
+          </a:p>
+          <a:p>
+            <a:pPr marL="1200150" lvl="2" indent="-285750">
+              <a:buFont typeface="Arial" panose="020B0604020202020204" pitchFamily="34" charset="0"/>
+              <a:buChar char="•"/>
+            </a:pPr>
+            <a:endParaRPr lang="en-US" dirty="0"/>
+          </a:p>
+          <a:p>
+            <a:pPr marL="1200150" lvl="2" indent="-285750">
+              <a:buFont typeface="Arial" panose="020B0604020202020204" pitchFamily="34" charset="0"/>
+              <a:buChar char="•"/>
+            </a:pPr>
+            <a:endParaRPr lang="en-US" dirty="0"/>
+          </a:p>
+          <a:p>
+            <a:pPr marL="1200150" lvl="2" indent="-285750">
+              <a:buFont typeface="Arial" panose="020B0604020202020204" pitchFamily="34" charset="0"/>
+              <a:buChar char="•"/>
+            </a:pPr>
+            <a:endParaRPr lang="en-US" dirty="0"/>
+          </a:p>
+          <a:p>
+            <a:pPr marL="1200150" lvl="2" indent="-285750">
+              <a:buFont typeface="Arial" panose="020B0604020202020204" pitchFamily="34" charset="0"/>
+              <a:buChar char="•"/>
+            </a:pPr>
+            <a:endParaRPr lang="en-US" dirty="0"/>
+          </a:p>
+          <a:p>
+            <a:pPr marL="1200150" lvl="2" indent="-285750">
+              <a:buFont typeface="Arial" panose="020B0604020202020204" pitchFamily="34" charset="0"/>
+              <a:buChar char="•"/>
+            </a:pPr>
+            <a:endParaRPr lang="en-US" dirty="0"/>
+          </a:p>
+          <a:p>
+            <a:pPr marL="1200150" lvl="2" indent="-285750">
+              <a:buFont typeface="Arial" panose="020B0604020202020204" pitchFamily="34" charset="0"/>
+              <a:buChar char="•"/>
+            </a:pPr>
+            <a:endParaRPr lang="en-US" dirty="0"/>
+          </a:p>
+          <a:p>
+            <a:pPr marL="1200150" lvl="2" indent="-285750">
+              <a:buFont typeface="Arial" panose="020B0604020202020204" pitchFamily="34" charset="0"/>
+              <a:buChar char="•"/>
+            </a:pPr>
+            <a:endParaRPr lang="en-US" dirty="0"/>
+          </a:p>
+          <a:p>
+            <a:pPr marL="1200150" lvl="2" indent="-285750">
+              <a:buFont typeface="Arial" panose="020B0604020202020204" pitchFamily="34" charset="0"/>
+              <a:buChar char="•"/>
+            </a:pPr>
+            <a:endParaRPr lang="en-US" dirty="0"/>
+          </a:p>
+          <a:p>
+            <a:pPr marL="1200150" lvl="2" indent="-285750">
+              <a:buFont typeface="Arial" panose="020B0604020202020204" pitchFamily="34" charset="0"/>
+              <a:buChar char="•"/>
+            </a:pPr>
+            <a:endParaRPr lang="en-US" dirty="0"/>
+          </a:p>
+          <a:p>
+            <a:pPr marL="1200150" lvl="2" indent="-285750">
+              <a:buFont typeface="Arial" panose="020B0604020202020204" pitchFamily="34" charset="0"/>
+              <a:buChar char="•"/>
+            </a:pPr>
+            <a:endParaRPr lang="en-US" dirty="0"/>
+          </a:p>
+          <a:p>
+            <a:pPr marL="1200150" lvl="2" indent="-285750">
+              <a:buFont typeface="Arial" panose="020B0604020202020204" pitchFamily="34" charset="0"/>
+              <a:buChar char="•"/>
+            </a:pPr>
+            <a:endParaRPr lang="en-US" dirty="0"/>
+          </a:p>
+          <a:p>
+            <a:pPr marL="1200150" lvl="2" indent="-285750">
+              <a:buFont typeface="Arial" panose="020B0604020202020204" pitchFamily="34" charset="0"/>
+              <a:buChar char="•"/>
+            </a:pPr>
+            <a:r>
+              <a:rPr lang="en-US" dirty="0"/>
+              <a:t>Using Poiseuille Flow (Capillary viscometer/rheometer)</a:t>
+            </a:r>
+          </a:p>
+          <a:p>
+            <a:pPr marL="1657350" lvl="3" indent="-285750">
+              <a:buFont typeface="Arial" panose="020B0604020202020204" pitchFamily="34" charset="0"/>
+              <a:buChar char="•"/>
+            </a:pPr>
+            <a:r>
+              <a:rPr lang="en-US" dirty="0"/>
+              <a:t>Fluid forced through a circular tube</a:t>
+            </a:r>
+          </a:p>
+          <a:p>
+            <a:pPr marL="1657350" lvl="3" indent="-285750">
+              <a:buFont typeface="Arial" panose="020B0604020202020204" pitchFamily="34" charset="0"/>
+              <a:buChar char="•"/>
+            </a:pPr>
+            <a:r>
+              <a:rPr lang="en-US" dirty="0"/>
+              <a:t>Pressure related to viscosity</a:t>
+            </a:r>
+          </a:p>
+        </p:txBody>
+      </p:sp>
+      <p:pic>
+        <p:nvPicPr>
+          <p:cNvPr id="5" name="Picture 4">
+            <a:extLst>
+              <a:ext uri="{FF2B5EF4-FFF2-40B4-BE49-F238E27FC236}">
+                <a16:creationId xmlns:a16="http://schemas.microsoft.com/office/drawing/2014/main" id="{C23D2FED-AD33-60C2-FB17-C39F38AC6AE0}"/>
+              </a:ext>
+            </a:extLst>
+          </p:cNvPr>
+          <p:cNvPicPr>
+            <a:picLocks noChangeAspect="1"/>
+          </p:cNvPicPr>
+          <p:nvPr/>
+        </p:nvPicPr>
+        <p:blipFill>
+          <a:blip r:embed="rId2"/>
+          <a:stretch>
+            <a:fillRect/>
+          </a:stretch>
+        </p:blipFill>
+        <p:spPr>
+          <a:xfrm>
+            <a:off x="609079" y="2585323"/>
+            <a:ext cx="7468642" cy="3734321"/>
+          </a:xfrm>
+          <a:prstGeom prst="rect">
+            <a:avLst/>
+          </a:prstGeom>
+        </p:spPr>
+      </p:pic>
+      <p:pic>
+        <p:nvPicPr>
+          <p:cNvPr id="7" name="Picture 6">
+            <a:extLst>
+              <a:ext uri="{FF2B5EF4-FFF2-40B4-BE49-F238E27FC236}">
+                <a16:creationId xmlns:a16="http://schemas.microsoft.com/office/drawing/2014/main" id="{76F30F68-6EDD-1C26-BC8B-5E5D1D0DE0B2}"/>
+              </a:ext>
+            </a:extLst>
+          </p:cNvPr>
+          <p:cNvPicPr>
+            <a:picLocks noChangeAspect="1"/>
+          </p:cNvPicPr>
+          <p:nvPr/>
+        </p:nvPicPr>
+        <p:blipFill>
+          <a:blip r:embed="rId3"/>
+          <a:stretch>
+            <a:fillRect/>
+          </a:stretch>
+        </p:blipFill>
+        <p:spPr>
+          <a:xfrm>
+            <a:off x="1201097" y="7606148"/>
+            <a:ext cx="5925377" cy="4001058"/>
+          </a:xfrm>
+          <a:prstGeom prst="rect">
+            <a:avLst/>
+          </a:prstGeom>
+        </p:spPr>
+      </p:pic>
+    </p:spTree>
+    <p:extLst>
+      <p:ext uri="{BB962C8B-B14F-4D97-AF65-F5344CB8AC3E}">
+        <p14:creationId xmlns:p14="http://schemas.microsoft.com/office/powerpoint/2010/main" val="1110932903"/>
+      </p:ext>
+    </p:extLst>
+  </p:cSld>
+  <p:clrMapOvr>
+    <a:masterClrMapping/>
+  </p:clrMapOvr>
+</p:sld>
+</file>
+
+<file path=ppt/slides/slide9.xml><?xml version="1.0" encoding="utf-8"?>
+<p:sld xmlns:a="http://schemas.openxmlformats.org/drawingml/2006/main" xmlns:r="http://schemas.openxmlformats.org/officeDocument/2006/relationships" xmlns:p="http://schemas.openxmlformats.org/presentationml/2006/main">
+  <p:cSld>
+    <p:spTree>
+      <p:nvGrpSpPr>
+        <p:cNvPr id="1" name=""/>
+        <p:cNvGrpSpPr/>
+        <p:nvPr/>
+      </p:nvGrpSpPr>
+      <p:grpSpPr>
+        <a:xfrm>
+          <a:off x="0" y="0"/>
+          <a:ext cx="0" cy="0"/>
+          <a:chOff x="0" y="0"/>
+          <a:chExt cx="0" cy="0"/>
+        </a:xfrm>
+      </p:grpSpPr>
+      <p:sp>
+        <p:nvSpPr>
+          <p:cNvPr id="2" name="TextBox 1">
+            <a:extLst>
+              <a:ext uri="{FF2B5EF4-FFF2-40B4-BE49-F238E27FC236}">
+                <a16:creationId xmlns:a16="http://schemas.microsoft.com/office/drawing/2014/main" id="{418DEDC7-4054-A64B-9265-E09C4775217D}"/>
+              </a:ext>
+            </a:extLst>
+          </p:cNvPr>
+          <p:cNvSpPr txBox="1"/>
+          <p:nvPr/>
+        </p:nvSpPr>
+        <p:spPr>
+          <a:xfrm>
+            <a:off x="0" y="0"/>
+            <a:ext cx="2881623" cy="461665"/>
+          </a:xfrm>
+          <a:prstGeom prst="rect">
+            <a:avLst/>
+          </a:prstGeom>
+          <a:noFill/>
+        </p:spPr>
+        <p:txBody>
+          <a:bodyPr wrap="none" rtlCol="0">
+            <a:spAutoFit/>
+          </a:bodyPr>
+          <a:lstStyle/>
+          <a:p>
+            <a:r>
+              <a:rPr lang="en-US" sz="2400" dirty="0"/>
+              <a:t>Finding Shear Stress</a:t>
+            </a:r>
+          </a:p>
+        </p:txBody>
+      </p:sp>
+      <mc:AlternateContent xmlns:mc="http://schemas.openxmlformats.org/markup-compatibility/2006">
+        <mc:Choice xmlns:a14="http://schemas.microsoft.com/office/drawing/2010/main" Requires="a14">
+          <p:sp>
+            <p:nvSpPr>
+              <p:cNvPr id="3" name="TextBox 2">
+                <a:extLst>
+                  <a:ext uri="{FF2B5EF4-FFF2-40B4-BE49-F238E27FC236}">
+                    <a16:creationId xmlns:a16="http://schemas.microsoft.com/office/drawing/2014/main" id="{8FAA2BFD-EFE1-2B35-7C53-9F58B97F19E5}"/>
+                  </a:ext>
+                </a:extLst>
+              </p:cNvPr>
+              <p:cNvSpPr txBox="1"/>
+              <p:nvPr/>
+            </p:nvSpPr>
+            <p:spPr>
+              <a:xfrm>
+                <a:off x="0" y="461665"/>
+                <a:ext cx="8686800" cy="1754326"/>
+              </a:xfrm>
+              <a:prstGeom prst="rect">
+                <a:avLst/>
+              </a:prstGeom>
+              <a:noFill/>
+            </p:spPr>
+            <p:txBody>
+              <a:bodyPr wrap="square" rtlCol="0">
+                <a:spAutoFit/>
+              </a:bodyPr>
+              <a:lstStyle/>
+              <a:p>
+                <a:pPr marL="285750" indent="-285750">
+                  <a:buFont typeface="Arial" panose="020B0604020202020204" pitchFamily="34" charset="0"/>
+                  <a:buChar char="•"/>
+                </a:pPr>
+                <a:r>
+                  <a:rPr lang="en-US" dirty="0"/>
+                  <a:t>Found through manipulating Newton’s Law of viscosity</a:t>
+                </a:r>
+              </a:p>
+              <a:p>
+                <a:pPr marL="285750" indent="-285750">
+                  <a:buFont typeface="Arial" panose="020B0604020202020204" pitchFamily="34" charset="0"/>
+                  <a:buChar char="•"/>
+                </a:pPr>
+                <a:endParaRPr lang="en-US" dirty="0"/>
+              </a:p>
+              <a:p>
+                <a:pPr marL="285750" indent="-285750">
+                  <a:buFont typeface="Arial" panose="020B0604020202020204" pitchFamily="34" charset="0"/>
+                  <a:buChar char="•"/>
+                </a:pPr>
+                <a:endParaRPr lang="en-US" dirty="0"/>
+              </a:p>
+              <a:p>
+                <a:pPr marL="285750" indent="-285750">
+                  <a:buFont typeface="Arial" panose="020B0604020202020204" pitchFamily="34" charset="0"/>
+                  <a:buChar char="•"/>
+                </a:pPr>
+                <a:endParaRPr lang="en-US" dirty="0"/>
+              </a:p>
+              <a:p>
+                <a:pPr marL="285750" indent="-285750">
+                  <a:buFont typeface="Arial" panose="020B0604020202020204" pitchFamily="34" charset="0"/>
+                  <a:buChar char="•"/>
+                </a:pPr>
+                <a:endParaRPr lang="en-US" dirty="0"/>
+              </a:p>
+              <a:p>
+                <a:pPr marL="285750" indent="-285750">
+                  <a:buFont typeface="Arial" panose="020B0604020202020204" pitchFamily="34" charset="0"/>
+                  <a:buChar char="•"/>
+                </a:pPr>
+                <a:r>
+                  <a:rPr lang="en-US" dirty="0"/>
+                  <a:t>Another way: Using </a:t>
+                </a:r>
+                <a14:m>
+                  <m:oMath xmlns:m="http://schemas.openxmlformats.org/officeDocument/2006/math">
+                    <m:r>
+                      <a:rPr lang="en-US" i="1" smtClean="0">
+                        <a:latin typeface="Cambria Math" panose="02040503050406030204" pitchFamily="18" charset="0"/>
+                        <a:ea typeface="Cambria Math" panose="02040503050406030204" pitchFamily="18" charset="0"/>
+                      </a:rPr>
+                      <m:t>𝛾</m:t>
+                    </m:r>
+                  </m:oMath>
+                </a14:m>
+                <a:endParaRPr lang="en-US" dirty="0"/>
+              </a:p>
+            </p:txBody>
+          </p:sp>
+        </mc:Choice>
+        <mc:Fallback>
+          <p:sp>
+            <p:nvSpPr>
+              <p:cNvPr id="3" name="TextBox 2">
+                <a:extLst>
+                  <a:ext uri="{FF2B5EF4-FFF2-40B4-BE49-F238E27FC236}">
+                    <a16:creationId xmlns:a16="http://schemas.microsoft.com/office/drawing/2014/main" id="{8FAA2BFD-EFE1-2B35-7C53-9F58B97F19E5}"/>
+                  </a:ext>
+                </a:extLst>
+              </p:cNvPr>
+              <p:cNvSpPr txBox="1">
+                <a:spLocks noRot="1" noChangeAspect="1" noMove="1" noResize="1" noEditPoints="1" noAdjustHandles="1" noChangeArrowheads="1" noChangeShapeType="1" noTextEdit="1"/>
+              </p:cNvSpPr>
+              <p:nvPr/>
+            </p:nvSpPr>
+            <p:spPr>
+              <a:xfrm>
+                <a:off x="0" y="461665"/>
+                <a:ext cx="8686800" cy="1754326"/>
+              </a:xfrm>
+              <a:prstGeom prst="rect">
+                <a:avLst/>
+              </a:prstGeom>
+              <a:blipFill>
+                <a:blip r:embed="rId2"/>
+                <a:stretch>
+                  <a:fillRect l="-421" t="-1736" b="-4861"/>
+                </a:stretch>
+              </a:blipFill>
+            </p:spPr>
+            <p:txBody>
+              <a:bodyPr/>
+              <a:lstStyle/>
+              <a:p>
+                <a:r>
+                  <a:rPr lang="en-US">
+                    <a:noFill/>
+                  </a:rPr>
+                  <a:t> </a:t>
+                </a:r>
+              </a:p>
+            </p:txBody>
+          </p:sp>
+        </mc:Fallback>
+      </mc:AlternateContent>
+      <mc:AlternateContent xmlns:mc="http://schemas.openxmlformats.org/markup-compatibility/2006">
+        <mc:Choice xmlns:a14="http://schemas.microsoft.com/office/drawing/2010/main" Requires="a14">
+          <p:sp>
+            <p:nvSpPr>
+              <p:cNvPr id="5" name="TextBox 4">
+                <a:extLst>
+                  <a:ext uri="{FF2B5EF4-FFF2-40B4-BE49-F238E27FC236}">
+                    <a16:creationId xmlns:a16="http://schemas.microsoft.com/office/drawing/2014/main" id="{58D50479-4848-4266-23DD-0ED3299EC736}"/>
+                  </a:ext>
+                </a:extLst>
+              </p:cNvPr>
+              <p:cNvSpPr txBox="1"/>
+              <p:nvPr/>
+            </p:nvSpPr>
+            <p:spPr>
+              <a:xfrm>
+                <a:off x="2706461" y="950709"/>
+                <a:ext cx="3273878" cy="683905"/>
+              </a:xfrm>
+              <a:prstGeom prst="rect">
+                <a:avLst/>
+              </a:prstGeom>
+              <a:noFill/>
+            </p:spPr>
+            <p:txBody>
+              <a:bodyPr wrap="square">
+                <a:spAutoFit/>
+              </a:bodyPr>
+              <a:lstStyle/>
+              <a:p>
+                <a:pPr/>
+                <a14:m>
+                  <m:oMathPara xmlns:m="http://schemas.openxmlformats.org/officeDocument/2006/math">
+                    <m:oMathParaPr>
+                      <m:jc m:val="centerGroup"/>
+                    </m:oMathParaPr>
+                    <m:oMath xmlns:m="http://schemas.openxmlformats.org/officeDocument/2006/math">
+                      <m:sSub>
+                        <m:sSubPr>
+                          <m:ctrlPr>
+                            <a:rPr lang="en-US" i="1" smtClean="0">
+                              <a:latin typeface="Cambria Math" panose="02040503050406030204" pitchFamily="18" charset="0"/>
+                            </a:rPr>
+                          </m:ctrlPr>
+                        </m:sSubPr>
+                        <m:e>
+                          <m:r>
+                            <a:rPr lang="en-US" i="1" smtClean="0">
+                              <a:latin typeface="Cambria Math" panose="02040503050406030204" pitchFamily="18" charset="0"/>
+                              <a:ea typeface="Cambria Math" panose="02040503050406030204" pitchFamily="18" charset="0"/>
+                            </a:rPr>
+                            <m:t>𝜏</m:t>
+                          </m:r>
+                        </m:e>
+                        <m:sub>
+                          <m:r>
+                            <a:rPr lang="en-US" b="0" i="1" smtClean="0">
+                              <a:latin typeface="Cambria Math" panose="02040503050406030204" pitchFamily="18" charset="0"/>
+                            </a:rPr>
+                            <m:t>𝑦𝑥</m:t>
+                          </m:r>
+                        </m:sub>
+                      </m:sSub>
+                      <m:r>
+                        <a:rPr lang="en-US" b="0" i="1" smtClean="0">
+                          <a:latin typeface="Cambria Math" panose="02040503050406030204" pitchFamily="18" charset="0"/>
+                        </a:rPr>
+                        <m:t>=</m:t>
+                      </m:r>
+                      <m:r>
+                        <a:rPr lang="en-US" b="0" i="1" smtClean="0">
+                          <a:latin typeface="Cambria Math" panose="02040503050406030204" pitchFamily="18" charset="0"/>
+                          <a:ea typeface="Cambria Math" panose="02040503050406030204" pitchFamily="18" charset="0"/>
+                        </a:rPr>
+                        <m:t>𝜂</m:t>
+                      </m:r>
+                      <m:f>
+                        <m:fPr>
+                          <m:ctrlPr>
+                            <a:rPr lang="en-US" b="0" i="1" smtClean="0">
+                              <a:latin typeface="Cambria Math" panose="02040503050406030204" pitchFamily="18" charset="0"/>
+                              <a:ea typeface="Cambria Math" panose="02040503050406030204" pitchFamily="18" charset="0"/>
+                            </a:rPr>
+                          </m:ctrlPr>
+                        </m:fPr>
+                        <m:num>
+                          <m:r>
+                            <a:rPr lang="en-US" b="0" i="1" smtClean="0">
+                              <a:latin typeface="Cambria Math" panose="02040503050406030204" pitchFamily="18" charset="0"/>
+                              <a:ea typeface="Cambria Math" panose="02040503050406030204" pitchFamily="18" charset="0"/>
+                            </a:rPr>
+                            <m:t>𝑑</m:t>
+                          </m:r>
+                          <m:sSub>
+                            <m:sSubPr>
+                              <m:ctrlPr>
+                                <a:rPr lang="en-US" b="0" i="1" smtClean="0">
+                                  <a:latin typeface="Cambria Math" panose="02040503050406030204" pitchFamily="18" charset="0"/>
+                                  <a:ea typeface="Cambria Math" panose="02040503050406030204" pitchFamily="18" charset="0"/>
+                                </a:rPr>
+                              </m:ctrlPr>
+                            </m:sSubPr>
+                            <m:e>
+                              <m:r>
+                                <a:rPr lang="en-US" b="0" i="1" smtClean="0">
+                                  <a:latin typeface="Cambria Math" panose="02040503050406030204" pitchFamily="18" charset="0"/>
+                                  <a:ea typeface="Cambria Math" panose="02040503050406030204" pitchFamily="18" charset="0"/>
+                                </a:rPr>
+                                <m:t>𝜐</m:t>
+                              </m:r>
+                            </m:e>
+                            <m:sub>
+                              <m:r>
+                                <a:rPr lang="en-US" b="0" i="1" smtClean="0">
+                                  <a:latin typeface="Cambria Math" panose="02040503050406030204" pitchFamily="18" charset="0"/>
+                                  <a:ea typeface="Cambria Math" panose="02040503050406030204" pitchFamily="18" charset="0"/>
+                                </a:rPr>
+                                <m:t>𝑥</m:t>
+                              </m:r>
+                            </m:sub>
+                          </m:sSub>
+                        </m:num>
+                        <m:den>
+                          <m:r>
+                            <a:rPr lang="en-US" b="0" i="1" smtClean="0">
+                              <a:latin typeface="Cambria Math" panose="02040503050406030204" pitchFamily="18" charset="0"/>
+                              <a:ea typeface="Cambria Math" panose="02040503050406030204" pitchFamily="18" charset="0"/>
+                            </a:rPr>
+                            <m:t>𝑑𝑦</m:t>
+                          </m:r>
+                        </m:den>
+                      </m:f>
+                      <m:r>
+                        <a:rPr lang="en-US" b="0" i="1" smtClean="0">
+                          <a:latin typeface="Cambria Math" panose="02040503050406030204" pitchFamily="18" charset="0"/>
+                          <a:ea typeface="Cambria Math" panose="02040503050406030204" pitchFamily="18" charset="0"/>
+                        </a:rPr>
+                        <m:t>≈</m:t>
+                      </m:r>
+                      <m:r>
+                        <a:rPr lang="en-US" b="0" i="1" smtClean="0">
+                          <a:latin typeface="Cambria Math" panose="02040503050406030204" pitchFamily="18" charset="0"/>
+                          <a:ea typeface="Cambria Math" panose="02040503050406030204" pitchFamily="18" charset="0"/>
+                        </a:rPr>
+                        <m:t>𝜂</m:t>
+                      </m:r>
+                      <m:f>
+                        <m:fPr>
+                          <m:ctrlPr>
+                            <a:rPr lang="en-US" b="0" i="1" smtClean="0">
+                              <a:latin typeface="Cambria Math" panose="02040503050406030204" pitchFamily="18" charset="0"/>
+                              <a:ea typeface="Cambria Math" panose="02040503050406030204" pitchFamily="18" charset="0"/>
+                            </a:rPr>
+                          </m:ctrlPr>
+                        </m:fPr>
+                        <m:num>
+                          <m:r>
+                            <a:rPr lang="en-US" b="0" i="1" smtClean="0">
+                              <a:latin typeface="Cambria Math" panose="02040503050406030204" pitchFamily="18" charset="0"/>
+                              <a:ea typeface="Cambria Math" panose="02040503050406030204" pitchFamily="18" charset="0"/>
+                            </a:rPr>
+                            <m:t>∆</m:t>
+                          </m:r>
+                          <m:sSub>
+                            <m:sSubPr>
+                              <m:ctrlPr>
+                                <a:rPr lang="en-US" b="0" i="1" smtClean="0">
+                                  <a:latin typeface="Cambria Math" panose="02040503050406030204" pitchFamily="18" charset="0"/>
+                                  <a:ea typeface="Cambria Math" panose="02040503050406030204" pitchFamily="18" charset="0"/>
+                                </a:rPr>
+                              </m:ctrlPr>
+                            </m:sSubPr>
+                            <m:e>
+                              <m:r>
+                                <a:rPr lang="en-US" b="0" i="1" smtClean="0">
+                                  <a:latin typeface="Cambria Math" panose="02040503050406030204" pitchFamily="18" charset="0"/>
+                                  <a:ea typeface="Cambria Math" panose="02040503050406030204" pitchFamily="18" charset="0"/>
+                                </a:rPr>
+                                <m:t>𝜐</m:t>
+                              </m:r>
+                            </m:e>
+                            <m:sub>
+                              <m:r>
+                                <a:rPr lang="en-US" b="0" i="1" smtClean="0">
+                                  <a:latin typeface="Cambria Math" panose="02040503050406030204" pitchFamily="18" charset="0"/>
+                                  <a:ea typeface="Cambria Math" panose="02040503050406030204" pitchFamily="18" charset="0"/>
+                                </a:rPr>
+                                <m:t>𝑥</m:t>
+                              </m:r>
+                            </m:sub>
+                          </m:sSub>
+                        </m:num>
+                        <m:den>
+                          <m:r>
+                            <a:rPr lang="en-US" b="0" i="1" smtClean="0">
+                              <a:latin typeface="Cambria Math" panose="02040503050406030204" pitchFamily="18" charset="0"/>
+                              <a:ea typeface="Cambria Math" panose="02040503050406030204" pitchFamily="18" charset="0"/>
+                            </a:rPr>
+                            <m:t>∆</m:t>
+                          </m:r>
+                          <m:r>
+                            <a:rPr lang="en-US" b="0" i="1" smtClean="0">
+                              <a:latin typeface="Cambria Math" panose="02040503050406030204" pitchFamily="18" charset="0"/>
+                              <a:ea typeface="Cambria Math" panose="02040503050406030204" pitchFamily="18" charset="0"/>
+                            </a:rPr>
+                            <m:t>𝑦</m:t>
+                          </m:r>
+                        </m:den>
+                      </m:f>
+                      <m:r>
+                        <a:rPr lang="en-US" b="0" i="1" smtClean="0">
+                          <a:latin typeface="Cambria Math" panose="02040503050406030204" pitchFamily="18" charset="0"/>
+                          <a:ea typeface="Cambria Math" panose="02040503050406030204" pitchFamily="18" charset="0"/>
+                        </a:rPr>
+                        <m:t>=</m:t>
+                      </m:r>
+                      <m:r>
+                        <a:rPr lang="en-US" b="0" i="1" smtClean="0">
+                          <a:latin typeface="Cambria Math" panose="02040503050406030204" pitchFamily="18" charset="0"/>
+                          <a:ea typeface="Cambria Math" panose="02040503050406030204" pitchFamily="18" charset="0"/>
+                        </a:rPr>
+                        <m:t>𝜂</m:t>
+                      </m:r>
+                      <m:f>
+                        <m:fPr>
+                          <m:ctrlPr>
+                            <a:rPr lang="en-US" b="0" i="1" smtClean="0">
+                              <a:latin typeface="Cambria Math" panose="02040503050406030204" pitchFamily="18" charset="0"/>
+                              <a:ea typeface="Cambria Math" panose="02040503050406030204" pitchFamily="18" charset="0"/>
+                            </a:rPr>
+                          </m:ctrlPr>
+                        </m:fPr>
+                        <m:num>
+                          <m:r>
+                            <a:rPr lang="en-US" b="0" i="1" smtClean="0">
+                              <a:latin typeface="Cambria Math" panose="02040503050406030204" pitchFamily="18" charset="0"/>
+                              <a:ea typeface="Cambria Math" panose="02040503050406030204" pitchFamily="18" charset="0"/>
+                            </a:rPr>
+                            <m:t>𝑉</m:t>
+                          </m:r>
+                        </m:num>
+                        <m:den>
+                          <m:r>
+                            <a:rPr lang="en-US" b="0" i="1" smtClean="0">
+                              <a:latin typeface="Cambria Math" panose="02040503050406030204" pitchFamily="18" charset="0"/>
+                              <a:ea typeface="Cambria Math" panose="02040503050406030204" pitchFamily="18" charset="0"/>
+                            </a:rPr>
+                            <m:t>𝐻</m:t>
+                          </m:r>
+                        </m:den>
+                      </m:f>
+                    </m:oMath>
+                  </m:oMathPara>
+                </a14:m>
+                <a:endParaRPr lang="en-US" dirty="0"/>
+              </a:p>
+            </p:txBody>
+          </p:sp>
+        </mc:Choice>
+        <mc:Fallback>
+          <p:sp>
+            <p:nvSpPr>
+              <p:cNvPr id="5" name="TextBox 4">
+                <a:extLst>
+                  <a:ext uri="{FF2B5EF4-FFF2-40B4-BE49-F238E27FC236}">
+                    <a16:creationId xmlns:a16="http://schemas.microsoft.com/office/drawing/2014/main" id="{58D50479-4848-4266-23DD-0ED3299EC736}"/>
+                  </a:ext>
+                </a:extLst>
+              </p:cNvPr>
+              <p:cNvSpPr txBox="1">
+                <a:spLocks noRot="1" noChangeAspect="1" noMove="1" noResize="1" noEditPoints="1" noAdjustHandles="1" noChangeArrowheads="1" noChangeShapeType="1" noTextEdit="1"/>
+              </p:cNvSpPr>
+              <p:nvPr/>
+            </p:nvSpPr>
+            <p:spPr>
+              <a:xfrm>
+                <a:off x="2706461" y="950709"/>
+                <a:ext cx="3273878" cy="683905"/>
+              </a:xfrm>
+              <a:prstGeom prst="rect">
+                <a:avLst/>
+              </a:prstGeom>
+              <a:blipFill>
+                <a:blip r:embed="rId3"/>
+                <a:stretch>
+                  <a:fillRect/>
+                </a:stretch>
+              </a:blipFill>
+            </p:spPr>
+            <p:txBody>
+              <a:bodyPr/>
+              <a:lstStyle/>
+              <a:p>
+                <a:r>
+                  <a:rPr lang="en-US">
+                    <a:noFill/>
+                  </a:rPr>
+                  <a:t> </a:t>
+                </a:r>
+              </a:p>
+            </p:txBody>
+          </p:sp>
+        </mc:Fallback>
+      </mc:AlternateContent>
+      <p:cxnSp>
+        <p:nvCxnSpPr>
+          <p:cNvPr id="7" name="Straight Arrow Connector 6">
+            <a:extLst>
+              <a:ext uri="{FF2B5EF4-FFF2-40B4-BE49-F238E27FC236}">
+                <a16:creationId xmlns:a16="http://schemas.microsoft.com/office/drawing/2014/main" id="{B18BBD19-4B30-7C6E-1322-ABC8190E07DB}"/>
+              </a:ext>
+            </a:extLst>
+          </p:cNvPr>
+          <p:cNvCxnSpPr>
+            <a:cxnSpLocks/>
+            <a:endCxn id="5" idx="3"/>
+          </p:cNvCxnSpPr>
+          <p:nvPr/>
+        </p:nvCxnSpPr>
+        <p:spPr>
+          <a:xfrm flipH="1">
+            <a:off x="5980339" y="1292662"/>
+            <a:ext cx="371475" cy="0"/>
+          </a:xfrm>
+          <a:prstGeom prst="straightConnector1">
+            <a:avLst/>
+          </a:prstGeom>
+          <a:ln>
+            <a:tailEnd type="triangle"/>
+          </a:ln>
+        </p:spPr>
+        <p:style>
+          <a:lnRef idx="2">
+            <a:schemeClr val="accent1"/>
+          </a:lnRef>
+          <a:fillRef idx="0">
+            <a:schemeClr val="accent1"/>
+          </a:fillRef>
+          <a:effectRef idx="1">
+            <a:schemeClr val="accent1"/>
+          </a:effectRef>
+          <a:fontRef idx="minor">
+            <a:schemeClr val="tx1"/>
+          </a:fontRef>
+        </p:style>
+      </p:cxnSp>
+      <p:sp>
+        <p:nvSpPr>
+          <p:cNvPr id="9" name="TextBox 8">
+            <a:extLst>
+              <a:ext uri="{FF2B5EF4-FFF2-40B4-BE49-F238E27FC236}">
+                <a16:creationId xmlns:a16="http://schemas.microsoft.com/office/drawing/2014/main" id="{B27678D0-318A-BBAA-DF69-1E1DDA560ADC}"/>
+              </a:ext>
+            </a:extLst>
+          </p:cNvPr>
+          <p:cNvSpPr txBox="1"/>
+          <p:nvPr/>
+        </p:nvSpPr>
+        <p:spPr>
+          <a:xfrm>
+            <a:off x="6351814" y="692496"/>
+            <a:ext cx="2090056" cy="1200329"/>
+          </a:xfrm>
+          <a:prstGeom prst="rect">
+            <a:avLst/>
+          </a:prstGeom>
+          <a:noFill/>
+        </p:spPr>
+        <p:txBody>
+          <a:bodyPr wrap="square" rtlCol="0">
+            <a:spAutoFit/>
+          </a:bodyPr>
+          <a:lstStyle/>
+          <a:p>
+            <a:r>
+              <a:rPr lang="en-US" dirty="0"/>
+              <a:t>At the point where the fluid is in contact with the moving plate</a:t>
+            </a:r>
+          </a:p>
+        </p:txBody>
+      </p:sp>
+      <p:pic>
+        <p:nvPicPr>
+          <p:cNvPr id="11" name="Picture 10">
+            <a:extLst>
+              <a:ext uri="{FF2B5EF4-FFF2-40B4-BE49-F238E27FC236}">
+                <a16:creationId xmlns:a16="http://schemas.microsoft.com/office/drawing/2014/main" id="{150AB39F-4216-1D33-79BC-0E75B435DEB2}"/>
+              </a:ext>
+            </a:extLst>
+          </p:cNvPr>
+          <p:cNvPicPr>
+            <a:picLocks noChangeAspect="1"/>
+          </p:cNvPicPr>
+          <p:nvPr/>
+        </p:nvPicPr>
+        <p:blipFill>
+          <a:blip r:embed="rId4"/>
+          <a:stretch>
+            <a:fillRect/>
+          </a:stretch>
+        </p:blipFill>
+        <p:spPr>
+          <a:xfrm>
+            <a:off x="4167272" y="2215991"/>
+            <a:ext cx="4258269" cy="2114845"/>
+          </a:xfrm>
+          <a:prstGeom prst="rect">
+            <a:avLst/>
+          </a:prstGeom>
+        </p:spPr>
+      </p:pic>
+      <mc:AlternateContent xmlns:mc="http://schemas.openxmlformats.org/markup-compatibility/2006">
+        <mc:Choice xmlns:a14="http://schemas.microsoft.com/office/drawing/2010/main" Requires="a14">
+          <p:sp>
+            <p:nvSpPr>
+              <p:cNvPr id="12" name="TextBox 11">
+                <a:extLst>
+                  <a:ext uri="{FF2B5EF4-FFF2-40B4-BE49-F238E27FC236}">
+                    <a16:creationId xmlns:a16="http://schemas.microsoft.com/office/drawing/2014/main" id="{7EDC27B9-6C4A-E30C-9321-4E9DE4680EBE}"/>
+                  </a:ext>
+                </a:extLst>
+              </p:cNvPr>
+              <p:cNvSpPr txBox="1"/>
+              <p:nvPr/>
+            </p:nvSpPr>
+            <p:spPr>
+              <a:xfrm>
+                <a:off x="762299" y="2226098"/>
+                <a:ext cx="1789464" cy="518604"/>
+              </a:xfrm>
+              <a:prstGeom prst="rect">
+                <a:avLst/>
+              </a:prstGeom>
+              <a:noFill/>
+            </p:spPr>
+            <p:txBody>
+              <a:bodyPr wrap="none" lIns="0" tIns="0" rIns="0" bIns="0" rtlCol="0">
+                <a:spAutoFit/>
+              </a:bodyPr>
+              <a:lstStyle/>
+              <a:p>
+                <a14:m>
+                  <m:oMathPara xmlns:m="http://schemas.openxmlformats.org/officeDocument/2006/math">
+                    <m:oMathParaPr>
+                      <m:jc m:val="centerGroup"/>
+                    </m:oMathParaPr>
+                    <m:oMath xmlns:m="http://schemas.openxmlformats.org/officeDocument/2006/math">
+                      <m:func>
+                        <m:funcPr>
+                          <m:ctrlPr>
+                            <a:rPr lang="en-US" i="1" smtClean="0">
+                              <a:latin typeface="Cambria Math" panose="02040503050406030204" pitchFamily="18" charset="0"/>
+                            </a:rPr>
+                          </m:ctrlPr>
+                        </m:funcPr>
+                        <m:fName>
+                          <m:r>
+                            <m:rPr>
+                              <m:sty m:val="p"/>
+                            </m:rPr>
+                            <a:rPr lang="en-US" i="0" smtClean="0">
+                              <a:latin typeface="Cambria Math" panose="02040503050406030204" pitchFamily="18" charset="0"/>
+                            </a:rPr>
+                            <m:t>tan</m:t>
+                          </m:r>
+                        </m:fName>
+                        <m:e>
+                          <m:r>
+                            <a:rPr lang="en-US" i="1" smtClean="0">
+                              <a:latin typeface="Cambria Math" panose="02040503050406030204" pitchFamily="18" charset="0"/>
+                              <a:ea typeface="Cambria Math" panose="02040503050406030204" pitchFamily="18" charset="0"/>
+                            </a:rPr>
+                            <m:t>𝛾</m:t>
+                          </m:r>
+                        </m:e>
+                      </m:func>
+                      <m:r>
+                        <a:rPr lang="en-US" b="0" i="1" smtClean="0">
+                          <a:latin typeface="Cambria Math" panose="02040503050406030204" pitchFamily="18" charset="0"/>
+                        </a:rPr>
+                        <m:t>=</m:t>
+                      </m:r>
+                      <m:f>
+                        <m:fPr>
+                          <m:ctrlPr>
+                            <a:rPr lang="en-US" b="0" i="1" smtClean="0">
+                              <a:latin typeface="Cambria Math" panose="02040503050406030204" pitchFamily="18" charset="0"/>
+                            </a:rPr>
+                          </m:ctrlPr>
+                        </m:fPr>
+                        <m:num>
+                          <m:r>
+                            <a:rPr lang="en-US" b="0" i="1" smtClean="0">
+                              <a:latin typeface="Cambria Math" panose="02040503050406030204" pitchFamily="18" charset="0"/>
+                              <a:ea typeface="Cambria Math" panose="02040503050406030204" pitchFamily="18" charset="0"/>
+                            </a:rPr>
+                            <m:t>∆</m:t>
+                          </m:r>
+                          <m:r>
+                            <a:rPr lang="en-US" b="0" i="1" smtClean="0">
+                              <a:latin typeface="Cambria Math" panose="02040503050406030204" pitchFamily="18" charset="0"/>
+                              <a:ea typeface="Cambria Math" panose="02040503050406030204" pitchFamily="18" charset="0"/>
+                            </a:rPr>
+                            <m:t>𝑥</m:t>
+                          </m:r>
+                        </m:num>
+                        <m:den>
+                          <m:r>
+                            <a:rPr lang="en-US" b="0" i="1" smtClean="0">
+                              <a:latin typeface="Cambria Math" panose="02040503050406030204" pitchFamily="18" charset="0"/>
+                            </a:rPr>
+                            <m:t>𝐻</m:t>
+                          </m:r>
+                        </m:den>
+                      </m:f>
+                      <m:r>
+                        <a:rPr lang="en-US" b="0" i="1" smtClean="0">
+                          <a:latin typeface="Cambria Math" panose="02040503050406030204" pitchFamily="18" charset="0"/>
+                        </a:rPr>
+                        <m:t>=</m:t>
+                      </m:r>
+                      <m:f>
+                        <m:fPr>
+                          <m:ctrlPr>
+                            <a:rPr lang="en-US" b="0" i="1" smtClean="0">
+                              <a:latin typeface="Cambria Math" panose="02040503050406030204" pitchFamily="18" charset="0"/>
+                            </a:rPr>
+                          </m:ctrlPr>
+                        </m:fPr>
+                        <m:num>
+                          <m:r>
+                            <a:rPr lang="en-US" b="0" i="1" smtClean="0">
+                              <a:latin typeface="Cambria Math" panose="02040503050406030204" pitchFamily="18" charset="0"/>
+                            </a:rPr>
+                            <m:t>𝑉</m:t>
+                          </m:r>
+                          <m:r>
+                            <a:rPr lang="en-US" b="0" i="1" smtClean="0">
+                              <a:latin typeface="Cambria Math" panose="02040503050406030204" pitchFamily="18" charset="0"/>
+                              <a:ea typeface="Cambria Math" panose="02040503050406030204" pitchFamily="18" charset="0"/>
+                            </a:rPr>
+                            <m:t>∆</m:t>
+                          </m:r>
+                          <m:r>
+                            <a:rPr lang="en-US" b="0" i="1" smtClean="0">
+                              <a:latin typeface="Cambria Math" panose="02040503050406030204" pitchFamily="18" charset="0"/>
+                              <a:ea typeface="Cambria Math" panose="02040503050406030204" pitchFamily="18" charset="0"/>
+                            </a:rPr>
+                            <m:t>𝑡</m:t>
+                          </m:r>
+                        </m:num>
+                        <m:den>
+                          <m:r>
+                            <a:rPr lang="en-US" b="0" i="1" smtClean="0">
+                              <a:latin typeface="Cambria Math" panose="02040503050406030204" pitchFamily="18" charset="0"/>
+                            </a:rPr>
+                            <m:t>𝐻</m:t>
+                          </m:r>
+                        </m:den>
+                      </m:f>
+                    </m:oMath>
+                  </m:oMathPara>
+                </a14:m>
+                <a:endParaRPr lang="en-US" dirty="0"/>
+              </a:p>
+            </p:txBody>
+          </p:sp>
+        </mc:Choice>
+        <mc:Fallback>
+          <p:sp>
+            <p:nvSpPr>
+              <p:cNvPr id="12" name="TextBox 11">
+                <a:extLst>
+                  <a:ext uri="{FF2B5EF4-FFF2-40B4-BE49-F238E27FC236}">
+                    <a16:creationId xmlns:a16="http://schemas.microsoft.com/office/drawing/2014/main" id="{7EDC27B9-6C4A-E30C-9321-4E9DE4680EBE}"/>
+                  </a:ext>
+                </a:extLst>
+              </p:cNvPr>
+              <p:cNvSpPr txBox="1">
+                <a:spLocks noRot="1" noChangeAspect="1" noMove="1" noResize="1" noEditPoints="1" noAdjustHandles="1" noChangeArrowheads="1" noChangeShapeType="1" noTextEdit="1"/>
+              </p:cNvSpPr>
+              <p:nvPr/>
+            </p:nvSpPr>
+            <p:spPr>
+              <a:xfrm>
+                <a:off x="762299" y="2226098"/>
+                <a:ext cx="1789464" cy="518604"/>
+              </a:xfrm>
+              <a:prstGeom prst="rect">
+                <a:avLst/>
+              </a:prstGeom>
+              <a:blipFill>
+                <a:blip r:embed="rId5"/>
+                <a:stretch>
+                  <a:fillRect/>
+                </a:stretch>
+              </a:blipFill>
+            </p:spPr>
+            <p:txBody>
+              <a:bodyPr/>
+              <a:lstStyle/>
+              <a:p>
+                <a:r>
+                  <a:rPr lang="en-US">
+                    <a:noFill/>
+                  </a:rPr>
+                  <a:t> </a:t>
+                </a:r>
+              </a:p>
+            </p:txBody>
+          </p:sp>
+        </mc:Fallback>
+      </mc:AlternateContent>
+      <mc:AlternateContent xmlns:mc="http://schemas.openxmlformats.org/markup-compatibility/2006">
+        <mc:Choice xmlns:a14="http://schemas.microsoft.com/office/drawing/2010/main" Requires="a14">
+          <p:sp>
+            <p:nvSpPr>
+              <p:cNvPr id="13" name="TextBox 12">
+                <a:extLst>
+                  <a:ext uri="{FF2B5EF4-FFF2-40B4-BE49-F238E27FC236}">
+                    <a16:creationId xmlns:a16="http://schemas.microsoft.com/office/drawing/2014/main" id="{F543ADA4-4FCB-6A69-ABEA-335515A261B3}"/>
+                  </a:ext>
+                </a:extLst>
+              </p:cNvPr>
+              <p:cNvSpPr txBox="1"/>
+              <p:nvPr/>
+            </p:nvSpPr>
+            <p:spPr>
+              <a:xfrm>
+                <a:off x="974889" y="2904081"/>
+                <a:ext cx="1364284" cy="369332"/>
+              </a:xfrm>
+              <a:prstGeom prst="rect">
+                <a:avLst/>
+              </a:prstGeom>
+              <a:noFill/>
+            </p:spPr>
+            <p:txBody>
+              <a:bodyPr wrap="none" rtlCol="0">
+                <a:spAutoFit/>
+              </a:bodyPr>
+              <a:lstStyle/>
+              <a:p>
+                <a:r>
+                  <a:rPr lang="en-US" dirty="0"/>
+                  <a:t>If </a:t>
+                </a:r>
+                <a14:m>
+                  <m:oMath xmlns:m="http://schemas.openxmlformats.org/officeDocument/2006/math">
+                    <m:r>
+                      <a:rPr lang="en-US" i="1" smtClean="0">
+                        <a:latin typeface="Cambria Math" panose="02040503050406030204" pitchFamily="18" charset="0"/>
+                        <a:ea typeface="Cambria Math" panose="02040503050406030204" pitchFamily="18" charset="0"/>
+                      </a:rPr>
+                      <m:t>𝛾</m:t>
+                    </m:r>
+                  </m:oMath>
+                </a14:m>
+                <a:r>
+                  <a:rPr lang="en-US" dirty="0"/>
+                  <a:t> is small:</a:t>
+                </a:r>
+              </a:p>
+            </p:txBody>
+          </p:sp>
+        </mc:Choice>
+        <mc:Fallback>
+          <p:sp>
+            <p:nvSpPr>
+              <p:cNvPr id="13" name="TextBox 12">
+                <a:extLst>
+                  <a:ext uri="{FF2B5EF4-FFF2-40B4-BE49-F238E27FC236}">
+                    <a16:creationId xmlns:a16="http://schemas.microsoft.com/office/drawing/2014/main" id="{F543ADA4-4FCB-6A69-ABEA-335515A261B3}"/>
+                  </a:ext>
+                </a:extLst>
+              </p:cNvPr>
+              <p:cNvSpPr txBox="1">
+                <a:spLocks noRot="1" noChangeAspect="1" noMove="1" noResize="1" noEditPoints="1" noAdjustHandles="1" noChangeArrowheads="1" noChangeShapeType="1" noTextEdit="1"/>
+              </p:cNvSpPr>
+              <p:nvPr/>
+            </p:nvSpPr>
+            <p:spPr>
+              <a:xfrm>
+                <a:off x="974889" y="2904081"/>
+                <a:ext cx="1364284" cy="369332"/>
+              </a:xfrm>
+              <a:prstGeom prst="rect">
+                <a:avLst/>
+              </a:prstGeom>
+              <a:blipFill>
+                <a:blip r:embed="rId6"/>
+                <a:stretch>
+                  <a:fillRect l="-4018" t="-6557" r="-3125" b="-26230"/>
+                </a:stretch>
+              </a:blipFill>
+            </p:spPr>
+            <p:txBody>
+              <a:bodyPr/>
+              <a:lstStyle/>
+              <a:p>
+                <a:r>
+                  <a:rPr lang="en-US">
+                    <a:noFill/>
+                  </a:rPr>
+                  <a:t> </a:t>
+                </a:r>
+              </a:p>
+            </p:txBody>
+          </p:sp>
+        </mc:Fallback>
+      </mc:AlternateContent>
+      <mc:AlternateContent xmlns:mc="http://schemas.openxmlformats.org/markup-compatibility/2006">
+        <mc:Choice xmlns:a14="http://schemas.microsoft.com/office/drawing/2010/main" Requires="a14">
+          <p:sp>
+            <p:nvSpPr>
+              <p:cNvPr id="14" name="TextBox 13">
+                <a:extLst>
+                  <a:ext uri="{FF2B5EF4-FFF2-40B4-BE49-F238E27FC236}">
+                    <a16:creationId xmlns:a16="http://schemas.microsoft.com/office/drawing/2014/main" id="{57CD6B2E-1F99-4120-B7F0-AFB290602A48}"/>
+                  </a:ext>
+                </a:extLst>
+              </p:cNvPr>
+              <p:cNvSpPr txBox="1"/>
+              <p:nvPr/>
+            </p:nvSpPr>
+            <p:spPr>
+              <a:xfrm>
+                <a:off x="610182" y="3273413"/>
+                <a:ext cx="2096279" cy="518604"/>
+              </a:xfrm>
+              <a:prstGeom prst="rect">
+                <a:avLst/>
+              </a:prstGeom>
+              <a:noFill/>
+            </p:spPr>
+            <p:txBody>
+              <a:bodyPr wrap="none" lIns="0" tIns="0" rIns="0" bIns="0" rtlCol="0">
+                <a:spAutoFit/>
+              </a:bodyPr>
+              <a:lstStyle/>
+              <a:p>
+                <a14:m>
+                  <m:oMathPara xmlns:m="http://schemas.openxmlformats.org/officeDocument/2006/math">
+                    <m:oMathParaPr>
+                      <m:jc m:val="centerGroup"/>
+                    </m:oMathParaPr>
+                    <m:oMath xmlns:m="http://schemas.openxmlformats.org/officeDocument/2006/math">
+                      <m:func>
+                        <m:funcPr>
+                          <m:ctrlPr>
+                            <a:rPr lang="en-US" i="1" smtClean="0">
+                              <a:latin typeface="Cambria Math" panose="02040503050406030204" pitchFamily="18" charset="0"/>
+                            </a:rPr>
+                          </m:ctrlPr>
+                        </m:funcPr>
+                        <m:fName>
+                          <m:r>
+                            <m:rPr>
+                              <m:sty m:val="p"/>
+                            </m:rPr>
+                            <a:rPr lang="en-US" i="0" smtClean="0">
+                              <a:latin typeface="Cambria Math" panose="02040503050406030204" pitchFamily="18" charset="0"/>
+                            </a:rPr>
+                            <m:t>tan</m:t>
+                          </m:r>
+                        </m:fName>
+                        <m:e>
+                          <m:r>
+                            <a:rPr lang="en-US" i="1" smtClean="0">
+                              <a:latin typeface="Cambria Math" panose="02040503050406030204" pitchFamily="18" charset="0"/>
+                              <a:ea typeface="Cambria Math" panose="02040503050406030204" pitchFamily="18" charset="0"/>
+                            </a:rPr>
+                            <m:t>𝛾</m:t>
+                          </m:r>
+                        </m:e>
+                      </m:func>
+                      <m:r>
+                        <a:rPr lang="en-US" i="1" smtClean="0">
+                          <a:latin typeface="Cambria Math" panose="02040503050406030204" pitchFamily="18" charset="0"/>
+                          <a:ea typeface="Cambria Math" panose="02040503050406030204" pitchFamily="18" charset="0"/>
+                        </a:rPr>
+                        <m:t>≈</m:t>
+                      </m:r>
+                      <m:r>
+                        <a:rPr lang="en-US" i="1" smtClean="0">
+                          <a:latin typeface="Cambria Math" panose="02040503050406030204" pitchFamily="18" charset="0"/>
+                          <a:ea typeface="Cambria Math" panose="02040503050406030204" pitchFamily="18" charset="0"/>
+                        </a:rPr>
+                        <m:t>𝛾</m:t>
+                      </m:r>
+                      <m:r>
+                        <a:rPr lang="en-US" i="1" smtClean="0">
+                          <a:latin typeface="Cambria Math" panose="02040503050406030204" pitchFamily="18" charset="0"/>
+                          <a:ea typeface="Cambria Math" panose="02040503050406030204" pitchFamily="18" charset="0"/>
+                        </a:rPr>
+                        <m:t>→</m:t>
+                      </m:r>
+                      <m:r>
+                        <a:rPr lang="en-US" i="1" smtClean="0">
+                          <a:latin typeface="Cambria Math" panose="02040503050406030204" pitchFamily="18" charset="0"/>
+                          <a:ea typeface="Cambria Math" panose="02040503050406030204" pitchFamily="18" charset="0"/>
+                        </a:rPr>
+                        <m:t>𝛾</m:t>
+                      </m:r>
+                      <m:r>
+                        <a:rPr lang="en-US" b="0" i="1" smtClean="0">
+                          <a:latin typeface="Cambria Math" panose="02040503050406030204" pitchFamily="18" charset="0"/>
+                          <a:ea typeface="Cambria Math" panose="02040503050406030204" pitchFamily="18" charset="0"/>
+                        </a:rPr>
+                        <m:t>=</m:t>
+                      </m:r>
+                      <m:f>
+                        <m:fPr>
+                          <m:ctrlPr>
+                            <a:rPr lang="en-US" b="0" i="1" smtClean="0">
+                              <a:latin typeface="Cambria Math" panose="02040503050406030204" pitchFamily="18" charset="0"/>
+                              <a:ea typeface="Cambria Math" panose="02040503050406030204" pitchFamily="18" charset="0"/>
+                            </a:rPr>
+                          </m:ctrlPr>
+                        </m:fPr>
+                        <m:num>
+                          <m:r>
+                            <a:rPr lang="en-US" b="0" i="1" smtClean="0">
+                              <a:latin typeface="Cambria Math" panose="02040503050406030204" pitchFamily="18" charset="0"/>
+                              <a:ea typeface="Cambria Math" panose="02040503050406030204" pitchFamily="18" charset="0"/>
+                            </a:rPr>
+                            <m:t>𝑉</m:t>
+                          </m:r>
+                          <m:r>
+                            <a:rPr lang="en-US" b="0" i="1" smtClean="0">
+                              <a:latin typeface="Cambria Math" panose="02040503050406030204" pitchFamily="18" charset="0"/>
+                              <a:ea typeface="Cambria Math" panose="02040503050406030204" pitchFamily="18" charset="0"/>
+                            </a:rPr>
+                            <m:t>∆</m:t>
+                          </m:r>
+                          <m:r>
+                            <a:rPr lang="en-US" b="0" i="1" smtClean="0">
+                              <a:latin typeface="Cambria Math" panose="02040503050406030204" pitchFamily="18" charset="0"/>
+                              <a:ea typeface="Cambria Math" panose="02040503050406030204" pitchFamily="18" charset="0"/>
+                            </a:rPr>
+                            <m:t>𝑡</m:t>
+                          </m:r>
+                        </m:num>
+                        <m:den>
+                          <m:r>
+                            <a:rPr lang="en-US" b="0" i="1" smtClean="0">
+                              <a:latin typeface="Cambria Math" panose="02040503050406030204" pitchFamily="18" charset="0"/>
+                              <a:ea typeface="Cambria Math" panose="02040503050406030204" pitchFamily="18" charset="0"/>
+                            </a:rPr>
+                            <m:t>𝐻</m:t>
+                          </m:r>
+                        </m:den>
+                      </m:f>
+                    </m:oMath>
+                  </m:oMathPara>
+                </a14:m>
+                <a:endParaRPr lang="en-US" dirty="0"/>
+              </a:p>
+            </p:txBody>
+          </p:sp>
+        </mc:Choice>
+        <mc:Fallback>
+          <p:sp>
+            <p:nvSpPr>
+              <p:cNvPr id="14" name="TextBox 13">
+                <a:extLst>
+                  <a:ext uri="{FF2B5EF4-FFF2-40B4-BE49-F238E27FC236}">
+                    <a16:creationId xmlns:a16="http://schemas.microsoft.com/office/drawing/2014/main" id="{57CD6B2E-1F99-4120-B7F0-AFB290602A48}"/>
+                  </a:ext>
+                </a:extLst>
+              </p:cNvPr>
+              <p:cNvSpPr txBox="1">
+                <a:spLocks noRot="1" noChangeAspect="1" noMove="1" noResize="1" noEditPoints="1" noAdjustHandles="1" noChangeArrowheads="1" noChangeShapeType="1" noTextEdit="1"/>
+              </p:cNvSpPr>
+              <p:nvPr/>
+            </p:nvSpPr>
+            <p:spPr>
+              <a:xfrm>
+                <a:off x="610182" y="3273413"/>
+                <a:ext cx="2096279" cy="518604"/>
+              </a:xfrm>
+              <a:prstGeom prst="rect">
+                <a:avLst/>
+              </a:prstGeom>
+              <a:blipFill>
+                <a:blip r:embed="rId7"/>
+                <a:stretch>
+                  <a:fillRect/>
+                </a:stretch>
+              </a:blipFill>
+            </p:spPr>
+            <p:txBody>
+              <a:bodyPr/>
+              <a:lstStyle/>
+              <a:p>
+                <a:r>
+                  <a:rPr lang="en-US">
+                    <a:noFill/>
+                  </a:rPr>
+                  <a:t> </a:t>
+                </a:r>
+              </a:p>
+            </p:txBody>
+          </p:sp>
+        </mc:Fallback>
+      </mc:AlternateContent>
+      <mc:AlternateContent xmlns:mc="http://schemas.openxmlformats.org/markup-compatibility/2006">
+        <mc:Choice xmlns:a14="http://schemas.microsoft.com/office/drawing/2010/main" Requires="a14">
+          <p:sp>
+            <p:nvSpPr>
+              <p:cNvPr id="15" name="TextBox 14">
+                <a:extLst>
+                  <a:ext uri="{FF2B5EF4-FFF2-40B4-BE49-F238E27FC236}">
+                    <a16:creationId xmlns:a16="http://schemas.microsoft.com/office/drawing/2014/main" id="{54122E0C-020A-68C2-B582-90E1DC718E0C}"/>
+                  </a:ext>
+                </a:extLst>
+              </p:cNvPr>
+              <p:cNvSpPr txBox="1"/>
+              <p:nvPr/>
+            </p:nvSpPr>
+            <p:spPr>
+              <a:xfrm>
+                <a:off x="2159573" y="3921067"/>
+                <a:ext cx="1746440" cy="525913"/>
+              </a:xfrm>
+              <a:prstGeom prst="rect">
+                <a:avLst/>
+              </a:prstGeom>
+              <a:noFill/>
+            </p:spPr>
+            <p:txBody>
+              <a:bodyPr wrap="none" lIns="0" tIns="0" rIns="0" bIns="0" rtlCol="0">
+                <a:spAutoFit/>
+              </a:bodyPr>
+              <a:lstStyle/>
+              <a:p>
+                <a14:m>
+                  <m:oMathPara xmlns:m="http://schemas.openxmlformats.org/officeDocument/2006/math">
+                    <m:oMathParaPr>
+                      <m:jc m:val="centerGroup"/>
+                    </m:oMathParaPr>
+                    <m:oMath xmlns:m="http://schemas.openxmlformats.org/officeDocument/2006/math">
+                      <m:f>
+                        <m:fPr>
+                          <m:ctrlPr>
+                            <a:rPr lang="en-US" i="1" smtClean="0">
+                              <a:latin typeface="Cambria Math" panose="02040503050406030204" pitchFamily="18" charset="0"/>
+                            </a:rPr>
+                          </m:ctrlPr>
+                        </m:fPr>
+                        <m:num>
+                          <m:r>
+                            <a:rPr lang="en-US" i="1" smtClean="0">
+                              <a:latin typeface="Cambria Math" panose="02040503050406030204" pitchFamily="18" charset="0"/>
+                              <a:ea typeface="Cambria Math" panose="02040503050406030204" pitchFamily="18" charset="0"/>
+                            </a:rPr>
+                            <m:t>𝛾</m:t>
+                          </m:r>
+                        </m:num>
+                        <m:den>
+                          <m:r>
+                            <a:rPr lang="en-US" i="1" smtClean="0">
+                              <a:latin typeface="Cambria Math" panose="02040503050406030204" pitchFamily="18" charset="0"/>
+                              <a:ea typeface="Cambria Math" panose="02040503050406030204" pitchFamily="18" charset="0"/>
+                            </a:rPr>
+                            <m:t>∆</m:t>
+                          </m:r>
+                          <m:r>
+                            <a:rPr lang="en-US" b="0" i="1" smtClean="0">
+                              <a:latin typeface="Cambria Math" panose="02040503050406030204" pitchFamily="18" charset="0"/>
+                              <a:ea typeface="Cambria Math" panose="02040503050406030204" pitchFamily="18" charset="0"/>
+                            </a:rPr>
+                            <m:t>𝑡</m:t>
+                          </m:r>
+                        </m:den>
+                      </m:f>
+                      <m:r>
+                        <a:rPr lang="en-US" b="0" i="1" smtClean="0">
+                          <a:latin typeface="Cambria Math" panose="02040503050406030204" pitchFamily="18" charset="0"/>
+                        </a:rPr>
+                        <m:t>=</m:t>
+                      </m:r>
+                      <m:f>
+                        <m:fPr>
+                          <m:ctrlPr>
+                            <a:rPr lang="en-US" b="0" i="1" smtClean="0">
+                              <a:latin typeface="Cambria Math" panose="02040503050406030204" pitchFamily="18" charset="0"/>
+                            </a:rPr>
+                          </m:ctrlPr>
+                        </m:fPr>
+                        <m:num>
+                          <m:r>
+                            <a:rPr lang="en-US" b="0" i="1" smtClean="0">
+                              <a:latin typeface="Cambria Math" panose="02040503050406030204" pitchFamily="18" charset="0"/>
+                            </a:rPr>
+                            <m:t>𝑉</m:t>
+                          </m:r>
+                        </m:num>
+                        <m:den>
+                          <m:r>
+                            <a:rPr lang="en-US" b="0" i="1" smtClean="0">
+                              <a:latin typeface="Cambria Math" panose="02040503050406030204" pitchFamily="18" charset="0"/>
+                            </a:rPr>
+                            <m:t>𝐻</m:t>
+                          </m:r>
+                        </m:den>
+                      </m:f>
+                      <m:r>
+                        <a:rPr lang="en-US" i="1">
+                          <a:latin typeface="Cambria Math" panose="02040503050406030204" pitchFamily="18" charset="0"/>
+                          <a:ea typeface="Cambria Math" panose="02040503050406030204" pitchFamily="18" charset="0"/>
+                        </a:rPr>
+                        <m:t>≈</m:t>
+                      </m:r>
+                      <m:f>
+                        <m:fPr>
+                          <m:ctrlPr>
+                            <a:rPr lang="en-US" i="1" smtClean="0">
+                              <a:latin typeface="Cambria Math" panose="02040503050406030204" pitchFamily="18" charset="0"/>
+                              <a:ea typeface="Cambria Math" panose="02040503050406030204" pitchFamily="18" charset="0"/>
+                            </a:rPr>
+                          </m:ctrlPr>
+                        </m:fPr>
+                        <m:num>
+                          <m:r>
+                            <a:rPr lang="en-US" b="0" i="1" smtClean="0">
+                              <a:latin typeface="Cambria Math" panose="02040503050406030204" pitchFamily="18" charset="0"/>
+                              <a:ea typeface="Cambria Math" panose="02040503050406030204" pitchFamily="18" charset="0"/>
+                            </a:rPr>
+                            <m:t>𝑑</m:t>
+                          </m:r>
+                          <m:r>
+                            <a:rPr lang="en-US" b="0" i="1" smtClean="0">
+                              <a:latin typeface="Cambria Math" panose="02040503050406030204" pitchFamily="18" charset="0"/>
+                              <a:ea typeface="Cambria Math" panose="02040503050406030204" pitchFamily="18" charset="0"/>
+                            </a:rPr>
+                            <m:t>𝛾</m:t>
+                          </m:r>
+                        </m:num>
+                        <m:den>
+                          <m:r>
+                            <a:rPr lang="en-US" b="0" i="1" smtClean="0">
+                              <a:latin typeface="Cambria Math" panose="02040503050406030204" pitchFamily="18" charset="0"/>
+                              <a:ea typeface="Cambria Math" panose="02040503050406030204" pitchFamily="18" charset="0"/>
+                            </a:rPr>
+                            <m:t>𝑑𝑡</m:t>
+                          </m:r>
+                        </m:den>
+                      </m:f>
+                      <m:r>
+                        <a:rPr lang="en-US" b="0" i="1" smtClean="0">
+                          <a:latin typeface="Cambria Math" panose="02040503050406030204" pitchFamily="18" charset="0"/>
+                          <a:ea typeface="Cambria Math" panose="02040503050406030204" pitchFamily="18" charset="0"/>
+                        </a:rPr>
+                        <m:t>=</m:t>
+                      </m:r>
+                      <m:acc>
+                        <m:accPr>
+                          <m:chr m:val="̇"/>
+                          <m:ctrlPr>
+                            <a:rPr lang="en-US" b="0" i="1" smtClean="0">
+                              <a:latin typeface="Cambria Math" panose="02040503050406030204" pitchFamily="18" charset="0"/>
+                              <a:ea typeface="Cambria Math" panose="02040503050406030204" pitchFamily="18" charset="0"/>
+                            </a:rPr>
+                          </m:ctrlPr>
+                        </m:accPr>
+                        <m:e>
+                          <m:r>
+                            <a:rPr lang="en-US" b="0" i="1" smtClean="0">
+                              <a:latin typeface="Cambria Math" panose="02040503050406030204" pitchFamily="18" charset="0"/>
+                              <a:ea typeface="Cambria Math" panose="02040503050406030204" pitchFamily="18" charset="0"/>
+                            </a:rPr>
+                            <m:t>𝛾</m:t>
+                          </m:r>
+                        </m:e>
+                      </m:acc>
+                    </m:oMath>
+                  </m:oMathPara>
+                </a14:m>
+                <a:endParaRPr lang="en-US" dirty="0"/>
+              </a:p>
+            </p:txBody>
+          </p:sp>
+        </mc:Choice>
+        <mc:Fallback>
+          <p:sp>
+            <p:nvSpPr>
+              <p:cNvPr id="15" name="TextBox 14">
+                <a:extLst>
+                  <a:ext uri="{FF2B5EF4-FFF2-40B4-BE49-F238E27FC236}">
+                    <a16:creationId xmlns:a16="http://schemas.microsoft.com/office/drawing/2014/main" id="{54122E0C-020A-68C2-B582-90E1DC718E0C}"/>
+                  </a:ext>
+                </a:extLst>
+              </p:cNvPr>
+              <p:cNvSpPr txBox="1">
+                <a:spLocks noRot="1" noChangeAspect="1" noMove="1" noResize="1" noEditPoints="1" noAdjustHandles="1" noChangeArrowheads="1" noChangeShapeType="1" noTextEdit="1"/>
+              </p:cNvSpPr>
+              <p:nvPr/>
+            </p:nvSpPr>
+            <p:spPr>
+              <a:xfrm>
+                <a:off x="2159573" y="3921067"/>
+                <a:ext cx="1746440" cy="525913"/>
+              </a:xfrm>
+              <a:prstGeom prst="rect">
+                <a:avLst/>
+              </a:prstGeom>
+              <a:blipFill>
+                <a:blip r:embed="rId8"/>
+                <a:stretch>
+                  <a:fillRect/>
+                </a:stretch>
+              </a:blipFill>
+            </p:spPr>
+            <p:txBody>
+              <a:bodyPr/>
+              <a:lstStyle/>
+              <a:p>
+                <a:r>
+                  <a:rPr lang="en-US">
+                    <a:noFill/>
+                  </a:rPr>
+                  <a:t> </a:t>
+                </a:r>
+              </a:p>
+            </p:txBody>
+          </p:sp>
+        </mc:Fallback>
+      </mc:AlternateContent>
+      <mc:AlternateContent xmlns:mc="http://schemas.openxmlformats.org/markup-compatibility/2006">
+        <mc:Choice xmlns:a14="http://schemas.microsoft.com/office/drawing/2010/main" Requires="a14">
+          <p:sp>
+            <p:nvSpPr>
+              <p:cNvPr id="16" name="TextBox 15">
+                <a:extLst>
+                  <a:ext uri="{FF2B5EF4-FFF2-40B4-BE49-F238E27FC236}">
+                    <a16:creationId xmlns:a16="http://schemas.microsoft.com/office/drawing/2014/main" id="{1F1FADBA-C4B5-26FC-D35B-9DD3AC582997}"/>
+                  </a:ext>
+                </a:extLst>
+              </p:cNvPr>
+              <p:cNvSpPr txBox="1"/>
+              <p:nvPr/>
+            </p:nvSpPr>
+            <p:spPr>
+              <a:xfrm>
+                <a:off x="2278046" y="4702628"/>
+                <a:ext cx="1777474" cy="522259"/>
+              </a:xfrm>
+              <a:prstGeom prst="rect">
+                <a:avLst/>
+              </a:prstGeom>
+              <a:noFill/>
+            </p:spPr>
+            <p:txBody>
+              <a:bodyPr wrap="none" rtlCol="0">
+                <a:spAutoFit/>
+              </a:bodyPr>
+              <a:lstStyle/>
+              <a:p>
+                <a:r>
+                  <a:rPr lang="en-US" dirty="0"/>
+                  <a:t>So… </a:t>
+                </a:r>
+                <a14:m>
+                  <m:oMath xmlns:m="http://schemas.openxmlformats.org/officeDocument/2006/math">
+                    <m:sSub>
+                      <m:sSubPr>
+                        <m:ctrlPr>
+                          <a:rPr lang="en-US" i="1" smtClean="0">
+                            <a:latin typeface="Cambria Math" panose="02040503050406030204" pitchFamily="18" charset="0"/>
+                          </a:rPr>
+                        </m:ctrlPr>
+                      </m:sSubPr>
+                      <m:e>
+                        <m:r>
+                          <a:rPr lang="en-US" i="1" smtClean="0">
+                            <a:latin typeface="Cambria Math" panose="02040503050406030204" pitchFamily="18" charset="0"/>
+                            <a:ea typeface="Cambria Math" panose="02040503050406030204" pitchFamily="18" charset="0"/>
+                          </a:rPr>
+                          <m:t>𝜏</m:t>
+                        </m:r>
+                      </m:e>
+                      <m:sub>
+                        <m:r>
+                          <a:rPr lang="en-US" b="0" i="1" smtClean="0">
+                            <a:latin typeface="Cambria Math" panose="02040503050406030204" pitchFamily="18" charset="0"/>
+                          </a:rPr>
+                          <m:t>𝑦𝑥</m:t>
+                        </m:r>
+                      </m:sub>
+                    </m:sSub>
+                    <m:r>
+                      <a:rPr lang="en-US" b="0" i="1" smtClean="0">
+                        <a:latin typeface="Cambria Math" panose="02040503050406030204" pitchFamily="18" charset="0"/>
+                      </a:rPr>
+                      <m:t>=</m:t>
+                    </m:r>
+                    <m:r>
+                      <a:rPr lang="en-US" b="0" i="1" smtClean="0">
+                        <a:latin typeface="Cambria Math" panose="02040503050406030204" pitchFamily="18" charset="0"/>
+                        <a:ea typeface="Cambria Math" panose="02040503050406030204" pitchFamily="18" charset="0"/>
+                      </a:rPr>
+                      <m:t>𝜂</m:t>
+                    </m:r>
+                    <m:f>
+                      <m:fPr>
+                        <m:ctrlPr>
+                          <a:rPr lang="en-US" b="0" i="1" smtClean="0">
+                            <a:latin typeface="Cambria Math" panose="02040503050406030204" pitchFamily="18" charset="0"/>
+                            <a:ea typeface="Cambria Math" panose="02040503050406030204" pitchFamily="18" charset="0"/>
+                          </a:rPr>
+                        </m:ctrlPr>
+                      </m:fPr>
+                      <m:num>
+                        <m:r>
+                          <a:rPr lang="en-US" b="0" i="1" smtClean="0">
+                            <a:latin typeface="Cambria Math" panose="02040503050406030204" pitchFamily="18" charset="0"/>
+                            <a:ea typeface="Cambria Math" panose="02040503050406030204" pitchFamily="18" charset="0"/>
+                          </a:rPr>
+                          <m:t>𝑑</m:t>
+                        </m:r>
+                        <m:sSub>
+                          <m:sSubPr>
+                            <m:ctrlPr>
+                              <a:rPr lang="en-US" b="0" i="1" smtClean="0">
+                                <a:latin typeface="Cambria Math" panose="02040503050406030204" pitchFamily="18" charset="0"/>
+                                <a:ea typeface="Cambria Math" panose="02040503050406030204" pitchFamily="18" charset="0"/>
+                              </a:rPr>
+                            </m:ctrlPr>
+                          </m:sSubPr>
+                          <m:e>
+                            <m:r>
+                              <a:rPr lang="en-US" b="0" i="1" smtClean="0">
+                                <a:latin typeface="Cambria Math" panose="02040503050406030204" pitchFamily="18" charset="0"/>
+                                <a:ea typeface="Cambria Math" panose="02040503050406030204" pitchFamily="18" charset="0"/>
+                              </a:rPr>
+                              <m:t>𝜐</m:t>
+                            </m:r>
+                          </m:e>
+                          <m:sub>
+                            <m:r>
+                              <a:rPr lang="en-US" b="0" i="1" smtClean="0">
+                                <a:latin typeface="Cambria Math" panose="02040503050406030204" pitchFamily="18" charset="0"/>
+                                <a:ea typeface="Cambria Math" panose="02040503050406030204" pitchFamily="18" charset="0"/>
+                              </a:rPr>
+                              <m:t>𝑥</m:t>
+                            </m:r>
+                          </m:sub>
+                        </m:sSub>
+                      </m:num>
+                      <m:den>
+                        <m:r>
+                          <a:rPr lang="en-US" b="0" i="1" smtClean="0">
+                            <a:latin typeface="Cambria Math" panose="02040503050406030204" pitchFamily="18" charset="0"/>
+                            <a:ea typeface="Cambria Math" panose="02040503050406030204" pitchFamily="18" charset="0"/>
+                          </a:rPr>
+                          <m:t>𝑑𝑦</m:t>
+                        </m:r>
+                      </m:den>
+                    </m:f>
+                  </m:oMath>
+                </a14:m>
+                <a:endParaRPr lang="en-US" dirty="0"/>
+              </a:p>
+            </p:txBody>
+          </p:sp>
+        </mc:Choice>
+        <mc:Fallback>
+          <p:sp>
+            <p:nvSpPr>
+              <p:cNvPr id="16" name="TextBox 15">
+                <a:extLst>
+                  <a:ext uri="{FF2B5EF4-FFF2-40B4-BE49-F238E27FC236}">
+                    <a16:creationId xmlns:a16="http://schemas.microsoft.com/office/drawing/2014/main" id="{1F1FADBA-C4B5-26FC-D35B-9DD3AC582997}"/>
+                  </a:ext>
+                </a:extLst>
+              </p:cNvPr>
+              <p:cNvSpPr txBox="1">
+                <a:spLocks noRot="1" noChangeAspect="1" noMove="1" noResize="1" noEditPoints="1" noAdjustHandles="1" noChangeArrowheads="1" noChangeShapeType="1" noTextEdit="1"/>
+              </p:cNvSpPr>
+              <p:nvPr/>
+            </p:nvSpPr>
+            <p:spPr>
+              <a:xfrm>
+                <a:off x="2278046" y="4702628"/>
+                <a:ext cx="1777474" cy="522259"/>
+              </a:xfrm>
+              <a:prstGeom prst="rect">
+                <a:avLst/>
+              </a:prstGeom>
+              <a:blipFill>
+                <a:blip r:embed="rId9"/>
+                <a:stretch>
+                  <a:fillRect l="-3093" b="-4651"/>
+                </a:stretch>
+              </a:blipFill>
+            </p:spPr>
+            <p:txBody>
+              <a:bodyPr/>
+              <a:lstStyle/>
+              <a:p>
+                <a:r>
+                  <a:rPr lang="en-US">
+                    <a:noFill/>
+                  </a:rPr>
+                  <a:t> </a:t>
+                </a:r>
+              </a:p>
+            </p:txBody>
+          </p:sp>
+        </mc:Fallback>
+      </mc:AlternateContent>
+      <p:pic>
+        <p:nvPicPr>
+          <p:cNvPr id="17" name="Picture 16">
+            <a:extLst>
+              <a:ext uri="{FF2B5EF4-FFF2-40B4-BE49-F238E27FC236}">
+                <a16:creationId xmlns:a16="http://schemas.microsoft.com/office/drawing/2014/main" id="{AECD765E-27A5-89A5-1AC6-557C13C29092}"/>
+              </a:ext>
+            </a:extLst>
+          </p:cNvPr>
+          <p:cNvPicPr>
+            <a:picLocks noChangeAspect="1"/>
+          </p:cNvPicPr>
+          <p:nvPr/>
+        </p:nvPicPr>
+        <p:blipFill>
+          <a:blip r:embed="rId10"/>
+          <a:stretch>
+            <a:fillRect/>
+          </a:stretch>
+        </p:blipFill>
+        <p:spPr>
+          <a:xfrm>
+            <a:off x="502957" y="3921067"/>
+            <a:ext cx="1165577" cy="855208"/>
+          </a:xfrm>
+          <a:prstGeom prst="rect">
+            <a:avLst/>
+          </a:prstGeom>
+        </p:spPr>
+      </p:pic>
+    </p:spTree>
+    <p:extLst>
+      <p:ext uri="{BB962C8B-B14F-4D97-AF65-F5344CB8AC3E}">
+        <p14:creationId xmlns:p14="http://schemas.microsoft.com/office/powerpoint/2010/main" val="769889486"/>
+      </p:ext>
+    </p:extLst>
+  </p:cSld>
+  <p:clrMapOvr>
+    <a:masterClrMapping/>
+  </p:clrMapOvr>
+</p:sld>
+</file>
+
 <file path=ppt/theme/theme1.xml><?xml version="1.0" encoding="utf-8"?>
 <a:theme xmlns:a="http://schemas.openxmlformats.org/drawingml/2006/main" name="Office Theme">
   <a:themeElements>

--- a/FluidOperations.pptx
+++ b/FluidOperations.pptx
@@ -8013,8 +8013,8 @@
           </a:p>
         </p:txBody>
       </p:sp>
-      <mc:AlternateContent xmlns:mc="http://schemas.openxmlformats.org/markup-compatibility/2006">
-        <mc:Choice xmlns:a14="http://schemas.microsoft.com/office/drawing/2010/main" Requires="a14">
+      <mc:AlternateContent xmlns:mc="http://schemas.openxmlformats.org/markup-compatibility/2006" xmlns:a14="http://schemas.microsoft.com/office/drawing/2010/main">
+        <mc:Choice Requires="a14">
           <p:sp>
             <p:nvSpPr>
               <p:cNvPr id="5" name="TextBox 4">
@@ -8681,7 +8681,7 @@
             </p:txBody>
           </p:sp>
         </mc:Choice>
-        <mc:Fallback>
+        <mc:Fallback xmlns="">
           <p:sp>
             <p:nvSpPr>
               <p:cNvPr id="5" name="TextBox 4">
@@ -9224,8 +9224,8 @@
           </a:p>
         </p:txBody>
       </p:sp>
-      <mc:AlternateContent xmlns:mc="http://schemas.openxmlformats.org/markup-compatibility/2006">
-        <mc:Choice xmlns:a14="http://schemas.microsoft.com/office/drawing/2010/main" Requires="a14">
+      <mc:AlternateContent xmlns:mc="http://schemas.openxmlformats.org/markup-compatibility/2006" xmlns:a14="http://schemas.microsoft.com/office/drawing/2010/main">
+        <mc:Choice Requires="a14">
           <p:sp>
             <p:nvSpPr>
               <p:cNvPr id="8" name="TextBox 7">
@@ -10049,7 +10049,7 @@
             </p:txBody>
           </p:sp>
         </mc:Choice>
-        <mc:Fallback>
+        <mc:Fallback xmlns="">
           <p:sp>
             <p:nvSpPr>
               <p:cNvPr id="8" name="TextBox 7">
@@ -10570,7 +10570,10 @@
                     </m:r>
                   </m:oMath>
                 </a14:m>
-                <a:endParaRPr lang="en-US" dirty="0"/>
+                <a:r>
+                  <a:rPr lang="en-US" dirty="0"/>
+                  <a:t> (Shear Strain)</a:t>
+                </a:r>
               </a:p>
             </p:txBody>
           </p:sp>
@@ -10620,8 +10623,8 @@
           </p:sp>
         </mc:Fallback>
       </mc:AlternateContent>
-      <mc:AlternateContent xmlns:mc="http://schemas.openxmlformats.org/markup-compatibility/2006">
-        <mc:Choice xmlns:a14="http://schemas.microsoft.com/office/drawing/2010/main" Requires="a14">
+      <mc:AlternateContent xmlns:mc="http://schemas.openxmlformats.org/markup-compatibility/2006" xmlns:a14="http://schemas.microsoft.com/office/drawing/2010/main">
+        <mc:Choice Requires="a14">
           <p:sp>
             <p:nvSpPr>
               <p:cNvPr id="5" name="TextBox 4">
@@ -10879,7 +10882,7 @@
             </p:txBody>
           </p:sp>
         </mc:Choice>
-        <mc:Fallback>
+        <mc:Fallback xmlns="">
           <p:sp>
             <p:nvSpPr>
               <p:cNvPr id="5" name="TextBox 4">
@@ -11031,8 +11034,8 @@
           </a:prstGeom>
         </p:spPr>
       </p:pic>
-      <mc:AlternateContent xmlns:mc="http://schemas.openxmlformats.org/markup-compatibility/2006">
-        <mc:Choice xmlns:a14="http://schemas.microsoft.com/office/drawing/2010/main" Requires="a14">
+      <mc:AlternateContent xmlns:mc="http://schemas.openxmlformats.org/markup-compatibility/2006" xmlns:a14="http://schemas.microsoft.com/office/drawing/2010/main">
+        <mc:Choice Requires="a14">
           <p:sp>
             <p:nvSpPr>
               <p:cNvPr id="12" name="TextBox 11">
@@ -11061,6 +11064,7 @@
               </a:bodyPr>
               <a:lstStyle/>
               <a:p>
+                <a:pPr/>
                 <a14:m>
                   <m:oMathPara xmlns:m="http://schemas.openxmlformats.org/officeDocument/2006/math">
                     <m:oMathParaPr>
@@ -11188,7 +11192,7 @@
             </p:txBody>
           </p:sp>
         </mc:Choice>
-        <mc:Fallback>
+        <mc:Fallback xmlns="">
           <p:sp>
             <p:nvSpPr>
               <p:cNvPr id="12" name="TextBox 11">
@@ -11233,8 +11237,8 @@
           </p:sp>
         </mc:Fallback>
       </mc:AlternateContent>
-      <mc:AlternateContent xmlns:mc="http://schemas.openxmlformats.org/markup-compatibility/2006">
-        <mc:Choice xmlns:a14="http://schemas.microsoft.com/office/drawing/2010/main" Requires="a14">
+      <mc:AlternateContent xmlns:mc="http://schemas.openxmlformats.org/markup-compatibility/2006" xmlns:a14="http://schemas.microsoft.com/office/drawing/2010/main">
+        <mc:Choice Requires="a14">
           <p:sp>
             <p:nvSpPr>
               <p:cNvPr id="13" name="TextBox 12">
@@ -11286,7 +11290,7 @@
             </p:txBody>
           </p:sp>
         </mc:Choice>
-        <mc:Fallback>
+        <mc:Fallback xmlns="">
           <p:sp>
             <p:nvSpPr>
               <p:cNvPr id="13" name="TextBox 12">
@@ -11331,8 +11335,8 @@
           </p:sp>
         </mc:Fallback>
       </mc:AlternateContent>
-      <mc:AlternateContent xmlns:mc="http://schemas.openxmlformats.org/markup-compatibility/2006">
-        <mc:Choice xmlns:a14="http://schemas.microsoft.com/office/drawing/2010/main" Requires="a14">
+      <mc:AlternateContent xmlns:mc="http://schemas.openxmlformats.org/markup-compatibility/2006" xmlns:a14="http://schemas.microsoft.com/office/drawing/2010/main">
+        <mc:Choice Requires="a14">
           <p:sp>
             <p:nvSpPr>
               <p:cNvPr id="14" name="TextBox 13">
@@ -11361,6 +11365,7 @@
               </a:bodyPr>
               <a:lstStyle/>
               <a:p>
+                <a:pPr/>
                 <a14:m>
                   <m:oMathPara xmlns:m="http://schemas.openxmlformats.org/officeDocument/2006/math">
                     <m:oMathParaPr>
@@ -11481,7 +11486,7 @@
             </p:txBody>
           </p:sp>
         </mc:Choice>
-        <mc:Fallback>
+        <mc:Fallback xmlns="">
           <p:sp>
             <p:nvSpPr>
               <p:cNvPr id="14" name="TextBox 13">
@@ -11526,8 +11531,8 @@
           </p:sp>
         </mc:Fallback>
       </mc:AlternateContent>
-      <mc:AlternateContent xmlns:mc="http://schemas.openxmlformats.org/markup-compatibility/2006">
-        <mc:Choice xmlns:a14="http://schemas.microsoft.com/office/drawing/2010/main" Requires="a14">
+      <mc:AlternateContent xmlns:mc="http://schemas.openxmlformats.org/markup-compatibility/2006" xmlns:a14="http://schemas.microsoft.com/office/drawing/2010/main">
+        <mc:Choice Requires="a14">
           <p:sp>
             <p:nvSpPr>
               <p:cNvPr id="15" name="TextBox 14">
@@ -11556,6 +11561,7 @@
               </a:bodyPr>
               <a:lstStyle/>
               <a:p>
+                <a:pPr/>
                 <a14:m>
                   <m:oMathPara xmlns:m="http://schemas.openxmlformats.org/officeDocument/2006/math">
                     <m:oMathParaPr>
@@ -11704,7 +11710,7 @@
             </p:txBody>
           </p:sp>
         </mc:Choice>
-        <mc:Fallback>
+        <mc:Fallback xmlns="">
           <p:sp>
             <p:nvSpPr>
               <p:cNvPr id="15" name="TextBox 14">
@@ -11749,8 +11755,8 @@
           </p:sp>
         </mc:Fallback>
       </mc:AlternateContent>
-      <mc:AlternateContent xmlns:mc="http://schemas.openxmlformats.org/markup-compatibility/2006">
-        <mc:Choice xmlns:a14="http://schemas.microsoft.com/office/drawing/2010/main" Requires="a14">
+      <mc:AlternateContent xmlns:mc="http://schemas.openxmlformats.org/markup-compatibility/2006" xmlns:a14="http://schemas.microsoft.com/office/drawing/2010/main">
+        <mc:Choice Requires="a14">
           <p:sp>
             <p:nvSpPr>
               <p:cNvPr id="16" name="TextBox 15">
@@ -11887,7 +11893,7 @@
             </p:txBody>
           </p:sp>
         </mc:Choice>
-        <mc:Fallback>
+        <mc:Fallback xmlns="">
           <p:sp>
             <p:nvSpPr>
               <p:cNvPr id="16" name="TextBox 15">
@@ -11962,6 +11968,82 @@
           </a:prstGeom>
         </p:spPr>
       </p:pic>
+      <p:cxnSp>
+        <p:nvCxnSpPr>
+          <p:cNvPr id="6" name="Straight Arrow Connector 5">
+            <a:extLst>
+              <a:ext uri="{FF2B5EF4-FFF2-40B4-BE49-F238E27FC236}">
+                <a16:creationId xmlns:a16="http://schemas.microsoft.com/office/drawing/2014/main" id="{CFD6A11B-AF68-2FA2-D7CC-0BA78307E007}"/>
+              </a:ext>
+            </a:extLst>
+          </p:cNvPr>
+          <p:cNvCxnSpPr>
+            <a:endCxn id="15" idx="3"/>
+          </p:cNvCxnSpPr>
+          <p:nvPr/>
+        </p:nvCxnSpPr>
+        <p:spPr>
+          <a:xfrm flipH="1" flipV="1">
+            <a:off x="3906013" y="4184024"/>
+            <a:ext cx="976230" cy="592251"/>
+          </a:xfrm>
+          <a:prstGeom prst="straightConnector1">
+            <a:avLst/>
+          </a:prstGeom>
+          <a:ln>
+            <a:tailEnd type="triangle"/>
+          </a:ln>
+        </p:spPr>
+        <p:style>
+          <a:lnRef idx="2">
+            <a:schemeClr val="accent1"/>
+          </a:lnRef>
+          <a:fillRef idx="0">
+            <a:schemeClr val="accent1"/>
+          </a:fillRef>
+          <a:effectRef idx="1">
+            <a:schemeClr val="accent1"/>
+          </a:effectRef>
+          <a:fontRef idx="minor">
+            <a:schemeClr val="tx1"/>
+          </a:fontRef>
+        </p:style>
+      </p:cxnSp>
+      <p:sp>
+        <p:nvSpPr>
+          <p:cNvPr id="8" name="TextBox 7">
+            <a:extLst>
+              <a:ext uri="{FF2B5EF4-FFF2-40B4-BE49-F238E27FC236}">
+                <a16:creationId xmlns:a16="http://schemas.microsoft.com/office/drawing/2014/main" id="{3BAF5009-5DF2-FCFA-2770-BB9A6E90A69B}"/>
+              </a:ext>
+            </a:extLst>
+          </p:cNvPr>
+          <p:cNvSpPr txBox="1"/>
+          <p:nvPr/>
+        </p:nvSpPr>
+        <p:spPr>
+          <a:xfrm>
+            <a:off x="4839620" y="4567542"/>
+            <a:ext cx="2906758" cy="369332"/>
+          </a:xfrm>
+          <a:prstGeom prst="rect">
+            <a:avLst/>
+          </a:prstGeom>
+          <a:noFill/>
+        </p:spPr>
+        <p:txBody>
+          <a:bodyPr wrap="none" rtlCol="0">
+            <a:spAutoFit/>
+          </a:bodyPr>
+          <a:lstStyle/>
+          <a:p>
+            <a:r>
+              <a:rPr lang="en-US" dirty="0"/>
+              <a:t>Often called the Shear Rate</a:t>
+            </a:r>
+          </a:p>
+        </p:txBody>
+      </p:sp>
     </p:spTree>
     <p:extLst>
       <p:ext uri="{BB962C8B-B14F-4D97-AF65-F5344CB8AC3E}">

--- a/FluidOperations.pptx
+++ b/FluidOperations.pptx
@@ -145,6 +145,14 @@
 </p:presentation>
 </file>
 
+<file path=ppt/revisionInfo.xml><?xml version="1.0" encoding="utf-8"?>
+<p1510:revInfo xmlns:a="http://schemas.openxmlformats.org/drawingml/2006/main" xmlns:r="http://schemas.openxmlformats.org/officeDocument/2006/relationships" xmlns:p1510="http://schemas.microsoft.com/office/powerpoint/2015/10/main">
+  <p1510:revLst>
+    <p1510:client id="{83852A87-7F71-4914-B869-3C611ACA0470}" v="9" dt="2024-08-26T20:18:35.073"/>
+  </p1510:revLst>
+</p1510:revInfo>
+</file>
+
 <file path=ppt/changesInfos/changesInfo1.xml><?xml version="1.0" encoding="utf-8"?>
 <pc:chgInfo xmlns:a="http://schemas.openxmlformats.org/drawingml/2006/main" xmlns:r="http://schemas.openxmlformats.org/officeDocument/2006/relationships" xmlns:ac="http://schemas.microsoft.com/office/drawing/2013/main/command" xmlns:pc="http://schemas.microsoft.com/office/powerpoint/2013/main/command">
   <pc:docChgLst>
@@ -166,6 +174,30 @@
             <pc:docMk/>
             <pc:sldMk cId="4223169391" sldId="256"/>
             <ac:spMk id="2" creationId="{DB78D644-0BAD-B008-4877-19ACA8E843FE}"/>
+          </ac:spMkLst>
+        </pc:spChg>
+      </pc:sldChg>
+    </pc:docChg>
+  </pc:docChgLst>
+  <pc:docChgLst>
+    <pc:chgData name="William Roosa" userId="b17c6545b7781650" providerId="LiveId" clId="{83852A87-7F71-4914-B869-3C611ACA0470}"/>
+    <pc:docChg chg="modSld">
+      <pc:chgData name="William Roosa" userId="b17c6545b7781650" providerId="LiveId" clId="{83852A87-7F71-4914-B869-3C611ACA0470}" dt="2024-08-26T20:18:35.073" v="8" actId="16959"/>
+      <pc:docMkLst>
+        <pc:docMk/>
+      </pc:docMkLst>
+      <pc:sldChg chg="modSp">
+        <pc:chgData name="William Roosa" userId="b17c6545b7781650" providerId="LiveId" clId="{83852A87-7F71-4914-B869-3C611ACA0470}" dt="2024-08-26T20:18:35.073" v="8" actId="16959"/>
+        <pc:sldMkLst>
+          <pc:docMk/>
+          <pc:sldMk cId="769889486" sldId="264"/>
+        </pc:sldMkLst>
+        <pc:spChg chg="mod">
+          <ac:chgData name="William Roosa" userId="b17c6545b7781650" providerId="LiveId" clId="{83852A87-7F71-4914-B869-3C611ACA0470}" dt="2024-08-26T20:18:35.073" v="8" actId="16959"/>
+          <ac:spMkLst>
+            <pc:docMk/>
+            <pc:sldMk cId="769889486" sldId="264"/>
+            <ac:spMk id="16" creationId="{1F1FADBA-C4B5-26FC-D35B-9DD3AC582997}"/>
           </ac:spMkLst>
         </pc:spChg>
       </pc:sldChg>
@@ -305,7 +337,7 @@
           <a:p>
             <a:fld id="{8C2BDFC8-6F8C-4A1A-A5EA-5DE0BFD390AC}" type="datetimeFigureOut">
               <a:rPr lang="en-US" smtClean="0"/>
-              <a:t>8/25/2024</a:t>
+              <a:t>8/26/2024</a:t>
             </a:fld>
             <a:endParaRPr lang="en-US"/>
           </a:p>
@@ -475,7 +507,7 @@
           <a:p>
             <a:fld id="{8C2BDFC8-6F8C-4A1A-A5EA-5DE0BFD390AC}" type="datetimeFigureOut">
               <a:rPr lang="en-US" smtClean="0"/>
-              <a:t>8/25/2024</a:t>
+              <a:t>8/26/2024</a:t>
             </a:fld>
             <a:endParaRPr lang="en-US"/>
           </a:p>
@@ -655,7 +687,7 @@
           <a:p>
             <a:fld id="{8C2BDFC8-6F8C-4A1A-A5EA-5DE0BFD390AC}" type="datetimeFigureOut">
               <a:rPr lang="en-US" smtClean="0"/>
-              <a:t>8/25/2024</a:t>
+              <a:t>8/26/2024</a:t>
             </a:fld>
             <a:endParaRPr lang="en-US"/>
           </a:p>
@@ -825,7 +857,7 @@
           <a:p>
             <a:fld id="{8C2BDFC8-6F8C-4A1A-A5EA-5DE0BFD390AC}" type="datetimeFigureOut">
               <a:rPr lang="en-US" smtClean="0"/>
-              <a:t>8/25/2024</a:t>
+              <a:t>8/26/2024</a:t>
             </a:fld>
             <a:endParaRPr lang="en-US"/>
           </a:p>
@@ -1071,7 +1103,7 @@
           <a:p>
             <a:fld id="{8C2BDFC8-6F8C-4A1A-A5EA-5DE0BFD390AC}" type="datetimeFigureOut">
               <a:rPr lang="en-US" smtClean="0"/>
-              <a:t>8/25/2024</a:t>
+              <a:t>8/26/2024</a:t>
             </a:fld>
             <a:endParaRPr lang="en-US"/>
           </a:p>
@@ -1303,7 +1335,7 @@
           <a:p>
             <a:fld id="{8C2BDFC8-6F8C-4A1A-A5EA-5DE0BFD390AC}" type="datetimeFigureOut">
               <a:rPr lang="en-US" smtClean="0"/>
-              <a:t>8/25/2024</a:t>
+              <a:t>8/26/2024</a:t>
             </a:fld>
             <a:endParaRPr lang="en-US"/>
           </a:p>
@@ -1670,7 +1702,7 @@
           <a:p>
             <a:fld id="{8C2BDFC8-6F8C-4A1A-A5EA-5DE0BFD390AC}" type="datetimeFigureOut">
               <a:rPr lang="en-US" smtClean="0"/>
-              <a:t>8/25/2024</a:t>
+              <a:t>8/26/2024</a:t>
             </a:fld>
             <a:endParaRPr lang="en-US"/>
           </a:p>
@@ -1788,7 +1820,7 @@
           <a:p>
             <a:fld id="{8C2BDFC8-6F8C-4A1A-A5EA-5DE0BFD390AC}" type="datetimeFigureOut">
               <a:rPr lang="en-US" smtClean="0"/>
-              <a:t>8/25/2024</a:t>
+              <a:t>8/26/2024</a:t>
             </a:fld>
             <a:endParaRPr lang="en-US"/>
           </a:p>
@@ -1883,7 +1915,7 @@
           <a:p>
             <a:fld id="{8C2BDFC8-6F8C-4A1A-A5EA-5DE0BFD390AC}" type="datetimeFigureOut">
               <a:rPr lang="en-US" smtClean="0"/>
-              <a:t>8/25/2024</a:t>
+              <a:t>8/26/2024</a:t>
             </a:fld>
             <a:endParaRPr lang="en-US"/>
           </a:p>
@@ -2160,7 +2192,7 @@
           <a:p>
             <a:fld id="{8C2BDFC8-6F8C-4A1A-A5EA-5DE0BFD390AC}" type="datetimeFigureOut">
               <a:rPr lang="en-US" smtClean="0"/>
-              <a:t>8/25/2024</a:t>
+              <a:t>8/26/2024</a:t>
             </a:fld>
             <a:endParaRPr lang="en-US"/>
           </a:p>
@@ -2417,7 +2449,7 @@
           <a:p>
             <a:fld id="{8C2BDFC8-6F8C-4A1A-A5EA-5DE0BFD390AC}" type="datetimeFigureOut">
               <a:rPr lang="en-US" smtClean="0"/>
-              <a:t>8/25/2024</a:t>
+              <a:t>8/26/2024</a:t>
             </a:fld>
             <a:endParaRPr lang="en-US"/>
           </a:p>
@@ -2630,7 +2662,7 @@
           <a:p>
             <a:fld id="{8C2BDFC8-6F8C-4A1A-A5EA-5DE0BFD390AC}" type="datetimeFigureOut">
               <a:rPr lang="en-US" smtClean="0"/>
-              <a:t>8/25/2024</a:t>
+              <a:t>8/26/2024</a:t>
             </a:fld>
             <a:endParaRPr lang="en-US"/>
           </a:p>
@@ -10483,8 +10515,8 @@
           </a:p>
         </p:txBody>
       </p:sp>
-      <mc:AlternateContent xmlns:mc="http://schemas.openxmlformats.org/markup-compatibility/2006">
-        <mc:Choice xmlns:a14="http://schemas.microsoft.com/office/drawing/2010/main" Requires="a14">
+      <mc:AlternateContent xmlns:mc="http://schemas.openxmlformats.org/markup-compatibility/2006" xmlns:a14="http://schemas.microsoft.com/office/drawing/2010/main">
+        <mc:Choice Requires="a14">
           <p:sp>
             <p:nvSpPr>
               <p:cNvPr id="3" name="TextBox 2">
@@ -10578,7 +10610,7 @@
             </p:txBody>
           </p:sp>
         </mc:Choice>
-        <mc:Fallback>
+        <mc:Fallback xmlns="">
           <p:sp>
             <p:nvSpPr>
               <p:cNvPr id="3" name="TextBox 2">
@@ -11755,8 +11787,8 @@
           </p:sp>
         </mc:Fallback>
       </mc:AlternateContent>
-      <mc:AlternateContent xmlns:mc="http://schemas.openxmlformats.org/markup-compatibility/2006" xmlns:a14="http://schemas.microsoft.com/office/drawing/2010/main">
-        <mc:Choice Requires="a14">
+      <mc:AlternateContent xmlns:mc="http://schemas.openxmlformats.org/markup-compatibility/2006">
+        <mc:Choice xmlns:a14="http://schemas.microsoft.com/office/drawing/2010/main" Requires="a14">
           <p:sp>
             <p:nvSpPr>
               <p:cNvPr id="16" name="TextBox 15">
@@ -11772,7 +11804,7 @@
             <p:spPr>
               <a:xfrm>
                 <a:off x="2278046" y="4702628"/>
-                <a:ext cx="1777474" cy="522259"/>
+                <a:ext cx="2422202" cy="522259"/>
               </a:xfrm>
               <a:prstGeom prst="rect">
                 <a:avLst/>
@@ -11882,10 +11914,51 @@
                             <a:latin typeface="Cambria Math" panose="02040503050406030204" pitchFamily="18" charset="0"/>
                             <a:ea typeface="Cambria Math" panose="02040503050406030204" pitchFamily="18" charset="0"/>
                           </a:rPr>
-                          <m:t>𝑑𝑦</m:t>
+                          <m:t>𝑑</m:t>
+                        </m:r>
+                        <m:r>
+                          <a:rPr lang="en-US" b="0" i="1" smtClean="0">
+                            <a:latin typeface="Cambria Math" panose="02040503050406030204" pitchFamily="18" charset="0"/>
+                            <a:ea typeface="Cambria Math" panose="02040503050406030204" pitchFamily="18" charset="0"/>
+                          </a:rPr>
+                          <m:t>𝑦</m:t>
                         </m:r>
                       </m:den>
                     </m:f>
+                    <m:r>
+                      <a:rPr lang="en-US" b="0" i="1" smtClean="0">
+                        <a:latin typeface="Cambria Math" panose="02040503050406030204" pitchFamily="18" charset="0"/>
+                        <a:ea typeface="Cambria Math" panose="02040503050406030204" pitchFamily="18" charset="0"/>
+                      </a:rPr>
+                      <m:t>=</m:t>
+                    </m:r>
+                    <m:r>
+                      <a:rPr lang="en-US" b="0" i="1" smtClean="0">
+                        <a:latin typeface="Cambria Math" panose="02040503050406030204" pitchFamily="18" charset="0"/>
+                        <a:ea typeface="Cambria Math" panose="02040503050406030204" pitchFamily="18" charset="0"/>
+                      </a:rPr>
+                      <m:t>𝜂</m:t>
+                    </m:r>
+                    <m:acc>
+                      <m:accPr>
+                        <m:chr m:val="̇"/>
+                        <m:ctrlPr>
+                          <a:rPr lang="en-US" b="0" i="1" smtClean="0">
+                            <a:latin typeface="Cambria Math" panose="02040503050406030204" pitchFamily="18" charset="0"/>
+                            <a:ea typeface="Cambria Math" panose="02040503050406030204" pitchFamily="18" charset="0"/>
+                          </a:rPr>
+                        </m:ctrlPr>
+                      </m:accPr>
+                      <m:e>
+                        <m:r>
+                          <a:rPr lang="en-US" b="0" i="1" smtClean="0">
+                            <a:latin typeface="Cambria Math" panose="02040503050406030204" pitchFamily="18" charset="0"/>
+                            <a:ea typeface="Cambria Math" panose="02040503050406030204" pitchFamily="18" charset="0"/>
+                          </a:rPr>
+                          <m:t>𝛾</m:t>
+                        </m:r>
+                      </m:e>
+                    </m:acc>
                   </m:oMath>
                 </a14:m>
                 <a:endParaRPr lang="en-US" dirty="0"/>
@@ -11893,7 +11966,7 @@
             </p:txBody>
           </p:sp>
         </mc:Choice>
-        <mc:Fallback xmlns="">
+        <mc:Fallback>
           <p:sp>
             <p:nvSpPr>
               <p:cNvPr id="16" name="TextBox 15">
@@ -11911,7 +11984,7 @@
             <p:spPr>
               <a:xfrm>
                 <a:off x="2278046" y="4702628"/>
-                <a:ext cx="1777474" cy="522259"/>
+                <a:ext cx="2422202" cy="522259"/>
               </a:xfrm>
               <a:prstGeom prst="rect">
                 <a:avLst/>
@@ -11919,7 +11992,7 @@
               <a:blipFill>
                 <a:blip r:embed="rId9"/>
                 <a:stretch>
-                  <a:fillRect l="-3093" b="-4651"/>
+                  <a:fillRect l="-2267" b="-2326"/>
                 </a:stretch>
               </a:blipFill>
             </p:spPr>

--- a/FluidOperations.pptx
+++ b/FluidOperations.pptx
@@ -14,6 +14,8 @@
     <p:sldId id="262" r:id="rId8"/>
     <p:sldId id="263" r:id="rId9"/>
     <p:sldId id="264" r:id="rId10"/>
+    <p:sldId id="265" r:id="rId11"/>
+    <p:sldId id="266" r:id="rId12"/>
   </p:sldIdLst>
   <p:sldSz cx="8686800" cy="12192000"/>
   <p:notesSz cx="6858000" cy="9144000"/>
@@ -134,6 +136,8 @@
             <p14:sldId id="262"/>
             <p14:sldId id="263"/>
             <p14:sldId id="264"/>
+            <p14:sldId id="265"/>
+            <p14:sldId id="266"/>
           </p14:sldIdLst>
         </p14:section>
       </p14:sectionLst>
@@ -337,7 +341,7 @@
           <a:p>
             <a:fld id="{8C2BDFC8-6F8C-4A1A-A5EA-5DE0BFD390AC}" type="datetimeFigureOut">
               <a:rPr lang="en-US" smtClean="0"/>
-              <a:t>8/26/2024</a:t>
+              <a:t>8/29/2024</a:t>
             </a:fld>
             <a:endParaRPr lang="en-US"/>
           </a:p>
@@ -507,7 +511,7 @@
           <a:p>
             <a:fld id="{8C2BDFC8-6F8C-4A1A-A5EA-5DE0BFD390AC}" type="datetimeFigureOut">
               <a:rPr lang="en-US" smtClean="0"/>
-              <a:t>8/26/2024</a:t>
+              <a:t>8/29/2024</a:t>
             </a:fld>
             <a:endParaRPr lang="en-US"/>
           </a:p>
@@ -687,7 +691,7 @@
           <a:p>
             <a:fld id="{8C2BDFC8-6F8C-4A1A-A5EA-5DE0BFD390AC}" type="datetimeFigureOut">
               <a:rPr lang="en-US" smtClean="0"/>
-              <a:t>8/26/2024</a:t>
+              <a:t>8/29/2024</a:t>
             </a:fld>
             <a:endParaRPr lang="en-US"/>
           </a:p>
@@ -857,7 +861,7 @@
           <a:p>
             <a:fld id="{8C2BDFC8-6F8C-4A1A-A5EA-5DE0BFD390AC}" type="datetimeFigureOut">
               <a:rPr lang="en-US" smtClean="0"/>
-              <a:t>8/26/2024</a:t>
+              <a:t>8/29/2024</a:t>
             </a:fld>
             <a:endParaRPr lang="en-US"/>
           </a:p>
@@ -1103,7 +1107,7 @@
           <a:p>
             <a:fld id="{8C2BDFC8-6F8C-4A1A-A5EA-5DE0BFD390AC}" type="datetimeFigureOut">
               <a:rPr lang="en-US" smtClean="0"/>
-              <a:t>8/26/2024</a:t>
+              <a:t>8/29/2024</a:t>
             </a:fld>
             <a:endParaRPr lang="en-US"/>
           </a:p>
@@ -1335,7 +1339,7 @@
           <a:p>
             <a:fld id="{8C2BDFC8-6F8C-4A1A-A5EA-5DE0BFD390AC}" type="datetimeFigureOut">
               <a:rPr lang="en-US" smtClean="0"/>
-              <a:t>8/26/2024</a:t>
+              <a:t>8/29/2024</a:t>
             </a:fld>
             <a:endParaRPr lang="en-US"/>
           </a:p>
@@ -1702,7 +1706,7 @@
           <a:p>
             <a:fld id="{8C2BDFC8-6F8C-4A1A-A5EA-5DE0BFD390AC}" type="datetimeFigureOut">
               <a:rPr lang="en-US" smtClean="0"/>
-              <a:t>8/26/2024</a:t>
+              <a:t>8/29/2024</a:t>
             </a:fld>
             <a:endParaRPr lang="en-US"/>
           </a:p>
@@ -1820,7 +1824,7 @@
           <a:p>
             <a:fld id="{8C2BDFC8-6F8C-4A1A-A5EA-5DE0BFD390AC}" type="datetimeFigureOut">
               <a:rPr lang="en-US" smtClean="0"/>
-              <a:t>8/26/2024</a:t>
+              <a:t>8/29/2024</a:t>
             </a:fld>
             <a:endParaRPr lang="en-US"/>
           </a:p>
@@ -1915,7 +1919,7 @@
           <a:p>
             <a:fld id="{8C2BDFC8-6F8C-4A1A-A5EA-5DE0BFD390AC}" type="datetimeFigureOut">
               <a:rPr lang="en-US" smtClean="0"/>
-              <a:t>8/26/2024</a:t>
+              <a:t>8/29/2024</a:t>
             </a:fld>
             <a:endParaRPr lang="en-US"/>
           </a:p>
@@ -2192,7 +2196,7 @@
           <a:p>
             <a:fld id="{8C2BDFC8-6F8C-4A1A-A5EA-5DE0BFD390AC}" type="datetimeFigureOut">
               <a:rPr lang="en-US" smtClean="0"/>
-              <a:t>8/26/2024</a:t>
+              <a:t>8/29/2024</a:t>
             </a:fld>
             <a:endParaRPr lang="en-US"/>
           </a:p>
@@ -2449,7 +2453,7 @@
           <a:p>
             <a:fld id="{8C2BDFC8-6F8C-4A1A-A5EA-5DE0BFD390AC}" type="datetimeFigureOut">
               <a:rPr lang="en-US" smtClean="0"/>
-              <a:t>8/26/2024</a:t>
+              <a:t>8/29/2024</a:t>
             </a:fld>
             <a:endParaRPr lang="en-US"/>
           </a:p>
@@ -2662,7 +2666,7 @@
           <a:p>
             <a:fld id="{8C2BDFC8-6F8C-4A1A-A5EA-5DE0BFD390AC}" type="datetimeFigureOut">
               <a:rPr lang="en-US" smtClean="0"/>
-              <a:t>8/26/2024</a:t>
+              <a:t>8/29/2024</a:t>
             </a:fld>
             <a:endParaRPr lang="en-US"/>
           </a:p>
@@ -3677,6 +3681,3282 @@
 </p:sld>
 </file>
 
+<file path=ppt/slides/slide10.xml><?xml version="1.0" encoding="utf-8"?>
+<p:sld xmlns:a="http://schemas.openxmlformats.org/drawingml/2006/main" xmlns:r="http://schemas.openxmlformats.org/officeDocument/2006/relationships" xmlns:p="http://schemas.openxmlformats.org/presentationml/2006/main">
+  <p:cSld>
+    <p:spTree>
+      <p:nvGrpSpPr>
+        <p:cNvPr id="1" name=""/>
+        <p:cNvGrpSpPr/>
+        <p:nvPr/>
+      </p:nvGrpSpPr>
+      <p:grpSpPr>
+        <a:xfrm>
+          <a:off x="0" y="0"/>
+          <a:ext cx="0" cy="0"/>
+          <a:chOff x="0" y="0"/>
+          <a:chExt cx="0" cy="0"/>
+        </a:xfrm>
+      </p:grpSpPr>
+      <p:sp>
+        <p:nvSpPr>
+          <p:cNvPr id="2" name="TextBox 1">
+            <a:extLst>
+              <a:ext uri="{FF2B5EF4-FFF2-40B4-BE49-F238E27FC236}">
+                <a16:creationId xmlns:a16="http://schemas.microsoft.com/office/drawing/2014/main" id="{152C09D7-9898-59D4-B41C-6A2558F99737}"/>
+              </a:ext>
+            </a:extLst>
+          </p:cNvPr>
+          <p:cNvSpPr txBox="1"/>
+          <p:nvPr/>
+        </p:nvSpPr>
+        <p:spPr>
+          <a:xfrm>
+            <a:off x="0" y="6462288"/>
+            <a:ext cx="5394875" cy="461665"/>
+          </a:xfrm>
+          <a:prstGeom prst="rect">
+            <a:avLst/>
+          </a:prstGeom>
+          <a:noFill/>
+        </p:spPr>
+        <p:txBody>
+          <a:bodyPr wrap="none" rtlCol="0">
+            <a:spAutoFit/>
+          </a:bodyPr>
+          <a:lstStyle/>
+          <a:p>
+            <a:r>
+              <a:rPr lang="en-US" sz="2400" dirty="0"/>
+              <a:t>Determining viscosity with Viscometers</a:t>
+            </a:r>
+          </a:p>
+        </p:txBody>
+      </p:sp>
+      <p:sp>
+        <p:nvSpPr>
+          <p:cNvPr id="3" name="TextBox 2">
+            <a:extLst>
+              <a:ext uri="{FF2B5EF4-FFF2-40B4-BE49-F238E27FC236}">
+                <a16:creationId xmlns:a16="http://schemas.microsoft.com/office/drawing/2014/main" id="{5FAC5266-0E53-9A49-9F33-F08DC20090B4}"/>
+              </a:ext>
+            </a:extLst>
+          </p:cNvPr>
+          <p:cNvSpPr txBox="1"/>
+          <p:nvPr/>
+        </p:nvSpPr>
+        <p:spPr>
+          <a:xfrm>
+            <a:off x="0" y="0"/>
+            <a:ext cx="1621919" cy="461665"/>
+          </a:xfrm>
+          <a:prstGeom prst="rect">
+            <a:avLst/>
+          </a:prstGeom>
+          <a:noFill/>
+        </p:spPr>
+        <p:txBody>
+          <a:bodyPr wrap="none" rtlCol="0">
+            <a:spAutoFit/>
+          </a:bodyPr>
+          <a:lstStyle/>
+          <a:p>
+            <a:r>
+              <a:rPr lang="en-US" sz="2400" dirty="0"/>
+              <a:t>More Units</a:t>
+            </a:r>
+          </a:p>
+        </p:txBody>
+      </p:sp>
+      <p:pic>
+        <p:nvPicPr>
+          <p:cNvPr id="5" name="Picture 4">
+            <a:extLst>
+              <a:ext uri="{FF2B5EF4-FFF2-40B4-BE49-F238E27FC236}">
+                <a16:creationId xmlns:a16="http://schemas.microsoft.com/office/drawing/2014/main" id="{99C65978-64B1-5CA8-E381-B3F870A3D8A7}"/>
+              </a:ext>
+            </a:extLst>
+          </p:cNvPr>
+          <p:cNvPicPr>
+            <a:picLocks noChangeAspect="1"/>
+          </p:cNvPicPr>
+          <p:nvPr/>
+        </p:nvPicPr>
+        <p:blipFill>
+          <a:blip r:embed="rId2"/>
+          <a:stretch>
+            <a:fillRect/>
+          </a:stretch>
+        </p:blipFill>
+        <p:spPr>
+          <a:xfrm>
+            <a:off x="451915" y="461665"/>
+            <a:ext cx="7478169" cy="3258005"/>
+          </a:xfrm>
+          <a:prstGeom prst="rect">
+            <a:avLst/>
+          </a:prstGeom>
+        </p:spPr>
+      </p:pic>
+      <p:sp>
+        <p:nvSpPr>
+          <p:cNvPr id="6" name="TextBox 5">
+            <a:extLst>
+              <a:ext uri="{FF2B5EF4-FFF2-40B4-BE49-F238E27FC236}">
+                <a16:creationId xmlns:a16="http://schemas.microsoft.com/office/drawing/2014/main" id="{28A7E058-FE5E-1A1E-93F0-8F1AE0B6E564}"/>
+              </a:ext>
+            </a:extLst>
+          </p:cNvPr>
+          <p:cNvSpPr txBox="1"/>
+          <p:nvPr/>
+        </p:nvSpPr>
+        <p:spPr>
+          <a:xfrm>
+            <a:off x="0" y="3812003"/>
+            <a:ext cx="6651436" cy="400110"/>
+          </a:xfrm>
+          <a:prstGeom prst="rect">
+            <a:avLst/>
+          </a:prstGeom>
+          <a:noFill/>
+        </p:spPr>
+        <p:txBody>
+          <a:bodyPr wrap="none" rtlCol="0">
+            <a:spAutoFit/>
+          </a:bodyPr>
+          <a:lstStyle/>
+          <a:p>
+            <a:r>
+              <a:rPr lang="en-US" dirty="0"/>
+              <a:t>Determining Units for </a:t>
+            </a:r>
+            <a:r>
+              <a:rPr lang="en-US" sz="2000" dirty="0"/>
+              <a:t>Viscosity</a:t>
+            </a:r>
+            <a:r>
+              <a:rPr lang="en-US" dirty="0"/>
+              <a:t> using Newton’s Law of viscosity :</a:t>
+            </a:r>
+          </a:p>
+        </p:txBody>
+      </p:sp>
+      <mc:AlternateContent xmlns:mc="http://schemas.openxmlformats.org/markup-compatibility/2006">
+        <mc:Choice xmlns:a14="http://schemas.microsoft.com/office/drawing/2010/main" Requires="a14">
+          <p:sp>
+            <p:nvSpPr>
+              <p:cNvPr id="9" name="TextBox 8">
+                <a:extLst>
+                  <a:ext uri="{FF2B5EF4-FFF2-40B4-BE49-F238E27FC236}">
+                    <a16:creationId xmlns:a16="http://schemas.microsoft.com/office/drawing/2014/main" id="{EA59B078-B40C-C472-407A-C421FF49D809}"/>
+                  </a:ext>
+                </a:extLst>
+              </p:cNvPr>
+              <p:cNvSpPr txBox="1"/>
+              <p:nvPr/>
+            </p:nvSpPr>
+            <p:spPr>
+              <a:xfrm>
+                <a:off x="59819" y="4181335"/>
+                <a:ext cx="1562100" cy="662983"/>
+              </a:xfrm>
+              <a:prstGeom prst="rect">
+                <a:avLst/>
+              </a:prstGeom>
+              <a:noFill/>
+            </p:spPr>
+            <p:txBody>
+              <a:bodyPr wrap="square">
+                <a:spAutoFit/>
+              </a:bodyPr>
+              <a:lstStyle/>
+              <a:p>
+                <a:pPr/>
+                <a14:m>
+                  <m:oMathPara xmlns:m="http://schemas.openxmlformats.org/officeDocument/2006/math">
+                    <m:oMathParaPr>
+                      <m:jc m:val="centerGroup"/>
+                    </m:oMathParaPr>
+                    <m:oMath xmlns:m="http://schemas.openxmlformats.org/officeDocument/2006/math">
+                      <m:sSub>
+                        <m:sSubPr>
+                          <m:ctrlPr>
+                            <a:rPr lang="en-US" i="1" smtClean="0">
+                              <a:latin typeface="Cambria Math" panose="02040503050406030204" pitchFamily="18" charset="0"/>
+                            </a:rPr>
+                          </m:ctrlPr>
+                        </m:sSubPr>
+                        <m:e>
+                          <m:r>
+                            <a:rPr lang="en-US" i="1" smtClean="0">
+                              <a:latin typeface="Cambria Math" panose="02040503050406030204" pitchFamily="18" charset="0"/>
+                              <a:ea typeface="Cambria Math" panose="02040503050406030204" pitchFamily="18" charset="0"/>
+                            </a:rPr>
+                            <m:t>𝜏</m:t>
+                          </m:r>
+                        </m:e>
+                        <m:sub>
+                          <m:r>
+                            <a:rPr lang="en-US" b="0" i="1" smtClean="0">
+                              <a:latin typeface="Cambria Math" panose="02040503050406030204" pitchFamily="18" charset="0"/>
+                            </a:rPr>
+                            <m:t>𝑦𝑥</m:t>
+                          </m:r>
+                        </m:sub>
+                      </m:sSub>
+                      <m:r>
+                        <a:rPr lang="en-US" b="0" i="1" smtClean="0">
+                          <a:latin typeface="Cambria Math" panose="02040503050406030204" pitchFamily="18" charset="0"/>
+                        </a:rPr>
+                        <m:t>=</m:t>
+                      </m:r>
+                      <m:r>
+                        <a:rPr lang="en-US" b="0" i="1" smtClean="0">
+                          <a:latin typeface="Cambria Math" panose="02040503050406030204" pitchFamily="18" charset="0"/>
+                          <a:ea typeface="Cambria Math" panose="02040503050406030204" pitchFamily="18" charset="0"/>
+                        </a:rPr>
+                        <m:t>𝜂</m:t>
+                      </m:r>
+                      <m:f>
+                        <m:fPr>
+                          <m:ctrlPr>
+                            <a:rPr lang="en-US" b="0" i="1" smtClean="0">
+                              <a:latin typeface="Cambria Math" panose="02040503050406030204" pitchFamily="18" charset="0"/>
+                              <a:ea typeface="Cambria Math" panose="02040503050406030204" pitchFamily="18" charset="0"/>
+                            </a:rPr>
+                          </m:ctrlPr>
+                        </m:fPr>
+                        <m:num>
+                          <m:r>
+                            <a:rPr lang="en-US" b="0" i="1" smtClean="0">
+                              <a:latin typeface="Cambria Math" panose="02040503050406030204" pitchFamily="18" charset="0"/>
+                              <a:ea typeface="Cambria Math" panose="02040503050406030204" pitchFamily="18" charset="0"/>
+                            </a:rPr>
+                            <m:t>𝑑</m:t>
+                          </m:r>
+                          <m:sSub>
+                            <m:sSubPr>
+                              <m:ctrlPr>
+                                <a:rPr lang="en-US" b="0" i="1" smtClean="0">
+                                  <a:latin typeface="Cambria Math" panose="02040503050406030204" pitchFamily="18" charset="0"/>
+                                  <a:ea typeface="Cambria Math" panose="02040503050406030204" pitchFamily="18" charset="0"/>
+                                </a:rPr>
+                              </m:ctrlPr>
+                            </m:sSubPr>
+                            <m:e>
+                              <m:r>
+                                <a:rPr lang="en-US" b="0" i="1" smtClean="0">
+                                  <a:latin typeface="Cambria Math" panose="02040503050406030204" pitchFamily="18" charset="0"/>
+                                  <a:ea typeface="Cambria Math" panose="02040503050406030204" pitchFamily="18" charset="0"/>
+                                </a:rPr>
+                                <m:t>𝜐</m:t>
+                              </m:r>
+                            </m:e>
+                            <m:sub>
+                              <m:r>
+                                <a:rPr lang="en-US" b="0" i="1" smtClean="0">
+                                  <a:latin typeface="Cambria Math" panose="02040503050406030204" pitchFamily="18" charset="0"/>
+                                  <a:ea typeface="Cambria Math" panose="02040503050406030204" pitchFamily="18" charset="0"/>
+                                </a:rPr>
+                                <m:t>𝑥</m:t>
+                              </m:r>
+                            </m:sub>
+                          </m:sSub>
+                        </m:num>
+                        <m:den>
+                          <m:r>
+                            <a:rPr lang="en-US" b="0" i="1" smtClean="0">
+                              <a:latin typeface="Cambria Math" panose="02040503050406030204" pitchFamily="18" charset="0"/>
+                              <a:ea typeface="Cambria Math" panose="02040503050406030204" pitchFamily="18" charset="0"/>
+                            </a:rPr>
+                            <m:t>𝑑𝑦</m:t>
+                          </m:r>
+                        </m:den>
+                      </m:f>
+                    </m:oMath>
+                  </m:oMathPara>
+                </a14:m>
+                <a:endParaRPr lang="en-US" dirty="0"/>
+              </a:p>
+            </p:txBody>
+          </p:sp>
+        </mc:Choice>
+        <mc:Fallback>
+          <p:sp>
+            <p:nvSpPr>
+              <p:cNvPr id="9" name="TextBox 8">
+                <a:extLst>
+                  <a:ext uri="{FF2B5EF4-FFF2-40B4-BE49-F238E27FC236}">
+                    <a16:creationId xmlns:a16="http://schemas.microsoft.com/office/drawing/2014/main" id="{EA59B078-B40C-C472-407A-C421FF49D809}"/>
+                  </a:ext>
+                </a:extLst>
+              </p:cNvPr>
+              <p:cNvSpPr txBox="1">
+                <a:spLocks noRot="1" noChangeAspect="1" noMove="1" noResize="1" noEditPoints="1" noAdjustHandles="1" noChangeArrowheads="1" noChangeShapeType="1" noTextEdit="1"/>
+              </p:cNvSpPr>
+              <p:nvPr/>
+            </p:nvSpPr>
+            <p:spPr>
+              <a:xfrm>
+                <a:off x="59819" y="4181335"/>
+                <a:ext cx="1562100" cy="662983"/>
+              </a:xfrm>
+              <a:prstGeom prst="rect">
+                <a:avLst/>
+              </a:prstGeom>
+              <a:blipFill>
+                <a:blip r:embed="rId3"/>
+                <a:stretch>
+                  <a:fillRect/>
+                </a:stretch>
+              </a:blipFill>
+            </p:spPr>
+            <p:txBody>
+              <a:bodyPr/>
+              <a:lstStyle/>
+              <a:p>
+                <a:r>
+                  <a:rPr lang="en-US">
+                    <a:noFill/>
+                  </a:rPr>
+                  <a:t> </a:t>
+                </a:r>
+              </a:p>
+            </p:txBody>
+          </p:sp>
+        </mc:Fallback>
+      </mc:AlternateContent>
+      <mc:AlternateContent xmlns:mc="http://schemas.openxmlformats.org/markup-compatibility/2006">
+        <mc:Choice xmlns:a14="http://schemas.microsoft.com/office/drawing/2010/main" Requires="a14">
+          <p:sp>
+            <p:nvSpPr>
+              <p:cNvPr id="10" name="TextBox 9">
+                <a:extLst>
+                  <a:ext uri="{FF2B5EF4-FFF2-40B4-BE49-F238E27FC236}">
+                    <a16:creationId xmlns:a16="http://schemas.microsoft.com/office/drawing/2014/main" id="{B3EE0690-33BC-153F-65B5-E1E923FFFF79}"/>
+                  </a:ext>
+                </a:extLst>
+              </p:cNvPr>
+              <p:cNvSpPr txBox="1"/>
+              <p:nvPr/>
+            </p:nvSpPr>
+            <p:spPr>
+              <a:xfrm>
+                <a:off x="1979047" y="4182686"/>
+                <a:ext cx="2211952" cy="914096"/>
+              </a:xfrm>
+              <a:prstGeom prst="rect">
+                <a:avLst/>
+              </a:prstGeom>
+              <a:noFill/>
+            </p:spPr>
+            <p:txBody>
+              <a:bodyPr wrap="none" rtlCol="0">
+                <a:spAutoFit/>
+              </a:bodyPr>
+              <a:lstStyle/>
+              <a:p>
+                <a:pPr marL="285750" indent="-285750">
+                  <a:buFont typeface="Arial" panose="020B0604020202020204" pitchFamily="34" charset="0"/>
+                  <a:buChar char="•"/>
+                </a:pPr>
+                <a14:m>
+                  <m:oMath xmlns:m="http://schemas.openxmlformats.org/officeDocument/2006/math">
+                    <m:sSub>
+                      <m:sSubPr>
+                        <m:ctrlPr>
+                          <a:rPr lang="en-US" i="1" smtClean="0">
+                            <a:latin typeface="Cambria Math" panose="02040503050406030204" pitchFamily="18" charset="0"/>
+                          </a:rPr>
+                        </m:ctrlPr>
+                      </m:sSubPr>
+                      <m:e>
+                        <m:r>
+                          <a:rPr lang="en-US" i="1" smtClean="0">
+                            <a:latin typeface="Cambria Math" panose="02040503050406030204" pitchFamily="18" charset="0"/>
+                            <a:ea typeface="Cambria Math" panose="02040503050406030204" pitchFamily="18" charset="0"/>
+                          </a:rPr>
+                          <m:t>𝜏</m:t>
+                        </m:r>
+                      </m:e>
+                      <m:sub>
+                        <m:r>
+                          <a:rPr lang="en-US" b="0" i="1" smtClean="0">
+                            <a:latin typeface="Cambria Math" panose="02040503050406030204" pitchFamily="18" charset="0"/>
+                          </a:rPr>
+                          <m:t>𝑦𝑥</m:t>
+                        </m:r>
+                      </m:sub>
+                    </m:sSub>
+                  </m:oMath>
+                </a14:m>
+                <a:r>
+                  <a:rPr lang="en-US" dirty="0"/>
+                  <a:t> has units of </a:t>
+                </a:r>
+                <a14:m>
+                  <m:oMath xmlns:m="http://schemas.openxmlformats.org/officeDocument/2006/math">
+                    <m:f>
+                      <m:fPr>
+                        <m:ctrlPr>
+                          <a:rPr lang="en-US" b="0" i="1" smtClean="0">
+                            <a:latin typeface="Cambria Math" panose="02040503050406030204" pitchFamily="18" charset="0"/>
+                          </a:rPr>
+                        </m:ctrlPr>
+                      </m:fPr>
+                      <m:num>
+                        <m:r>
+                          <a:rPr lang="en-US" b="0" i="1" smtClean="0">
+                            <a:latin typeface="Cambria Math" panose="02040503050406030204" pitchFamily="18" charset="0"/>
+                          </a:rPr>
+                          <m:t>𝐹</m:t>
+                        </m:r>
+                      </m:num>
+                      <m:den>
+                        <m:sSup>
+                          <m:sSupPr>
+                            <m:ctrlPr>
+                              <a:rPr lang="en-US" b="0" i="1" smtClean="0">
+                                <a:latin typeface="Cambria Math" panose="02040503050406030204" pitchFamily="18" charset="0"/>
+                              </a:rPr>
+                            </m:ctrlPr>
+                          </m:sSupPr>
+                          <m:e>
+                            <m:r>
+                              <a:rPr lang="en-US" b="0" i="1" smtClean="0">
+                                <a:latin typeface="Cambria Math" panose="02040503050406030204" pitchFamily="18" charset="0"/>
+                              </a:rPr>
+                              <m:t>𝐿</m:t>
+                            </m:r>
+                          </m:e>
+                          <m:sup>
+                            <m:r>
+                              <a:rPr lang="en-US" b="0" i="1" smtClean="0">
+                                <a:latin typeface="Cambria Math" panose="02040503050406030204" pitchFamily="18" charset="0"/>
+                              </a:rPr>
+                              <m:t>2</m:t>
+                            </m:r>
+                          </m:sup>
+                        </m:sSup>
+                      </m:den>
+                    </m:f>
+                  </m:oMath>
+                </a14:m>
+                <a:endParaRPr lang="en-US" b="0" dirty="0"/>
+              </a:p>
+              <a:p>
+                <a:pPr marL="285750" indent="-285750">
+                  <a:buFont typeface="Arial" panose="020B0604020202020204" pitchFamily="34" charset="0"/>
+                  <a:buChar char="•"/>
+                </a:pPr>
+                <a14:m>
+                  <m:oMath xmlns:m="http://schemas.openxmlformats.org/officeDocument/2006/math">
+                    <m:f>
+                      <m:fPr>
+                        <m:ctrlPr>
+                          <a:rPr lang="en-US" b="0" i="1" smtClean="0">
+                            <a:latin typeface="Cambria Math" panose="02040503050406030204" pitchFamily="18" charset="0"/>
+                            <a:ea typeface="Cambria Math" panose="02040503050406030204" pitchFamily="18" charset="0"/>
+                          </a:rPr>
+                        </m:ctrlPr>
+                      </m:fPr>
+                      <m:num>
+                        <m:r>
+                          <a:rPr lang="en-US" b="0" i="1" smtClean="0">
+                            <a:latin typeface="Cambria Math" panose="02040503050406030204" pitchFamily="18" charset="0"/>
+                            <a:ea typeface="Cambria Math" panose="02040503050406030204" pitchFamily="18" charset="0"/>
+                          </a:rPr>
+                          <m:t>𝑑</m:t>
+                        </m:r>
+                        <m:sSub>
+                          <m:sSubPr>
+                            <m:ctrlPr>
+                              <a:rPr lang="en-US" b="0" i="1" smtClean="0">
+                                <a:latin typeface="Cambria Math" panose="02040503050406030204" pitchFamily="18" charset="0"/>
+                                <a:ea typeface="Cambria Math" panose="02040503050406030204" pitchFamily="18" charset="0"/>
+                              </a:rPr>
+                            </m:ctrlPr>
+                          </m:sSubPr>
+                          <m:e>
+                            <m:r>
+                              <a:rPr lang="en-US" b="0" i="1" smtClean="0">
+                                <a:latin typeface="Cambria Math" panose="02040503050406030204" pitchFamily="18" charset="0"/>
+                                <a:ea typeface="Cambria Math" panose="02040503050406030204" pitchFamily="18" charset="0"/>
+                              </a:rPr>
+                              <m:t>𝜐</m:t>
+                            </m:r>
+                          </m:e>
+                          <m:sub>
+                            <m:r>
+                              <a:rPr lang="en-US" b="0" i="1" smtClean="0">
+                                <a:latin typeface="Cambria Math" panose="02040503050406030204" pitchFamily="18" charset="0"/>
+                                <a:ea typeface="Cambria Math" panose="02040503050406030204" pitchFamily="18" charset="0"/>
+                              </a:rPr>
+                              <m:t>𝑥</m:t>
+                            </m:r>
+                          </m:sub>
+                        </m:sSub>
+                      </m:num>
+                      <m:den>
+                        <m:r>
+                          <a:rPr lang="en-US" b="0" i="1" smtClean="0">
+                            <a:latin typeface="Cambria Math" panose="02040503050406030204" pitchFamily="18" charset="0"/>
+                            <a:ea typeface="Cambria Math" panose="02040503050406030204" pitchFamily="18" charset="0"/>
+                          </a:rPr>
+                          <m:t>𝑑𝑦</m:t>
+                        </m:r>
+                      </m:den>
+                    </m:f>
+                  </m:oMath>
+                </a14:m>
+                <a:r>
+                  <a:rPr lang="en-US" b="0" dirty="0"/>
+                  <a:t> has units of </a:t>
+                </a:r>
+                <a14:m>
+                  <m:oMath xmlns:m="http://schemas.openxmlformats.org/officeDocument/2006/math">
+                    <m:f>
+                      <m:fPr>
+                        <m:ctrlPr>
+                          <a:rPr lang="en-US" b="0" i="1" smtClean="0">
+                            <a:latin typeface="Cambria Math" panose="02040503050406030204" pitchFamily="18" charset="0"/>
+                          </a:rPr>
+                        </m:ctrlPr>
+                      </m:fPr>
+                      <m:num>
+                        <m:r>
+                          <a:rPr lang="en-US" b="0" i="1" smtClean="0">
+                            <a:latin typeface="Cambria Math" panose="02040503050406030204" pitchFamily="18" charset="0"/>
+                          </a:rPr>
+                          <m:t>1</m:t>
+                        </m:r>
+                      </m:num>
+                      <m:den>
+                        <m:r>
+                          <a:rPr lang="en-US" b="0" i="1" smtClean="0">
+                            <a:latin typeface="Cambria Math" panose="02040503050406030204" pitchFamily="18" charset="0"/>
+                          </a:rPr>
+                          <m:t>𝑡</m:t>
+                        </m:r>
+                      </m:den>
+                    </m:f>
+                  </m:oMath>
+                </a14:m>
+                <a:endParaRPr lang="en-US" b="0" dirty="0"/>
+              </a:p>
+            </p:txBody>
+          </p:sp>
+        </mc:Choice>
+        <mc:Fallback>
+          <p:sp>
+            <p:nvSpPr>
+              <p:cNvPr id="10" name="TextBox 9">
+                <a:extLst>
+                  <a:ext uri="{FF2B5EF4-FFF2-40B4-BE49-F238E27FC236}">
+                    <a16:creationId xmlns:a16="http://schemas.microsoft.com/office/drawing/2014/main" id="{B3EE0690-33BC-153F-65B5-E1E923FFFF79}"/>
+                  </a:ext>
+                </a:extLst>
+              </p:cNvPr>
+              <p:cNvSpPr txBox="1">
+                <a:spLocks noRot="1" noChangeAspect="1" noMove="1" noResize="1" noEditPoints="1" noAdjustHandles="1" noChangeArrowheads="1" noChangeShapeType="1" noTextEdit="1"/>
+              </p:cNvSpPr>
+              <p:nvPr/>
+            </p:nvSpPr>
+            <p:spPr>
+              <a:xfrm>
+                <a:off x="1979047" y="4182686"/>
+                <a:ext cx="2211952" cy="914096"/>
+              </a:xfrm>
+              <a:prstGeom prst="rect">
+                <a:avLst/>
+              </a:prstGeom>
+              <a:blipFill>
+                <a:blip r:embed="rId4"/>
+                <a:stretch>
+                  <a:fillRect l="-1934" b="-2000"/>
+                </a:stretch>
+              </a:blipFill>
+            </p:spPr>
+            <p:txBody>
+              <a:bodyPr/>
+              <a:lstStyle/>
+              <a:p>
+                <a:r>
+                  <a:rPr lang="en-US">
+                    <a:noFill/>
+                  </a:rPr>
+                  <a:t> </a:t>
+                </a:r>
+              </a:p>
+            </p:txBody>
+          </p:sp>
+        </mc:Fallback>
+      </mc:AlternateContent>
+      <mc:AlternateContent xmlns:mc="http://schemas.openxmlformats.org/markup-compatibility/2006">
+        <mc:Choice xmlns:a14="http://schemas.microsoft.com/office/drawing/2010/main" Requires="a14">
+          <p:sp>
+            <p:nvSpPr>
+              <p:cNvPr id="11" name="TextBox 10">
+                <a:extLst>
+                  <a:ext uri="{FF2B5EF4-FFF2-40B4-BE49-F238E27FC236}">
+                    <a16:creationId xmlns:a16="http://schemas.microsoft.com/office/drawing/2014/main" id="{0E461598-EC64-9627-E625-B0585B2EC5C2}"/>
+                  </a:ext>
+                </a:extLst>
+              </p:cNvPr>
+              <p:cNvSpPr txBox="1"/>
+              <p:nvPr/>
+            </p:nvSpPr>
+            <p:spPr>
+              <a:xfrm>
+                <a:off x="260211" y="5224642"/>
+                <a:ext cx="3437672" cy="485646"/>
+              </a:xfrm>
+              <a:prstGeom prst="rect">
+                <a:avLst/>
+              </a:prstGeom>
+              <a:noFill/>
+            </p:spPr>
+            <p:txBody>
+              <a:bodyPr wrap="none" rtlCol="0">
+                <a:spAutoFit/>
+              </a:bodyPr>
+              <a:lstStyle/>
+              <a:p>
+                <a:r>
+                  <a:rPr lang="en-US" dirty="0"/>
+                  <a:t>So,</a:t>
+                </a:r>
+                <a:r>
+                  <a:rPr lang="en-US" b="0" dirty="0">
+                    <a:ea typeface="Cambria Math" panose="02040503050406030204" pitchFamily="18" charset="0"/>
+                  </a:rPr>
+                  <a:t> </a:t>
+                </a:r>
+                <a14:m>
+                  <m:oMath xmlns:m="http://schemas.openxmlformats.org/officeDocument/2006/math">
+                    <m:r>
+                      <a:rPr lang="en-US" b="0" i="1" smtClean="0">
+                        <a:latin typeface="Cambria Math" panose="02040503050406030204" pitchFamily="18" charset="0"/>
+                        <a:ea typeface="Cambria Math" panose="02040503050406030204" pitchFamily="18" charset="0"/>
+                      </a:rPr>
+                      <m:t>𝜂</m:t>
+                    </m:r>
+                  </m:oMath>
+                </a14:m>
+                <a:r>
+                  <a:rPr lang="en-US" dirty="0"/>
+                  <a:t> has units of </a:t>
+                </a:r>
+                <a14:m>
+                  <m:oMath xmlns:m="http://schemas.openxmlformats.org/officeDocument/2006/math">
+                    <m:f>
+                      <m:fPr>
+                        <m:ctrlPr>
+                          <a:rPr lang="en-US" i="1" smtClean="0">
+                            <a:latin typeface="Cambria Math" panose="02040503050406030204" pitchFamily="18" charset="0"/>
+                          </a:rPr>
+                        </m:ctrlPr>
+                      </m:fPr>
+                      <m:num>
+                        <m:r>
+                          <a:rPr lang="en-US" b="0" i="1" smtClean="0">
+                            <a:latin typeface="Cambria Math" panose="02040503050406030204" pitchFamily="18" charset="0"/>
+                          </a:rPr>
+                          <m:t>𝐹</m:t>
+                        </m:r>
+                        <m:r>
+                          <a:rPr lang="en-US" b="0" i="1" smtClean="0">
+                            <a:latin typeface="Cambria Math" panose="02040503050406030204" pitchFamily="18" charset="0"/>
+                            <a:ea typeface="Cambria Math" panose="02040503050406030204" pitchFamily="18" charset="0"/>
+                          </a:rPr>
+                          <m:t>∙</m:t>
+                        </m:r>
+                        <m:r>
+                          <a:rPr lang="en-US" b="0" i="1" smtClean="0">
+                            <a:latin typeface="Cambria Math" panose="02040503050406030204" pitchFamily="18" charset="0"/>
+                          </a:rPr>
+                          <m:t>𝑡</m:t>
+                        </m:r>
+                      </m:num>
+                      <m:den>
+                        <m:sSup>
+                          <m:sSupPr>
+                            <m:ctrlPr>
+                              <a:rPr lang="en-US" i="1" smtClean="0">
+                                <a:latin typeface="Cambria Math" panose="02040503050406030204" pitchFamily="18" charset="0"/>
+                              </a:rPr>
+                            </m:ctrlPr>
+                          </m:sSupPr>
+                          <m:e>
+                            <m:r>
+                              <a:rPr lang="en-US" b="0" i="1" smtClean="0">
+                                <a:latin typeface="Cambria Math" panose="02040503050406030204" pitchFamily="18" charset="0"/>
+                              </a:rPr>
+                              <m:t>𝐿</m:t>
+                            </m:r>
+                          </m:e>
+                          <m:sup>
+                            <m:r>
+                              <a:rPr lang="en-US" b="0" i="1" smtClean="0">
+                                <a:latin typeface="Cambria Math" panose="02040503050406030204" pitchFamily="18" charset="0"/>
+                              </a:rPr>
+                              <m:t>2</m:t>
+                            </m:r>
+                          </m:sup>
+                        </m:sSup>
+                      </m:den>
+                    </m:f>
+                    <m:r>
+                      <a:rPr lang="en-US" b="0" i="1" smtClean="0">
+                        <a:latin typeface="Cambria Math" panose="02040503050406030204" pitchFamily="18" charset="0"/>
+                      </a:rPr>
+                      <m:t>=</m:t>
+                    </m:r>
+                    <m:r>
+                      <a:rPr lang="en-US" b="0" i="1" smtClean="0">
+                        <a:latin typeface="Cambria Math" panose="02040503050406030204" pitchFamily="18" charset="0"/>
+                      </a:rPr>
+                      <m:t>𝑃</m:t>
+                    </m:r>
+                    <m:r>
+                      <a:rPr lang="en-US" b="0" i="1" smtClean="0">
+                        <a:latin typeface="Cambria Math" panose="02040503050406030204" pitchFamily="18" charset="0"/>
+                        <a:ea typeface="Cambria Math" panose="02040503050406030204" pitchFamily="18" charset="0"/>
+                      </a:rPr>
+                      <m:t>∙</m:t>
+                    </m:r>
+                    <m:r>
+                      <a:rPr lang="en-US" b="0" i="1" smtClean="0">
+                        <a:latin typeface="Cambria Math" panose="02040503050406030204" pitchFamily="18" charset="0"/>
+                        <a:ea typeface="Cambria Math" panose="02040503050406030204" pitchFamily="18" charset="0"/>
+                      </a:rPr>
+                      <m:t>𝑡</m:t>
+                    </m:r>
+                    <m:r>
+                      <a:rPr lang="en-US" b="0" i="1" smtClean="0">
+                        <a:latin typeface="Cambria Math" panose="02040503050406030204" pitchFamily="18" charset="0"/>
+                        <a:ea typeface="Cambria Math" panose="02040503050406030204" pitchFamily="18" charset="0"/>
+                      </a:rPr>
+                      <m:t>=</m:t>
+                    </m:r>
+                    <m:f>
+                      <m:fPr>
+                        <m:ctrlPr>
+                          <a:rPr lang="en-US" b="0" i="1" smtClean="0">
+                            <a:latin typeface="Cambria Math" panose="02040503050406030204" pitchFamily="18" charset="0"/>
+                            <a:ea typeface="Cambria Math" panose="02040503050406030204" pitchFamily="18" charset="0"/>
+                          </a:rPr>
+                        </m:ctrlPr>
+                      </m:fPr>
+                      <m:num>
+                        <m:r>
+                          <a:rPr lang="en-US" b="0" i="1" smtClean="0">
+                            <a:latin typeface="Cambria Math" panose="02040503050406030204" pitchFamily="18" charset="0"/>
+                            <a:ea typeface="Cambria Math" panose="02040503050406030204" pitchFamily="18" charset="0"/>
+                          </a:rPr>
+                          <m:t>𝑀</m:t>
+                        </m:r>
+                      </m:num>
+                      <m:den>
+                        <m:r>
+                          <a:rPr lang="en-US" b="0" i="1" smtClean="0">
+                            <a:latin typeface="Cambria Math" panose="02040503050406030204" pitchFamily="18" charset="0"/>
+                            <a:ea typeface="Cambria Math" panose="02040503050406030204" pitchFamily="18" charset="0"/>
+                          </a:rPr>
+                          <m:t>𝑡</m:t>
+                        </m:r>
+                        <m:r>
+                          <a:rPr lang="en-US" b="0" i="1" smtClean="0">
+                            <a:latin typeface="Cambria Math" panose="02040503050406030204" pitchFamily="18" charset="0"/>
+                            <a:ea typeface="Cambria Math" panose="02040503050406030204" pitchFamily="18" charset="0"/>
+                          </a:rPr>
+                          <m:t>∙</m:t>
+                        </m:r>
+                        <m:r>
+                          <a:rPr lang="en-US" b="0" i="1" smtClean="0">
+                            <a:latin typeface="Cambria Math" panose="02040503050406030204" pitchFamily="18" charset="0"/>
+                            <a:ea typeface="Cambria Math" panose="02040503050406030204" pitchFamily="18" charset="0"/>
+                          </a:rPr>
+                          <m:t>𝐿</m:t>
+                        </m:r>
+                      </m:den>
+                    </m:f>
+                  </m:oMath>
+                </a14:m>
+                <a:r>
+                  <a:rPr lang="en-US" dirty="0"/>
+                  <a:t> </a:t>
+                </a:r>
+              </a:p>
+            </p:txBody>
+          </p:sp>
+        </mc:Choice>
+        <mc:Fallback>
+          <p:sp>
+            <p:nvSpPr>
+              <p:cNvPr id="11" name="TextBox 10">
+                <a:extLst>
+                  <a:ext uri="{FF2B5EF4-FFF2-40B4-BE49-F238E27FC236}">
+                    <a16:creationId xmlns:a16="http://schemas.microsoft.com/office/drawing/2014/main" id="{0E461598-EC64-9627-E625-B0585B2EC5C2}"/>
+                  </a:ext>
+                </a:extLst>
+              </p:cNvPr>
+              <p:cNvSpPr txBox="1">
+                <a:spLocks noRot="1" noChangeAspect="1" noMove="1" noResize="1" noEditPoints="1" noAdjustHandles="1" noChangeArrowheads="1" noChangeShapeType="1" noTextEdit="1"/>
+              </p:cNvSpPr>
+              <p:nvPr/>
+            </p:nvSpPr>
+            <p:spPr>
+              <a:xfrm>
+                <a:off x="260211" y="5224642"/>
+                <a:ext cx="3437672" cy="485646"/>
+              </a:xfrm>
+              <a:prstGeom prst="rect">
+                <a:avLst/>
+              </a:prstGeom>
+              <a:blipFill>
+                <a:blip r:embed="rId5"/>
+                <a:stretch>
+                  <a:fillRect l="-1596" b="-8750"/>
+                </a:stretch>
+              </a:blipFill>
+            </p:spPr>
+            <p:txBody>
+              <a:bodyPr/>
+              <a:lstStyle/>
+              <a:p>
+                <a:r>
+                  <a:rPr lang="en-US">
+                    <a:noFill/>
+                  </a:rPr>
+                  <a:t> </a:t>
+                </a:r>
+              </a:p>
+            </p:txBody>
+          </p:sp>
+        </mc:Fallback>
+      </mc:AlternateContent>
+      <p:pic>
+        <p:nvPicPr>
+          <p:cNvPr id="13" name="Picture 12">
+            <a:extLst>
+              <a:ext uri="{FF2B5EF4-FFF2-40B4-BE49-F238E27FC236}">
+                <a16:creationId xmlns:a16="http://schemas.microsoft.com/office/drawing/2014/main" id="{AC68197F-06DE-0398-C0B6-F63EA9F3B0F5}"/>
+              </a:ext>
+            </a:extLst>
+          </p:cNvPr>
+          <p:cNvPicPr>
+            <a:picLocks noChangeAspect="1"/>
+          </p:cNvPicPr>
+          <p:nvPr/>
+        </p:nvPicPr>
+        <p:blipFill>
+          <a:blip r:embed="rId6"/>
+          <a:stretch>
+            <a:fillRect/>
+          </a:stretch>
+        </p:blipFill>
+        <p:spPr>
+          <a:xfrm>
+            <a:off x="723415" y="5710288"/>
+            <a:ext cx="6935168" cy="600159"/>
+          </a:xfrm>
+          <a:prstGeom prst="rect">
+            <a:avLst/>
+          </a:prstGeom>
+        </p:spPr>
+      </p:pic>
+      <mc:AlternateContent xmlns:mc="http://schemas.openxmlformats.org/markup-compatibility/2006">
+        <mc:Choice xmlns:a14="http://schemas.microsoft.com/office/drawing/2010/main" Requires="a14">
+          <p:sp>
+            <p:nvSpPr>
+              <p:cNvPr id="14" name="TextBox 13">
+                <a:extLst>
+                  <a:ext uri="{FF2B5EF4-FFF2-40B4-BE49-F238E27FC236}">
+                    <a16:creationId xmlns:a16="http://schemas.microsoft.com/office/drawing/2014/main" id="{A331F0B1-56A5-614C-23AA-499E5BB54359}"/>
+                  </a:ext>
+                </a:extLst>
+              </p:cNvPr>
+              <p:cNvSpPr txBox="1"/>
+              <p:nvPr/>
+            </p:nvSpPr>
+            <p:spPr>
+              <a:xfrm>
+                <a:off x="0" y="6938621"/>
+                <a:ext cx="6355842" cy="646331"/>
+              </a:xfrm>
+              <a:prstGeom prst="rect">
+                <a:avLst/>
+              </a:prstGeom>
+              <a:noFill/>
+            </p:spPr>
+            <p:txBody>
+              <a:bodyPr wrap="none" rtlCol="0">
+                <a:spAutoFit/>
+              </a:bodyPr>
+              <a:lstStyle/>
+              <a:p>
+                <a:r>
+                  <a:rPr lang="en-US" dirty="0"/>
+                  <a:t>Concentric Cylinder:</a:t>
+                </a:r>
+              </a:p>
+              <a:p>
+                <a:pPr marL="285750" indent="-285750">
+                  <a:buFont typeface="Arial" panose="020B0604020202020204" pitchFamily="34" charset="0"/>
+                  <a:buChar char="•"/>
+                </a:pPr>
+                <a:r>
+                  <a:rPr lang="en-US" dirty="0"/>
+                  <a:t>Known radii (</a:t>
+                </a:r>
+                <a14:m>
+                  <m:oMath xmlns:m="http://schemas.openxmlformats.org/officeDocument/2006/math">
+                    <m:sSub>
+                      <m:sSubPr>
+                        <m:ctrlPr>
+                          <a:rPr lang="en-US" i="1" smtClean="0">
+                            <a:latin typeface="Cambria Math" panose="02040503050406030204" pitchFamily="18" charset="0"/>
+                          </a:rPr>
+                        </m:ctrlPr>
+                      </m:sSubPr>
+                      <m:e>
+                        <m:r>
+                          <a:rPr lang="en-US" b="0" i="1" smtClean="0">
+                            <a:latin typeface="Cambria Math" panose="02040503050406030204" pitchFamily="18" charset="0"/>
+                          </a:rPr>
+                          <m:t>𝑅</m:t>
+                        </m:r>
+                      </m:e>
+                      <m:sub>
+                        <m:r>
+                          <a:rPr lang="en-US" b="0" i="1" smtClean="0">
+                            <a:latin typeface="Cambria Math" panose="02040503050406030204" pitchFamily="18" charset="0"/>
+                          </a:rPr>
+                          <m:t>𝑖</m:t>
+                        </m:r>
+                      </m:sub>
+                    </m:sSub>
+                    <m:r>
+                      <a:rPr lang="en-US" b="0" i="1" smtClean="0">
+                        <a:latin typeface="Cambria Math" panose="02040503050406030204" pitchFamily="18" charset="0"/>
+                      </a:rPr>
+                      <m:t>,</m:t>
+                    </m:r>
+                    <m:sSub>
+                      <m:sSubPr>
+                        <m:ctrlPr>
+                          <a:rPr lang="en-US" b="0" i="1" smtClean="0">
+                            <a:latin typeface="Cambria Math" panose="02040503050406030204" pitchFamily="18" charset="0"/>
+                          </a:rPr>
+                        </m:ctrlPr>
+                      </m:sSubPr>
+                      <m:e>
+                        <m:r>
+                          <a:rPr lang="en-US" b="0" i="1" smtClean="0">
+                            <a:latin typeface="Cambria Math" panose="02040503050406030204" pitchFamily="18" charset="0"/>
+                          </a:rPr>
+                          <m:t>𝑅</m:t>
+                        </m:r>
+                      </m:e>
+                      <m:sub>
+                        <m:r>
+                          <a:rPr lang="en-US" b="0" i="1" smtClean="0">
+                            <a:latin typeface="Cambria Math" panose="02040503050406030204" pitchFamily="18" charset="0"/>
+                          </a:rPr>
+                          <m:t>0</m:t>
+                        </m:r>
+                      </m:sub>
+                    </m:sSub>
+                  </m:oMath>
+                </a14:m>
+                <a:r>
+                  <a:rPr lang="en-US" dirty="0"/>
+                  <a:t>), height (</a:t>
+                </a:r>
+                <a14:m>
+                  <m:oMath xmlns:m="http://schemas.openxmlformats.org/officeDocument/2006/math">
+                    <m:r>
+                      <a:rPr lang="en-US" b="0" i="1" smtClean="0">
+                        <a:latin typeface="Cambria Math" panose="02040503050406030204" pitchFamily="18" charset="0"/>
+                      </a:rPr>
+                      <m:t>𝐿</m:t>
+                    </m:r>
+                  </m:oMath>
+                </a14:m>
+                <a:r>
+                  <a:rPr lang="en-US" dirty="0"/>
+                  <a:t>), angular speed (</a:t>
+                </a:r>
+                <a14:m>
+                  <m:oMath xmlns:m="http://schemas.openxmlformats.org/officeDocument/2006/math">
+                    <m:r>
+                      <m:rPr>
+                        <m:sty m:val="p"/>
+                      </m:rPr>
+                      <a:rPr lang="el-GR" i="1" smtClean="0">
+                        <a:latin typeface="Cambria Math" panose="02040503050406030204" pitchFamily="18" charset="0"/>
+                        <a:ea typeface="Cambria Math" panose="02040503050406030204" pitchFamily="18" charset="0"/>
+                      </a:rPr>
+                      <m:t>Ω</m:t>
+                    </m:r>
+                  </m:oMath>
+                </a14:m>
+                <a:r>
+                  <a:rPr lang="en-US" dirty="0"/>
+                  <a:t>), torque (</a:t>
+                </a:r>
+                <a14:m>
+                  <m:oMath xmlns:m="http://schemas.openxmlformats.org/officeDocument/2006/math">
+                    <m:r>
+                      <a:rPr lang="en-US" b="0" i="1" smtClean="0">
+                        <a:latin typeface="Cambria Math" panose="02040503050406030204" pitchFamily="18" charset="0"/>
+                      </a:rPr>
+                      <m:t>𝑇</m:t>
+                    </m:r>
+                  </m:oMath>
+                </a14:m>
+                <a:r>
+                  <a:rPr lang="en-US" dirty="0"/>
+                  <a:t>)</a:t>
+                </a:r>
+              </a:p>
+            </p:txBody>
+          </p:sp>
+        </mc:Choice>
+        <mc:Fallback>
+          <p:sp>
+            <p:nvSpPr>
+              <p:cNvPr id="14" name="TextBox 13">
+                <a:extLst>
+                  <a:ext uri="{FF2B5EF4-FFF2-40B4-BE49-F238E27FC236}">
+                    <a16:creationId xmlns:a16="http://schemas.microsoft.com/office/drawing/2014/main" id="{A331F0B1-56A5-614C-23AA-499E5BB54359}"/>
+                  </a:ext>
+                </a:extLst>
+              </p:cNvPr>
+              <p:cNvSpPr txBox="1">
+                <a:spLocks noRot="1" noChangeAspect="1" noMove="1" noResize="1" noEditPoints="1" noAdjustHandles="1" noChangeArrowheads="1" noChangeShapeType="1" noTextEdit="1"/>
+              </p:cNvSpPr>
+              <p:nvPr/>
+            </p:nvSpPr>
+            <p:spPr>
+              <a:xfrm>
+                <a:off x="0" y="6938621"/>
+                <a:ext cx="6355842" cy="646331"/>
+              </a:xfrm>
+              <a:prstGeom prst="rect">
+                <a:avLst/>
+              </a:prstGeom>
+              <a:blipFill>
+                <a:blip r:embed="rId7"/>
+                <a:stretch>
+                  <a:fillRect l="-767" t="-3774" b="-15094"/>
+                </a:stretch>
+              </a:blipFill>
+            </p:spPr>
+            <p:txBody>
+              <a:bodyPr/>
+              <a:lstStyle/>
+              <a:p>
+                <a:r>
+                  <a:rPr lang="en-US">
+                    <a:noFill/>
+                  </a:rPr>
+                  <a:t> </a:t>
+                </a:r>
+              </a:p>
+            </p:txBody>
+          </p:sp>
+        </mc:Fallback>
+      </mc:AlternateContent>
+      <p:pic>
+        <p:nvPicPr>
+          <p:cNvPr id="16" name="Picture 15">
+            <a:extLst>
+              <a:ext uri="{FF2B5EF4-FFF2-40B4-BE49-F238E27FC236}">
+                <a16:creationId xmlns:a16="http://schemas.microsoft.com/office/drawing/2014/main" id="{A4D1E0DC-DC29-7A49-3665-A1BB193927AF}"/>
+              </a:ext>
+            </a:extLst>
+          </p:cNvPr>
+          <p:cNvPicPr>
+            <a:picLocks noChangeAspect="1"/>
+          </p:cNvPicPr>
+          <p:nvPr/>
+        </p:nvPicPr>
+        <p:blipFill>
+          <a:blip r:embed="rId8"/>
+          <a:stretch>
+            <a:fillRect/>
+          </a:stretch>
+        </p:blipFill>
+        <p:spPr>
+          <a:xfrm>
+            <a:off x="6482160" y="7562451"/>
+            <a:ext cx="1886213" cy="3924848"/>
+          </a:xfrm>
+          <a:prstGeom prst="rect">
+            <a:avLst/>
+          </a:prstGeom>
+        </p:spPr>
+      </p:pic>
+      <mc:AlternateContent xmlns:mc="http://schemas.openxmlformats.org/markup-compatibility/2006">
+        <mc:Choice xmlns:a14="http://schemas.microsoft.com/office/drawing/2010/main" Requires="a14">
+          <p:sp>
+            <p:nvSpPr>
+              <p:cNvPr id="17" name="TextBox 16">
+                <a:extLst>
+                  <a:ext uri="{FF2B5EF4-FFF2-40B4-BE49-F238E27FC236}">
+                    <a16:creationId xmlns:a16="http://schemas.microsoft.com/office/drawing/2014/main" id="{F5995C43-139E-C94B-817D-BBAAB313D713}"/>
+                  </a:ext>
+                </a:extLst>
+              </p:cNvPr>
+              <p:cNvSpPr txBox="1"/>
+              <p:nvPr/>
+            </p:nvSpPr>
+            <p:spPr>
+              <a:xfrm>
+                <a:off x="426302" y="7928417"/>
+                <a:ext cx="2271135" cy="276999"/>
+              </a:xfrm>
+              <a:prstGeom prst="rect">
+                <a:avLst/>
+              </a:prstGeom>
+              <a:noFill/>
+            </p:spPr>
+            <p:txBody>
+              <a:bodyPr wrap="none" lIns="0" tIns="0" rIns="0" bIns="0" rtlCol="0">
+                <a:spAutoFit/>
+              </a:bodyPr>
+              <a:lstStyle/>
+              <a:p>
+                <a14:m>
+                  <m:oMathPara xmlns:m="http://schemas.openxmlformats.org/officeDocument/2006/math">
+                    <m:oMathParaPr>
+                      <m:jc m:val="centerGroup"/>
+                    </m:oMathParaPr>
+                    <m:oMath xmlns:m="http://schemas.openxmlformats.org/officeDocument/2006/math">
+                      <m:r>
+                        <a:rPr lang="en-US" b="0" i="1" smtClean="0">
+                          <a:latin typeface="Cambria Math" panose="02040503050406030204" pitchFamily="18" charset="0"/>
+                        </a:rPr>
+                        <m:t>𝑇</m:t>
+                      </m:r>
+                      <m:r>
+                        <a:rPr lang="en-US" b="0" i="1" smtClean="0">
+                          <a:latin typeface="Cambria Math" panose="02040503050406030204" pitchFamily="18" charset="0"/>
+                        </a:rPr>
+                        <m:t>=</m:t>
+                      </m:r>
+                      <m:r>
+                        <a:rPr lang="en-US" b="0" i="1" smtClean="0">
+                          <a:latin typeface="Cambria Math" panose="02040503050406030204" pitchFamily="18" charset="0"/>
+                        </a:rPr>
+                        <m:t>𝐹</m:t>
+                      </m:r>
+                      <m:r>
+                        <a:rPr lang="en-US" b="0" i="1" smtClean="0">
+                          <a:latin typeface="Cambria Math" panose="02040503050406030204" pitchFamily="18" charset="0"/>
+                          <a:ea typeface="Cambria Math" panose="02040503050406030204" pitchFamily="18" charset="0"/>
+                        </a:rPr>
+                        <m:t>×</m:t>
+                      </m:r>
+                      <m:r>
+                        <a:rPr lang="en-US" b="0" i="1" smtClean="0">
+                          <a:latin typeface="Cambria Math" panose="02040503050406030204" pitchFamily="18" charset="0"/>
+                          <a:ea typeface="Cambria Math" panose="02040503050406030204" pitchFamily="18" charset="0"/>
+                        </a:rPr>
+                        <m:t>𝑀𝑜𝑚𝑒𝑛𝑡</m:t>
+                      </m:r>
+                      <m:r>
+                        <a:rPr lang="en-US" b="0" i="1" smtClean="0">
+                          <a:latin typeface="Cambria Math" panose="02040503050406030204" pitchFamily="18" charset="0"/>
+                          <a:ea typeface="Cambria Math" panose="02040503050406030204" pitchFamily="18" charset="0"/>
+                        </a:rPr>
+                        <m:t> </m:t>
+                      </m:r>
+                      <m:r>
+                        <a:rPr lang="en-US" b="0" i="1" smtClean="0">
+                          <a:latin typeface="Cambria Math" panose="02040503050406030204" pitchFamily="18" charset="0"/>
+                          <a:ea typeface="Cambria Math" panose="02040503050406030204" pitchFamily="18" charset="0"/>
+                        </a:rPr>
+                        <m:t>𝐴𝑟𝑚</m:t>
+                      </m:r>
+                    </m:oMath>
+                  </m:oMathPara>
+                </a14:m>
+                <a:endParaRPr lang="en-US" dirty="0"/>
+              </a:p>
+            </p:txBody>
+          </p:sp>
+        </mc:Choice>
+        <mc:Fallback>
+          <p:sp>
+            <p:nvSpPr>
+              <p:cNvPr id="17" name="TextBox 16">
+                <a:extLst>
+                  <a:ext uri="{FF2B5EF4-FFF2-40B4-BE49-F238E27FC236}">
+                    <a16:creationId xmlns:a16="http://schemas.microsoft.com/office/drawing/2014/main" id="{F5995C43-139E-C94B-817D-BBAAB313D713}"/>
+                  </a:ext>
+                </a:extLst>
+              </p:cNvPr>
+              <p:cNvSpPr txBox="1">
+                <a:spLocks noRot="1" noChangeAspect="1" noMove="1" noResize="1" noEditPoints="1" noAdjustHandles="1" noChangeArrowheads="1" noChangeShapeType="1" noTextEdit="1"/>
+              </p:cNvSpPr>
+              <p:nvPr/>
+            </p:nvSpPr>
+            <p:spPr>
+              <a:xfrm>
+                <a:off x="426302" y="7928417"/>
+                <a:ext cx="2271135" cy="276999"/>
+              </a:xfrm>
+              <a:prstGeom prst="rect">
+                <a:avLst/>
+              </a:prstGeom>
+              <a:blipFill>
+                <a:blip r:embed="rId9"/>
+                <a:stretch>
+                  <a:fillRect l="-2419" r="-2151" b="-6667"/>
+                </a:stretch>
+              </a:blipFill>
+            </p:spPr>
+            <p:txBody>
+              <a:bodyPr/>
+              <a:lstStyle/>
+              <a:p>
+                <a:r>
+                  <a:rPr lang="en-US">
+                    <a:noFill/>
+                  </a:rPr>
+                  <a:t> </a:t>
+                </a:r>
+              </a:p>
+            </p:txBody>
+          </p:sp>
+        </mc:Fallback>
+      </mc:AlternateContent>
+      <mc:AlternateContent xmlns:mc="http://schemas.openxmlformats.org/markup-compatibility/2006">
+        <mc:Choice xmlns:a14="http://schemas.microsoft.com/office/drawing/2010/main" Requires="a14">
+          <p:sp>
+            <p:nvSpPr>
+              <p:cNvPr id="18" name="TextBox 17">
+                <a:extLst>
+                  <a:ext uri="{FF2B5EF4-FFF2-40B4-BE49-F238E27FC236}">
+                    <a16:creationId xmlns:a16="http://schemas.microsoft.com/office/drawing/2014/main" id="{46DB4916-D20D-5D9A-A2CB-B13E3E2AFCF7}"/>
+                  </a:ext>
+                </a:extLst>
+              </p:cNvPr>
+              <p:cNvSpPr txBox="1"/>
+              <p:nvPr/>
+            </p:nvSpPr>
+            <p:spPr>
+              <a:xfrm>
+                <a:off x="3135823" y="7670148"/>
+                <a:ext cx="3027910" cy="1200329"/>
+              </a:xfrm>
+              <a:prstGeom prst="rect">
+                <a:avLst/>
+              </a:prstGeom>
+              <a:noFill/>
+            </p:spPr>
+            <p:txBody>
+              <a:bodyPr wrap="square" rtlCol="0">
+                <a:spAutoFit/>
+              </a:bodyPr>
+              <a:lstStyle/>
+              <a:p>
+                <a:r>
+                  <a:rPr lang="en-US" dirty="0"/>
+                  <a:t>Moment arm here is the distance from the toque shaft to the end of the cylinder (</a:t>
+                </a:r>
+                <a14:m>
+                  <m:oMath xmlns:m="http://schemas.openxmlformats.org/officeDocument/2006/math">
+                    <m:sSub>
+                      <m:sSubPr>
+                        <m:ctrlPr>
+                          <a:rPr lang="en-US" i="1" smtClean="0">
+                            <a:latin typeface="Cambria Math" panose="02040503050406030204" pitchFamily="18" charset="0"/>
+                          </a:rPr>
+                        </m:ctrlPr>
+                      </m:sSubPr>
+                      <m:e>
+                        <m:r>
+                          <a:rPr lang="en-US" b="0" i="1" smtClean="0">
+                            <a:latin typeface="Cambria Math" panose="02040503050406030204" pitchFamily="18" charset="0"/>
+                          </a:rPr>
+                          <m:t>𝑅</m:t>
+                        </m:r>
+                      </m:e>
+                      <m:sub>
+                        <m:r>
+                          <a:rPr lang="en-US" b="0" i="1" smtClean="0">
+                            <a:latin typeface="Cambria Math" panose="02040503050406030204" pitchFamily="18" charset="0"/>
+                          </a:rPr>
+                          <m:t>𝑖</m:t>
+                        </m:r>
+                      </m:sub>
+                    </m:sSub>
+                  </m:oMath>
+                </a14:m>
+                <a:r>
+                  <a:rPr lang="en-US" dirty="0"/>
+                  <a:t>)</a:t>
+                </a:r>
+              </a:p>
+            </p:txBody>
+          </p:sp>
+        </mc:Choice>
+        <mc:Fallback>
+          <p:sp>
+            <p:nvSpPr>
+              <p:cNvPr id="18" name="TextBox 17">
+                <a:extLst>
+                  <a:ext uri="{FF2B5EF4-FFF2-40B4-BE49-F238E27FC236}">
+                    <a16:creationId xmlns:a16="http://schemas.microsoft.com/office/drawing/2014/main" id="{46DB4916-D20D-5D9A-A2CB-B13E3E2AFCF7}"/>
+                  </a:ext>
+                </a:extLst>
+              </p:cNvPr>
+              <p:cNvSpPr txBox="1">
+                <a:spLocks noRot="1" noChangeAspect="1" noMove="1" noResize="1" noEditPoints="1" noAdjustHandles="1" noChangeArrowheads="1" noChangeShapeType="1" noTextEdit="1"/>
+              </p:cNvSpPr>
+              <p:nvPr/>
+            </p:nvSpPr>
+            <p:spPr>
+              <a:xfrm>
+                <a:off x="3135823" y="7670148"/>
+                <a:ext cx="3027910" cy="1200329"/>
+              </a:xfrm>
+              <a:prstGeom prst="rect">
+                <a:avLst/>
+              </a:prstGeom>
+              <a:blipFill>
+                <a:blip r:embed="rId10"/>
+                <a:stretch>
+                  <a:fillRect l="-1610" t="-2030" b="-7614"/>
+                </a:stretch>
+              </a:blipFill>
+            </p:spPr>
+            <p:txBody>
+              <a:bodyPr/>
+              <a:lstStyle/>
+              <a:p>
+                <a:r>
+                  <a:rPr lang="en-US">
+                    <a:noFill/>
+                  </a:rPr>
+                  <a:t> </a:t>
+                </a:r>
+              </a:p>
+            </p:txBody>
+          </p:sp>
+        </mc:Fallback>
+      </mc:AlternateContent>
+      <mc:AlternateContent xmlns:mc="http://schemas.openxmlformats.org/markup-compatibility/2006">
+        <mc:Choice xmlns:a14="http://schemas.microsoft.com/office/drawing/2010/main" Requires="a14">
+          <p:sp>
+            <p:nvSpPr>
+              <p:cNvPr id="19" name="TextBox 18">
+                <a:extLst>
+                  <a:ext uri="{FF2B5EF4-FFF2-40B4-BE49-F238E27FC236}">
+                    <a16:creationId xmlns:a16="http://schemas.microsoft.com/office/drawing/2014/main" id="{18708276-C1EA-D18D-736E-FC054C10661E}"/>
+                  </a:ext>
+                </a:extLst>
+              </p:cNvPr>
+              <p:cNvSpPr txBox="1"/>
+              <p:nvPr/>
+            </p:nvSpPr>
+            <p:spPr>
+              <a:xfrm>
+                <a:off x="396438" y="8684881"/>
+                <a:ext cx="963534" cy="276999"/>
+              </a:xfrm>
+              <a:prstGeom prst="rect">
+                <a:avLst/>
+              </a:prstGeom>
+              <a:noFill/>
+            </p:spPr>
+            <p:txBody>
+              <a:bodyPr wrap="none" lIns="0" tIns="0" rIns="0" bIns="0" rtlCol="0">
+                <a:spAutoFit/>
+              </a:bodyPr>
+              <a:lstStyle/>
+              <a:p>
+                <a14:m>
+                  <m:oMathPara xmlns:m="http://schemas.openxmlformats.org/officeDocument/2006/math">
+                    <m:oMathParaPr>
+                      <m:jc m:val="centerGroup"/>
+                    </m:oMathParaPr>
+                    <m:oMath xmlns:m="http://schemas.openxmlformats.org/officeDocument/2006/math">
+                      <m:r>
+                        <a:rPr lang="en-US" b="0" i="1" smtClean="0">
+                          <a:latin typeface="Cambria Math" panose="02040503050406030204" pitchFamily="18" charset="0"/>
+                        </a:rPr>
+                        <m:t>𝐹</m:t>
+                      </m:r>
+                      <m:r>
+                        <a:rPr lang="en-US" b="0" i="1" smtClean="0">
+                          <a:latin typeface="Cambria Math" panose="02040503050406030204" pitchFamily="18" charset="0"/>
+                        </a:rPr>
+                        <m:t>=</m:t>
+                      </m:r>
+                      <m:sSub>
+                        <m:sSubPr>
+                          <m:ctrlPr>
+                            <a:rPr lang="en-US" b="0" i="1" smtClean="0">
+                              <a:latin typeface="Cambria Math" panose="02040503050406030204" pitchFamily="18" charset="0"/>
+                            </a:rPr>
+                          </m:ctrlPr>
+                        </m:sSubPr>
+                        <m:e>
+                          <m:r>
+                            <a:rPr lang="en-US" b="0" i="1" smtClean="0">
+                              <a:latin typeface="Cambria Math" panose="02040503050406030204" pitchFamily="18" charset="0"/>
+                              <a:ea typeface="Cambria Math" panose="02040503050406030204" pitchFamily="18" charset="0"/>
+                            </a:rPr>
+                            <m:t>𝜏</m:t>
+                          </m:r>
+                        </m:e>
+                        <m:sub>
+                          <m:r>
+                            <a:rPr lang="en-US" b="0" i="1" smtClean="0">
+                              <a:latin typeface="Cambria Math" panose="02040503050406030204" pitchFamily="18" charset="0"/>
+                            </a:rPr>
+                            <m:t>𝑟</m:t>
+                          </m:r>
+                          <m:r>
+                            <a:rPr lang="en-US" b="0" i="1" smtClean="0">
+                              <a:latin typeface="Cambria Math" panose="02040503050406030204" pitchFamily="18" charset="0"/>
+                              <a:ea typeface="Cambria Math" panose="02040503050406030204" pitchFamily="18" charset="0"/>
+                            </a:rPr>
+                            <m:t>𝜃</m:t>
+                          </m:r>
+                        </m:sub>
+                      </m:sSub>
+                      <m:r>
+                        <a:rPr lang="en-US" b="0" i="1" smtClean="0">
+                          <a:latin typeface="Cambria Math" panose="02040503050406030204" pitchFamily="18" charset="0"/>
+                        </a:rPr>
+                        <m:t>𝐴</m:t>
+                      </m:r>
+                    </m:oMath>
+                  </m:oMathPara>
+                </a14:m>
+                <a:endParaRPr lang="en-US" dirty="0"/>
+              </a:p>
+            </p:txBody>
+          </p:sp>
+        </mc:Choice>
+        <mc:Fallback>
+          <p:sp>
+            <p:nvSpPr>
+              <p:cNvPr id="19" name="TextBox 18">
+                <a:extLst>
+                  <a:ext uri="{FF2B5EF4-FFF2-40B4-BE49-F238E27FC236}">
+                    <a16:creationId xmlns:a16="http://schemas.microsoft.com/office/drawing/2014/main" id="{18708276-C1EA-D18D-736E-FC054C10661E}"/>
+                  </a:ext>
+                </a:extLst>
+              </p:cNvPr>
+              <p:cNvSpPr txBox="1">
+                <a:spLocks noRot="1" noChangeAspect="1" noMove="1" noResize="1" noEditPoints="1" noAdjustHandles="1" noChangeArrowheads="1" noChangeShapeType="1" noTextEdit="1"/>
+              </p:cNvSpPr>
+              <p:nvPr/>
+            </p:nvSpPr>
+            <p:spPr>
+              <a:xfrm>
+                <a:off x="396438" y="8684881"/>
+                <a:ext cx="963534" cy="276999"/>
+              </a:xfrm>
+              <a:prstGeom prst="rect">
+                <a:avLst/>
+              </a:prstGeom>
+              <a:blipFill>
+                <a:blip r:embed="rId11"/>
+                <a:stretch>
+                  <a:fillRect l="-5696" r="-6329" b="-17778"/>
+                </a:stretch>
+              </a:blipFill>
+            </p:spPr>
+            <p:txBody>
+              <a:bodyPr/>
+              <a:lstStyle/>
+              <a:p>
+                <a:r>
+                  <a:rPr lang="en-US">
+                    <a:noFill/>
+                  </a:rPr>
+                  <a:t> </a:t>
+                </a:r>
+              </a:p>
+            </p:txBody>
+          </p:sp>
+        </mc:Fallback>
+      </mc:AlternateContent>
+      <mc:AlternateContent xmlns:mc="http://schemas.openxmlformats.org/markup-compatibility/2006">
+        <mc:Choice xmlns:a14="http://schemas.microsoft.com/office/drawing/2010/main" Requires="a14">
+          <p:sp>
+            <p:nvSpPr>
+              <p:cNvPr id="20" name="TextBox 19">
+                <a:extLst>
+                  <a:ext uri="{FF2B5EF4-FFF2-40B4-BE49-F238E27FC236}">
+                    <a16:creationId xmlns:a16="http://schemas.microsoft.com/office/drawing/2014/main" id="{7BB38021-E3CF-E48F-8DD8-956301A8289A}"/>
+                  </a:ext>
+                </a:extLst>
+              </p:cNvPr>
+              <p:cNvSpPr txBox="1"/>
+              <p:nvPr/>
+            </p:nvSpPr>
+            <p:spPr>
+              <a:xfrm>
+                <a:off x="396438" y="9035628"/>
+                <a:ext cx="1111715" cy="276999"/>
+              </a:xfrm>
+              <a:prstGeom prst="rect">
+                <a:avLst/>
+              </a:prstGeom>
+              <a:noFill/>
+            </p:spPr>
+            <p:txBody>
+              <a:bodyPr wrap="none" lIns="0" tIns="0" rIns="0" bIns="0" rtlCol="0">
+                <a:spAutoFit/>
+              </a:bodyPr>
+              <a:lstStyle/>
+              <a:p>
+                <a14:m>
+                  <m:oMathPara xmlns:m="http://schemas.openxmlformats.org/officeDocument/2006/math">
+                    <m:oMathParaPr>
+                      <m:jc m:val="centerGroup"/>
+                    </m:oMathParaPr>
+                    <m:oMath xmlns:m="http://schemas.openxmlformats.org/officeDocument/2006/math">
+                      <m:r>
+                        <a:rPr lang="en-US" b="0" i="1" smtClean="0">
+                          <a:latin typeface="Cambria Math" panose="02040503050406030204" pitchFamily="18" charset="0"/>
+                        </a:rPr>
+                        <m:t>𝐴</m:t>
+                      </m:r>
+                      <m:r>
+                        <a:rPr lang="en-US" b="0" i="1" smtClean="0">
+                          <a:latin typeface="Cambria Math" panose="02040503050406030204" pitchFamily="18" charset="0"/>
+                        </a:rPr>
+                        <m:t>=2</m:t>
+                      </m:r>
+                      <m:r>
+                        <a:rPr lang="en-US" b="0" i="1" smtClean="0">
+                          <a:latin typeface="Cambria Math" panose="02040503050406030204" pitchFamily="18" charset="0"/>
+                          <a:ea typeface="Cambria Math" panose="02040503050406030204" pitchFamily="18" charset="0"/>
+                        </a:rPr>
+                        <m:t>𝜋</m:t>
+                      </m:r>
+                      <m:sSub>
+                        <m:sSubPr>
+                          <m:ctrlPr>
+                            <a:rPr lang="en-US" b="0" i="1" smtClean="0">
+                              <a:latin typeface="Cambria Math" panose="02040503050406030204" pitchFamily="18" charset="0"/>
+                              <a:ea typeface="Cambria Math" panose="02040503050406030204" pitchFamily="18" charset="0"/>
+                            </a:rPr>
+                          </m:ctrlPr>
+                        </m:sSubPr>
+                        <m:e>
+                          <m:r>
+                            <a:rPr lang="en-US" b="0" i="1" smtClean="0">
+                              <a:latin typeface="Cambria Math" panose="02040503050406030204" pitchFamily="18" charset="0"/>
+                              <a:ea typeface="Cambria Math" panose="02040503050406030204" pitchFamily="18" charset="0"/>
+                            </a:rPr>
+                            <m:t>𝑅</m:t>
+                          </m:r>
+                        </m:e>
+                        <m:sub>
+                          <m:r>
+                            <a:rPr lang="en-US" b="0" i="1" smtClean="0">
+                              <a:latin typeface="Cambria Math" panose="02040503050406030204" pitchFamily="18" charset="0"/>
+                              <a:ea typeface="Cambria Math" panose="02040503050406030204" pitchFamily="18" charset="0"/>
+                            </a:rPr>
+                            <m:t>𝑖</m:t>
+                          </m:r>
+                        </m:sub>
+                      </m:sSub>
+                      <m:r>
+                        <a:rPr lang="en-US" b="0" i="1" smtClean="0">
+                          <a:latin typeface="Cambria Math" panose="02040503050406030204" pitchFamily="18" charset="0"/>
+                          <a:ea typeface="Cambria Math" panose="02040503050406030204" pitchFamily="18" charset="0"/>
+                        </a:rPr>
+                        <m:t>𝐿</m:t>
+                      </m:r>
+                    </m:oMath>
+                  </m:oMathPara>
+                </a14:m>
+                <a:endParaRPr lang="en-US" dirty="0"/>
+              </a:p>
+            </p:txBody>
+          </p:sp>
+        </mc:Choice>
+        <mc:Fallback>
+          <p:sp>
+            <p:nvSpPr>
+              <p:cNvPr id="20" name="TextBox 19">
+                <a:extLst>
+                  <a:ext uri="{FF2B5EF4-FFF2-40B4-BE49-F238E27FC236}">
+                    <a16:creationId xmlns:a16="http://schemas.microsoft.com/office/drawing/2014/main" id="{7BB38021-E3CF-E48F-8DD8-956301A8289A}"/>
+                  </a:ext>
+                </a:extLst>
+              </p:cNvPr>
+              <p:cNvSpPr txBox="1">
+                <a:spLocks noRot="1" noChangeAspect="1" noMove="1" noResize="1" noEditPoints="1" noAdjustHandles="1" noChangeArrowheads="1" noChangeShapeType="1" noTextEdit="1"/>
+              </p:cNvSpPr>
+              <p:nvPr/>
+            </p:nvSpPr>
+            <p:spPr>
+              <a:xfrm>
+                <a:off x="396438" y="9035628"/>
+                <a:ext cx="1111715" cy="276999"/>
+              </a:xfrm>
+              <a:prstGeom prst="rect">
+                <a:avLst/>
+              </a:prstGeom>
+              <a:blipFill>
+                <a:blip r:embed="rId12"/>
+                <a:stretch>
+                  <a:fillRect l="-4396" r="-5495" b="-17391"/>
+                </a:stretch>
+              </a:blipFill>
+            </p:spPr>
+            <p:txBody>
+              <a:bodyPr/>
+              <a:lstStyle/>
+              <a:p>
+                <a:r>
+                  <a:rPr lang="en-US">
+                    <a:noFill/>
+                  </a:rPr>
+                  <a:t> </a:t>
+                </a:r>
+              </a:p>
+            </p:txBody>
+          </p:sp>
+        </mc:Fallback>
+      </mc:AlternateContent>
+      <mc:AlternateContent xmlns:mc="http://schemas.openxmlformats.org/markup-compatibility/2006">
+        <mc:Choice xmlns:a14="http://schemas.microsoft.com/office/drawing/2010/main" Requires="a14">
+          <p:sp>
+            <p:nvSpPr>
+              <p:cNvPr id="21" name="TextBox 20">
+                <a:extLst>
+                  <a:ext uri="{FF2B5EF4-FFF2-40B4-BE49-F238E27FC236}">
+                    <a16:creationId xmlns:a16="http://schemas.microsoft.com/office/drawing/2014/main" id="{77F3A605-F371-A22D-8AFA-25F4E9AC460D}"/>
+                  </a:ext>
+                </a:extLst>
+              </p:cNvPr>
+              <p:cNvSpPr txBox="1"/>
+              <p:nvPr/>
+            </p:nvSpPr>
+            <p:spPr>
+              <a:xfrm>
+                <a:off x="2379010" y="8897571"/>
+                <a:ext cx="3784723" cy="646331"/>
+              </a:xfrm>
+              <a:prstGeom prst="rect">
+                <a:avLst/>
+              </a:prstGeom>
+              <a:noFill/>
+            </p:spPr>
+            <p:txBody>
+              <a:bodyPr wrap="square" rtlCol="0">
+                <a:spAutoFit/>
+              </a:bodyPr>
+              <a:lstStyle/>
+              <a:p>
+                <a14:m>
+                  <m:oMath xmlns:m="http://schemas.openxmlformats.org/officeDocument/2006/math">
+                    <m:sSub>
+                      <m:sSubPr>
+                        <m:ctrlPr>
+                          <a:rPr lang="en-US" i="1" smtClean="0">
+                            <a:latin typeface="Cambria Math" panose="02040503050406030204" pitchFamily="18" charset="0"/>
+                          </a:rPr>
+                        </m:ctrlPr>
+                      </m:sSubPr>
+                      <m:e>
+                        <m:r>
+                          <a:rPr lang="en-US" i="1" smtClean="0">
+                            <a:latin typeface="Cambria Math" panose="02040503050406030204" pitchFamily="18" charset="0"/>
+                            <a:ea typeface="Cambria Math" panose="02040503050406030204" pitchFamily="18" charset="0"/>
+                          </a:rPr>
+                          <m:t>𝜏</m:t>
+                        </m:r>
+                      </m:e>
+                      <m:sub>
+                        <m:r>
+                          <a:rPr lang="en-US" b="0" i="1" smtClean="0">
+                            <a:latin typeface="Cambria Math" panose="02040503050406030204" pitchFamily="18" charset="0"/>
+                          </a:rPr>
+                          <m:t>𝑟</m:t>
+                        </m:r>
+                        <m:r>
+                          <a:rPr lang="en-US" b="0" i="1" smtClean="0">
+                            <a:latin typeface="Cambria Math" panose="02040503050406030204" pitchFamily="18" charset="0"/>
+                            <a:ea typeface="Cambria Math" panose="02040503050406030204" pitchFamily="18" charset="0"/>
+                          </a:rPr>
+                          <m:t>𝜃</m:t>
+                        </m:r>
+                      </m:sub>
+                    </m:sSub>
+                  </m:oMath>
+                </a14:m>
+                <a:r>
+                  <a:rPr lang="en-US" dirty="0"/>
+                  <a:t>: Shear stress from surface in the </a:t>
+                </a:r>
+                <a14:m>
+                  <m:oMath xmlns:m="http://schemas.openxmlformats.org/officeDocument/2006/math">
+                    <m:r>
+                      <a:rPr lang="en-US" b="0" i="1" smtClean="0">
+                        <a:latin typeface="Cambria Math" panose="02040503050406030204" pitchFamily="18" charset="0"/>
+                      </a:rPr>
+                      <m:t>𝑟</m:t>
+                    </m:r>
+                  </m:oMath>
+                </a14:m>
+                <a:r>
+                  <a:rPr lang="en-US" dirty="0"/>
+                  <a:t> direction due to flow in </a:t>
+                </a:r>
+                <a14:m>
+                  <m:oMath xmlns:m="http://schemas.openxmlformats.org/officeDocument/2006/math">
+                    <m:r>
+                      <a:rPr lang="en-US" i="1" smtClean="0">
+                        <a:latin typeface="Cambria Math" panose="02040503050406030204" pitchFamily="18" charset="0"/>
+                        <a:ea typeface="Cambria Math" panose="02040503050406030204" pitchFamily="18" charset="0"/>
+                      </a:rPr>
+                      <m:t>𝜃</m:t>
+                    </m:r>
+                  </m:oMath>
+                </a14:m>
+                <a:r>
+                  <a:rPr lang="en-US" dirty="0"/>
+                  <a:t> direction</a:t>
+                </a:r>
+              </a:p>
+            </p:txBody>
+          </p:sp>
+        </mc:Choice>
+        <mc:Fallback>
+          <p:sp>
+            <p:nvSpPr>
+              <p:cNvPr id="21" name="TextBox 20">
+                <a:extLst>
+                  <a:ext uri="{FF2B5EF4-FFF2-40B4-BE49-F238E27FC236}">
+                    <a16:creationId xmlns:a16="http://schemas.microsoft.com/office/drawing/2014/main" id="{77F3A605-F371-A22D-8AFA-25F4E9AC460D}"/>
+                  </a:ext>
+                </a:extLst>
+              </p:cNvPr>
+              <p:cNvSpPr txBox="1">
+                <a:spLocks noRot="1" noChangeAspect="1" noMove="1" noResize="1" noEditPoints="1" noAdjustHandles="1" noChangeArrowheads="1" noChangeShapeType="1" noTextEdit="1"/>
+              </p:cNvSpPr>
+              <p:nvPr/>
+            </p:nvSpPr>
+            <p:spPr>
+              <a:xfrm>
+                <a:off x="2379010" y="8897571"/>
+                <a:ext cx="3784723" cy="646331"/>
+              </a:xfrm>
+              <a:prstGeom prst="rect">
+                <a:avLst/>
+              </a:prstGeom>
+              <a:blipFill>
+                <a:blip r:embed="rId13"/>
+                <a:stretch>
+                  <a:fillRect t="-4717" r="-966" b="-15094"/>
+                </a:stretch>
+              </a:blipFill>
+            </p:spPr>
+            <p:txBody>
+              <a:bodyPr/>
+              <a:lstStyle/>
+              <a:p>
+                <a:r>
+                  <a:rPr lang="en-US">
+                    <a:noFill/>
+                  </a:rPr>
+                  <a:t> </a:t>
+                </a:r>
+              </a:p>
+            </p:txBody>
+          </p:sp>
+        </mc:Fallback>
+      </mc:AlternateContent>
+      <mc:AlternateContent xmlns:mc="http://schemas.openxmlformats.org/markup-compatibility/2006">
+        <mc:Choice xmlns:a14="http://schemas.microsoft.com/office/drawing/2010/main" Requires="a14">
+          <p:sp>
+            <p:nvSpPr>
+              <p:cNvPr id="22" name="TextBox 21">
+                <a:extLst>
+                  <a:ext uri="{FF2B5EF4-FFF2-40B4-BE49-F238E27FC236}">
+                    <a16:creationId xmlns:a16="http://schemas.microsoft.com/office/drawing/2014/main" id="{1B2E4C5A-1682-12FE-BFF6-9E9F3F09FAD2}"/>
+                  </a:ext>
+                </a:extLst>
+              </p:cNvPr>
+              <p:cNvSpPr txBox="1"/>
+              <p:nvPr/>
+            </p:nvSpPr>
+            <p:spPr>
+              <a:xfrm>
+                <a:off x="345664" y="9653592"/>
+                <a:ext cx="1119665" cy="276999"/>
+              </a:xfrm>
+              <a:prstGeom prst="rect">
+                <a:avLst/>
+              </a:prstGeom>
+              <a:noFill/>
+            </p:spPr>
+            <p:txBody>
+              <a:bodyPr wrap="none" lIns="0" tIns="0" rIns="0" bIns="0" rtlCol="0">
+                <a:spAutoFit/>
+              </a:bodyPr>
+              <a:lstStyle/>
+              <a:p>
+                <a14:m>
+                  <m:oMathPara xmlns:m="http://schemas.openxmlformats.org/officeDocument/2006/math">
+                    <m:oMathParaPr>
+                      <m:jc m:val="centerGroup"/>
+                    </m:oMathParaPr>
+                    <m:oMath xmlns:m="http://schemas.openxmlformats.org/officeDocument/2006/math">
+                      <m:sSub>
+                        <m:sSubPr>
+                          <m:ctrlPr>
+                            <a:rPr lang="en-US" i="1" smtClean="0">
+                              <a:latin typeface="Cambria Math" panose="02040503050406030204" pitchFamily="18" charset="0"/>
+                            </a:rPr>
+                          </m:ctrlPr>
+                        </m:sSubPr>
+                        <m:e>
+                          <m:r>
+                            <a:rPr lang="en-US" i="1" smtClean="0">
+                              <a:latin typeface="Cambria Math" panose="02040503050406030204" pitchFamily="18" charset="0"/>
+                              <a:ea typeface="Cambria Math" panose="02040503050406030204" pitchFamily="18" charset="0"/>
+                            </a:rPr>
+                            <m:t>𝜏</m:t>
+                          </m:r>
+                        </m:e>
+                        <m:sub>
+                          <m:r>
+                            <a:rPr lang="en-US" b="0" i="1" smtClean="0">
+                              <a:latin typeface="Cambria Math" panose="02040503050406030204" pitchFamily="18" charset="0"/>
+                            </a:rPr>
+                            <m:t>𝑟</m:t>
+                          </m:r>
+                          <m:r>
+                            <a:rPr lang="en-US" b="0" i="1" smtClean="0">
+                              <a:latin typeface="Cambria Math" panose="02040503050406030204" pitchFamily="18" charset="0"/>
+                              <a:ea typeface="Cambria Math" panose="02040503050406030204" pitchFamily="18" charset="0"/>
+                            </a:rPr>
+                            <m:t>𝜃</m:t>
+                          </m:r>
+                        </m:sub>
+                      </m:sSub>
+                      <m:r>
+                        <a:rPr lang="en-US" b="0" i="1" smtClean="0">
+                          <a:latin typeface="Cambria Math" panose="02040503050406030204" pitchFamily="18" charset="0"/>
+                        </a:rPr>
+                        <m:t>=</m:t>
+                      </m:r>
+                      <m:r>
+                        <a:rPr lang="en-US" b="0" i="1" smtClean="0">
+                          <a:latin typeface="Cambria Math" panose="02040503050406030204" pitchFamily="18" charset="0"/>
+                          <a:ea typeface="Cambria Math" panose="02040503050406030204" pitchFamily="18" charset="0"/>
+                        </a:rPr>
+                        <m:t>𝜂</m:t>
+                      </m:r>
+                      <m:acc>
+                        <m:accPr>
+                          <m:chr m:val="̇"/>
+                          <m:ctrlPr>
+                            <a:rPr lang="en-US" b="0" i="1" smtClean="0">
+                              <a:latin typeface="Cambria Math" panose="02040503050406030204" pitchFamily="18" charset="0"/>
+                              <a:ea typeface="Cambria Math" panose="02040503050406030204" pitchFamily="18" charset="0"/>
+                            </a:rPr>
+                          </m:ctrlPr>
+                        </m:accPr>
+                        <m:e>
+                          <m:sSub>
+                            <m:sSubPr>
+                              <m:ctrlPr>
+                                <a:rPr lang="en-US" b="0" i="1" smtClean="0">
+                                  <a:latin typeface="Cambria Math" panose="02040503050406030204" pitchFamily="18" charset="0"/>
+                                  <a:ea typeface="Cambria Math" panose="02040503050406030204" pitchFamily="18" charset="0"/>
+                                </a:rPr>
+                              </m:ctrlPr>
+                            </m:sSubPr>
+                            <m:e>
+                              <m:r>
+                                <a:rPr lang="en-US" b="0" i="1" smtClean="0">
+                                  <a:latin typeface="Cambria Math" panose="02040503050406030204" pitchFamily="18" charset="0"/>
+                                  <a:ea typeface="Cambria Math" panose="02040503050406030204" pitchFamily="18" charset="0"/>
+                                </a:rPr>
+                                <m:t>𝛾</m:t>
+                              </m:r>
+                            </m:e>
+                            <m:sub>
+                              <m:r>
+                                <a:rPr lang="en-US" b="0" i="1" smtClean="0">
+                                  <a:latin typeface="Cambria Math" panose="02040503050406030204" pitchFamily="18" charset="0"/>
+                                  <a:ea typeface="Cambria Math" panose="02040503050406030204" pitchFamily="18" charset="0"/>
+                                </a:rPr>
+                                <m:t>𝑟</m:t>
+                              </m:r>
+                              <m:r>
+                                <a:rPr lang="en-US" b="0" i="1" smtClean="0">
+                                  <a:latin typeface="Cambria Math" panose="02040503050406030204" pitchFamily="18" charset="0"/>
+                                  <a:ea typeface="Cambria Math" panose="02040503050406030204" pitchFamily="18" charset="0"/>
+                                </a:rPr>
+                                <m:t>𝜃</m:t>
+                              </m:r>
+                            </m:sub>
+                          </m:sSub>
+                        </m:e>
+                      </m:acc>
+                    </m:oMath>
+                  </m:oMathPara>
+                </a14:m>
+                <a:endParaRPr lang="en-US" dirty="0"/>
+              </a:p>
+            </p:txBody>
+          </p:sp>
+        </mc:Choice>
+        <mc:Fallback>
+          <p:sp>
+            <p:nvSpPr>
+              <p:cNvPr id="22" name="TextBox 21">
+                <a:extLst>
+                  <a:ext uri="{FF2B5EF4-FFF2-40B4-BE49-F238E27FC236}">
+                    <a16:creationId xmlns:a16="http://schemas.microsoft.com/office/drawing/2014/main" id="{1B2E4C5A-1682-12FE-BFF6-9E9F3F09FAD2}"/>
+                  </a:ext>
+                </a:extLst>
+              </p:cNvPr>
+              <p:cNvSpPr txBox="1">
+                <a:spLocks noRot="1" noChangeAspect="1" noMove="1" noResize="1" noEditPoints="1" noAdjustHandles="1" noChangeArrowheads="1" noChangeShapeType="1" noTextEdit="1"/>
+              </p:cNvSpPr>
+              <p:nvPr/>
+            </p:nvSpPr>
+            <p:spPr>
+              <a:xfrm>
+                <a:off x="345664" y="9653592"/>
+                <a:ext cx="1119665" cy="276999"/>
+              </a:xfrm>
+              <a:prstGeom prst="rect">
+                <a:avLst/>
+              </a:prstGeom>
+              <a:blipFill>
+                <a:blip r:embed="rId14"/>
+                <a:stretch>
+                  <a:fillRect l="-2732" t="-4444" r="-2732" b="-26667"/>
+                </a:stretch>
+              </a:blipFill>
+            </p:spPr>
+            <p:txBody>
+              <a:bodyPr/>
+              <a:lstStyle/>
+              <a:p>
+                <a:r>
+                  <a:rPr lang="en-US">
+                    <a:noFill/>
+                  </a:rPr>
+                  <a:t> </a:t>
+                </a:r>
+              </a:p>
+            </p:txBody>
+          </p:sp>
+        </mc:Fallback>
+      </mc:AlternateContent>
+      <mc:AlternateContent xmlns:mc="http://schemas.openxmlformats.org/markup-compatibility/2006">
+        <mc:Choice xmlns:a14="http://schemas.microsoft.com/office/drawing/2010/main" Requires="a14">
+          <p:sp>
+            <p:nvSpPr>
+              <p:cNvPr id="23" name="TextBox 22">
+                <a:extLst>
+                  <a:ext uri="{FF2B5EF4-FFF2-40B4-BE49-F238E27FC236}">
+                    <a16:creationId xmlns:a16="http://schemas.microsoft.com/office/drawing/2014/main" id="{A3D3BC8E-071E-A372-5E31-BBC6B4402F1B}"/>
+                  </a:ext>
+                </a:extLst>
+              </p:cNvPr>
+              <p:cNvSpPr txBox="1"/>
+              <p:nvPr/>
+            </p:nvSpPr>
+            <p:spPr>
+              <a:xfrm>
+                <a:off x="1621919" y="9570996"/>
+                <a:ext cx="4244945" cy="822341"/>
+              </a:xfrm>
+              <a:prstGeom prst="rect">
+                <a:avLst/>
+              </a:prstGeom>
+              <a:noFill/>
+            </p:spPr>
+            <p:txBody>
+              <a:bodyPr wrap="none" lIns="0" tIns="0" rIns="0" bIns="0" rtlCol="0">
+                <a:spAutoFit/>
+              </a:bodyPr>
+              <a:lstStyle/>
+              <a:p>
+                <a14:m>
+                  <m:oMathPara xmlns:m="http://schemas.openxmlformats.org/officeDocument/2006/math">
+                    <m:oMathParaPr>
+                      <m:jc m:val="centerGroup"/>
+                    </m:oMathParaPr>
+                    <m:oMath xmlns:m="http://schemas.openxmlformats.org/officeDocument/2006/math">
+                      <m:acc>
+                        <m:accPr>
+                          <m:chr m:val="̇"/>
+                          <m:ctrlPr>
+                            <a:rPr lang="en-US" i="1" smtClean="0">
+                              <a:latin typeface="Cambria Math" panose="02040503050406030204" pitchFamily="18" charset="0"/>
+                              <a:ea typeface="Cambria Math" panose="02040503050406030204" pitchFamily="18" charset="0"/>
+                            </a:rPr>
+                          </m:ctrlPr>
+                        </m:accPr>
+                        <m:e>
+                          <m:sSub>
+                            <m:sSubPr>
+                              <m:ctrlPr>
+                                <a:rPr lang="en-US" i="1">
+                                  <a:latin typeface="Cambria Math" panose="02040503050406030204" pitchFamily="18" charset="0"/>
+                                  <a:ea typeface="Cambria Math" panose="02040503050406030204" pitchFamily="18" charset="0"/>
+                                </a:rPr>
+                              </m:ctrlPr>
+                            </m:sSubPr>
+                            <m:e>
+                              <m:r>
+                                <a:rPr lang="en-US" i="1">
+                                  <a:latin typeface="Cambria Math" panose="02040503050406030204" pitchFamily="18" charset="0"/>
+                                  <a:ea typeface="Cambria Math" panose="02040503050406030204" pitchFamily="18" charset="0"/>
+                                </a:rPr>
+                                <m:t>𝛾</m:t>
+                              </m:r>
+                            </m:e>
+                            <m:sub>
+                              <m:r>
+                                <a:rPr lang="en-US" i="1">
+                                  <a:latin typeface="Cambria Math" panose="02040503050406030204" pitchFamily="18" charset="0"/>
+                                  <a:ea typeface="Cambria Math" panose="02040503050406030204" pitchFamily="18" charset="0"/>
+                                </a:rPr>
+                                <m:t>𝑟</m:t>
+                              </m:r>
+                              <m:r>
+                                <a:rPr lang="en-US" i="1">
+                                  <a:latin typeface="Cambria Math" panose="02040503050406030204" pitchFamily="18" charset="0"/>
+                                  <a:ea typeface="Cambria Math" panose="02040503050406030204" pitchFamily="18" charset="0"/>
+                                </a:rPr>
+                                <m:t>𝜃</m:t>
+                              </m:r>
+                            </m:sub>
+                          </m:sSub>
+                        </m:e>
+                      </m:acc>
+                      <m:r>
+                        <a:rPr lang="en-US" b="0" i="1" smtClean="0">
+                          <a:latin typeface="Cambria Math" panose="02040503050406030204" pitchFamily="18" charset="0"/>
+                          <a:ea typeface="Cambria Math" panose="02040503050406030204" pitchFamily="18" charset="0"/>
+                        </a:rPr>
+                        <m:t>=</m:t>
+                      </m:r>
+                      <m:f>
+                        <m:fPr>
+                          <m:ctrlPr>
+                            <a:rPr lang="en-US" b="0" i="1" smtClean="0">
+                              <a:latin typeface="Cambria Math" panose="02040503050406030204" pitchFamily="18" charset="0"/>
+                              <a:ea typeface="Cambria Math" panose="02040503050406030204" pitchFamily="18" charset="0"/>
+                            </a:rPr>
+                          </m:ctrlPr>
+                        </m:fPr>
+                        <m:num>
+                          <m:r>
+                            <a:rPr lang="en-US" b="0" i="1" smtClean="0">
+                              <a:latin typeface="Cambria Math" panose="02040503050406030204" pitchFamily="18" charset="0"/>
+                              <a:ea typeface="Cambria Math" panose="02040503050406030204" pitchFamily="18" charset="0"/>
+                            </a:rPr>
+                            <m:t>𝑑</m:t>
+                          </m:r>
+                          <m:sSub>
+                            <m:sSubPr>
+                              <m:ctrlPr>
+                                <a:rPr lang="en-US" b="0" i="1" smtClean="0">
+                                  <a:latin typeface="Cambria Math" panose="02040503050406030204" pitchFamily="18" charset="0"/>
+                                  <a:ea typeface="Cambria Math" panose="02040503050406030204" pitchFamily="18" charset="0"/>
+                                </a:rPr>
+                              </m:ctrlPr>
+                            </m:sSubPr>
+                            <m:e>
+                              <m:r>
+                                <a:rPr lang="en-US" b="0" i="1" smtClean="0">
+                                  <a:latin typeface="Cambria Math" panose="02040503050406030204" pitchFamily="18" charset="0"/>
+                                  <a:ea typeface="Cambria Math" panose="02040503050406030204" pitchFamily="18" charset="0"/>
+                                </a:rPr>
+                                <m:t>𝜐</m:t>
+                              </m:r>
+                            </m:e>
+                            <m:sub>
+                              <m:r>
+                                <a:rPr lang="el-GR" b="0" i="1" smtClean="0">
+                                  <a:latin typeface="Cambria Math" panose="02040503050406030204" pitchFamily="18" charset="0"/>
+                                  <a:ea typeface="Cambria Math" panose="02040503050406030204" pitchFamily="18" charset="0"/>
+                                </a:rPr>
+                                <m:t>𝜃</m:t>
+                              </m:r>
+                            </m:sub>
+                          </m:sSub>
+                        </m:num>
+                        <m:den>
+                          <m:r>
+                            <a:rPr lang="en-US" b="0" i="1" smtClean="0">
+                              <a:latin typeface="Cambria Math" panose="02040503050406030204" pitchFamily="18" charset="0"/>
+                              <a:ea typeface="Cambria Math" panose="02040503050406030204" pitchFamily="18" charset="0"/>
+                            </a:rPr>
+                            <m:t>𝑑𝑟</m:t>
+                          </m:r>
+                        </m:den>
+                      </m:f>
+                      <m:r>
+                        <a:rPr lang="en-US" b="0" i="1" smtClean="0">
+                          <a:latin typeface="Cambria Math" panose="02040503050406030204" pitchFamily="18" charset="0"/>
+                          <a:ea typeface="Cambria Math" panose="02040503050406030204" pitchFamily="18" charset="0"/>
+                        </a:rPr>
+                        <m:t>=</m:t>
+                      </m:r>
+                      <m:f>
+                        <m:fPr>
+                          <m:ctrlPr>
+                            <a:rPr lang="en-US" b="0" i="1" smtClean="0">
+                              <a:latin typeface="Cambria Math" panose="02040503050406030204" pitchFamily="18" charset="0"/>
+                              <a:ea typeface="Cambria Math" panose="02040503050406030204" pitchFamily="18" charset="0"/>
+                            </a:rPr>
+                          </m:ctrlPr>
+                        </m:fPr>
+                        <m:num>
+                          <m:r>
+                            <m:rPr>
+                              <m:sty m:val="p"/>
+                            </m:rPr>
+                            <a:rPr lang="el-GR" b="0" i="1" smtClean="0">
+                              <a:latin typeface="Cambria Math" panose="02040503050406030204" pitchFamily="18" charset="0"/>
+                              <a:ea typeface="Cambria Math" panose="02040503050406030204" pitchFamily="18" charset="0"/>
+                            </a:rPr>
+                            <m:t>Δ</m:t>
+                          </m:r>
+                          <m:r>
+                            <a:rPr lang="en-US" b="0" i="1" smtClean="0">
+                              <a:latin typeface="Cambria Math" panose="02040503050406030204" pitchFamily="18" charset="0"/>
+                              <a:ea typeface="Cambria Math" panose="02040503050406030204" pitchFamily="18" charset="0"/>
+                            </a:rPr>
+                            <m:t>𝑉</m:t>
+                          </m:r>
+                        </m:num>
+                        <m:den>
+                          <m:r>
+                            <m:rPr>
+                              <m:sty m:val="p"/>
+                            </m:rPr>
+                            <a:rPr lang="el-GR" b="0" i="1" smtClean="0">
+                              <a:latin typeface="Cambria Math" panose="02040503050406030204" pitchFamily="18" charset="0"/>
+                              <a:ea typeface="Cambria Math" panose="02040503050406030204" pitchFamily="18" charset="0"/>
+                            </a:rPr>
+                            <m:t>Δ</m:t>
+                          </m:r>
+                          <m:r>
+                            <a:rPr lang="en-US" b="0" i="1" smtClean="0">
+                              <a:latin typeface="Cambria Math" panose="02040503050406030204" pitchFamily="18" charset="0"/>
+                              <a:ea typeface="Cambria Math" panose="02040503050406030204" pitchFamily="18" charset="0"/>
+                            </a:rPr>
+                            <m:t>𝑟</m:t>
+                          </m:r>
+                        </m:den>
+                      </m:f>
+                      <m:r>
+                        <a:rPr lang="en-US" b="0" i="1" smtClean="0">
+                          <a:latin typeface="Cambria Math" panose="02040503050406030204" pitchFamily="18" charset="0"/>
+                          <a:ea typeface="Cambria Math" panose="02040503050406030204" pitchFamily="18" charset="0"/>
+                        </a:rPr>
+                        <m:t>=</m:t>
+                      </m:r>
+                      <m:f>
+                        <m:fPr>
+                          <m:ctrlPr>
+                            <a:rPr lang="en-US" b="0" i="1" smtClean="0">
+                              <a:latin typeface="Cambria Math" panose="02040503050406030204" pitchFamily="18" charset="0"/>
+                              <a:ea typeface="Cambria Math" panose="02040503050406030204" pitchFamily="18" charset="0"/>
+                            </a:rPr>
+                          </m:ctrlPr>
+                        </m:fPr>
+                        <m:num>
+                          <m:sSub>
+                            <m:sSubPr>
+                              <m:ctrlPr>
+                                <a:rPr lang="en-US" b="0" i="1" smtClean="0">
+                                  <a:latin typeface="Cambria Math" panose="02040503050406030204" pitchFamily="18" charset="0"/>
+                                  <a:ea typeface="Cambria Math" panose="02040503050406030204" pitchFamily="18" charset="0"/>
+                                </a:rPr>
+                              </m:ctrlPr>
+                            </m:sSubPr>
+                            <m:e>
+                              <m:r>
+                                <a:rPr lang="en-US" b="0" i="1" smtClean="0">
+                                  <a:latin typeface="Cambria Math" panose="02040503050406030204" pitchFamily="18" charset="0"/>
+                                  <a:ea typeface="Cambria Math" panose="02040503050406030204" pitchFamily="18" charset="0"/>
+                                </a:rPr>
+                                <m:t>𝑅</m:t>
+                              </m:r>
+                            </m:e>
+                            <m:sub>
+                              <m:r>
+                                <a:rPr lang="en-US" b="0" i="1" smtClean="0">
+                                  <a:latin typeface="Cambria Math" panose="02040503050406030204" pitchFamily="18" charset="0"/>
+                                  <a:ea typeface="Cambria Math" panose="02040503050406030204" pitchFamily="18" charset="0"/>
+                                </a:rPr>
+                                <m:t>0</m:t>
+                              </m:r>
+                            </m:sub>
+                          </m:sSub>
+                          <m:r>
+                            <m:rPr>
+                              <m:sty m:val="p"/>
+                            </m:rPr>
+                            <a:rPr lang="el-GR" b="0" i="1" smtClean="0">
+                              <a:latin typeface="Cambria Math" panose="02040503050406030204" pitchFamily="18" charset="0"/>
+                              <a:ea typeface="Cambria Math" panose="02040503050406030204" pitchFamily="18" charset="0"/>
+                            </a:rPr>
+                            <m:t>Ω</m:t>
+                          </m:r>
+                          <m:r>
+                            <a:rPr lang="en-US" b="0" i="1" smtClean="0">
+                              <a:latin typeface="Cambria Math" panose="02040503050406030204" pitchFamily="18" charset="0"/>
+                              <a:ea typeface="Cambria Math" panose="02040503050406030204" pitchFamily="18" charset="0"/>
+                            </a:rPr>
+                            <m:t>−</m:t>
+                          </m:r>
+                          <m:sSub>
+                            <m:sSubPr>
+                              <m:ctrlPr>
+                                <a:rPr lang="en-US" b="0" i="1" smtClean="0">
+                                  <a:latin typeface="Cambria Math" panose="02040503050406030204" pitchFamily="18" charset="0"/>
+                                  <a:ea typeface="Cambria Math" panose="02040503050406030204" pitchFamily="18" charset="0"/>
+                                </a:rPr>
+                              </m:ctrlPr>
+                            </m:sSubPr>
+                            <m:e>
+                              <m:r>
+                                <a:rPr lang="en-US" b="0" i="1" smtClean="0">
+                                  <a:latin typeface="Cambria Math" panose="02040503050406030204" pitchFamily="18" charset="0"/>
+                                  <a:ea typeface="Cambria Math" panose="02040503050406030204" pitchFamily="18" charset="0"/>
+                                </a:rPr>
+                                <m:t>𝑅</m:t>
+                              </m:r>
+                            </m:e>
+                            <m:sub>
+                              <m:r>
+                                <a:rPr lang="en-US" b="0" i="1" smtClean="0">
+                                  <a:latin typeface="Cambria Math" panose="02040503050406030204" pitchFamily="18" charset="0"/>
+                                  <a:ea typeface="Cambria Math" panose="02040503050406030204" pitchFamily="18" charset="0"/>
+                                </a:rPr>
+                                <m:t>𝑖</m:t>
+                              </m:r>
+                            </m:sub>
+                          </m:sSub>
+                          <m:r>
+                            <a:rPr lang="en-US" b="0" i="1" smtClean="0">
+                              <a:latin typeface="Cambria Math" panose="02040503050406030204" pitchFamily="18" charset="0"/>
+                              <a:ea typeface="Cambria Math" panose="02040503050406030204" pitchFamily="18" charset="0"/>
+                            </a:rPr>
+                            <m:t>(0)</m:t>
+                          </m:r>
+                        </m:num>
+                        <m:den>
+                          <m:sSub>
+                            <m:sSubPr>
+                              <m:ctrlPr>
+                                <a:rPr lang="en-US" b="0" i="1" smtClean="0">
+                                  <a:latin typeface="Cambria Math" panose="02040503050406030204" pitchFamily="18" charset="0"/>
+                                  <a:ea typeface="Cambria Math" panose="02040503050406030204" pitchFamily="18" charset="0"/>
+                                </a:rPr>
+                              </m:ctrlPr>
+                            </m:sSubPr>
+                            <m:e>
+                              <m:r>
+                                <a:rPr lang="en-US" b="0" i="1" smtClean="0">
+                                  <a:latin typeface="Cambria Math" panose="02040503050406030204" pitchFamily="18" charset="0"/>
+                                  <a:ea typeface="Cambria Math" panose="02040503050406030204" pitchFamily="18" charset="0"/>
+                                </a:rPr>
+                                <m:t>𝑅</m:t>
+                              </m:r>
+                            </m:e>
+                            <m:sub>
+                              <m:r>
+                                <a:rPr lang="en-US" b="0" i="1" smtClean="0">
+                                  <a:latin typeface="Cambria Math" panose="02040503050406030204" pitchFamily="18" charset="0"/>
+                                  <a:ea typeface="Cambria Math" panose="02040503050406030204" pitchFamily="18" charset="0"/>
+                                </a:rPr>
+                                <m:t>0</m:t>
+                              </m:r>
+                            </m:sub>
+                          </m:sSub>
+                          <m:r>
+                            <a:rPr lang="en-US" b="0" i="1" smtClean="0">
+                              <a:latin typeface="Cambria Math" panose="02040503050406030204" pitchFamily="18" charset="0"/>
+                              <a:ea typeface="Cambria Math" panose="02040503050406030204" pitchFamily="18" charset="0"/>
+                            </a:rPr>
+                            <m:t>−</m:t>
+                          </m:r>
+                          <m:sSub>
+                            <m:sSubPr>
+                              <m:ctrlPr>
+                                <a:rPr lang="en-US" b="0" i="1" smtClean="0">
+                                  <a:latin typeface="Cambria Math" panose="02040503050406030204" pitchFamily="18" charset="0"/>
+                                  <a:ea typeface="Cambria Math" panose="02040503050406030204" pitchFamily="18" charset="0"/>
+                                </a:rPr>
+                              </m:ctrlPr>
+                            </m:sSubPr>
+                            <m:e>
+                              <m:r>
+                                <a:rPr lang="en-US" b="0" i="1" smtClean="0">
+                                  <a:latin typeface="Cambria Math" panose="02040503050406030204" pitchFamily="18" charset="0"/>
+                                  <a:ea typeface="Cambria Math" panose="02040503050406030204" pitchFamily="18" charset="0"/>
+                                </a:rPr>
+                                <m:t>𝑅</m:t>
+                              </m:r>
+                            </m:e>
+                            <m:sub>
+                              <m:r>
+                                <a:rPr lang="en-US" b="0" i="1" smtClean="0">
+                                  <a:latin typeface="Cambria Math" panose="02040503050406030204" pitchFamily="18" charset="0"/>
+                                  <a:ea typeface="Cambria Math" panose="02040503050406030204" pitchFamily="18" charset="0"/>
+                                </a:rPr>
+                                <m:t>𝑖</m:t>
+                              </m:r>
+                            </m:sub>
+                          </m:sSub>
+                        </m:den>
+                      </m:f>
+                      <m:r>
+                        <a:rPr lang="en-US" b="0" i="1" smtClean="0">
+                          <a:latin typeface="Cambria Math" panose="02040503050406030204" pitchFamily="18" charset="0"/>
+                          <a:ea typeface="Cambria Math" panose="02040503050406030204" pitchFamily="18" charset="0"/>
+                        </a:rPr>
+                        <m:t>=</m:t>
+                      </m:r>
+                      <m:f>
+                        <m:fPr>
+                          <m:ctrlPr>
+                            <a:rPr lang="en-US" b="0" i="1" smtClean="0">
+                              <a:latin typeface="Cambria Math" panose="02040503050406030204" pitchFamily="18" charset="0"/>
+                              <a:ea typeface="Cambria Math" panose="02040503050406030204" pitchFamily="18" charset="0"/>
+                            </a:rPr>
+                          </m:ctrlPr>
+                        </m:fPr>
+                        <m:num>
+                          <m:r>
+                            <m:rPr>
+                              <m:sty m:val="p"/>
+                            </m:rPr>
+                            <a:rPr lang="el-GR" b="0" i="1" smtClean="0">
+                              <a:latin typeface="Cambria Math" panose="02040503050406030204" pitchFamily="18" charset="0"/>
+                              <a:ea typeface="Cambria Math" panose="02040503050406030204" pitchFamily="18" charset="0"/>
+                            </a:rPr>
+                            <m:t>Ω</m:t>
+                          </m:r>
+                        </m:num>
+                        <m:den>
+                          <m:r>
+                            <a:rPr lang="en-US" b="0" i="1" smtClean="0">
+                              <a:latin typeface="Cambria Math" panose="02040503050406030204" pitchFamily="18" charset="0"/>
+                              <a:ea typeface="Cambria Math" panose="02040503050406030204" pitchFamily="18" charset="0"/>
+                            </a:rPr>
+                            <m:t>1−</m:t>
+                          </m:r>
+                          <m:f>
+                            <m:fPr>
+                              <m:ctrlPr>
+                                <a:rPr lang="en-US" b="0" i="1" smtClean="0">
+                                  <a:latin typeface="Cambria Math" panose="02040503050406030204" pitchFamily="18" charset="0"/>
+                                  <a:ea typeface="Cambria Math" panose="02040503050406030204" pitchFamily="18" charset="0"/>
+                                </a:rPr>
+                              </m:ctrlPr>
+                            </m:fPr>
+                            <m:num>
+                              <m:sSub>
+                                <m:sSubPr>
+                                  <m:ctrlPr>
+                                    <a:rPr lang="en-US" b="0" i="1" smtClean="0">
+                                      <a:latin typeface="Cambria Math" panose="02040503050406030204" pitchFamily="18" charset="0"/>
+                                      <a:ea typeface="Cambria Math" panose="02040503050406030204" pitchFamily="18" charset="0"/>
+                                    </a:rPr>
+                                  </m:ctrlPr>
+                                </m:sSubPr>
+                                <m:e>
+                                  <m:r>
+                                    <a:rPr lang="en-US" b="0" i="1" smtClean="0">
+                                      <a:latin typeface="Cambria Math" panose="02040503050406030204" pitchFamily="18" charset="0"/>
+                                      <a:ea typeface="Cambria Math" panose="02040503050406030204" pitchFamily="18" charset="0"/>
+                                    </a:rPr>
+                                    <m:t>𝑅</m:t>
+                                  </m:r>
+                                </m:e>
+                                <m:sub>
+                                  <m:r>
+                                    <a:rPr lang="en-US" b="0" i="1" smtClean="0">
+                                      <a:latin typeface="Cambria Math" panose="02040503050406030204" pitchFamily="18" charset="0"/>
+                                      <a:ea typeface="Cambria Math" panose="02040503050406030204" pitchFamily="18" charset="0"/>
+                                    </a:rPr>
+                                    <m:t>𝑖</m:t>
+                                  </m:r>
+                                </m:sub>
+                              </m:sSub>
+                            </m:num>
+                            <m:den>
+                              <m:sSub>
+                                <m:sSubPr>
+                                  <m:ctrlPr>
+                                    <a:rPr lang="en-US" b="0" i="1" smtClean="0">
+                                      <a:latin typeface="Cambria Math" panose="02040503050406030204" pitchFamily="18" charset="0"/>
+                                      <a:ea typeface="Cambria Math" panose="02040503050406030204" pitchFamily="18" charset="0"/>
+                                    </a:rPr>
+                                  </m:ctrlPr>
+                                </m:sSubPr>
+                                <m:e>
+                                  <m:r>
+                                    <a:rPr lang="en-US" b="0" i="1" smtClean="0">
+                                      <a:latin typeface="Cambria Math" panose="02040503050406030204" pitchFamily="18" charset="0"/>
+                                      <a:ea typeface="Cambria Math" panose="02040503050406030204" pitchFamily="18" charset="0"/>
+                                    </a:rPr>
+                                    <m:t>𝑅</m:t>
+                                  </m:r>
+                                </m:e>
+                                <m:sub>
+                                  <m:r>
+                                    <a:rPr lang="en-US" b="0" i="1" smtClean="0">
+                                      <a:latin typeface="Cambria Math" panose="02040503050406030204" pitchFamily="18" charset="0"/>
+                                      <a:ea typeface="Cambria Math" panose="02040503050406030204" pitchFamily="18" charset="0"/>
+                                    </a:rPr>
+                                    <m:t>0</m:t>
+                                  </m:r>
+                                </m:sub>
+                              </m:sSub>
+                            </m:den>
+                          </m:f>
+                        </m:den>
+                      </m:f>
+                    </m:oMath>
+                  </m:oMathPara>
+                </a14:m>
+                <a:endParaRPr lang="en-US" dirty="0"/>
+              </a:p>
+            </p:txBody>
+          </p:sp>
+        </mc:Choice>
+        <mc:Fallback>
+          <p:sp>
+            <p:nvSpPr>
+              <p:cNvPr id="23" name="TextBox 22">
+                <a:extLst>
+                  <a:ext uri="{FF2B5EF4-FFF2-40B4-BE49-F238E27FC236}">
+                    <a16:creationId xmlns:a16="http://schemas.microsoft.com/office/drawing/2014/main" id="{A3D3BC8E-071E-A372-5E31-BBC6B4402F1B}"/>
+                  </a:ext>
+                </a:extLst>
+              </p:cNvPr>
+              <p:cNvSpPr txBox="1">
+                <a:spLocks noRot="1" noChangeAspect="1" noMove="1" noResize="1" noEditPoints="1" noAdjustHandles="1" noChangeArrowheads="1" noChangeShapeType="1" noTextEdit="1"/>
+              </p:cNvSpPr>
+              <p:nvPr/>
+            </p:nvSpPr>
+            <p:spPr>
+              <a:xfrm>
+                <a:off x="1621919" y="9570996"/>
+                <a:ext cx="4244945" cy="822341"/>
+              </a:xfrm>
+              <a:prstGeom prst="rect">
+                <a:avLst/>
+              </a:prstGeom>
+              <a:blipFill>
+                <a:blip r:embed="rId15"/>
+                <a:stretch>
+                  <a:fillRect/>
+                </a:stretch>
+              </a:blipFill>
+            </p:spPr>
+            <p:txBody>
+              <a:bodyPr/>
+              <a:lstStyle/>
+              <a:p>
+                <a:r>
+                  <a:rPr lang="en-US">
+                    <a:noFill/>
+                  </a:rPr>
+                  <a:t> </a:t>
+                </a:r>
+              </a:p>
+            </p:txBody>
+          </p:sp>
+        </mc:Fallback>
+      </mc:AlternateContent>
+      <p:sp>
+        <p:nvSpPr>
+          <p:cNvPr id="24" name="TextBox 23">
+            <a:extLst>
+              <a:ext uri="{FF2B5EF4-FFF2-40B4-BE49-F238E27FC236}">
+                <a16:creationId xmlns:a16="http://schemas.microsoft.com/office/drawing/2014/main" id="{F9C8C50F-C151-B3BD-F955-1F0237D93046}"/>
+              </a:ext>
+            </a:extLst>
+          </p:cNvPr>
+          <p:cNvSpPr txBox="1"/>
+          <p:nvPr/>
+        </p:nvSpPr>
+        <p:spPr>
+          <a:xfrm>
+            <a:off x="200599" y="10364778"/>
+            <a:ext cx="3179075" cy="369332"/>
+          </a:xfrm>
+          <a:prstGeom prst="rect">
+            <a:avLst/>
+          </a:prstGeom>
+          <a:noFill/>
+        </p:spPr>
+        <p:txBody>
+          <a:bodyPr wrap="none" rtlCol="0">
+            <a:spAutoFit/>
+          </a:bodyPr>
+          <a:lstStyle/>
+          <a:p>
+            <a:r>
+              <a:rPr lang="en-US" dirty="0"/>
+              <a:t>Substituting and rearranging…</a:t>
+            </a:r>
+          </a:p>
+        </p:txBody>
+      </p:sp>
+      <mc:AlternateContent xmlns:mc="http://schemas.openxmlformats.org/markup-compatibility/2006">
+        <mc:Choice xmlns:a14="http://schemas.microsoft.com/office/drawing/2010/main" Requires="a14">
+          <p:sp>
+            <p:nvSpPr>
+              <p:cNvPr id="25" name="TextBox 24">
+                <a:extLst>
+                  <a:ext uri="{FF2B5EF4-FFF2-40B4-BE49-F238E27FC236}">
+                    <a16:creationId xmlns:a16="http://schemas.microsoft.com/office/drawing/2014/main" id="{E7C735F5-71BC-1563-DD39-14BB3139CB71}"/>
+                  </a:ext>
+                </a:extLst>
+              </p:cNvPr>
+              <p:cNvSpPr txBox="1"/>
+              <p:nvPr/>
+            </p:nvSpPr>
+            <p:spPr>
+              <a:xfrm>
+                <a:off x="765747" y="10782963"/>
+                <a:ext cx="2267352" cy="1036630"/>
+              </a:xfrm>
+              <a:prstGeom prst="rect">
+                <a:avLst/>
+              </a:prstGeom>
+              <a:noFill/>
+            </p:spPr>
+            <p:txBody>
+              <a:bodyPr wrap="none" lIns="0" tIns="0" rIns="0" bIns="0" rtlCol="0">
+                <a:spAutoFit/>
+              </a:bodyPr>
+              <a:lstStyle/>
+              <a:p>
+                <a14:m>
+                  <m:oMathPara xmlns:m="http://schemas.openxmlformats.org/officeDocument/2006/math">
+                    <m:oMathParaPr>
+                      <m:jc m:val="centerGroup"/>
+                    </m:oMathParaPr>
+                    <m:oMath xmlns:m="http://schemas.openxmlformats.org/officeDocument/2006/math">
+                      <m:r>
+                        <a:rPr lang="en-US" i="1" smtClean="0">
+                          <a:latin typeface="Cambria Math" panose="02040503050406030204" pitchFamily="18" charset="0"/>
+                          <a:ea typeface="Cambria Math" panose="02040503050406030204" pitchFamily="18" charset="0"/>
+                        </a:rPr>
+                        <m:t>𝜂</m:t>
+                      </m:r>
+                      <m:r>
+                        <a:rPr lang="en-US" b="0" i="1" smtClean="0">
+                          <a:latin typeface="Cambria Math" panose="02040503050406030204" pitchFamily="18" charset="0"/>
+                          <a:ea typeface="Cambria Math" panose="02040503050406030204" pitchFamily="18" charset="0"/>
+                        </a:rPr>
+                        <m:t>=</m:t>
+                      </m:r>
+                      <m:f>
+                        <m:fPr>
+                          <m:ctrlPr>
+                            <a:rPr lang="en-US" b="0" i="1" smtClean="0">
+                              <a:latin typeface="Cambria Math" panose="02040503050406030204" pitchFamily="18" charset="0"/>
+                              <a:ea typeface="Cambria Math" panose="02040503050406030204" pitchFamily="18" charset="0"/>
+                            </a:rPr>
+                          </m:ctrlPr>
+                        </m:fPr>
+                        <m:num>
+                          <m:r>
+                            <a:rPr lang="en-US" b="0" i="1" smtClean="0">
+                              <a:latin typeface="Cambria Math" panose="02040503050406030204" pitchFamily="18" charset="0"/>
+                              <a:ea typeface="Cambria Math" panose="02040503050406030204" pitchFamily="18" charset="0"/>
+                            </a:rPr>
+                            <m:t>𝑇</m:t>
+                          </m:r>
+                        </m:num>
+                        <m:den>
+                          <m:d>
+                            <m:dPr>
+                              <m:begChr m:val="["/>
+                              <m:endChr m:val="]"/>
+                              <m:ctrlPr>
+                                <a:rPr lang="en-US" b="0" i="1" smtClean="0">
+                                  <a:latin typeface="Cambria Math" panose="02040503050406030204" pitchFamily="18" charset="0"/>
+                                  <a:ea typeface="Cambria Math" panose="02040503050406030204" pitchFamily="18" charset="0"/>
+                                </a:rPr>
+                              </m:ctrlPr>
+                            </m:dPr>
+                            <m:e>
+                              <m:f>
+                                <m:fPr>
+                                  <m:ctrlPr>
+                                    <a:rPr lang="en-US" i="1">
+                                      <a:latin typeface="Cambria Math" panose="02040503050406030204" pitchFamily="18" charset="0"/>
+                                      <a:ea typeface="Cambria Math" panose="02040503050406030204" pitchFamily="18" charset="0"/>
+                                    </a:rPr>
+                                  </m:ctrlPr>
+                                </m:fPr>
+                                <m:num>
+                                  <m:r>
+                                    <m:rPr>
+                                      <m:sty m:val="p"/>
+                                    </m:rPr>
+                                    <a:rPr lang="el-GR" i="1">
+                                      <a:latin typeface="Cambria Math" panose="02040503050406030204" pitchFamily="18" charset="0"/>
+                                      <a:ea typeface="Cambria Math" panose="02040503050406030204" pitchFamily="18" charset="0"/>
+                                    </a:rPr>
+                                    <m:t>Ω</m:t>
+                                  </m:r>
+                                </m:num>
+                                <m:den>
+                                  <m:r>
+                                    <a:rPr lang="en-US" i="1">
+                                      <a:latin typeface="Cambria Math" panose="02040503050406030204" pitchFamily="18" charset="0"/>
+                                      <a:ea typeface="Cambria Math" panose="02040503050406030204" pitchFamily="18" charset="0"/>
+                                    </a:rPr>
+                                    <m:t>1−</m:t>
+                                  </m:r>
+                                  <m:f>
+                                    <m:fPr>
+                                      <m:ctrlPr>
+                                        <a:rPr lang="en-US" i="1">
+                                          <a:latin typeface="Cambria Math" panose="02040503050406030204" pitchFamily="18" charset="0"/>
+                                          <a:ea typeface="Cambria Math" panose="02040503050406030204" pitchFamily="18" charset="0"/>
+                                        </a:rPr>
+                                      </m:ctrlPr>
+                                    </m:fPr>
+                                    <m:num>
+                                      <m:sSub>
+                                        <m:sSubPr>
+                                          <m:ctrlPr>
+                                            <a:rPr lang="en-US" i="1">
+                                              <a:latin typeface="Cambria Math" panose="02040503050406030204" pitchFamily="18" charset="0"/>
+                                              <a:ea typeface="Cambria Math" panose="02040503050406030204" pitchFamily="18" charset="0"/>
+                                            </a:rPr>
+                                          </m:ctrlPr>
+                                        </m:sSubPr>
+                                        <m:e>
+                                          <m:r>
+                                            <a:rPr lang="en-US" i="1">
+                                              <a:latin typeface="Cambria Math" panose="02040503050406030204" pitchFamily="18" charset="0"/>
+                                              <a:ea typeface="Cambria Math" panose="02040503050406030204" pitchFamily="18" charset="0"/>
+                                            </a:rPr>
+                                            <m:t>𝑅</m:t>
+                                          </m:r>
+                                        </m:e>
+                                        <m:sub>
+                                          <m:r>
+                                            <a:rPr lang="en-US" i="1">
+                                              <a:latin typeface="Cambria Math" panose="02040503050406030204" pitchFamily="18" charset="0"/>
+                                              <a:ea typeface="Cambria Math" panose="02040503050406030204" pitchFamily="18" charset="0"/>
+                                            </a:rPr>
+                                            <m:t>𝑖</m:t>
+                                          </m:r>
+                                        </m:sub>
+                                      </m:sSub>
+                                    </m:num>
+                                    <m:den>
+                                      <m:sSub>
+                                        <m:sSubPr>
+                                          <m:ctrlPr>
+                                            <a:rPr lang="en-US" i="1">
+                                              <a:latin typeface="Cambria Math" panose="02040503050406030204" pitchFamily="18" charset="0"/>
+                                              <a:ea typeface="Cambria Math" panose="02040503050406030204" pitchFamily="18" charset="0"/>
+                                            </a:rPr>
+                                          </m:ctrlPr>
+                                        </m:sSubPr>
+                                        <m:e>
+                                          <m:r>
+                                            <a:rPr lang="en-US" i="1">
+                                              <a:latin typeface="Cambria Math" panose="02040503050406030204" pitchFamily="18" charset="0"/>
+                                              <a:ea typeface="Cambria Math" panose="02040503050406030204" pitchFamily="18" charset="0"/>
+                                            </a:rPr>
+                                            <m:t>𝑅</m:t>
+                                          </m:r>
+                                        </m:e>
+                                        <m:sub>
+                                          <m:r>
+                                            <a:rPr lang="en-US" i="1">
+                                              <a:latin typeface="Cambria Math" panose="02040503050406030204" pitchFamily="18" charset="0"/>
+                                              <a:ea typeface="Cambria Math" panose="02040503050406030204" pitchFamily="18" charset="0"/>
+                                            </a:rPr>
+                                            <m:t>0</m:t>
+                                          </m:r>
+                                        </m:sub>
+                                      </m:sSub>
+                                    </m:den>
+                                  </m:f>
+                                </m:den>
+                              </m:f>
+                            </m:e>
+                          </m:d>
+                          <m:d>
+                            <m:dPr>
+                              <m:ctrlPr>
+                                <a:rPr lang="en-US" b="0" i="1" smtClean="0">
+                                  <a:latin typeface="Cambria Math" panose="02040503050406030204" pitchFamily="18" charset="0"/>
+                                  <a:ea typeface="Cambria Math" panose="02040503050406030204" pitchFamily="18" charset="0"/>
+                                </a:rPr>
+                              </m:ctrlPr>
+                            </m:dPr>
+                            <m:e>
+                              <m:r>
+                                <a:rPr lang="en-US" i="1">
+                                  <a:latin typeface="Cambria Math" panose="02040503050406030204" pitchFamily="18" charset="0"/>
+                                </a:rPr>
+                                <m:t>2</m:t>
+                              </m:r>
+                              <m:r>
+                                <a:rPr lang="en-US" i="1">
+                                  <a:latin typeface="Cambria Math" panose="02040503050406030204" pitchFamily="18" charset="0"/>
+                                  <a:ea typeface="Cambria Math" panose="02040503050406030204" pitchFamily="18" charset="0"/>
+                                </a:rPr>
+                                <m:t>𝜋</m:t>
+                              </m:r>
+                              <m:sSubSup>
+                                <m:sSubSupPr>
+                                  <m:ctrlPr>
+                                    <a:rPr lang="en-US" i="1" smtClean="0">
+                                      <a:latin typeface="Cambria Math" panose="02040503050406030204" pitchFamily="18" charset="0"/>
+                                      <a:ea typeface="Cambria Math" panose="02040503050406030204" pitchFamily="18" charset="0"/>
+                                    </a:rPr>
+                                  </m:ctrlPr>
+                                </m:sSubSupPr>
+                                <m:e>
+                                  <m:r>
+                                    <a:rPr lang="en-US" b="0" i="1" smtClean="0">
+                                      <a:latin typeface="Cambria Math" panose="02040503050406030204" pitchFamily="18" charset="0"/>
+                                      <a:ea typeface="Cambria Math" panose="02040503050406030204" pitchFamily="18" charset="0"/>
+                                    </a:rPr>
+                                    <m:t>𝑅</m:t>
+                                  </m:r>
+                                </m:e>
+                                <m:sub>
+                                  <m:r>
+                                    <a:rPr lang="en-US" b="0" i="1" smtClean="0">
+                                      <a:latin typeface="Cambria Math" panose="02040503050406030204" pitchFamily="18" charset="0"/>
+                                      <a:ea typeface="Cambria Math" panose="02040503050406030204" pitchFamily="18" charset="0"/>
+                                    </a:rPr>
+                                    <m:t>𝑖</m:t>
+                                  </m:r>
+                                </m:sub>
+                                <m:sup>
+                                  <m:r>
+                                    <a:rPr lang="en-US" b="0" i="1" smtClean="0">
+                                      <a:latin typeface="Cambria Math" panose="02040503050406030204" pitchFamily="18" charset="0"/>
+                                      <a:ea typeface="Cambria Math" panose="02040503050406030204" pitchFamily="18" charset="0"/>
+                                    </a:rPr>
+                                    <m:t>2</m:t>
+                                  </m:r>
+                                </m:sup>
+                              </m:sSubSup>
+                              <m:r>
+                                <a:rPr lang="en-US" i="1">
+                                  <a:latin typeface="Cambria Math" panose="02040503050406030204" pitchFamily="18" charset="0"/>
+                                  <a:ea typeface="Cambria Math" panose="02040503050406030204" pitchFamily="18" charset="0"/>
+                                </a:rPr>
+                                <m:t>𝐿</m:t>
+                              </m:r>
+                            </m:e>
+                          </m:d>
+                        </m:den>
+                      </m:f>
+                    </m:oMath>
+                  </m:oMathPara>
+                </a14:m>
+                <a:endParaRPr lang="en-US" dirty="0"/>
+              </a:p>
+            </p:txBody>
+          </p:sp>
+        </mc:Choice>
+        <mc:Fallback>
+          <p:sp>
+            <p:nvSpPr>
+              <p:cNvPr id="25" name="TextBox 24">
+                <a:extLst>
+                  <a:ext uri="{FF2B5EF4-FFF2-40B4-BE49-F238E27FC236}">
+                    <a16:creationId xmlns:a16="http://schemas.microsoft.com/office/drawing/2014/main" id="{E7C735F5-71BC-1563-DD39-14BB3139CB71}"/>
+                  </a:ext>
+                </a:extLst>
+              </p:cNvPr>
+              <p:cNvSpPr txBox="1">
+                <a:spLocks noRot="1" noChangeAspect="1" noMove="1" noResize="1" noEditPoints="1" noAdjustHandles="1" noChangeArrowheads="1" noChangeShapeType="1" noTextEdit="1"/>
+              </p:cNvSpPr>
+              <p:nvPr/>
+            </p:nvSpPr>
+            <p:spPr>
+              <a:xfrm>
+                <a:off x="765747" y="10782963"/>
+                <a:ext cx="2267352" cy="1036630"/>
+              </a:xfrm>
+              <a:prstGeom prst="rect">
+                <a:avLst/>
+              </a:prstGeom>
+              <a:blipFill>
+                <a:blip r:embed="rId16"/>
+                <a:stretch>
+                  <a:fillRect/>
+                </a:stretch>
+              </a:blipFill>
+            </p:spPr>
+            <p:txBody>
+              <a:bodyPr/>
+              <a:lstStyle/>
+              <a:p>
+                <a:r>
+                  <a:rPr lang="en-US">
+                    <a:noFill/>
+                  </a:rPr>
+                  <a:t> </a:t>
+                </a:r>
+              </a:p>
+            </p:txBody>
+          </p:sp>
+        </mc:Fallback>
+      </mc:AlternateContent>
+      <p:sp>
+        <p:nvSpPr>
+          <p:cNvPr id="26" name="TextBox 25">
+            <a:extLst>
+              <a:ext uri="{FF2B5EF4-FFF2-40B4-BE49-F238E27FC236}">
+                <a16:creationId xmlns:a16="http://schemas.microsoft.com/office/drawing/2014/main" id="{45817B7C-0C93-1B1E-C4CB-12A1962A1F83}"/>
+              </a:ext>
+            </a:extLst>
+          </p:cNvPr>
+          <p:cNvSpPr txBox="1"/>
+          <p:nvPr/>
+        </p:nvSpPr>
+        <p:spPr>
+          <a:xfrm>
+            <a:off x="3514034" y="10898007"/>
+            <a:ext cx="2487190" cy="646331"/>
+          </a:xfrm>
+          <a:prstGeom prst="rect">
+            <a:avLst/>
+          </a:prstGeom>
+          <a:noFill/>
+        </p:spPr>
+        <p:txBody>
+          <a:bodyPr wrap="square" rtlCol="0">
+            <a:spAutoFit/>
+          </a:bodyPr>
+          <a:lstStyle/>
+          <a:p>
+            <a:r>
+              <a:rPr lang="en-US" dirty="0"/>
+              <a:t>Remember: only valid for small gaps</a:t>
+            </a:r>
+          </a:p>
+        </p:txBody>
+      </p:sp>
+    </p:spTree>
+    <p:extLst>
+      <p:ext uri="{BB962C8B-B14F-4D97-AF65-F5344CB8AC3E}">
+        <p14:creationId xmlns:p14="http://schemas.microsoft.com/office/powerpoint/2010/main" val="1548420648"/>
+      </p:ext>
+    </p:extLst>
+  </p:cSld>
+  <p:clrMapOvr>
+    <a:masterClrMapping/>
+  </p:clrMapOvr>
+</p:sld>
+</file>
+
+<file path=ppt/slides/slide11.xml><?xml version="1.0" encoding="utf-8"?>
+<p:sld xmlns:a="http://schemas.openxmlformats.org/drawingml/2006/main" xmlns:r="http://schemas.openxmlformats.org/officeDocument/2006/relationships" xmlns:p="http://schemas.openxmlformats.org/presentationml/2006/main">
+  <p:cSld>
+    <p:spTree>
+      <p:nvGrpSpPr>
+        <p:cNvPr id="1" name=""/>
+        <p:cNvGrpSpPr/>
+        <p:nvPr/>
+      </p:nvGrpSpPr>
+      <p:grpSpPr>
+        <a:xfrm>
+          <a:off x="0" y="0"/>
+          <a:ext cx="0" cy="0"/>
+          <a:chOff x="0" y="0"/>
+          <a:chExt cx="0" cy="0"/>
+        </a:xfrm>
+      </p:grpSpPr>
+      <p:sp>
+        <p:nvSpPr>
+          <p:cNvPr id="2" name="TextBox 1">
+            <a:extLst>
+              <a:ext uri="{FF2B5EF4-FFF2-40B4-BE49-F238E27FC236}">
+                <a16:creationId xmlns:a16="http://schemas.microsoft.com/office/drawing/2014/main" id="{CEED7FCD-9D70-6092-37BF-49F4A21A653F}"/>
+              </a:ext>
+            </a:extLst>
+          </p:cNvPr>
+          <p:cNvSpPr txBox="1"/>
+          <p:nvPr/>
+        </p:nvSpPr>
+        <p:spPr>
+          <a:xfrm>
+            <a:off x="0" y="0"/>
+            <a:ext cx="4033540" cy="369332"/>
+          </a:xfrm>
+          <a:prstGeom prst="rect">
+            <a:avLst/>
+          </a:prstGeom>
+          <a:noFill/>
+        </p:spPr>
+        <p:txBody>
+          <a:bodyPr wrap="none" rtlCol="0">
+            <a:spAutoFit/>
+          </a:bodyPr>
+          <a:lstStyle/>
+          <a:p>
+            <a:r>
+              <a:rPr lang="en-US" dirty="0"/>
+              <a:t>Cone and Plate (More commonly used)</a:t>
+            </a:r>
+          </a:p>
+        </p:txBody>
+      </p:sp>
+      <p:pic>
+        <p:nvPicPr>
+          <p:cNvPr id="4" name="Picture 3">
+            <a:extLst>
+              <a:ext uri="{FF2B5EF4-FFF2-40B4-BE49-F238E27FC236}">
+                <a16:creationId xmlns:a16="http://schemas.microsoft.com/office/drawing/2014/main" id="{C4EBD262-671F-91B1-7308-83BB5B0FBE94}"/>
+              </a:ext>
+            </a:extLst>
+          </p:cNvPr>
+          <p:cNvPicPr>
+            <a:picLocks noChangeAspect="1"/>
+          </p:cNvPicPr>
+          <p:nvPr/>
+        </p:nvPicPr>
+        <p:blipFill>
+          <a:blip r:embed="rId2"/>
+          <a:stretch>
+            <a:fillRect/>
+          </a:stretch>
+        </p:blipFill>
+        <p:spPr>
+          <a:xfrm>
+            <a:off x="5720118" y="184666"/>
+            <a:ext cx="2495898" cy="2362530"/>
+          </a:xfrm>
+          <a:prstGeom prst="rect">
+            <a:avLst/>
+          </a:prstGeom>
+        </p:spPr>
+      </p:pic>
+      <p:pic>
+        <p:nvPicPr>
+          <p:cNvPr id="6" name="Picture 5">
+            <a:extLst>
+              <a:ext uri="{FF2B5EF4-FFF2-40B4-BE49-F238E27FC236}">
+                <a16:creationId xmlns:a16="http://schemas.microsoft.com/office/drawing/2014/main" id="{DEA6F45A-47E7-1ADE-292F-C79EA7EF5089}"/>
+              </a:ext>
+            </a:extLst>
+          </p:cNvPr>
+          <p:cNvPicPr>
+            <a:picLocks noChangeAspect="1"/>
+          </p:cNvPicPr>
+          <p:nvPr/>
+        </p:nvPicPr>
+        <p:blipFill>
+          <a:blip r:embed="rId3"/>
+          <a:stretch>
+            <a:fillRect/>
+          </a:stretch>
+        </p:blipFill>
+        <p:spPr>
+          <a:xfrm>
+            <a:off x="680364" y="369332"/>
+            <a:ext cx="4572638" cy="657317"/>
+          </a:xfrm>
+          <a:prstGeom prst="rect">
+            <a:avLst/>
+          </a:prstGeom>
+        </p:spPr>
+      </p:pic>
+      <p:sp>
+        <p:nvSpPr>
+          <p:cNvPr id="7" name="TextBox 6">
+            <a:extLst>
+              <a:ext uri="{FF2B5EF4-FFF2-40B4-BE49-F238E27FC236}">
+                <a16:creationId xmlns:a16="http://schemas.microsoft.com/office/drawing/2014/main" id="{2D44D32A-D3AB-1F04-592F-EF47D3B361BE}"/>
+              </a:ext>
+            </a:extLst>
+          </p:cNvPr>
+          <p:cNvSpPr txBox="1"/>
+          <p:nvPr/>
+        </p:nvSpPr>
+        <p:spPr>
+          <a:xfrm>
+            <a:off x="286642" y="1181265"/>
+            <a:ext cx="4966360" cy="369332"/>
+          </a:xfrm>
+          <a:prstGeom prst="rect">
+            <a:avLst/>
+          </a:prstGeom>
+          <a:noFill/>
+        </p:spPr>
+        <p:txBody>
+          <a:bodyPr wrap="none" rtlCol="0">
+            <a:spAutoFit/>
+          </a:bodyPr>
+          <a:lstStyle/>
+          <a:p>
+            <a:r>
+              <a:rPr lang="en-US" dirty="0"/>
+              <a:t>So, the shear rate is uniform throughout the fluid</a:t>
+            </a:r>
+          </a:p>
+        </p:txBody>
+      </p:sp>
+      <p:pic>
+        <p:nvPicPr>
+          <p:cNvPr id="9" name="Picture 8">
+            <a:extLst>
+              <a:ext uri="{FF2B5EF4-FFF2-40B4-BE49-F238E27FC236}">
+                <a16:creationId xmlns:a16="http://schemas.microsoft.com/office/drawing/2014/main" id="{14261C70-43D1-606F-A99C-26ABA535CC75}"/>
+              </a:ext>
+            </a:extLst>
+          </p:cNvPr>
+          <p:cNvPicPr>
+            <a:picLocks noChangeAspect="1"/>
+          </p:cNvPicPr>
+          <p:nvPr/>
+        </p:nvPicPr>
+        <p:blipFill>
+          <a:blip r:embed="rId4"/>
+          <a:stretch>
+            <a:fillRect/>
+          </a:stretch>
+        </p:blipFill>
+        <p:spPr>
+          <a:xfrm>
+            <a:off x="1632905" y="1550597"/>
+            <a:ext cx="2400635" cy="1105054"/>
+          </a:xfrm>
+          <a:prstGeom prst="rect">
+            <a:avLst/>
+          </a:prstGeom>
+        </p:spPr>
+      </p:pic>
+      <p:sp>
+        <p:nvSpPr>
+          <p:cNvPr id="10" name="TextBox 9">
+            <a:extLst>
+              <a:ext uri="{FF2B5EF4-FFF2-40B4-BE49-F238E27FC236}">
+                <a16:creationId xmlns:a16="http://schemas.microsoft.com/office/drawing/2014/main" id="{E44FF444-29BA-B8F9-3F62-2D972F9A9132}"/>
+              </a:ext>
+            </a:extLst>
+          </p:cNvPr>
+          <p:cNvSpPr txBox="1"/>
+          <p:nvPr/>
+        </p:nvSpPr>
+        <p:spPr>
+          <a:xfrm>
+            <a:off x="0" y="3306784"/>
+            <a:ext cx="5199758" cy="461665"/>
+          </a:xfrm>
+          <a:prstGeom prst="rect">
+            <a:avLst/>
+          </a:prstGeom>
+          <a:noFill/>
+        </p:spPr>
+        <p:txBody>
+          <a:bodyPr wrap="square" rtlCol="0">
+            <a:spAutoFit/>
+          </a:bodyPr>
+          <a:lstStyle/>
+          <a:p>
+            <a:r>
+              <a:rPr lang="en-US" sz="2400" dirty="0"/>
+              <a:t>Viscosity for Non-Newtonian Fluids</a:t>
+            </a:r>
+          </a:p>
+        </p:txBody>
+      </p:sp>
+      <mc:AlternateContent xmlns:mc="http://schemas.openxmlformats.org/markup-compatibility/2006">
+        <mc:Choice xmlns:a14="http://schemas.microsoft.com/office/drawing/2010/main" Requires="a14">
+          <p:sp>
+            <p:nvSpPr>
+              <p:cNvPr id="11" name="TextBox 10">
+                <a:extLst>
+                  <a:ext uri="{FF2B5EF4-FFF2-40B4-BE49-F238E27FC236}">
+                    <a16:creationId xmlns:a16="http://schemas.microsoft.com/office/drawing/2014/main" id="{3A7FADE0-C442-5B02-AF00-95535BC1F271}"/>
+                  </a:ext>
+                </a:extLst>
+              </p:cNvPr>
+              <p:cNvSpPr txBox="1"/>
+              <p:nvPr/>
+            </p:nvSpPr>
+            <p:spPr>
+              <a:xfrm>
+                <a:off x="558800" y="2878667"/>
+                <a:ext cx="5308569" cy="369332"/>
+              </a:xfrm>
+              <a:prstGeom prst="rect">
+                <a:avLst/>
+              </a:prstGeom>
+              <a:noFill/>
+            </p:spPr>
+            <p:txBody>
+              <a:bodyPr wrap="none" rtlCol="0">
+                <a:spAutoFit/>
+              </a:bodyPr>
+              <a:lstStyle/>
+              <a:p>
+                <a:r>
+                  <a:rPr lang="en-US" dirty="0"/>
+                  <a:t>Alpha is usually smaller than </a:t>
+                </a:r>
+                <a14:m>
+                  <m:oMath xmlns:m="http://schemas.openxmlformats.org/officeDocument/2006/math">
+                    <m:sSup>
+                      <m:sSupPr>
+                        <m:ctrlPr>
+                          <a:rPr lang="en-US" b="0" i="1" smtClean="0">
+                            <a:latin typeface="Cambria Math" panose="02040503050406030204" pitchFamily="18" charset="0"/>
+                          </a:rPr>
+                        </m:ctrlPr>
+                      </m:sSupPr>
+                      <m:e>
+                        <m:r>
+                          <a:rPr lang="en-US" b="0" i="1" smtClean="0">
+                            <a:latin typeface="Cambria Math" panose="02040503050406030204" pitchFamily="18" charset="0"/>
+                          </a:rPr>
+                          <m:t>2</m:t>
+                        </m:r>
+                      </m:e>
+                      <m:sup>
+                        <m:r>
+                          <a:rPr lang="en-US" b="0" i="1" smtClean="0">
+                            <a:latin typeface="Cambria Math" panose="02040503050406030204" pitchFamily="18" charset="0"/>
+                          </a:rPr>
+                          <m:t>𝑜</m:t>
+                        </m:r>
+                      </m:sup>
+                    </m:sSup>
+                  </m:oMath>
+                </a14:m>
+                <a:r>
+                  <a:rPr lang="en-US" dirty="0"/>
+                  <a:t>. Usually around </a:t>
+                </a:r>
+                <a14:m>
+                  <m:oMath xmlns:m="http://schemas.openxmlformats.org/officeDocument/2006/math">
+                    <m:sSup>
+                      <m:sSupPr>
+                        <m:ctrlPr>
+                          <a:rPr lang="en-US" i="1">
+                            <a:latin typeface="Cambria Math" panose="02040503050406030204" pitchFamily="18" charset="0"/>
+                          </a:rPr>
+                        </m:ctrlPr>
+                      </m:sSupPr>
+                      <m:e>
+                        <m:r>
+                          <a:rPr lang="en-US" b="0" i="1" smtClean="0">
+                            <a:latin typeface="Cambria Math" panose="02040503050406030204" pitchFamily="18" charset="0"/>
+                          </a:rPr>
+                          <m:t>1</m:t>
+                        </m:r>
+                      </m:e>
+                      <m:sup>
+                        <m:r>
+                          <a:rPr lang="en-US" i="1">
+                            <a:latin typeface="Cambria Math" panose="02040503050406030204" pitchFamily="18" charset="0"/>
+                          </a:rPr>
+                          <m:t>𝑜</m:t>
+                        </m:r>
+                      </m:sup>
+                    </m:sSup>
+                  </m:oMath>
+                </a14:m>
+                <a:r>
+                  <a:rPr lang="en-US" dirty="0"/>
+                  <a:t>  </a:t>
+                </a:r>
+              </a:p>
+            </p:txBody>
+          </p:sp>
+        </mc:Choice>
+        <mc:Fallback>
+          <p:sp>
+            <p:nvSpPr>
+              <p:cNvPr id="11" name="TextBox 10">
+                <a:extLst>
+                  <a:ext uri="{FF2B5EF4-FFF2-40B4-BE49-F238E27FC236}">
+                    <a16:creationId xmlns:a16="http://schemas.microsoft.com/office/drawing/2014/main" id="{3A7FADE0-C442-5B02-AF00-95535BC1F271}"/>
+                  </a:ext>
+                </a:extLst>
+              </p:cNvPr>
+              <p:cNvSpPr txBox="1">
+                <a:spLocks noRot="1" noChangeAspect="1" noMove="1" noResize="1" noEditPoints="1" noAdjustHandles="1" noChangeArrowheads="1" noChangeShapeType="1" noTextEdit="1"/>
+              </p:cNvSpPr>
+              <p:nvPr/>
+            </p:nvSpPr>
+            <p:spPr>
+              <a:xfrm>
+                <a:off x="558800" y="2878667"/>
+                <a:ext cx="5308569" cy="369332"/>
+              </a:xfrm>
+              <a:prstGeom prst="rect">
+                <a:avLst/>
+              </a:prstGeom>
+              <a:blipFill>
+                <a:blip r:embed="rId5"/>
+                <a:stretch>
+                  <a:fillRect l="-1034" t="-6557" b="-26230"/>
+                </a:stretch>
+              </a:blipFill>
+            </p:spPr>
+            <p:txBody>
+              <a:bodyPr/>
+              <a:lstStyle/>
+              <a:p>
+                <a:r>
+                  <a:rPr lang="en-US">
+                    <a:noFill/>
+                  </a:rPr>
+                  <a:t> </a:t>
+                </a:r>
+              </a:p>
+            </p:txBody>
+          </p:sp>
+        </mc:Fallback>
+      </mc:AlternateContent>
+    </p:spTree>
+    <p:extLst>
+      <p:ext uri="{BB962C8B-B14F-4D97-AF65-F5344CB8AC3E}">
+        <p14:creationId xmlns:p14="http://schemas.microsoft.com/office/powerpoint/2010/main" val="2668368219"/>
+      </p:ext>
+    </p:extLst>
+  </p:cSld>
+  <p:clrMapOvr>
+    <a:masterClrMapping/>
+  </p:clrMapOvr>
+</p:sld>
+</file>
+
 <file path=ppt/slides/slide2.xml><?xml version="1.0" encoding="utf-8"?>
 <p:sld xmlns:a="http://schemas.openxmlformats.org/drawingml/2006/main" xmlns:r="http://schemas.openxmlformats.org/officeDocument/2006/relationships" xmlns:p="http://schemas.openxmlformats.org/presentationml/2006/main">
   <p:cSld>
@@ -6041,6 +9321,318 @@
           </a:p>
         </p:txBody>
       </p:sp>
+      <mc:AlternateContent xmlns:mc="http://schemas.openxmlformats.org/markup-compatibility/2006">
+        <mc:Choice xmlns:a14="http://schemas.microsoft.com/office/drawing/2010/main" Requires="a14">
+          <p:sp>
+            <p:nvSpPr>
+              <p:cNvPr id="4" name="TextBox 3">
+                <a:extLst>
+                  <a:ext uri="{FF2B5EF4-FFF2-40B4-BE49-F238E27FC236}">
+                    <a16:creationId xmlns:a16="http://schemas.microsoft.com/office/drawing/2014/main" id="{3FD845B3-5414-51C3-7F17-7536944CD3BF}"/>
+                  </a:ext>
+                </a:extLst>
+              </p:cNvPr>
+              <p:cNvSpPr txBox="1"/>
+              <p:nvPr/>
+            </p:nvSpPr>
+            <p:spPr>
+              <a:xfrm>
+                <a:off x="101373" y="11319494"/>
+                <a:ext cx="2784224" cy="485646"/>
+              </a:xfrm>
+              <a:prstGeom prst="rect">
+                <a:avLst/>
+              </a:prstGeom>
+              <a:noFill/>
+            </p:spPr>
+            <p:txBody>
+              <a:bodyPr wrap="none" rtlCol="0">
+                <a:spAutoFit/>
+              </a:bodyPr>
+              <a:lstStyle/>
+              <a:p>
+                <a:r>
+                  <a:rPr lang="en-US" dirty="0"/>
+                  <a:t>Force Conversion: </a:t>
+                </a:r>
+                <a14:m>
+                  <m:oMath xmlns:m="http://schemas.openxmlformats.org/officeDocument/2006/math">
+                    <m:r>
+                      <a:rPr lang="en-US" b="0" i="1" smtClean="0">
+                        <a:latin typeface="Cambria Math" panose="02040503050406030204" pitchFamily="18" charset="0"/>
+                      </a:rPr>
+                      <m:t>𝐹</m:t>
+                    </m:r>
+                    <m:r>
+                      <a:rPr lang="en-US" b="0" i="1" smtClean="0">
+                        <a:latin typeface="Cambria Math" panose="02040503050406030204" pitchFamily="18" charset="0"/>
+                      </a:rPr>
+                      <m:t>=</m:t>
+                    </m:r>
+                    <m:f>
+                      <m:fPr>
+                        <m:ctrlPr>
+                          <a:rPr lang="en-US" b="0" i="1" smtClean="0">
+                            <a:latin typeface="Cambria Math" panose="02040503050406030204" pitchFamily="18" charset="0"/>
+                          </a:rPr>
+                        </m:ctrlPr>
+                      </m:fPr>
+                      <m:num>
+                        <m:r>
+                          <a:rPr lang="en-US" b="0" i="1" smtClean="0">
+                            <a:latin typeface="Cambria Math" panose="02040503050406030204" pitchFamily="18" charset="0"/>
+                          </a:rPr>
+                          <m:t>𝑀</m:t>
+                        </m:r>
+                        <m:r>
+                          <a:rPr lang="en-US" b="0" i="1" smtClean="0">
+                            <a:latin typeface="Cambria Math" panose="02040503050406030204" pitchFamily="18" charset="0"/>
+                            <a:ea typeface="Cambria Math" panose="02040503050406030204" pitchFamily="18" charset="0"/>
+                          </a:rPr>
+                          <m:t>∙</m:t>
+                        </m:r>
+                        <m:r>
+                          <a:rPr lang="en-US" b="0" i="1" smtClean="0">
+                            <a:latin typeface="Cambria Math" panose="02040503050406030204" pitchFamily="18" charset="0"/>
+                            <a:ea typeface="Cambria Math" panose="02040503050406030204" pitchFamily="18" charset="0"/>
+                          </a:rPr>
+                          <m:t>𝐿</m:t>
+                        </m:r>
+                      </m:num>
+                      <m:den>
+                        <m:sSup>
+                          <m:sSupPr>
+                            <m:ctrlPr>
+                              <a:rPr lang="en-US" b="0" i="1" smtClean="0">
+                                <a:latin typeface="Cambria Math" panose="02040503050406030204" pitchFamily="18" charset="0"/>
+                              </a:rPr>
+                            </m:ctrlPr>
+                          </m:sSupPr>
+                          <m:e>
+                            <m:r>
+                              <a:rPr lang="en-US" b="0" i="1" smtClean="0">
+                                <a:latin typeface="Cambria Math" panose="02040503050406030204" pitchFamily="18" charset="0"/>
+                              </a:rPr>
+                              <m:t>𝑡</m:t>
+                            </m:r>
+                          </m:e>
+                          <m:sup>
+                            <m:r>
+                              <a:rPr lang="en-US" b="0" i="1" smtClean="0">
+                                <a:latin typeface="Cambria Math" panose="02040503050406030204" pitchFamily="18" charset="0"/>
+                              </a:rPr>
+                              <m:t>2</m:t>
+                            </m:r>
+                          </m:sup>
+                        </m:sSup>
+                      </m:den>
+                    </m:f>
+                  </m:oMath>
+                </a14:m>
+                <a:endParaRPr lang="en-US" dirty="0"/>
+              </a:p>
+            </p:txBody>
+          </p:sp>
+        </mc:Choice>
+        <mc:Fallback>
+          <p:sp>
+            <p:nvSpPr>
+              <p:cNvPr id="4" name="TextBox 3">
+                <a:extLst>
+                  <a:ext uri="{FF2B5EF4-FFF2-40B4-BE49-F238E27FC236}">
+                    <a16:creationId xmlns:a16="http://schemas.microsoft.com/office/drawing/2014/main" id="{3FD845B3-5414-51C3-7F17-7536944CD3BF}"/>
+                  </a:ext>
+                </a:extLst>
+              </p:cNvPr>
+              <p:cNvSpPr txBox="1">
+                <a:spLocks noRot="1" noChangeAspect="1" noMove="1" noResize="1" noEditPoints="1" noAdjustHandles="1" noChangeArrowheads="1" noChangeShapeType="1" noTextEdit="1"/>
+              </p:cNvSpPr>
+              <p:nvPr/>
+            </p:nvSpPr>
+            <p:spPr>
+              <a:xfrm>
+                <a:off x="101373" y="11319494"/>
+                <a:ext cx="2784224" cy="485646"/>
+              </a:xfrm>
+              <a:prstGeom prst="rect">
+                <a:avLst/>
+              </a:prstGeom>
+              <a:blipFill>
+                <a:blip r:embed="rId3"/>
+                <a:stretch>
+                  <a:fillRect l="-1974" b="-8750"/>
+                </a:stretch>
+              </a:blipFill>
+            </p:spPr>
+            <p:txBody>
+              <a:bodyPr/>
+              <a:lstStyle/>
+              <a:p>
+                <a:r>
+                  <a:rPr lang="en-US">
+                    <a:noFill/>
+                  </a:rPr>
+                  <a:t> </a:t>
+                </a:r>
+              </a:p>
+            </p:txBody>
+          </p:sp>
+        </mc:Fallback>
+      </mc:AlternateContent>
+      <mc:AlternateContent xmlns:mc="http://schemas.openxmlformats.org/markup-compatibility/2006">
+        <mc:Choice xmlns:a14="http://schemas.microsoft.com/office/drawing/2010/main" Requires="a14">
+          <p:sp>
+            <p:nvSpPr>
+              <p:cNvPr id="7" name="TextBox 6">
+                <a:extLst>
+                  <a:ext uri="{FF2B5EF4-FFF2-40B4-BE49-F238E27FC236}">
+                    <a16:creationId xmlns:a16="http://schemas.microsoft.com/office/drawing/2014/main" id="{15A0DB58-D1D6-25EA-51E5-DCE3BEFA0A82}"/>
+                  </a:ext>
+                </a:extLst>
+              </p:cNvPr>
+              <p:cNvSpPr txBox="1"/>
+              <p:nvPr/>
+            </p:nvSpPr>
+            <p:spPr>
+              <a:xfrm>
+                <a:off x="3284839" y="11280958"/>
+                <a:ext cx="2828723" cy="524182"/>
+              </a:xfrm>
+              <a:prstGeom prst="rect">
+                <a:avLst/>
+              </a:prstGeom>
+              <a:noFill/>
+            </p:spPr>
+            <p:txBody>
+              <a:bodyPr wrap="none" rtlCol="0">
+                <a:spAutoFit/>
+              </a:bodyPr>
+              <a:lstStyle/>
+              <a:p>
+                <a:r>
+                  <a:rPr lang="en-US" dirty="0"/>
+                  <a:t>Mass Conversion: M</a:t>
+                </a:r>
+                <a14:m>
+                  <m:oMath xmlns:m="http://schemas.openxmlformats.org/officeDocument/2006/math">
+                    <m:r>
+                      <a:rPr lang="en-US" b="0" i="1" smtClean="0">
+                        <a:latin typeface="Cambria Math" panose="02040503050406030204" pitchFamily="18" charset="0"/>
+                      </a:rPr>
+                      <m:t>=</m:t>
+                    </m:r>
+                    <m:f>
+                      <m:fPr>
+                        <m:ctrlPr>
+                          <a:rPr lang="en-US" b="0" i="1" smtClean="0">
+                            <a:latin typeface="Cambria Math" panose="02040503050406030204" pitchFamily="18" charset="0"/>
+                          </a:rPr>
+                        </m:ctrlPr>
+                      </m:fPr>
+                      <m:num>
+                        <m:r>
+                          <a:rPr lang="en-US" b="0" i="1" smtClean="0">
+                            <a:latin typeface="Cambria Math" panose="02040503050406030204" pitchFamily="18" charset="0"/>
+                          </a:rPr>
+                          <m:t>𝐹</m:t>
+                        </m:r>
+                        <m:r>
+                          <a:rPr lang="en-US" b="0" i="1" smtClean="0">
+                            <a:latin typeface="Cambria Math" panose="02040503050406030204" pitchFamily="18" charset="0"/>
+                            <a:ea typeface="Cambria Math" panose="02040503050406030204" pitchFamily="18" charset="0"/>
+                          </a:rPr>
+                          <m:t>∙</m:t>
+                        </m:r>
+                        <m:sSup>
+                          <m:sSupPr>
+                            <m:ctrlPr>
+                              <a:rPr lang="en-US" b="0" i="1" smtClean="0">
+                                <a:latin typeface="Cambria Math" panose="02040503050406030204" pitchFamily="18" charset="0"/>
+                                <a:ea typeface="Cambria Math" panose="02040503050406030204" pitchFamily="18" charset="0"/>
+                              </a:rPr>
+                            </m:ctrlPr>
+                          </m:sSupPr>
+                          <m:e>
+                            <m:r>
+                              <a:rPr lang="en-US" b="0" i="1" smtClean="0">
+                                <a:latin typeface="Cambria Math" panose="02040503050406030204" pitchFamily="18" charset="0"/>
+                                <a:ea typeface="Cambria Math" panose="02040503050406030204" pitchFamily="18" charset="0"/>
+                              </a:rPr>
+                              <m:t>𝑡</m:t>
+                            </m:r>
+                          </m:e>
+                          <m:sup>
+                            <m:r>
+                              <a:rPr lang="en-US" b="0" i="1" smtClean="0">
+                                <a:latin typeface="Cambria Math" panose="02040503050406030204" pitchFamily="18" charset="0"/>
+                                <a:ea typeface="Cambria Math" panose="02040503050406030204" pitchFamily="18" charset="0"/>
+                              </a:rPr>
+                              <m:t>2</m:t>
+                            </m:r>
+                          </m:sup>
+                        </m:sSup>
+                      </m:num>
+                      <m:den>
+                        <m:r>
+                          <a:rPr lang="en-US" b="0" i="1" smtClean="0">
+                            <a:latin typeface="Cambria Math" panose="02040503050406030204" pitchFamily="18" charset="0"/>
+                          </a:rPr>
+                          <m:t>𝐿</m:t>
+                        </m:r>
+                      </m:den>
+                    </m:f>
+                  </m:oMath>
+                </a14:m>
+                <a:endParaRPr lang="en-US" dirty="0"/>
+              </a:p>
+            </p:txBody>
+          </p:sp>
+        </mc:Choice>
+        <mc:Fallback>
+          <p:sp>
+            <p:nvSpPr>
+              <p:cNvPr id="7" name="TextBox 6">
+                <a:extLst>
+                  <a:ext uri="{FF2B5EF4-FFF2-40B4-BE49-F238E27FC236}">
+                    <a16:creationId xmlns:a16="http://schemas.microsoft.com/office/drawing/2014/main" id="{15A0DB58-D1D6-25EA-51E5-DCE3BEFA0A82}"/>
+                  </a:ext>
+                </a:extLst>
+              </p:cNvPr>
+              <p:cNvSpPr txBox="1">
+                <a:spLocks noRot="1" noChangeAspect="1" noMove="1" noResize="1" noEditPoints="1" noAdjustHandles="1" noChangeArrowheads="1" noChangeShapeType="1" noTextEdit="1"/>
+              </p:cNvSpPr>
+              <p:nvPr/>
+            </p:nvSpPr>
+            <p:spPr>
+              <a:xfrm>
+                <a:off x="3284839" y="11280958"/>
+                <a:ext cx="2828723" cy="524182"/>
+              </a:xfrm>
+              <a:prstGeom prst="rect">
+                <a:avLst/>
+              </a:prstGeom>
+              <a:blipFill>
+                <a:blip r:embed="rId4"/>
+                <a:stretch>
+                  <a:fillRect l="-1940" b="-8140"/>
+                </a:stretch>
+              </a:blipFill>
+            </p:spPr>
+            <p:txBody>
+              <a:bodyPr/>
+              <a:lstStyle/>
+              <a:p>
+                <a:r>
+                  <a:rPr lang="en-US">
+                    <a:noFill/>
+                  </a:rPr>
+                  <a:t> </a:t>
+                </a:r>
+              </a:p>
+            </p:txBody>
+          </p:sp>
+        </mc:Fallback>
+      </mc:AlternateContent>
     </p:spTree>
     <p:extLst>
       <p:ext uri="{BB962C8B-B14F-4D97-AF65-F5344CB8AC3E}">
@@ -9167,7 +12759,7 @@
         <p:spPr>
           <a:xfrm>
             <a:off x="0" y="830997"/>
-            <a:ext cx="1658852" cy="400110"/>
+            <a:ext cx="2867003" cy="400110"/>
           </a:xfrm>
           <a:prstGeom prst="rect">
             <a:avLst/>
@@ -9182,7 +12774,7 @@
           <a:p>
             <a:r>
               <a:rPr lang="en-US" sz="2000" dirty="0"/>
-              <a:t>Couette Flow</a:t>
+              <a:t>Couette Flow (drag flow)</a:t>
             </a:r>
           </a:p>
         </p:txBody>
@@ -11787,8 +15379,8 @@
           </p:sp>
         </mc:Fallback>
       </mc:AlternateContent>
-      <mc:AlternateContent xmlns:mc="http://schemas.openxmlformats.org/markup-compatibility/2006">
-        <mc:Choice xmlns:a14="http://schemas.microsoft.com/office/drawing/2010/main" Requires="a14">
+      <mc:AlternateContent xmlns:mc="http://schemas.openxmlformats.org/markup-compatibility/2006" xmlns:a14="http://schemas.microsoft.com/office/drawing/2010/main">
+        <mc:Choice Requires="a14">
           <p:sp>
             <p:nvSpPr>
               <p:cNvPr id="16" name="TextBox 15">
@@ -11914,14 +15506,7 @@
                             <a:latin typeface="Cambria Math" panose="02040503050406030204" pitchFamily="18" charset="0"/>
                             <a:ea typeface="Cambria Math" panose="02040503050406030204" pitchFamily="18" charset="0"/>
                           </a:rPr>
-                          <m:t>𝑑</m:t>
-                        </m:r>
-                        <m:r>
-                          <a:rPr lang="en-US" b="0" i="1" smtClean="0">
-                            <a:latin typeface="Cambria Math" panose="02040503050406030204" pitchFamily="18" charset="0"/>
-                            <a:ea typeface="Cambria Math" panose="02040503050406030204" pitchFamily="18" charset="0"/>
-                          </a:rPr>
-                          <m:t>𝑦</m:t>
+                          <m:t>𝑑𝑦</m:t>
                         </m:r>
                       </m:den>
                     </m:f>
@@ -11966,7 +15551,7 @@
             </p:txBody>
           </p:sp>
         </mc:Choice>
-        <mc:Fallback>
+        <mc:Fallback xmlns="">
           <p:sp>
             <p:nvSpPr>
               <p:cNvPr id="16" name="TextBox 15">
@@ -12113,6 +15698,165 @@
             <a:r>
               <a:rPr lang="en-US" dirty="0"/>
               <a:t>Often called the Shear Rate</a:t>
+            </a:r>
+          </a:p>
+        </p:txBody>
+      </p:sp>
+      <p:sp>
+        <p:nvSpPr>
+          <p:cNvPr id="4" name="TextBox 3">
+            <a:extLst>
+              <a:ext uri="{FF2B5EF4-FFF2-40B4-BE49-F238E27FC236}">
+                <a16:creationId xmlns:a16="http://schemas.microsoft.com/office/drawing/2014/main" id="{6E512F93-77FF-81FC-1954-00DA86A310C4}"/>
+              </a:ext>
+            </a:extLst>
+          </p:cNvPr>
+          <p:cNvSpPr txBox="1"/>
+          <p:nvPr/>
+        </p:nvSpPr>
+        <p:spPr>
+          <a:xfrm>
+            <a:off x="-6694" y="5249702"/>
+            <a:ext cx="5116914" cy="461665"/>
+          </a:xfrm>
+          <a:prstGeom prst="rect">
+            <a:avLst/>
+          </a:prstGeom>
+          <a:noFill/>
+        </p:spPr>
+        <p:txBody>
+          <a:bodyPr wrap="none" rtlCol="0">
+            <a:spAutoFit/>
+          </a:bodyPr>
+          <a:lstStyle/>
+          <a:p>
+            <a:r>
+              <a:rPr lang="en-US" sz="2400" dirty="0"/>
+              <a:t>Poiseuille Flow (pressure-driven flow)</a:t>
+            </a:r>
+          </a:p>
+        </p:txBody>
+      </p:sp>
+      <p:sp>
+        <p:nvSpPr>
+          <p:cNvPr id="10" name="TextBox 9">
+            <a:extLst>
+              <a:ext uri="{FF2B5EF4-FFF2-40B4-BE49-F238E27FC236}">
+                <a16:creationId xmlns:a16="http://schemas.microsoft.com/office/drawing/2014/main" id="{A349DF6F-ECC0-53F4-9CB9-0A85DEABA6AB}"/>
+              </a:ext>
+            </a:extLst>
+          </p:cNvPr>
+          <p:cNvSpPr txBox="1"/>
+          <p:nvPr/>
+        </p:nvSpPr>
+        <p:spPr>
+          <a:xfrm>
+            <a:off x="5110220" y="5346869"/>
+            <a:ext cx="1608582" cy="369332"/>
+          </a:xfrm>
+          <a:prstGeom prst="rect">
+            <a:avLst/>
+          </a:prstGeom>
+          <a:noFill/>
+        </p:spPr>
+        <p:txBody>
+          <a:bodyPr wrap="none" rtlCol="0">
+            <a:spAutoFit/>
+          </a:bodyPr>
+          <a:lstStyle/>
+          <a:p>
+            <a:r>
+              <a:rPr lang="en-US" dirty="0"/>
+              <a:t>(Quick detour)</a:t>
+            </a:r>
+          </a:p>
+        </p:txBody>
+      </p:sp>
+      <p:pic>
+        <p:nvPicPr>
+          <p:cNvPr id="21" name="Picture 20">
+            <a:extLst>
+              <a:ext uri="{FF2B5EF4-FFF2-40B4-BE49-F238E27FC236}">
+                <a16:creationId xmlns:a16="http://schemas.microsoft.com/office/drawing/2014/main" id="{B2C3E110-87E9-E033-A5B6-AB02E981AAAC}"/>
+              </a:ext>
+            </a:extLst>
+          </p:cNvPr>
+          <p:cNvPicPr>
+            <a:picLocks noChangeAspect="1"/>
+          </p:cNvPicPr>
+          <p:nvPr/>
+        </p:nvPicPr>
+        <p:blipFill>
+          <a:blip r:embed="rId11"/>
+          <a:stretch>
+            <a:fillRect/>
+          </a:stretch>
+        </p:blipFill>
+        <p:spPr>
+          <a:xfrm>
+            <a:off x="762299" y="5808534"/>
+            <a:ext cx="6963747" cy="2505425"/>
+          </a:xfrm>
+          <a:prstGeom prst="rect">
+            <a:avLst/>
+          </a:prstGeom>
+        </p:spPr>
+      </p:pic>
+      <p:sp>
+        <p:nvSpPr>
+          <p:cNvPr id="22" name="TextBox 21">
+            <a:extLst>
+              <a:ext uri="{FF2B5EF4-FFF2-40B4-BE49-F238E27FC236}">
+                <a16:creationId xmlns:a16="http://schemas.microsoft.com/office/drawing/2014/main" id="{B2F83B34-8351-4AD4-234E-499F01F8B69D}"/>
+              </a:ext>
+            </a:extLst>
+          </p:cNvPr>
+          <p:cNvSpPr txBox="1"/>
+          <p:nvPr/>
+        </p:nvSpPr>
+        <p:spPr>
+          <a:xfrm>
+            <a:off x="-28798" y="8364589"/>
+            <a:ext cx="7611314" cy="923330"/>
+          </a:xfrm>
+          <a:prstGeom prst="rect">
+            <a:avLst/>
+          </a:prstGeom>
+          <a:noFill/>
+        </p:spPr>
+        <p:txBody>
+          <a:bodyPr wrap="none" rtlCol="0">
+            <a:spAutoFit/>
+          </a:bodyPr>
+          <a:lstStyle/>
+          <a:p>
+            <a:pPr marL="285750" indent="-285750">
+              <a:buFont typeface="Arial" panose="020B0604020202020204" pitchFamily="34" charset="0"/>
+              <a:buChar char="•"/>
+            </a:pPr>
+            <a:r>
+              <a:rPr lang="en-US" dirty="0"/>
+              <a:t>No moving plates</a:t>
+            </a:r>
+          </a:p>
+          <a:p>
+            <a:pPr marL="742950" lvl="1" indent="-285750">
+              <a:buFont typeface="Arial" panose="020B0604020202020204" pitchFamily="34" charset="0"/>
+              <a:buChar char="•"/>
+            </a:pPr>
+            <a:r>
+              <a:rPr lang="en-US" dirty="0"/>
+              <a:t>Velocities at the plates are still 0 because of the no-slip assumption</a:t>
+            </a:r>
+          </a:p>
+          <a:p>
+            <a:pPr marL="285750" indent="-285750">
+              <a:buFont typeface="Arial" panose="020B0604020202020204" pitchFamily="34" charset="0"/>
+              <a:buChar char="•"/>
+            </a:pPr>
+            <a:r>
+              <a:rPr lang="en-US" dirty="0"/>
+              <a:t>Instead of a linear velocity gradient, it is parabolic</a:t>
             </a:r>
           </a:p>
         </p:txBody>
